--- a/SPGP 1차 발표.pptx
+++ b/SPGP 1차 발표.pptx
@@ -11,10 +11,13 @@
     <p:sldId id="258" r:id="rId5"/>
     <p:sldId id="259" r:id="rId6"/>
     <p:sldId id="260" r:id="rId7"/>
-    <p:sldId id="262" r:id="rId8"/>
-    <p:sldId id="261" r:id="rId9"/>
-    <p:sldId id="263" r:id="rId10"/>
-    <p:sldId id="264" r:id="rId11"/>
+    <p:sldId id="265" r:id="rId8"/>
+    <p:sldId id="262" r:id="rId9"/>
+    <p:sldId id="266" r:id="rId10"/>
+    <p:sldId id="267" r:id="rId11"/>
+    <p:sldId id="261" r:id="rId12"/>
+    <p:sldId id="263" r:id="rId13"/>
+    <p:sldId id="264" r:id="rId14"/>
   </p:sldIdLst>
   <p:sldSz cx="12192000" cy="6858000"/>
   <p:notesSz cx="6858000" cy="9144000"/>
@@ -263,7 +266,7 @@
           <a:p>
             <a:fld id="{E1954D07-744E-49FD-BEDE-0404818B8A97}" type="datetimeFigureOut">
               <a:rPr lang="ko-KR" altLang="en-US" smtClean="0"/>
-              <a:t>2024-03-26</a:t>
+              <a:t>2024-04-01</a:t>
             </a:fld>
             <a:endParaRPr lang="ko-KR" altLang="en-US"/>
           </a:p>
@@ -433,7 +436,7 @@
           <a:p>
             <a:fld id="{E1954D07-744E-49FD-BEDE-0404818B8A97}" type="datetimeFigureOut">
               <a:rPr lang="ko-KR" altLang="en-US" smtClean="0"/>
-              <a:t>2024-03-26</a:t>
+              <a:t>2024-04-01</a:t>
             </a:fld>
             <a:endParaRPr lang="ko-KR" altLang="en-US"/>
           </a:p>
@@ -613,7 +616,7 @@
           <a:p>
             <a:fld id="{E1954D07-744E-49FD-BEDE-0404818B8A97}" type="datetimeFigureOut">
               <a:rPr lang="ko-KR" altLang="en-US" smtClean="0"/>
-              <a:t>2024-03-26</a:t>
+              <a:t>2024-04-01</a:t>
             </a:fld>
             <a:endParaRPr lang="ko-KR" altLang="en-US"/>
           </a:p>
@@ -1128,7 +1131,7 @@
           <a:p>
             <a:fld id="{E1954D07-744E-49FD-BEDE-0404818B8A97}" type="datetimeFigureOut">
               <a:rPr lang="ko-KR" altLang="en-US" smtClean="0"/>
-              <a:t>2024-03-26</a:t>
+              <a:t>2024-04-01</a:t>
             </a:fld>
             <a:endParaRPr lang="ko-KR" altLang="en-US"/>
           </a:p>
@@ -1375,7 +1378,7 @@
           <a:p>
             <a:fld id="{E1954D07-744E-49FD-BEDE-0404818B8A97}" type="datetimeFigureOut">
               <a:rPr lang="ko-KR" altLang="en-US" smtClean="0"/>
-              <a:t>2024-03-26</a:t>
+              <a:t>2024-04-01</a:t>
             </a:fld>
             <a:endParaRPr lang="ko-KR" altLang="en-US"/>
           </a:p>
@@ -1625,7 +1628,7 @@
           <a:p>
             <a:fld id="{E1954D07-744E-49FD-BEDE-0404818B8A97}" type="datetimeFigureOut">
               <a:rPr lang="ko-KR" altLang="en-US" smtClean="0"/>
-              <a:t>2024-03-26</a:t>
+              <a:t>2024-04-01</a:t>
             </a:fld>
             <a:endParaRPr lang="ko-KR" altLang="en-US"/>
           </a:p>
@@ -1862,7 +1865,7 @@
           <a:p>
             <a:fld id="{E1954D07-744E-49FD-BEDE-0404818B8A97}" type="datetimeFigureOut">
               <a:rPr lang="ko-KR" altLang="en-US" smtClean="0"/>
-              <a:t>2024-03-26</a:t>
+              <a:t>2024-04-01</a:t>
             </a:fld>
             <a:endParaRPr lang="ko-KR" altLang="en-US"/>
           </a:p>
@@ -2247,7 +2250,7 @@
           <a:p>
             <a:fld id="{E1954D07-744E-49FD-BEDE-0404818B8A97}" type="datetimeFigureOut">
               <a:rPr lang="ko-KR" altLang="en-US" smtClean="0"/>
-              <a:t>2024-03-26</a:t>
+              <a:t>2024-04-01</a:t>
             </a:fld>
             <a:endParaRPr lang="ko-KR" altLang="en-US"/>
           </a:p>
@@ -2365,7 +2368,7 @@
           <a:p>
             <a:fld id="{E1954D07-744E-49FD-BEDE-0404818B8A97}" type="datetimeFigureOut">
               <a:rPr lang="ko-KR" altLang="en-US" smtClean="0"/>
-              <a:t>2024-03-26</a:t>
+              <a:t>2024-04-01</a:t>
             </a:fld>
             <a:endParaRPr lang="ko-KR" altLang="en-US"/>
           </a:p>
@@ -2460,7 +2463,7 @@
           <a:p>
             <a:fld id="{E1954D07-744E-49FD-BEDE-0404818B8A97}" type="datetimeFigureOut">
               <a:rPr lang="ko-KR" altLang="en-US" smtClean="0"/>
-              <a:t>2024-03-26</a:t>
+              <a:t>2024-04-01</a:t>
             </a:fld>
             <a:endParaRPr lang="ko-KR" altLang="en-US"/>
           </a:p>
@@ -2713,7 +2716,7 @@
           <a:p>
             <a:fld id="{E1954D07-744E-49FD-BEDE-0404818B8A97}" type="datetimeFigureOut">
               <a:rPr lang="ko-KR" altLang="en-US" smtClean="0"/>
-              <a:t>2024-03-26</a:t>
+              <a:t>2024-04-01</a:t>
             </a:fld>
             <a:endParaRPr lang="ko-KR" altLang="en-US"/>
           </a:p>
@@ -2883,7 +2886,7 @@
           <a:p>
             <a:fld id="{E1954D07-744E-49FD-BEDE-0404818B8A97}" type="datetimeFigureOut">
               <a:rPr lang="ko-KR" altLang="en-US" smtClean="0"/>
-              <a:t>2024-03-26</a:t>
+              <a:t>2024-04-01</a:t>
             </a:fld>
             <a:endParaRPr lang="ko-KR" altLang="en-US"/>
           </a:p>
@@ -3152,7 +3155,7 @@
           <a:p>
             <a:fld id="{E1954D07-744E-49FD-BEDE-0404818B8A97}" type="datetimeFigureOut">
               <a:rPr lang="ko-KR" altLang="en-US" smtClean="0"/>
-              <a:t>2024-03-26</a:t>
+              <a:t>2024-04-01</a:t>
             </a:fld>
             <a:endParaRPr lang="ko-KR" altLang="en-US"/>
           </a:p>
@@ -3417,7 +3420,7 @@
           <a:p>
             <a:fld id="{E1954D07-744E-49FD-BEDE-0404818B8A97}" type="datetimeFigureOut">
               <a:rPr lang="ko-KR" altLang="en-US" smtClean="0"/>
-              <a:t>2024-03-26</a:t>
+              <a:t>2024-04-01</a:t>
             </a:fld>
             <a:endParaRPr lang="ko-KR" altLang="en-US"/>
           </a:p>
@@ -3613,7 +3616,7 @@
           <a:p>
             <a:fld id="{E1954D07-744E-49FD-BEDE-0404818B8A97}" type="datetimeFigureOut">
               <a:rPr lang="ko-KR" altLang="en-US" smtClean="0"/>
-              <a:t>2024-03-26</a:t>
+              <a:t>2024-04-01</a:t>
             </a:fld>
             <a:endParaRPr lang="ko-KR" altLang="en-US"/>
           </a:p>
@@ -3883,7 +3886,7 @@
           <a:p>
             <a:fld id="{E1954D07-744E-49FD-BEDE-0404818B8A97}" type="datetimeFigureOut">
               <a:rPr lang="ko-KR" altLang="en-US" smtClean="0"/>
-              <a:t>2024-03-26</a:t>
+              <a:t>2024-04-01</a:t>
             </a:fld>
             <a:endParaRPr lang="ko-KR" altLang="en-US"/>
           </a:p>
@@ -4311,7 +4314,7 @@
           <a:p>
             <a:fld id="{E1954D07-744E-49FD-BEDE-0404818B8A97}" type="datetimeFigureOut">
               <a:rPr lang="ko-KR" altLang="en-US" smtClean="0"/>
-              <a:t>2024-03-26</a:t>
+              <a:t>2024-04-01</a:t>
             </a:fld>
             <a:endParaRPr lang="ko-KR" altLang="en-US"/>
           </a:p>
@@ -4861,7 +4864,7 @@
           <a:p>
             <a:fld id="{E1954D07-744E-49FD-BEDE-0404818B8A97}" type="datetimeFigureOut">
               <a:rPr lang="ko-KR" altLang="en-US" smtClean="0"/>
-              <a:t>2024-03-26</a:t>
+              <a:t>2024-04-01</a:t>
             </a:fld>
             <a:endParaRPr lang="ko-KR" altLang="en-US"/>
           </a:p>
@@ -5651,7 +5654,7 @@
           <a:p>
             <a:fld id="{E1954D07-744E-49FD-BEDE-0404818B8A97}" type="datetimeFigureOut">
               <a:rPr lang="ko-KR" altLang="en-US" smtClean="0"/>
-              <a:t>2024-03-26</a:t>
+              <a:t>2024-04-01</a:t>
             </a:fld>
             <a:endParaRPr lang="ko-KR" altLang="en-US"/>
           </a:p>
@@ -5830,7 +5833,7 @@
           <a:p>
             <a:fld id="{E1954D07-744E-49FD-BEDE-0404818B8A97}" type="datetimeFigureOut">
               <a:rPr lang="ko-KR" altLang="en-US" smtClean="0"/>
-              <a:t>2024-03-26</a:t>
+              <a:t>2024-04-01</a:t>
             </a:fld>
             <a:endParaRPr lang="ko-KR" altLang="en-US"/>
           </a:p>
@@ -6014,7 +6017,7 @@
           <a:p>
             <a:fld id="{E1954D07-744E-49FD-BEDE-0404818B8A97}" type="datetimeFigureOut">
               <a:rPr lang="ko-KR" altLang="en-US" smtClean="0"/>
-              <a:t>2024-03-26</a:t>
+              <a:t>2024-04-01</a:t>
             </a:fld>
             <a:endParaRPr lang="ko-KR" altLang="en-US"/>
           </a:p>
@@ -6184,7 +6187,7 @@
           <a:p>
             <a:fld id="{E1954D07-744E-49FD-BEDE-0404818B8A97}" type="datetimeFigureOut">
               <a:rPr lang="ko-KR" altLang="en-US" smtClean="0"/>
-              <a:t>2024-03-26</a:t>
+              <a:t>2024-04-01</a:t>
             </a:fld>
             <a:endParaRPr lang="ko-KR" altLang="en-US"/>
           </a:p>
@@ -6435,7 +6438,7 @@
           <a:p>
             <a:fld id="{E1954D07-744E-49FD-BEDE-0404818B8A97}" type="datetimeFigureOut">
               <a:rPr lang="ko-KR" altLang="en-US" smtClean="0"/>
-              <a:t>2024-03-26</a:t>
+              <a:t>2024-04-01</a:t>
             </a:fld>
             <a:endParaRPr lang="ko-KR" altLang="en-US"/>
           </a:p>
@@ -6667,7 +6670,7 @@
           <a:p>
             <a:fld id="{E1954D07-744E-49FD-BEDE-0404818B8A97}" type="datetimeFigureOut">
               <a:rPr lang="ko-KR" altLang="en-US" smtClean="0"/>
-              <a:t>2024-03-26</a:t>
+              <a:t>2024-04-01</a:t>
             </a:fld>
             <a:endParaRPr lang="ko-KR" altLang="en-US"/>
           </a:p>
@@ -7014,7 +7017,7 @@
           <a:p>
             <a:fld id="{E1954D07-744E-49FD-BEDE-0404818B8A97}" type="datetimeFigureOut">
               <a:rPr lang="ko-KR" altLang="en-US" smtClean="0"/>
-              <a:t>2024-03-26</a:t>
+              <a:t>2024-04-01</a:t>
             </a:fld>
             <a:endParaRPr lang="ko-KR" altLang="en-US"/>
           </a:p>
@@ -7132,7 +7135,7 @@
           <a:p>
             <a:fld id="{E1954D07-744E-49FD-BEDE-0404818B8A97}" type="datetimeFigureOut">
               <a:rPr lang="ko-KR" altLang="en-US" smtClean="0"/>
-              <a:t>2024-03-26</a:t>
+              <a:t>2024-04-01</a:t>
             </a:fld>
             <a:endParaRPr lang="ko-KR" altLang="en-US"/>
           </a:p>
@@ -7250,7 +7253,7 @@
           <a:p>
             <a:fld id="{E1954D07-744E-49FD-BEDE-0404818B8A97}" type="datetimeFigureOut">
               <a:rPr lang="ko-KR" altLang="en-US" smtClean="0"/>
-              <a:t>2024-03-26</a:t>
+              <a:t>2024-04-01</a:t>
             </a:fld>
             <a:endParaRPr lang="ko-KR" altLang="en-US"/>
           </a:p>
@@ -7534,7 +7537,7 @@
           <a:p>
             <a:fld id="{E1954D07-744E-49FD-BEDE-0404818B8A97}" type="datetimeFigureOut">
               <a:rPr lang="ko-KR" altLang="en-US" smtClean="0"/>
-              <a:t>2024-03-26</a:t>
+              <a:t>2024-04-01</a:t>
             </a:fld>
             <a:endParaRPr lang="ko-KR" altLang="en-US"/>
           </a:p>
@@ -7798,7 +7801,7 @@
           <a:p>
             <a:fld id="{E1954D07-744E-49FD-BEDE-0404818B8A97}" type="datetimeFigureOut">
               <a:rPr lang="ko-KR" altLang="en-US" smtClean="0"/>
-              <a:t>2024-03-26</a:t>
+              <a:t>2024-04-01</a:t>
             </a:fld>
             <a:endParaRPr lang="ko-KR" altLang="en-US"/>
           </a:p>
@@ -8012,7 +8015,7 @@
           <a:p>
             <a:fld id="{E1954D07-744E-49FD-BEDE-0404818B8A97}" type="datetimeFigureOut">
               <a:rPr lang="ko-KR" altLang="en-US" smtClean="0"/>
-              <a:t>2024-03-26</a:t>
+              <a:t>2024-04-01</a:t>
             </a:fld>
             <a:endParaRPr lang="ko-KR" altLang="en-US"/>
           </a:p>
@@ -8732,7 +8735,7 @@
           <a:p>
             <a:fld id="{E1954D07-744E-49FD-BEDE-0404818B8A97}" type="datetimeFigureOut">
               <a:rPr lang="ko-KR" altLang="en-US" smtClean="0"/>
-              <a:t>2024-03-26</a:t>
+              <a:t>2024-04-01</a:t>
             </a:fld>
             <a:endParaRPr lang="ko-KR" altLang="en-US"/>
           </a:p>
@@ -9266,7 +9269,7 @@
               <a:t> </a:t>
             </a:r>
             <a:r>
-              <a:rPr lang="ko-KR" altLang="en-US" dirty="0">
+              <a:rPr lang="ko-KR" altLang="en-US" b="1" dirty="0">
                 <a:solidFill>
                   <a:srgbClr val="7030A0"/>
                 </a:solidFill>
@@ -9327,7 +9330,7 @@
 </p:sld>
 </file>
 
-<file path=ppt/slides/slide2.xml><?xml version="1.0" encoding="utf-8"?>
+<file path=ppt/slides/slide10.xml><?xml version="1.0" encoding="utf-8"?>
 <p:sld xmlns:a="http://schemas.openxmlformats.org/drawingml/2006/main" xmlns:r="http://schemas.openxmlformats.org/officeDocument/2006/relationships" xmlns:p="http://schemas.openxmlformats.org/presentationml/2006/main">
   <p:cSld>
     <p:spTree>
@@ -9370,730 +9373,21 @@
                 <a:latin typeface="+mn-ea"/>
                 <a:ea typeface="+mn-ea"/>
               </a:rPr>
-              <a:t>게임 배경</a:t>
-            </a:r>
-          </a:p>
-        </p:txBody>
-      </p:sp>
-      <p:sp>
-        <p:nvSpPr>
-          <p:cNvPr id="4" name="내용 개체 틀 2">
+              <a:t>개발 일정</a:t>
+            </a:r>
+            <a:endParaRPr lang="ko-KR" altLang="en-US" sz="3600" dirty="0">
+              <a:latin typeface="+mn-ea"/>
+              <a:ea typeface="+mn-ea"/>
+            </a:endParaRPr>
+          </a:p>
+        </p:txBody>
+      </p:sp>
+      <p:sp>
+        <p:nvSpPr>
+          <p:cNvPr id="8" name="직사각형 7">
             <a:extLst>
               <a:ext uri="{FF2B5EF4-FFF2-40B4-BE49-F238E27FC236}">
-                <a16:creationId xmlns:a16="http://schemas.microsoft.com/office/drawing/2014/main" id="{EB679DE9-8C2D-928C-AB83-878489CECF6D}"/>
-              </a:ext>
-            </a:extLst>
-          </p:cNvPr>
-          <p:cNvSpPr txBox="1">
-            <a:spLocks/>
-          </p:cNvSpPr>
-          <p:nvPr/>
-        </p:nvSpPr>
-        <p:spPr>
-          <a:xfrm>
-            <a:off x="685801" y="2063397"/>
-            <a:ext cx="10027023" cy="2347238"/>
-          </a:xfrm>
-          <a:prstGeom prst="rect">
-            <a:avLst/>
-          </a:prstGeom>
-        </p:spPr>
-        <p:txBody>
-          <a:bodyPr vert="horz" lIns="91440" tIns="45720" rIns="91440" bIns="45720" rtlCol="0" anchor="ctr">
-            <a:normAutofit/>
-          </a:bodyPr>
-          <a:lstStyle>
-            <a:lvl1pPr marL="228600" indent="-228600" algn="l" defTabSz="914400" rtl="0" eaLnBrk="1" latinLnBrk="1" hangingPunct="1">
-              <a:lnSpc>
-                <a:spcPct val="120000"/>
-              </a:lnSpc>
-              <a:spcBef>
-                <a:spcPts val="1000"/>
-              </a:spcBef>
-              <a:buClr>
-                <a:schemeClr val="accent1">
-                  <a:lumMod val="60000"/>
-                  <a:lumOff val="40000"/>
-                </a:schemeClr>
-              </a:buClr>
-              <a:buSzPct val="160000"/>
-              <a:buFont typeface="Arial" panose="020B0604020202020204" pitchFamily="34" charset="0"/>
-              <a:buChar char="•"/>
-              <a:defRPr sz="2000" kern="1200" cap="all" baseline="0">
-                <a:solidFill>
-                  <a:schemeClr val="tx1"/>
-                </a:solidFill>
-                <a:effectLst/>
-                <a:latin typeface="+mn-lt"/>
-                <a:ea typeface="+mn-ea"/>
-                <a:cs typeface="+mn-cs"/>
-              </a:defRPr>
-            </a:lvl1pPr>
-            <a:lvl2pPr marL="685800" indent="-228600" algn="l" defTabSz="914400" rtl="0" eaLnBrk="1" latinLnBrk="1" hangingPunct="1">
-              <a:lnSpc>
-                <a:spcPct val="120000"/>
-              </a:lnSpc>
-              <a:spcBef>
-                <a:spcPts val="500"/>
-              </a:spcBef>
-              <a:buClr>
-                <a:schemeClr val="accent1">
-                  <a:lumMod val="60000"/>
-                  <a:lumOff val="40000"/>
-                </a:schemeClr>
-              </a:buClr>
-              <a:buSzPct val="160000"/>
-              <a:buFont typeface="Arial" panose="020B0604020202020204" pitchFamily="34" charset="0"/>
-              <a:buChar char="•"/>
-              <a:defRPr sz="1800" kern="1200" cap="all" baseline="0">
-                <a:solidFill>
-                  <a:schemeClr val="tx1"/>
-                </a:solidFill>
-                <a:effectLst/>
-                <a:latin typeface="+mn-lt"/>
-                <a:ea typeface="+mn-ea"/>
-                <a:cs typeface="+mn-cs"/>
-              </a:defRPr>
-            </a:lvl2pPr>
-            <a:lvl3pPr marL="1143000" indent="-228600" algn="l" defTabSz="914400" rtl="0" eaLnBrk="1" latinLnBrk="1" hangingPunct="1">
-              <a:lnSpc>
-                <a:spcPct val="120000"/>
-              </a:lnSpc>
-              <a:spcBef>
-                <a:spcPts val="500"/>
-              </a:spcBef>
-              <a:buClr>
-                <a:schemeClr val="accent1">
-                  <a:lumMod val="60000"/>
-                  <a:lumOff val="40000"/>
-                </a:schemeClr>
-              </a:buClr>
-              <a:buSzPct val="160000"/>
-              <a:buFont typeface="Arial" panose="020B0604020202020204" pitchFamily="34" charset="0"/>
-              <a:buChar char="•"/>
-              <a:defRPr sz="1600" kern="1200" cap="all" baseline="0">
-                <a:solidFill>
-                  <a:schemeClr val="tx1"/>
-                </a:solidFill>
-                <a:effectLst/>
-                <a:latin typeface="+mn-lt"/>
-                <a:ea typeface="+mn-ea"/>
-                <a:cs typeface="+mn-cs"/>
-              </a:defRPr>
-            </a:lvl3pPr>
-            <a:lvl4pPr marL="1600200" indent="-228600" algn="l" defTabSz="914400" rtl="0" eaLnBrk="1" latinLnBrk="1" hangingPunct="1">
-              <a:lnSpc>
-                <a:spcPct val="120000"/>
-              </a:lnSpc>
-              <a:spcBef>
-                <a:spcPts val="500"/>
-              </a:spcBef>
-              <a:buClr>
-                <a:schemeClr val="accent1">
-                  <a:lumMod val="60000"/>
-                  <a:lumOff val="40000"/>
-                </a:schemeClr>
-              </a:buClr>
-              <a:buSzPct val="160000"/>
-              <a:buFont typeface="Arial" panose="020B0604020202020204" pitchFamily="34" charset="0"/>
-              <a:buChar char="•"/>
-              <a:defRPr sz="1400" kern="1200" cap="all" baseline="0">
-                <a:solidFill>
-                  <a:schemeClr val="tx1"/>
-                </a:solidFill>
-                <a:effectLst/>
-                <a:latin typeface="+mn-lt"/>
-                <a:ea typeface="+mn-ea"/>
-                <a:cs typeface="+mn-cs"/>
-              </a:defRPr>
-            </a:lvl4pPr>
-            <a:lvl5pPr marL="2057400" indent="-228600" algn="l" defTabSz="914400" rtl="0" eaLnBrk="1" latinLnBrk="1" hangingPunct="1">
-              <a:lnSpc>
-                <a:spcPct val="120000"/>
-              </a:lnSpc>
-              <a:spcBef>
-                <a:spcPts val="500"/>
-              </a:spcBef>
-              <a:buClr>
-                <a:schemeClr val="accent1">
-                  <a:lumMod val="60000"/>
-                  <a:lumOff val="40000"/>
-                </a:schemeClr>
-              </a:buClr>
-              <a:buSzPct val="160000"/>
-              <a:buFont typeface="Arial" panose="020B0604020202020204" pitchFamily="34" charset="0"/>
-              <a:buChar char="•"/>
-              <a:defRPr sz="1400" kern="1200" cap="all" baseline="0">
-                <a:solidFill>
-                  <a:schemeClr val="tx1"/>
-                </a:solidFill>
-                <a:effectLst/>
-                <a:latin typeface="+mn-lt"/>
-                <a:ea typeface="+mn-ea"/>
-                <a:cs typeface="+mn-cs"/>
-              </a:defRPr>
-            </a:lvl5pPr>
-            <a:lvl6pPr marL="2514600" indent="-228600" algn="l" defTabSz="914400" rtl="0" eaLnBrk="1" latinLnBrk="1" hangingPunct="1">
-              <a:lnSpc>
-                <a:spcPct val="120000"/>
-              </a:lnSpc>
-              <a:spcBef>
-                <a:spcPts val="500"/>
-              </a:spcBef>
-              <a:buClr>
-                <a:schemeClr val="accent1">
-                  <a:lumMod val="60000"/>
-                  <a:lumOff val="40000"/>
-                </a:schemeClr>
-              </a:buClr>
-              <a:buSzPct val="160000"/>
-              <a:buFont typeface="Arial" panose="020B0604020202020204" pitchFamily="34" charset="0"/>
-              <a:buChar char="•"/>
-              <a:defRPr sz="1400" kern="1200" cap="all" baseline="0">
-                <a:solidFill>
-                  <a:schemeClr val="tx1"/>
-                </a:solidFill>
-                <a:effectLst/>
-                <a:latin typeface="+mn-lt"/>
-                <a:ea typeface="+mn-ea"/>
-                <a:cs typeface="+mn-cs"/>
-              </a:defRPr>
-            </a:lvl6pPr>
-            <a:lvl7pPr marL="2971800" indent="-228600" algn="l" defTabSz="914400" rtl="0" eaLnBrk="1" latinLnBrk="1" hangingPunct="1">
-              <a:lnSpc>
-                <a:spcPct val="120000"/>
-              </a:lnSpc>
-              <a:spcBef>
-                <a:spcPts val="500"/>
-              </a:spcBef>
-              <a:buClr>
-                <a:schemeClr val="accent1">
-                  <a:lumMod val="60000"/>
-                  <a:lumOff val="40000"/>
-                </a:schemeClr>
-              </a:buClr>
-              <a:buSzPct val="160000"/>
-              <a:buFont typeface="Arial" panose="020B0604020202020204" pitchFamily="34" charset="0"/>
-              <a:buChar char="•"/>
-              <a:defRPr sz="1400" kern="1200" cap="all" baseline="0">
-                <a:solidFill>
-                  <a:schemeClr val="tx1"/>
-                </a:solidFill>
-                <a:effectLst/>
-                <a:latin typeface="+mn-lt"/>
-                <a:ea typeface="+mn-ea"/>
-                <a:cs typeface="+mn-cs"/>
-              </a:defRPr>
-            </a:lvl7pPr>
-            <a:lvl8pPr marL="3429000" indent="-228600" algn="l" defTabSz="914400" rtl="0" eaLnBrk="1" latinLnBrk="1" hangingPunct="1">
-              <a:lnSpc>
-                <a:spcPct val="120000"/>
-              </a:lnSpc>
-              <a:spcBef>
-                <a:spcPts val="500"/>
-              </a:spcBef>
-              <a:buClr>
-                <a:schemeClr val="accent1">
-                  <a:lumMod val="60000"/>
-                  <a:lumOff val="40000"/>
-                </a:schemeClr>
-              </a:buClr>
-              <a:buSzPct val="160000"/>
-              <a:buFont typeface="Arial" panose="020B0604020202020204" pitchFamily="34" charset="0"/>
-              <a:buChar char="•"/>
-              <a:defRPr sz="1400" kern="1200" cap="all" baseline="0">
-                <a:solidFill>
-                  <a:schemeClr val="tx1"/>
-                </a:solidFill>
-                <a:effectLst/>
-                <a:latin typeface="+mn-lt"/>
-                <a:ea typeface="+mn-ea"/>
-                <a:cs typeface="+mn-cs"/>
-              </a:defRPr>
-            </a:lvl8pPr>
-            <a:lvl9pPr marL="3886200" indent="-228600" algn="l" defTabSz="914400" rtl="0" eaLnBrk="1" latinLnBrk="1" hangingPunct="1">
-              <a:lnSpc>
-                <a:spcPct val="120000"/>
-              </a:lnSpc>
-              <a:spcBef>
-                <a:spcPts val="500"/>
-              </a:spcBef>
-              <a:buClr>
-                <a:schemeClr val="accent1">
-                  <a:lumMod val="60000"/>
-                  <a:lumOff val="40000"/>
-                </a:schemeClr>
-              </a:buClr>
-              <a:buSzPct val="160000"/>
-              <a:buFont typeface="Arial" panose="020B0604020202020204" pitchFamily="34" charset="0"/>
-              <a:buChar char="•"/>
-              <a:defRPr sz="1400" kern="1200" cap="all" baseline="0">
-                <a:solidFill>
-                  <a:schemeClr val="tx1"/>
-                </a:solidFill>
-                <a:effectLst/>
-                <a:latin typeface="+mn-lt"/>
-                <a:ea typeface="+mn-ea"/>
-                <a:cs typeface="+mn-cs"/>
-              </a:defRPr>
-            </a:lvl9pPr>
-          </a:lstStyle>
-          <a:p>
-            <a:pPr marL="0" indent="0" algn="l">
-              <a:buNone/>
-            </a:pPr>
-            <a:r>
-              <a:rPr lang="en-US" altLang="ko-KR" b="0" i="0" dirty="0">
-                <a:solidFill>
-                  <a:srgbClr val="1E1E1E"/>
-                </a:solidFill>
-                <a:effectLst/>
-                <a:latin typeface="Segoe UI" panose="020B0502040204020203" pitchFamily="34" charset="0"/>
-              </a:rPr>
-              <a:t>[</a:t>
-            </a:r>
-            <a:r>
-              <a:rPr lang="ko-KR" altLang="en-US" b="1" i="0" dirty="0">
-                <a:solidFill>
-                  <a:srgbClr val="C00000"/>
-                </a:solidFill>
-                <a:effectLst/>
-                <a:latin typeface="Segoe UI" panose="020B0502040204020203" pitchFamily="34" charset="0"/>
-              </a:rPr>
-              <a:t>허실차원</a:t>
-            </a:r>
-            <a:r>
-              <a:rPr lang="en-US" altLang="ko-KR" b="0" i="0" dirty="0">
-                <a:solidFill>
-                  <a:srgbClr val="1E1E1E"/>
-                </a:solidFill>
-                <a:effectLst/>
-                <a:latin typeface="Segoe UI" panose="020B0502040204020203" pitchFamily="34" charset="0"/>
-              </a:rPr>
-              <a:t>]</a:t>
-            </a:r>
-            <a:r>
-              <a:rPr lang="ko-KR" altLang="en-US" b="0" i="0" dirty="0">
-                <a:solidFill>
-                  <a:srgbClr val="1E1E1E"/>
-                </a:solidFill>
-                <a:effectLst/>
-                <a:latin typeface="Segoe UI" panose="020B0502040204020203" pitchFamily="34" charset="0"/>
-              </a:rPr>
-              <a:t>과 주인공 </a:t>
-            </a:r>
-            <a:r>
-              <a:rPr lang="ko-KR" altLang="en-US" b="1" i="0" dirty="0">
-                <a:solidFill>
-                  <a:srgbClr val="7030A0"/>
-                </a:solidFill>
-                <a:effectLst/>
-                <a:latin typeface="Segoe UI" panose="020B0502040204020203" pitchFamily="34" charset="0"/>
-              </a:rPr>
-              <a:t>연성화</a:t>
-            </a:r>
-            <a:endParaRPr lang="en-US" altLang="ko-KR" b="1" i="0" dirty="0">
-              <a:solidFill>
-                <a:srgbClr val="7030A0"/>
-              </a:solidFill>
-              <a:effectLst/>
-              <a:latin typeface="Segoe UI" panose="020B0502040204020203" pitchFamily="34" charset="0"/>
-            </a:endParaRPr>
-          </a:p>
-          <a:p>
-            <a:pPr algn="l">
-              <a:buFont typeface="Arial" panose="020B0604020202020204" pitchFamily="34" charset="0"/>
-              <a:buChar char="•"/>
-            </a:pPr>
-            <a:r>
-              <a:rPr lang="ko-KR" altLang="en-US" b="1" i="0" dirty="0">
-                <a:solidFill>
-                  <a:srgbClr val="7030A0"/>
-                </a:solidFill>
-                <a:effectLst/>
-                <a:latin typeface="Segoe UI" panose="020B0502040204020203" pitchFamily="34" charset="0"/>
-              </a:rPr>
-              <a:t>연성화</a:t>
-            </a:r>
-            <a:r>
-              <a:rPr lang="ko-KR" altLang="en-US" b="0" i="0" dirty="0">
-                <a:solidFill>
-                  <a:srgbClr val="1E1E1E"/>
-                </a:solidFill>
-                <a:effectLst/>
-                <a:latin typeface="Segoe UI" panose="020B0502040204020203" pitchFamily="34" charset="0"/>
-              </a:rPr>
-              <a:t>는 신비로운 하늘 아래 차원 </a:t>
-            </a:r>
-            <a:r>
-              <a:rPr lang="en-US" altLang="ko-KR" b="0" i="0" dirty="0">
-                <a:solidFill>
-                  <a:srgbClr val="1E1E1E"/>
-                </a:solidFill>
-                <a:effectLst/>
-                <a:latin typeface="Segoe UI" panose="020B0502040204020203" pitchFamily="34" charset="0"/>
-              </a:rPr>
-              <a:t>[</a:t>
-            </a:r>
-            <a:r>
-              <a:rPr lang="ko-KR" altLang="en-US" b="1" i="0" dirty="0">
-                <a:solidFill>
-                  <a:srgbClr val="C00000"/>
-                </a:solidFill>
-                <a:effectLst/>
-                <a:latin typeface="Segoe UI" panose="020B0502040204020203" pitchFamily="34" charset="0"/>
-              </a:rPr>
-              <a:t>허실차원</a:t>
-            </a:r>
-            <a:r>
-              <a:rPr lang="en-US" altLang="ko-KR" b="0" i="0" dirty="0">
-                <a:solidFill>
-                  <a:srgbClr val="1E1E1E"/>
-                </a:solidFill>
-                <a:effectLst/>
-                <a:latin typeface="Segoe UI" panose="020B0502040204020203" pitchFamily="34" charset="0"/>
-              </a:rPr>
-              <a:t>]</a:t>
-            </a:r>
-            <a:r>
-              <a:rPr lang="ko-KR" altLang="en-US" b="0" i="0" dirty="0">
-                <a:solidFill>
-                  <a:srgbClr val="1E1E1E"/>
-                </a:solidFill>
-                <a:effectLst/>
-                <a:latin typeface="Segoe UI" panose="020B0502040204020203" pitchFamily="34" charset="0"/>
-              </a:rPr>
-              <a:t>으로 파견나간 </a:t>
-            </a:r>
-            <a:r>
-              <a:rPr lang="en-US" altLang="ko-KR" b="0" i="0" dirty="0">
-                <a:solidFill>
-                  <a:srgbClr val="1E1E1E"/>
-                </a:solidFill>
-                <a:effectLst/>
-                <a:latin typeface="Segoe UI" panose="020B0502040204020203" pitchFamily="34" charset="0"/>
-              </a:rPr>
-              <a:t>1</a:t>
-            </a:r>
-            <a:r>
-              <a:rPr lang="ko-KR" altLang="en-US" b="0" i="0" dirty="0">
-                <a:solidFill>
-                  <a:srgbClr val="1E1E1E"/>
-                </a:solidFill>
-                <a:effectLst/>
-                <a:latin typeface="Segoe UI" panose="020B0502040204020203" pitchFamily="34" charset="0"/>
-              </a:rPr>
-              <a:t>급 전투원</a:t>
-            </a:r>
-            <a:r>
-              <a:rPr lang="en-US" altLang="ko-KR" b="0" i="0" dirty="0">
-                <a:solidFill>
-                  <a:srgbClr val="1E1E1E"/>
-                </a:solidFill>
-                <a:effectLst/>
-                <a:latin typeface="Segoe UI" panose="020B0502040204020203" pitchFamily="34" charset="0"/>
-              </a:rPr>
-              <a:t>. </a:t>
-            </a:r>
-          </a:p>
-          <a:p>
-            <a:pPr algn="l">
-              <a:buFont typeface="Arial" panose="020B0604020202020204" pitchFamily="34" charset="0"/>
-              <a:buChar char="•"/>
-            </a:pPr>
-            <a:r>
-              <a:rPr lang="en-US" altLang="ko-KR" b="0" i="0" dirty="0">
-                <a:solidFill>
-                  <a:srgbClr val="1E1E1E"/>
-                </a:solidFill>
-                <a:effectLst/>
-                <a:latin typeface="Segoe UI" panose="020B0502040204020203" pitchFamily="34" charset="0"/>
-              </a:rPr>
-              <a:t>[</a:t>
-            </a:r>
-            <a:r>
-              <a:rPr lang="ko-KR" altLang="en-US" b="0" i="0" dirty="0">
-                <a:solidFill>
-                  <a:srgbClr val="1E1E1E"/>
-                </a:solidFill>
-                <a:effectLst/>
-                <a:latin typeface="Segoe UI" panose="020B0502040204020203" pitchFamily="34" charset="0"/>
-              </a:rPr>
-              <a:t>허실차원</a:t>
-            </a:r>
-            <a:r>
-              <a:rPr lang="en-US" altLang="ko-KR" dirty="0">
-                <a:solidFill>
-                  <a:srgbClr val="1E1E1E"/>
-                </a:solidFill>
-                <a:latin typeface="Segoe UI" panose="020B0502040204020203" pitchFamily="34" charset="0"/>
-              </a:rPr>
-              <a:t>]</a:t>
-            </a:r>
-            <a:r>
-              <a:rPr lang="ko-KR" altLang="en-US" dirty="0">
-                <a:solidFill>
-                  <a:srgbClr val="1E1E1E"/>
-                </a:solidFill>
-                <a:latin typeface="Segoe UI" panose="020B0502040204020203" pitchFamily="34" charset="0"/>
-              </a:rPr>
-              <a:t>은 </a:t>
-            </a:r>
-            <a:r>
-              <a:rPr lang="ko-KR" altLang="en-US" b="0" i="0" dirty="0">
-                <a:solidFill>
-                  <a:srgbClr val="1E1E1E"/>
-                </a:solidFill>
-                <a:effectLst/>
-                <a:latin typeface="Segoe UI" panose="020B0502040204020203" pitchFamily="34" charset="0"/>
-              </a:rPr>
-              <a:t>아름다운 경치와는 다르게 유독성 먼지인 </a:t>
-            </a:r>
-            <a:r>
-              <a:rPr lang="en-US" altLang="ko-KR" b="0" i="0" dirty="0">
-                <a:solidFill>
-                  <a:srgbClr val="1E1E1E"/>
-                </a:solidFill>
-                <a:effectLst/>
-                <a:latin typeface="Segoe UI" panose="020B0502040204020203" pitchFamily="34" charset="0"/>
-              </a:rPr>
-              <a:t>[</a:t>
-            </a:r>
-            <a:r>
-              <a:rPr lang="ko-KR" altLang="en-US" b="1" i="0" dirty="0">
-                <a:solidFill>
-                  <a:srgbClr val="C00000"/>
-                </a:solidFill>
-                <a:effectLst/>
-                <a:latin typeface="Segoe UI" panose="020B0502040204020203" pitchFamily="34" charset="0"/>
-              </a:rPr>
-              <a:t>허실분진</a:t>
-            </a:r>
-            <a:r>
-              <a:rPr lang="en-US" altLang="ko-KR" b="0" i="0" dirty="0">
-                <a:solidFill>
-                  <a:srgbClr val="1E1E1E"/>
-                </a:solidFill>
-                <a:effectLst/>
-                <a:latin typeface="Segoe UI" panose="020B0502040204020203" pitchFamily="34" charset="0"/>
-              </a:rPr>
-              <a:t>]</a:t>
-            </a:r>
-            <a:r>
-              <a:rPr lang="ko-KR" altLang="en-US" b="0" i="0" dirty="0">
-                <a:solidFill>
-                  <a:srgbClr val="1E1E1E"/>
-                </a:solidFill>
-                <a:effectLst/>
-                <a:latin typeface="Segoe UI" panose="020B0502040204020203" pitchFamily="34" charset="0"/>
-              </a:rPr>
-              <a:t>으로 가득 차 있다</a:t>
-            </a:r>
-            <a:r>
-              <a:rPr lang="en-US" altLang="ko-KR" b="0" i="0" dirty="0">
-                <a:solidFill>
-                  <a:srgbClr val="1E1E1E"/>
-                </a:solidFill>
-                <a:effectLst/>
-                <a:latin typeface="Segoe UI" panose="020B0502040204020203" pitchFamily="34" charset="0"/>
-              </a:rPr>
-              <a:t>.</a:t>
-            </a:r>
-          </a:p>
-          <a:p>
-            <a:pPr algn="l">
-              <a:buFont typeface="Arial" panose="020B0604020202020204" pitchFamily="34" charset="0"/>
-              <a:buChar char="•"/>
-            </a:pPr>
-            <a:r>
-              <a:rPr lang="ko-KR" altLang="en-US" b="0" i="0" dirty="0">
-                <a:solidFill>
-                  <a:srgbClr val="1E1E1E"/>
-                </a:solidFill>
-                <a:effectLst/>
-                <a:latin typeface="Segoe UI" panose="020B0502040204020203" pitchFamily="34" charset="0"/>
-              </a:rPr>
-              <a:t>연성화가 맡은 임무는 </a:t>
-            </a:r>
-            <a:r>
-              <a:rPr lang="en-US" altLang="ko-KR" b="0" i="0" dirty="0">
-                <a:solidFill>
-                  <a:srgbClr val="1E1E1E"/>
-                </a:solidFill>
-                <a:effectLst/>
-                <a:latin typeface="Segoe UI" panose="020B0502040204020203" pitchFamily="34" charset="0"/>
-              </a:rPr>
-              <a:t>[</a:t>
-            </a:r>
-            <a:r>
-              <a:rPr lang="ko-KR" altLang="en-US" b="1" i="0" dirty="0">
-                <a:solidFill>
-                  <a:srgbClr val="C00000"/>
-                </a:solidFill>
-                <a:effectLst/>
-                <a:latin typeface="Segoe UI" panose="020B0502040204020203" pitchFamily="34" charset="0"/>
-              </a:rPr>
-              <a:t>허실분진</a:t>
-            </a:r>
-            <a:r>
-              <a:rPr lang="en-US" altLang="ko-KR" b="0" i="0" dirty="0">
-                <a:solidFill>
-                  <a:srgbClr val="1E1E1E"/>
-                </a:solidFill>
-                <a:effectLst/>
-                <a:latin typeface="Segoe UI" panose="020B0502040204020203" pitchFamily="34" charset="0"/>
-              </a:rPr>
-              <a:t>]</a:t>
-            </a:r>
-            <a:r>
-              <a:rPr lang="ko-KR" altLang="en-US" b="0" i="0" dirty="0">
-                <a:solidFill>
-                  <a:srgbClr val="1E1E1E"/>
-                </a:solidFill>
-                <a:effectLst/>
-                <a:latin typeface="Segoe UI" panose="020B0502040204020203" pitchFamily="34" charset="0"/>
-              </a:rPr>
-              <a:t>에 감염된 </a:t>
-            </a:r>
-            <a:r>
-              <a:rPr lang="en-US" altLang="ko-KR" b="0" i="0" dirty="0">
-                <a:solidFill>
-                  <a:srgbClr val="1E1E1E"/>
-                </a:solidFill>
-                <a:effectLst/>
-                <a:latin typeface="Segoe UI" panose="020B0502040204020203" pitchFamily="34" charset="0"/>
-              </a:rPr>
-              <a:t>[</a:t>
-            </a:r>
-            <a:r>
-              <a:rPr lang="ko-KR" altLang="en-US" b="1" i="0" dirty="0" err="1">
-                <a:solidFill>
-                  <a:srgbClr val="C00000"/>
-                </a:solidFill>
-                <a:effectLst/>
-                <a:latin typeface="Segoe UI" panose="020B0502040204020203" pitchFamily="34" charset="0"/>
-              </a:rPr>
-              <a:t>실차령</a:t>
-            </a:r>
-            <a:r>
-              <a:rPr lang="en-US" altLang="ko-KR" b="0" i="0" dirty="0">
-                <a:solidFill>
-                  <a:srgbClr val="1E1E1E"/>
-                </a:solidFill>
-                <a:effectLst/>
-                <a:latin typeface="Segoe UI" panose="020B0502040204020203" pitchFamily="34" charset="0"/>
-              </a:rPr>
-              <a:t>]</a:t>
-            </a:r>
-            <a:r>
-              <a:rPr lang="ko-KR" altLang="en-US" b="0" i="0" dirty="0">
-                <a:solidFill>
-                  <a:srgbClr val="1E1E1E"/>
-                </a:solidFill>
-                <a:effectLst/>
-                <a:latin typeface="Segoe UI" panose="020B0502040204020203" pitchFamily="34" charset="0"/>
-              </a:rPr>
-              <a:t>들을 정화함과 동시에 이곳 중앙의 </a:t>
-            </a:r>
-            <a:r>
-              <a:rPr lang="en-US" altLang="ko-KR" b="0" i="0" dirty="0">
-                <a:solidFill>
-                  <a:srgbClr val="1E1E1E"/>
-                </a:solidFill>
-                <a:effectLst/>
-                <a:latin typeface="Segoe UI" panose="020B0502040204020203" pitchFamily="34" charset="0"/>
-              </a:rPr>
-              <a:t>[</a:t>
-            </a:r>
-            <a:r>
-              <a:rPr lang="ko-KR" altLang="en-US" b="0" i="0" dirty="0">
-                <a:solidFill>
-                  <a:srgbClr val="1E1E1E"/>
-                </a:solidFill>
-                <a:effectLst/>
-                <a:latin typeface="Segoe UI" panose="020B0502040204020203" pitchFamily="34" charset="0"/>
-              </a:rPr>
-              <a:t>잃어버린 낙원의 탑</a:t>
-            </a:r>
-            <a:r>
-              <a:rPr lang="en-US" altLang="ko-KR" b="0" i="0" dirty="0">
-                <a:solidFill>
-                  <a:srgbClr val="1E1E1E"/>
-                </a:solidFill>
-                <a:effectLst/>
-                <a:latin typeface="Segoe UI" panose="020B0502040204020203" pitchFamily="34" charset="0"/>
-              </a:rPr>
-              <a:t>] </a:t>
-            </a:r>
-            <a:r>
-              <a:rPr lang="ko-KR" altLang="en-US" b="0" i="0" dirty="0">
-                <a:solidFill>
-                  <a:srgbClr val="1E1E1E"/>
-                </a:solidFill>
-                <a:effectLst/>
-                <a:latin typeface="Segoe UI" panose="020B0502040204020203" pitchFamily="34" charset="0"/>
-              </a:rPr>
-              <a:t>옥상에 있는 </a:t>
-            </a:r>
-            <a:r>
-              <a:rPr lang="en-US" altLang="ko-KR" b="0" i="0" dirty="0">
-                <a:solidFill>
-                  <a:srgbClr val="1E1E1E"/>
-                </a:solidFill>
-                <a:effectLst/>
-                <a:latin typeface="Segoe UI" panose="020B0502040204020203" pitchFamily="34" charset="0"/>
-              </a:rPr>
-              <a:t>[</a:t>
-            </a:r>
-            <a:r>
-              <a:rPr lang="ko-KR" altLang="en-US" b="1" i="0" dirty="0" err="1">
-                <a:solidFill>
-                  <a:srgbClr val="C00000"/>
-                </a:solidFill>
-                <a:effectLst/>
-                <a:latin typeface="Segoe UI" panose="020B0502040204020203" pitchFamily="34" charset="0"/>
-              </a:rPr>
-              <a:t>허강낙인</a:t>
-            </a:r>
-            <a:r>
-              <a:rPr lang="en-US" altLang="ko-KR" b="0" i="0" dirty="0">
-                <a:solidFill>
-                  <a:srgbClr val="1E1E1E"/>
-                </a:solidFill>
-                <a:effectLst/>
-                <a:latin typeface="Segoe UI" panose="020B0502040204020203" pitchFamily="34" charset="0"/>
-              </a:rPr>
-              <a:t>]</a:t>
-            </a:r>
-            <a:r>
-              <a:rPr lang="ko-KR" altLang="en-US" b="0" i="0" dirty="0">
-                <a:solidFill>
-                  <a:srgbClr val="1E1E1E"/>
-                </a:solidFill>
-                <a:effectLst/>
-                <a:latin typeface="Segoe UI" panose="020B0502040204020203" pitchFamily="34" charset="0"/>
-              </a:rPr>
-              <a:t>을 뽑아 이 차원을 구하는 것이다</a:t>
-            </a:r>
-            <a:r>
-              <a:rPr lang="en-US" altLang="ko-KR" b="0" i="0" dirty="0">
-                <a:solidFill>
-                  <a:srgbClr val="1E1E1E"/>
-                </a:solidFill>
-                <a:effectLst/>
-                <a:latin typeface="Segoe UI" panose="020B0502040204020203" pitchFamily="34" charset="0"/>
-              </a:rPr>
-              <a:t>.</a:t>
-            </a:r>
-          </a:p>
-        </p:txBody>
-      </p:sp>
-      <p:sp>
-        <p:nvSpPr>
-          <p:cNvPr id="5" name="직사각형 4">
-            <a:extLst>
-              <a:ext uri="{FF2B5EF4-FFF2-40B4-BE49-F238E27FC236}">
-                <a16:creationId xmlns:a16="http://schemas.microsoft.com/office/drawing/2014/main" id="{38CA439A-8C1B-941F-EB90-44FA3FFF78A3}"/>
+                <a16:creationId xmlns:a16="http://schemas.microsoft.com/office/drawing/2014/main" id="{9AA6F2B8-B1CD-4339-09DE-C4EAFE21215F}"/>
               </a:ext>
             </a:extLst>
           </p:cNvPr>
@@ -10150,10 +9444,10 @@
       </p:sp>
       <p:sp>
         <p:nvSpPr>
-          <p:cNvPr id="6" name="내용 개체 틀 2">
+          <p:cNvPr id="3" name="내용 개체 틀 2">
             <a:extLst>
               <a:ext uri="{FF2B5EF4-FFF2-40B4-BE49-F238E27FC236}">
-                <a16:creationId xmlns:a16="http://schemas.microsoft.com/office/drawing/2014/main" id="{E7AFA49E-A26B-3B0C-CBF1-9BA12AD27CF1}"/>
+                <a16:creationId xmlns:a16="http://schemas.microsoft.com/office/drawing/2014/main" id="{CFF37324-455A-3F4A-CF6E-E94FC2439C25}"/>
               </a:ext>
             </a:extLst>
           </p:cNvPr>
@@ -10423,7 +9717,7 @@
                 <a:effectLst/>
                 <a:latin typeface="+mn-ea"/>
               </a:rPr>
-              <a:t>1</a:t>
+              <a:t>09</a:t>
             </a:r>
             <a:r>
               <a:rPr lang="en-US" altLang="ko-KR" b="1" i="0" dirty="0">
@@ -10448,10 +9742,236 @@
           </a:p>
         </p:txBody>
       </p:sp>
+      <p:graphicFrame>
+        <p:nvGraphicFramePr>
+          <p:cNvPr id="5" name="표 4">
+            <a:extLst>
+              <a:ext uri="{FF2B5EF4-FFF2-40B4-BE49-F238E27FC236}">
+                <a16:creationId xmlns:a16="http://schemas.microsoft.com/office/drawing/2014/main" id="{11DDDF56-9409-82D7-BE73-C66D42C58BD1}"/>
+              </a:ext>
+            </a:extLst>
+          </p:cNvPr>
+          <p:cNvGraphicFramePr>
+            <a:graphicFrameLocks noGrp="1"/>
+          </p:cNvGraphicFramePr>
+          <p:nvPr>
+            <p:extLst>
+              <p:ext uri="{D42A27DB-BD31-4B8C-83A1-F6EECF244321}">
+                <p14:modId xmlns:p14="http://schemas.microsoft.com/office/powerpoint/2010/main" val="2587527489"/>
+              </p:ext>
+            </p:extLst>
+          </p:nvPr>
+        </p:nvGraphicFramePr>
+        <p:xfrm>
+          <a:off x="600634" y="1945640"/>
+          <a:ext cx="10482048" cy="3481768"/>
+        </p:xfrm>
+        <a:graphic>
+          <a:graphicData uri="http://schemas.openxmlformats.org/drawingml/2006/table">
+            <a:tbl>
+              <a:tblPr firstRow="1" bandRow="1">
+                <a:tableStyleId>{5C22544A-7EE6-4342-B048-85BDC9FD1C3A}</a:tableStyleId>
+              </a:tblPr>
+              <a:tblGrid>
+                <a:gridCol w="1995082">
+                  <a:extLst>
+                    <a:ext uri="{9D8B030D-6E8A-4147-A177-3AD203B41FA5}">
+                      <a16:colId xmlns:a16="http://schemas.microsoft.com/office/drawing/2014/main" val="590952558"/>
+                    </a:ext>
+                  </a:extLst>
+                </a:gridCol>
+                <a:gridCol w="8486966">
+                  <a:extLst>
+                    <a:ext uri="{9D8B030D-6E8A-4147-A177-3AD203B41FA5}">
+                      <a16:colId xmlns:a16="http://schemas.microsoft.com/office/drawing/2014/main" val="2318998492"/>
+                    </a:ext>
+                  </a:extLst>
+                </a:gridCol>
+              </a:tblGrid>
+              <a:tr h="870442">
+                <a:tc>
+                  <a:txBody>
+                    <a:bodyPr/>
+                    <a:lstStyle/>
+                    <a:p>
+                      <a:pPr algn="ctr" latinLnBrk="1"/>
+                      <a:r>
+                        <a:rPr lang="ko-KR" altLang="en-US" b="0" dirty="0">
+                          <a:latin typeface="+mn-ea"/>
+                          <a:ea typeface="+mn-ea"/>
+                        </a:rPr>
+                        <a:t>주차</a:t>
+                      </a:r>
+                    </a:p>
+                  </a:txBody>
+                  <a:tcPr anchor="ctr"/>
+                </a:tc>
+                <a:tc>
+                  <a:txBody>
+                    <a:bodyPr/>
+                    <a:lstStyle/>
+                    <a:p>
+                      <a:pPr algn="ctr" latinLnBrk="1"/>
+                      <a:r>
+                        <a:rPr lang="ko-KR" altLang="en-US" b="0" dirty="0">
+                          <a:latin typeface="+mn-ea"/>
+                          <a:ea typeface="+mn-ea"/>
+                        </a:rPr>
+                        <a:t>개발 내용</a:t>
+                      </a:r>
+                    </a:p>
+                  </a:txBody>
+                  <a:tcPr anchor="ctr"/>
+                </a:tc>
+                <a:extLst>
+                  <a:ext uri="{0D108BD9-81ED-4DB2-BD59-A6C34878D82A}">
+                    <a16:rowId xmlns:a16="http://schemas.microsoft.com/office/drawing/2014/main" val="1602429545"/>
+                  </a:ext>
+                </a:extLst>
+              </a:tr>
+              <a:tr h="870442">
+                <a:tc>
+                  <a:txBody>
+                    <a:bodyPr/>
+                    <a:lstStyle/>
+                    <a:p>
+                      <a:pPr algn="ctr" latinLnBrk="1"/>
+                      <a:r>
+                        <a:rPr lang="en-US" altLang="ko-KR" b="0" dirty="0">
+                          <a:latin typeface="+mn-ea"/>
+                          <a:ea typeface="+mn-ea"/>
+                        </a:rPr>
+                        <a:t>1</a:t>
+                      </a:r>
+                      <a:r>
+                        <a:rPr lang="ko-KR" altLang="en-US" b="0" dirty="0">
+                          <a:latin typeface="+mn-ea"/>
+                          <a:ea typeface="+mn-ea"/>
+                        </a:rPr>
+                        <a:t>주차</a:t>
+                      </a:r>
+                    </a:p>
+                  </a:txBody>
+                  <a:tcPr anchor="ctr"/>
+                </a:tc>
+                <a:tc>
+                  <a:txBody>
+                    <a:bodyPr/>
+                    <a:lstStyle/>
+                    <a:p>
+                      <a:pPr algn="ctr" latinLnBrk="1"/>
+                      <a:endParaRPr lang="ko-KR" altLang="en-US" b="0" dirty="0">
+                        <a:latin typeface="+mn-ea"/>
+                        <a:ea typeface="+mn-ea"/>
+                      </a:endParaRPr>
+                    </a:p>
+                  </a:txBody>
+                  <a:tcPr anchor="ctr"/>
+                </a:tc>
+                <a:extLst>
+                  <a:ext uri="{0D108BD9-81ED-4DB2-BD59-A6C34878D82A}">
+                    <a16:rowId xmlns:a16="http://schemas.microsoft.com/office/drawing/2014/main" val="3820752535"/>
+                  </a:ext>
+                </a:extLst>
+              </a:tr>
+              <a:tr h="870442">
+                <a:tc>
+                  <a:txBody>
+                    <a:bodyPr/>
+                    <a:lstStyle/>
+                    <a:p>
+                      <a:pPr algn="ctr" latinLnBrk="1"/>
+                      <a:r>
+                        <a:rPr lang="en-US" altLang="ko-KR" b="0" dirty="0">
+                          <a:latin typeface="+mn-ea"/>
+                          <a:ea typeface="+mn-ea"/>
+                        </a:rPr>
+                        <a:t>2</a:t>
+                      </a:r>
+                      <a:r>
+                        <a:rPr lang="ko-KR" altLang="en-US" b="0" dirty="0">
+                          <a:latin typeface="+mn-ea"/>
+                          <a:ea typeface="+mn-ea"/>
+                        </a:rPr>
+                        <a:t>주차</a:t>
+                      </a:r>
+                    </a:p>
+                  </a:txBody>
+                  <a:tcPr anchor="ctr"/>
+                </a:tc>
+                <a:tc>
+                  <a:txBody>
+                    <a:bodyPr/>
+                    <a:lstStyle/>
+                    <a:p>
+                      <a:pPr algn="ctr" latinLnBrk="1"/>
+                      <a:endParaRPr lang="ko-KR" altLang="en-US" b="0" dirty="0">
+                        <a:latin typeface="+mn-ea"/>
+                        <a:ea typeface="+mn-ea"/>
+                      </a:endParaRPr>
+                    </a:p>
+                  </a:txBody>
+                  <a:tcPr anchor="ctr"/>
+                </a:tc>
+                <a:extLst>
+                  <a:ext uri="{0D108BD9-81ED-4DB2-BD59-A6C34878D82A}">
+                    <a16:rowId xmlns:a16="http://schemas.microsoft.com/office/drawing/2014/main" val="3408469147"/>
+                  </a:ext>
+                </a:extLst>
+              </a:tr>
+              <a:tr h="870442">
+                <a:tc>
+                  <a:txBody>
+                    <a:bodyPr/>
+                    <a:lstStyle/>
+                    <a:p>
+                      <a:pPr algn="ctr" latinLnBrk="1"/>
+                      <a:r>
+                        <a:rPr lang="en-US" altLang="ko-KR" b="0" dirty="0">
+                          <a:latin typeface="+mn-ea"/>
+                          <a:ea typeface="+mn-ea"/>
+                        </a:rPr>
+                        <a:t>3</a:t>
+                      </a:r>
+                      <a:r>
+                        <a:rPr lang="ko-KR" altLang="en-US" b="0" dirty="0">
+                          <a:latin typeface="+mn-ea"/>
+                          <a:ea typeface="+mn-ea"/>
+                        </a:rPr>
+                        <a:t>주차</a:t>
+                      </a:r>
+                    </a:p>
+                  </a:txBody>
+                  <a:tcPr anchor="ctr"/>
+                </a:tc>
+                <a:tc>
+                  <a:txBody>
+                    <a:bodyPr/>
+                    <a:lstStyle/>
+                    <a:p>
+                      <a:pPr algn="ctr" latinLnBrk="1"/>
+                      <a:endParaRPr lang="ko-KR" altLang="en-US" b="0" dirty="0">
+                        <a:latin typeface="+mn-ea"/>
+                        <a:ea typeface="+mn-ea"/>
+                      </a:endParaRPr>
+                    </a:p>
+                  </a:txBody>
+                  <a:tcPr anchor="ctr"/>
+                </a:tc>
+                <a:extLst>
+                  <a:ext uri="{0D108BD9-81ED-4DB2-BD59-A6C34878D82A}">
+                    <a16:rowId xmlns:a16="http://schemas.microsoft.com/office/drawing/2014/main" val="3331312695"/>
+                  </a:ext>
+                </a:extLst>
+              </a:tr>
+            </a:tbl>
+          </a:graphicData>
+        </a:graphic>
+      </p:graphicFrame>
     </p:spTree>
     <p:extLst>
       <p:ext uri="{BB962C8B-B14F-4D97-AF65-F5344CB8AC3E}">
-        <p14:creationId xmlns:p14="http://schemas.microsoft.com/office/powerpoint/2010/main" val="1070580926"/>
+        <p14:creationId xmlns:p14="http://schemas.microsoft.com/office/powerpoint/2010/main" val="4167213993"/>
       </p:ext>
     </p:extLst>
   </p:cSld>
@@ -10461,7 +9981,7 @@
 </p:sld>
 </file>
 
-<file path=ppt/slides/slide3.xml><?xml version="1.0" encoding="utf-8"?>
+<file path=ppt/slides/slide11.xml><?xml version="1.0" encoding="utf-8"?>
 <p:sld xmlns:a="http://schemas.openxmlformats.org/drawingml/2006/main" xmlns:r="http://schemas.openxmlformats.org/officeDocument/2006/relationships" xmlns:p="http://schemas.openxmlformats.org/presentationml/2006/main">
   <p:cSld>
     <p:spTree>
@@ -10480,10 +10000,45 @@
       </p:grpSpPr>
       <p:sp>
         <p:nvSpPr>
-          <p:cNvPr id="4" name="직사각형 3">
+          <p:cNvPr id="2" name="제목 1">
             <a:extLst>
               <a:ext uri="{FF2B5EF4-FFF2-40B4-BE49-F238E27FC236}">
-                <a16:creationId xmlns:a16="http://schemas.microsoft.com/office/drawing/2014/main" id="{3B848462-021B-7E18-5D7A-BCB0C6E338A5}"/>
+                <a16:creationId xmlns:a16="http://schemas.microsoft.com/office/drawing/2014/main" id="{1F0B7645-88D9-0667-37CE-DC8E738F363E}"/>
+              </a:ext>
+            </a:extLst>
+          </p:cNvPr>
+          <p:cNvSpPr>
+            <a:spLocks noGrp="1"/>
+          </p:cNvSpPr>
+          <p:nvPr>
+            <p:ph type="title"/>
+          </p:nvPr>
+        </p:nvSpPr>
+        <p:spPr/>
+        <p:txBody>
+          <a:bodyPr/>
+          <a:lstStyle/>
+          <a:p>
+            <a:r>
+              <a:rPr lang="ko-KR" altLang="en-US" dirty="0">
+                <a:latin typeface="+mn-ea"/>
+                <a:ea typeface="+mn-ea"/>
+              </a:rPr>
+              <a:t>개발 일정</a:t>
+            </a:r>
+            <a:endParaRPr lang="ko-KR" altLang="en-US" sz="3600" dirty="0">
+              <a:latin typeface="+mn-ea"/>
+              <a:ea typeface="+mn-ea"/>
+            </a:endParaRPr>
+          </a:p>
+        </p:txBody>
+      </p:sp>
+      <p:sp>
+        <p:nvSpPr>
+          <p:cNvPr id="8" name="직사각형 7">
+            <a:extLst>
+              <a:ext uri="{FF2B5EF4-FFF2-40B4-BE49-F238E27FC236}">
+                <a16:creationId xmlns:a16="http://schemas.microsoft.com/office/drawing/2014/main" id="{9AA6F2B8-B1CD-4339-09DE-C4EAFE21215F}"/>
               </a:ext>
             </a:extLst>
           </p:cNvPr>
@@ -10540,122 +10095,10 @@
       </p:sp>
       <p:sp>
         <p:nvSpPr>
-          <p:cNvPr id="2" name="제목 1">
-            <a:extLst>
-              <a:ext uri="{FF2B5EF4-FFF2-40B4-BE49-F238E27FC236}">
-                <a16:creationId xmlns:a16="http://schemas.microsoft.com/office/drawing/2014/main" id="{1F0B7645-88D9-0667-37CE-DC8E738F363E}"/>
-              </a:ext>
-            </a:extLst>
-          </p:cNvPr>
-          <p:cNvSpPr>
-            <a:spLocks noGrp="1"/>
-          </p:cNvSpPr>
-          <p:nvPr>
-            <p:ph type="title"/>
-          </p:nvPr>
-        </p:nvSpPr>
-        <p:spPr/>
-        <p:txBody>
-          <a:bodyPr/>
-          <a:lstStyle/>
-          <a:p>
-            <a:r>
-              <a:rPr lang="ko-KR" altLang="en-US" dirty="0">
-                <a:latin typeface="+mn-ea"/>
-                <a:ea typeface="+mn-ea"/>
-              </a:rPr>
-              <a:t>플레이어 </a:t>
-            </a:r>
-            <a:r>
-              <a:rPr lang="en-US" altLang="ko-KR" sz="3600" dirty="0">
-                <a:latin typeface="+mn-ea"/>
-                <a:ea typeface="+mn-ea"/>
-              </a:rPr>
-              <a:t>(</a:t>
-            </a:r>
-            <a:r>
-              <a:rPr lang="ko-KR" altLang="en-US" sz="3600" b="1" dirty="0">
-                <a:solidFill>
-                  <a:srgbClr val="7030A0"/>
-                </a:solidFill>
-                <a:latin typeface="+mn-ea"/>
-                <a:ea typeface="+mn-ea"/>
-              </a:rPr>
-              <a:t>연성화</a:t>
-            </a:r>
-            <a:r>
-              <a:rPr lang="en-US" altLang="ko-KR" sz="3600" dirty="0">
-                <a:latin typeface="+mn-ea"/>
-                <a:ea typeface="+mn-ea"/>
-              </a:rPr>
-              <a:t>)</a:t>
-            </a:r>
-            <a:endParaRPr lang="ko-KR" altLang="en-US" sz="3600" dirty="0">
-              <a:latin typeface="+mn-ea"/>
-              <a:ea typeface="+mn-ea"/>
-            </a:endParaRPr>
-          </a:p>
-        </p:txBody>
-      </p:sp>
-      <p:sp>
-        <p:nvSpPr>
           <p:cNvPr id="3" name="내용 개체 틀 2">
             <a:extLst>
               <a:ext uri="{FF2B5EF4-FFF2-40B4-BE49-F238E27FC236}">
-                <a16:creationId xmlns:a16="http://schemas.microsoft.com/office/drawing/2014/main" id="{4A7809F8-1663-1479-295A-111716A9BAC6}"/>
-              </a:ext>
-            </a:extLst>
-          </p:cNvPr>
-          <p:cNvSpPr>
-            <a:spLocks noGrp="1"/>
-          </p:cNvSpPr>
-          <p:nvPr>
-            <p:ph idx="1"/>
-          </p:nvPr>
-        </p:nvSpPr>
-        <p:spPr>
-          <a:xfrm>
-            <a:off x="685801" y="2063397"/>
-            <a:ext cx="10027023" cy="509474"/>
-          </a:xfrm>
-        </p:spPr>
-        <p:txBody>
-          <a:bodyPr>
-            <a:normAutofit/>
-          </a:bodyPr>
-          <a:lstStyle/>
-          <a:p>
-            <a:pPr algn="l">
-              <a:buFont typeface="Arial" panose="020B0604020202020204" pitchFamily="34" charset="0"/>
-              <a:buChar char="•"/>
-            </a:pPr>
-            <a:r>
-              <a:rPr lang="en-US" altLang="ko-KR" i="0" dirty="0">
-                <a:effectLst/>
-                <a:latin typeface="Segoe UI" panose="020B0502040204020203" pitchFamily="34" charset="0"/>
-              </a:rPr>
-              <a:t>// </a:t>
-            </a:r>
-            <a:r>
-              <a:rPr lang="ko-KR" altLang="en-US" i="0" dirty="0">
-                <a:effectLst/>
-                <a:latin typeface="Segoe UI" panose="020B0502040204020203" pitchFamily="34" charset="0"/>
-              </a:rPr>
-              <a:t>내용</a:t>
-            </a:r>
-            <a:endParaRPr lang="en-US" altLang="ko-KR" i="0" dirty="0">
-              <a:effectLst/>
-              <a:latin typeface="Segoe UI" panose="020B0502040204020203" pitchFamily="34" charset="0"/>
-            </a:endParaRPr>
-          </a:p>
-        </p:txBody>
-      </p:sp>
-      <p:sp>
-        <p:nvSpPr>
-          <p:cNvPr id="5" name="내용 개체 틀 2">
-            <a:extLst>
-              <a:ext uri="{FF2B5EF4-FFF2-40B4-BE49-F238E27FC236}">
-                <a16:creationId xmlns:a16="http://schemas.microsoft.com/office/drawing/2014/main" id="{42F28EFE-679E-E278-B9F9-A35AC41E9C3A}"/>
+                <a16:creationId xmlns:a16="http://schemas.microsoft.com/office/drawing/2014/main" id="{CFF37324-455A-3F4A-CF6E-E94FC2439C25}"/>
               </a:ext>
             </a:extLst>
           </p:cNvPr>
@@ -10925,7 +10368,7 @@
                 <a:effectLst/>
                 <a:latin typeface="+mn-ea"/>
               </a:rPr>
-              <a:t>2</a:t>
+              <a:t>10</a:t>
             </a:r>
             <a:r>
               <a:rPr lang="en-US" altLang="ko-KR" b="1" i="0" dirty="0">
@@ -10950,10 +10393,236 @@
           </a:p>
         </p:txBody>
       </p:sp>
+      <p:graphicFrame>
+        <p:nvGraphicFramePr>
+          <p:cNvPr id="4" name="표 3">
+            <a:extLst>
+              <a:ext uri="{FF2B5EF4-FFF2-40B4-BE49-F238E27FC236}">
+                <a16:creationId xmlns:a16="http://schemas.microsoft.com/office/drawing/2014/main" id="{88EC121B-3FE1-B4FD-1C02-0F34B175EB1D}"/>
+              </a:ext>
+            </a:extLst>
+          </p:cNvPr>
+          <p:cNvGraphicFramePr>
+            <a:graphicFrameLocks noGrp="1"/>
+          </p:cNvGraphicFramePr>
+          <p:nvPr>
+            <p:extLst>
+              <p:ext uri="{D42A27DB-BD31-4B8C-83A1-F6EECF244321}">
+                <p14:modId xmlns:p14="http://schemas.microsoft.com/office/powerpoint/2010/main" val="3673570430"/>
+              </p:ext>
+            </p:extLst>
+          </p:nvPr>
+        </p:nvGraphicFramePr>
+        <p:xfrm>
+          <a:off x="600634" y="1945640"/>
+          <a:ext cx="10482048" cy="3481768"/>
+        </p:xfrm>
+        <a:graphic>
+          <a:graphicData uri="http://schemas.openxmlformats.org/drawingml/2006/table">
+            <a:tbl>
+              <a:tblPr firstRow="1" bandRow="1">
+                <a:tableStyleId>{5C22544A-7EE6-4342-B048-85BDC9FD1C3A}</a:tableStyleId>
+              </a:tblPr>
+              <a:tblGrid>
+                <a:gridCol w="1995082">
+                  <a:extLst>
+                    <a:ext uri="{9D8B030D-6E8A-4147-A177-3AD203B41FA5}">
+                      <a16:colId xmlns:a16="http://schemas.microsoft.com/office/drawing/2014/main" val="590952558"/>
+                    </a:ext>
+                  </a:extLst>
+                </a:gridCol>
+                <a:gridCol w="8486966">
+                  <a:extLst>
+                    <a:ext uri="{9D8B030D-6E8A-4147-A177-3AD203B41FA5}">
+                      <a16:colId xmlns:a16="http://schemas.microsoft.com/office/drawing/2014/main" val="2318998492"/>
+                    </a:ext>
+                  </a:extLst>
+                </a:gridCol>
+              </a:tblGrid>
+              <a:tr h="870442">
+                <a:tc>
+                  <a:txBody>
+                    <a:bodyPr/>
+                    <a:lstStyle/>
+                    <a:p>
+                      <a:pPr algn="ctr" latinLnBrk="1"/>
+                      <a:r>
+                        <a:rPr lang="ko-KR" altLang="en-US" b="0" dirty="0">
+                          <a:latin typeface="+mn-ea"/>
+                          <a:ea typeface="+mn-ea"/>
+                        </a:rPr>
+                        <a:t>주차</a:t>
+                      </a:r>
+                    </a:p>
+                  </a:txBody>
+                  <a:tcPr anchor="ctr"/>
+                </a:tc>
+                <a:tc>
+                  <a:txBody>
+                    <a:bodyPr/>
+                    <a:lstStyle/>
+                    <a:p>
+                      <a:pPr algn="ctr" latinLnBrk="1"/>
+                      <a:r>
+                        <a:rPr lang="ko-KR" altLang="en-US" b="0" dirty="0">
+                          <a:latin typeface="+mn-ea"/>
+                          <a:ea typeface="+mn-ea"/>
+                        </a:rPr>
+                        <a:t>개발 내용</a:t>
+                      </a:r>
+                    </a:p>
+                  </a:txBody>
+                  <a:tcPr anchor="ctr"/>
+                </a:tc>
+                <a:extLst>
+                  <a:ext uri="{0D108BD9-81ED-4DB2-BD59-A6C34878D82A}">
+                    <a16:rowId xmlns:a16="http://schemas.microsoft.com/office/drawing/2014/main" val="1602429545"/>
+                  </a:ext>
+                </a:extLst>
+              </a:tr>
+              <a:tr h="870442">
+                <a:tc>
+                  <a:txBody>
+                    <a:bodyPr/>
+                    <a:lstStyle/>
+                    <a:p>
+                      <a:pPr algn="ctr" latinLnBrk="1"/>
+                      <a:r>
+                        <a:rPr lang="en-US" altLang="ko-KR" b="0" dirty="0">
+                          <a:latin typeface="+mn-ea"/>
+                          <a:ea typeface="+mn-ea"/>
+                        </a:rPr>
+                        <a:t>4</a:t>
+                      </a:r>
+                      <a:r>
+                        <a:rPr lang="ko-KR" altLang="en-US" b="0" dirty="0">
+                          <a:latin typeface="+mn-ea"/>
+                          <a:ea typeface="+mn-ea"/>
+                        </a:rPr>
+                        <a:t>주차</a:t>
+                      </a:r>
+                    </a:p>
+                  </a:txBody>
+                  <a:tcPr anchor="ctr"/>
+                </a:tc>
+                <a:tc>
+                  <a:txBody>
+                    <a:bodyPr/>
+                    <a:lstStyle/>
+                    <a:p>
+                      <a:pPr algn="ctr" latinLnBrk="1"/>
+                      <a:endParaRPr lang="ko-KR" altLang="en-US" b="0" dirty="0">
+                        <a:latin typeface="+mn-ea"/>
+                        <a:ea typeface="+mn-ea"/>
+                      </a:endParaRPr>
+                    </a:p>
+                  </a:txBody>
+                  <a:tcPr anchor="ctr"/>
+                </a:tc>
+                <a:extLst>
+                  <a:ext uri="{0D108BD9-81ED-4DB2-BD59-A6C34878D82A}">
+                    <a16:rowId xmlns:a16="http://schemas.microsoft.com/office/drawing/2014/main" val="3820752535"/>
+                  </a:ext>
+                </a:extLst>
+              </a:tr>
+              <a:tr h="870442">
+                <a:tc>
+                  <a:txBody>
+                    <a:bodyPr/>
+                    <a:lstStyle/>
+                    <a:p>
+                      <a:pPr algn="ctr" latinLnBrk="1"/>
+                      <a:r>
+                        <a:rPr lang="en-US" altLang="ko-KR" b="0" dirty="0">
+                          <a:latin typeface="+mn-ea"/>
+                          <a:ea typeface="+mn-ea"/>
+                        </a:rPr>
+                        <a:t>5</a:t>
+                      </a:r>
+                      <a:r>
+                        <a:rPr lang="ko-KR" altLang="en-US" b="0" dirty="0">
+                          <a:latin typeface="+mn-ea"/>
+                          <a:ea typeface="+mn-ea"/>
+                        </a:rPr>
+                        <a:t>주차</a:t>
+                      </a:r>
+                    </a:p>
+                  </a:txBody>
+                  <a:tcPr anchor="ctr"/>
+                </a:tc>
+                <a:tc>
+                  <a:txBody>
+                    <a:bodyPr/>
+                    <a:lstStyle/>
+                    <a:p>
+                      <a:pPr algn="ctr" latinLnBrk="1"/>
+                      <a:endParaRPr lang="ko-KR" altLang="en-US" b="0" dirty="0">
+                        <a:latin typeface="+mn-ea"/>
+                        <a:ea typeface="+mn-ea"/>
+                      </a:endParaRPr>
+                    </a:p>
+                  </a:txBody>
+                  <a:tcPr anchor="ctr"/>
+                </a:tc>
+                <a:extLst>
+                  <a:ext uri="{0D108BD9-81ED-4DB2-BD59-A6C34878D82A}">
+                    <a16:rowId xmlns:a16="http://schemas.microsoft.com/office/drawing/2014/main" val="3408469147"/>
+                  </a:ext>
+                </a:extLst>
+              </a:tr>
+              <a:tr h="870442">
+                <a:tc>
+                  <a:txBody>
+                    <a:bodyPr/>
+                    <a:lstStyle/>
+                    <a:p>
+                      <a:pPr algn="ctr" latinLnBrk="1"/>
+                      <a:r>
+                        <a:rPr lang="en-US" altLang="ko-KR" b="0" dirty="0">
+                          <a:latin typeface="+mn-ea"/>
+                          <a:ea typeface="+mn-ea"/>
+                        </a:rPr>
+                        <a:t>6</a:t>
+                      </a:r>
+                      <a:r>
+                        <a:rPr lang="ko-KR" altLang="en-US" b="0" dirty="0">
+                          <a:latin typeface="+mn-ea"/>
+                          <a:ea typeface="+mn-ea"/>
+                        </a:rPr>
+                        <a:t>주차</a:t>
+                      </a:r>
+                    </a:p>
+                  </a:txBody>
+                  <a:tcPr anchor="ctr"/>
+                </a:tc>
+                <a:tc>
+                  <a:txBody>
+                    <a:bodyPr/>
+                    <a:lstStyle/>
+                    <a:p>
+                      <a:pPr algn="ctr" latinLnBrk="1"/>
+                      <a:endParaRPr lang="ko-KR" altLang="en-US" b="0" dirty="0">
+                        <a:latin typeface="+mn-ea"/>
+                        <a:ea typeface="+mn-ea"/>
+                      </a:endParaRPr>
+                    </a:p>
+                  </a:txBody>
+                  <a:tcPr anchor="ctr"/>
+                </a:tc>
+                <a:extLst>
+                  <a:ext uri="{0D108BD9-81ED-4DB2-BD59-A6C34878D82A}">
+                    <a16:rowId xmlns:a16="http://schemas.microsoft.com/office/drawing/2014/main" val="3331312695"/>
+                  </a:ext>
+                </a:extLst>
+              </a:tr>
+            </a:tbl>
+          </a:graphicData>
+        </a:graphic>
+      </p:graphicFrame>
     </p:spTree>
     <p:extLst>
       <p:ext uri="{BB962C8B-B14F-4D97-AF65-F5344CB8AC3E}">
-        <p14:creationId xmlns:p14="http://schemas.microsoft.com/office/powerpoint/2010/main" val="1574181534"/>
+        <p14:creationId xmlns:p14="http://schemas.microsoft.com/office/powerpoint/2010/main" val="1700110027"/>
       </p:ext>
     </p:extLst>
   </p:cSld>
@@ -10963,7 +10632,7 @@
 </p:sld>
 </file>
 
-<file path=ppt/slides/slide4.xml><?xml version="1.0" encoding="utf-8"?>
+<file path=ppt/slides/slide12.xml><?xml version="1.0" encoding="utf-8"?>
 <p:sld xmlns:a="http://schemas.openxmlformats.org/drawingml/2006/main" xmlns:r="http://schemas.openxmlformats.org/officeDocument/2006/relationships" xmlns:p="http://schemas.openxmlformats.org/presentationml/2006/main">
   <p:cSld>
     <p:spTree>
@@ -11006,377 +10675,11 @@
                 <a:latin typeface="+mn-ea"/>
                 <a:ea typeface="+mn-ea"/>
               </a:rPr>
-              <a:t>적 </a:t>
-            </a:r>
-            <a:r>
-              <a:rPr lang="en-US" altLang="ko-KR" sz="3600" dirty="0">
-                <a:latin typeface="+mn-ea"/>
-                <a:ea typeface="+mn-ea"/>
-              </a:rPr>
-              <a:t>(</a:t>
-            </a:r>
-            <a:r>
-              <a:rPr lang="en-US" altLang="ko-KR" sz="3600" dirty="0">
-                <a:solidFill>
-                  <a:srgbClr val="2B91AF"/>
-                </a:solidFill>
-                <a:latin typeface="+mn-ea"/>
-                <a:ea typeface="+mn-ea"/>
-              </a:rPr>
-              <a:t>[</a:t>
-            </a:r>
-            <a:r>
-              <a:rPr lang="ko-KR" altLang="en-US" sz="3600" b="1" dirty="0">
-                <a:solidFill>
-                  <a:srgbClr val="C00000"/>
-                </a:solidFill>
-                <a:latin typeface="+mn-ea"/>
-                <a:ea typeface="+mn-ea"/>
-              </a:rPr>
-              <a:t>허실분진</a:t>
-            </a:r>
-            <a:r>
-              <a:rPr lang="en-US" altLang="ko-KR" sz="3600" dirty="0">
-                <a:solidFill>
-                  <a:srgbClr val="2B91AF"/>
-                </a:solidFill>
-                <a:latin typeface="+mn-ea"/>
-                <a:ea typeface="+mn-ea"/>
-              </a:rPr>
-              <a:t>]</a:t>
-            </a:r>
-            <a:r>
-              <a:rPr lang="ko-KR" altLang="en-US" sz="3600" dirty="0">
-                <a:solidFill>
-                  <a:srgbClr val="2B91AF"/>
-                </a:solidFill>
-                <a:latin typeface="+mn-ea"/>
-                <a:ea typeface="+mn-ea"/>
-              </a:rPr>
-              <a:t>에 감염된 </a:t>
-            </a:r>
-            <a:r>
-              <a:rPr lang="en-US" altLang="ko-KR" sz="3600" dirty="0">
-                <a:solidFill>
-                  <a:srgbClr val="2B91AF"/>
-                </a:solidFill>
-                <a:latin typeface="+mn-ea"/>
-                <a:ea typeface="+mn-ea"/>
-              </a:rPr>
-              <a:t>[</a:t>
-            </a:r>
-            <a:r>
-              <a:rPr lang="ko-KR" altLang="en-US" sz="3600" b="1" dirty="0" err="1">
-                <a:solidFill>
-                  <a:srgbClr val="C00000"/>
-                </a:solidFill>
-                <a:latin typeface="+mn-ea"/>
-                <a:ea typeface="+mn-ea"/>
-              </a:rPr>
-              <a:t>실차령</a:t>
-            </a:r>
-            <a:r>
-              <a:rPr lang="en-US" altLang="ko-KR" sz="3600" dirty="0">
-                <a:solidFill>
-                  <a:srgbClr val="2B91AF"/>
-                </a:solidFill>
-                <a:latin typeface="+mn-ea"/>
-                <a:ea typeface="+mn-ea"/>
-              </a:rPr>
-              <a:t>]</a:t>
-            </a:r>
-            <a:r>
-              <a:rPr lang="en-US" altLang="ko-KR" sz="3600" dirty="0">
-                <a:latin typeface="+mn-ea"/>
-                <a:ea typeface="+mn-ea"/>
-              </a:rPr>
-              <a:t>)</a:t>
+              <a:t>개발 일정</a:t>
             </a:r>
             <a:endParaRPr lang="ko-KR" altLang="en-US" sz="3600" dirty="0">
               <a:latin typeface="+mn-ea"/>
               <a:ea typeface="+mn-ea"/>
-            </a:endParaRPr>
-          </a:p>
-        </p:txBody>
-      </p:sp>
-      <p:sp>
-        <p:nvSpPr>
-          <p:cNvPr id="7" name="내용 개체 틀 2">
-            <a:extLst>
-              <a:ext uri="{FF2B5EF4-FFF2-40B4-BE49-F238E27FC236}">
-                <a16:creationId xmlns:a16="http://schemas.microsoft.com/office/drawing/2014/main" id="{116519FA-5D41-7EBE-AE89-FDBB5F845952}"/>
-              </a:ext>
-            </a:extLst>
-          </p:cNvPr>
-          <p:cNvSpPr txBox="1">
-            <a:spLocks/>
-          </p:cNvSpPr>
-          <p:nvPr/>
-        </p:nvSpPr>
-        <p:spPr>
-          <a:xfrm>
-            <a:off x="685801" y="2063397"/>
-            <a:ext cx="10027023" cy="509474"/>
-          </a:xfrm>
-          <a:prstGeom prst="rect">
-            <a:avLst/>
-          </a:prstGeom>
-        </p:spPr>
-        <p:txBody>
-          <a:bodyPr vert="horz" lIns="91440" tIns="45720" rIns="91440" bIns="45720" rtlCol="0" anchor="ctr">
-            <a:normAutofit/>
-          </a:bodyPr>
-          <a:lstStyle>
-            <a:lvl1pPr marL="228600" indent="-228600" algn="l" defTabSz="914400" rtl="0" eaLnBrk="1" latinLnBrk="1" hangingPunct="1">
-              <a:lnSpc>
-                <a:spcPct val="120000"/>
-              </a:lnSpc>
-              <a:spcBef>
-                <a:spcPts val="1000"/>
-              </a:spcBef>
-              <a:buClr>
-                <a:schemeClr val="accent1">
-                  <a:lumMod val="60000"/>
-                  <a:lumOff val="40000"/>
-                </a:schemeClr>
-              </a:buClr>
-              <a:buSzPct val="160000"/>
-              <a:buFont typeface="Arial" panose="020B0604020202020204" pitchFamily="34" charset="0"/>
-              <a:buChar char="•"/>
-              <a:defRPr sz="2000" kern="1200" cap="all" baseline="0">
-                <a:solidFill>
-                  <a:schemeClr val="tx1"/>
-                </a:solidFill>
-                <a:effectLst/>
-                <a:latin typeface="+mn-lt"/>
-                <a:ea typeface="+mn-ea"/>
-                <a:cs typeface="+mn-cs"/>
-              </a:defRPr>
-            </a:lvl1pPr>
-            <a:lvl2pPr marL="685800" indent="-228600" algn="l" defTabSz="914400" rtl="0" eaLnBrk="1" latinLnBrk="1" hangingPunct="1">
-              <a:lnSpc>
-                <a:spcPct val="120000"/>
-              </a:lnSpc>
-              <a:spcBef>
-                <a:spcPts val="500"/>
-              </a:spcBef>
-              <a:buClr>
-                <a:schemeClr val="accent1">
-                  <a:lumMod val="60000"/>
-                  <a:lumOff val="40000"/>
-                </a:schemeClr>
-              </a:buClr>
-              <a:buSzPct val="160000"/>
-              <a:buFont typeface="Arial" panose="020B0604020202020204" pitchFamily="34" charset="0"/>
-              <a:buChar char="•"/>
-              <a:defRPr sz="1800" kern="1200" cap="all" baseline="0">
-                <a:solidFill>
-                  <a:schemeClr val="tx1"/>
-                </a:solidFill>
-                <a:effectLst/>
-                <a:latin typeface="+mn-lt"/>
-                <a:ea typeface="+mn-ea"/>
-                <a:cs typeface="+mn-cs"/>
-              </a:defRPr>
-            </a:lvl2pPr>
-            <a:lvl3pPr marL="1143000" indent="-228600" algn="l" defTabSz="914400" rtl="0" eaLnBrk="1" latinLnBrk="1" hangingPunct="1">
-              <a:lnSpc>
-                <a:spcPct val="120000"/>
-              </a:lnSpc>
-              <a:spcBef>
-                <a:spcPts val="500"/>
-              </a:spcBef>
-              <a:buClr>
-                <a:schemeClr val="accent1">
-                  <a:lumMod val="60000"/>
-                  <a:lumOff val="40000"/>
-                </a:schemeClr>
-              </a:buClr>
-              <a:buSzPct val="160000"/>
-              <a:buFont typeface="Arial" panose="020B0604020202020204" pitchFamily="34" charset="0"/>
-              <a:buChar char="•"/>
-              <a:defRPr sz="1600" kern="1200" cap="all" baseline="0">
-                <a:solidFill>
-                  <a:schemeClr val="tx1"/>
-                </a:solidFill>
-                <a:effectLst/>
-                <a:latin typeface="+mn-lt"/>
-                <a:ea typeface="+mn-ea"/>
-                <a:cs typeface="+mn-cs"/>
-              </a:defRPr>
-            </a:lvl3pPr>
-            <a:lvl4pPr marL="1600200" indent="-228600" algn="l" defTabSz="914400" rtl="0" eaLnBrk="1" latinLnBrk="1" hangingPunct="1">
-              <a:lnSpc>
-                <a:spcPct val="120000"/>
-              </a:lnSpc>
-              <a:spcBef>
-                <a:spcPts val="500"/>
-              </a:spcBef>
-              <a:buClr>
-                <a:schemeClr val="accent1">
-                  <a:lumMod val="60000"/>
-                  <a:lumOff val="40000"/>
-                </a:schemeClr>
-              </a:buClr>
-              <a:buSzPct val="160000"/>
-              <a:buFont typeface="Arial" panose="020B0604020202020204" pitchFamily="34" charset="0"/>
-              <a:buChar char="•"/>
-              <a:defRPr sz="1400" kern="1200" cap="all" baseline="0">
-                <a:solidFill>
-                  <a:schemeClr val="tx1"/>
-                </a:solidFill>
-                <a:effectLst/>
-                <a:latin typeface="+mn-lt"/>
-                <a:ea typeface="+mn-ea"/>
-                <a:cs typeface="+mn-cs"/>
-              </a:defRPr>
-            </a:lvl4pPr>
-            <a:lvl5pPr marL="2057400" indent="-228600" algn="l" defTabSz="914400" rtl="0" eaLnBrk="1" latinLnBrk="1" hangingPunct="1">
-              <a:lnSpc>
-                <a:spcPct val="120000"/>
-              </a:lnSpc>
-              <a:spcBef>
-                <a:spcPts val="500"/>
-              </a:spcBef>
-              <a:buClr>
-                <a:schemeClr val="accent1">
-                  <a:lumMod val="60000"/>
-                  <a:lumOff val="40000"/>
-                </a:schemeClr>
-              </a:buClr>
-              <a:buSzPct val="160000"/>
-              <a:buFont typeface="Arial" panose="020B0604020202020204" pitchFamily="34" charset="0"/>
-              <a:buChar char="•"/>
-              <a:defRPr sz="1400" kern="1200" cap="all" baseline="0">
-                <a:solidFill>
-                  <a:schemeClr val="tx1"/>
-                </a:solidFill>
-                <a:effectLst/>
-                <a:latin typeface="+mn-lt"/>
-                <a:ea typeface="+mn-ea"/>
-                <a:cs typeface="+mn-cs"/>
-              </a:defRPr>
-            </a:lvl5pPr>
-            <a:lvl6pPr marL="2514600" indent="-228600" algn="l" defTabSz="914400" rtl="0" eaLnBrk="1" latinLnBrk="1" hangingPunct="1">
-              <a:lnSpc>
-                <a:spcPct val="120000"/>
-              </a:lnSpc>
-              <a:spcBef>
-                <a:spcPts val="500"/>
-              </a:spcBef>
-              <a:buClr>
-                <a:schemeClr val="accent1">
-                  <a:lumMod val="60000"/>
-                  <a:lumOff val="40000"/>
-                </a:schemeClr>
-              </a:buClr>
-              <a:buSzPct val="160000"/>
-              <a:buFont typeface="Arial" panose="020B0604020202020204" pitchFamily="34" charset="0"/>
-              <a:buChar char="•"/>
-              <a:defRPr sz="1400" kern="1200" cap="all" baseline="0">
-                <a:solidFill>
-                  <a:schemeClr val="tx1"/>
-                </a:solidFill>
-                <a:effectLst/>
-                <a:latin typeface="+mn-lt"/>
-                <a:ea typeface="+mn-ea"/>
-                <a:cs typeface="+mn-cs"/>
-              </a:defRPr>
-            </a:lvl6pPr>
-            <a:lvl7pPr marL="2971800" indent="-228600" algn="l" defTabSz="914400" rtl="0" eaLnBrk="1" latinLnBrk="1" hangingPunct="1">
-              <a:lnSpc>
-                <a:spcPct val="120000"/>
-              </a:lnSpc>
-              <a:spcBef>
-                <a:spcPts val="500"/>
-              </a:spcBef>
-              <a:buClr>
-                <a:schemeClr val="accent1">
-                  <a:lumMod val="60000"/>
-                  <a:lumOff val="40000"/>
-                </a:schemeClr>
-              </a:buClr>
-              <a:buSzPct val="160000"/>
-              <a:buFont typeface="Arial" panose="020B0604020202020204" pitchFamily="34" charset="0"/>
-              <a:buChar char="•"/>
-              <a:defRPr sz="1400" kern="1200" cap="all" baseline="0">
-                <a:solidFill>
-                  <a:schemeClr val="tx1"/>
-                </a:solidFill>
-                <a:effectLst/>
-                <a:latin typeface="+mn-lt"/>
-                <a:ea typeface="+mn-ea"/>
-                <a:cs typeface="+mn-cs"/>
-              </a:defRPr>
-            </a:lvl7pPr>
-            <a:lvl8pPr marL="3429000" indent="-228600" algn="l" defTabSz="914400" rtl="0" eaLnBrk="1" latinLnBrk="1" hangingPunct="1">
-              <a:lnSpc>
-                <a:spcPct val="120000"/>
-              </a:lnSpc>
-              <a:spcBef>
-                <a:spcPts val="500"/>
-              </a:spcBef>
-              <a:buClr>
-                <a:schemeClr val="accent1">
-                  <a:lumMod val="60000"/>
-                  <a:lumOff val="40000"/>
-                </a:schemeClr>
-              </a:buClr>
-              <a:buSzPct val="160000"/>
-              <a:buFont typeface="Arial" panose="020B0604020202020204" pitchFamily="34" charset="0"/>
-              <a:buChar char="•"/>
-              <a:defRPr sz="1400" kern="1200" cap="all" baseline="0">
-                <a:solidFill>
-                  <a:schemeClr val="tx1"/>
-                </a:solidFill>
-                <a:effectLst/>
-                <a:latin typeface="+mn-lt"/>
-                <a:ea typeface="+mn-ea"/>
-                <a:cs typeface="+mn-cs"/>
-              </a:defRPr>
-            </a:lvl8pPr>
-            <a:lvl9pPr marL="3886200" indent="-228600" algn="l" defTabSz="914400" rtl="0" eaLnBrk="1" latinLnBrk="1" hangingPunct="1">
-              <a:lnSpc>
-                <a:spcPct val="120000"/>
-              </a:lnSpc>
-              <a:spcBef>
-                <a:spcPts val="500"/>
-              </a:spcBef>
-              <a:buClr>
-                <a:schemeClr val="accent1">
-                  <a:lumMod val="60000"/>
-                  <a:lumOff val="40000"/>
-                </a:schemeClr>
-              </a:buClr>
-              <a:buSzPct val="160000"/>
-              <a:buFont typeface="Arial" panose="020B0604020202020204" pitchFamily="34" charset="0"/>
-              <a:buChar char="•"/>
-              <a:defRPr sz="1400" kern="1200" cap="all" baseline="0">
-                <a:solidFill>
-                  <a:schemeClr val="tx1"/>
-                </a:solidFill>
-                <a:effectLst/>
-                <a:latin typeface="+mn-lt"/>
-                <a:ea typeface="+mn-ea"/>
-                <a:cs typeface="+mn-cs"/>
-              </a:defRPr>
-            </a:lvl9pPr>
-          </a:lstStyle>
-          <a:p>
-            <a:r>
-              <a:rPr lang="en-US" altLang="ko-KR">
-                <a:latin typeface="Segoe UI" panose="020B0502040204020203" pitchFamily="34" charset="0"/>
-              </a:rPr>
-              <a:t>// </a:t>
-            </a:r>
-            <a:r>
-              <a:rPr lang="ko-KR" altLang="en-US">
-                <a:latin typeface="Segoe UI" panose="020B0502040204020203" pitchFamily="34" charset="0"/>
-              </a:rPr>
-              <a:t>내용</a:t>
-            </a:r>
-            <a:endParaRPr lang="en-US" altLang="ko-KR" dirty="0">
-              <a:latin typeface="Segoe UI" panose="020B0502040204020203" pitchFamily="34" charset="0"/>
             </a:endParaRPr>
           </a:p>
         </p:txBody>
@@ -11443,10 +10746,10 @@
       </p:sp>
       <p:sp>
         <p:nvSpPr>
-          <p:cNvPr id="9" name="내용 개체 틀 2">
+          <p:cNvPr id="3" name="내용 개체 틀 2">
             <a:extLst>
               <a:ext uri="{FF2B5EF4-FFF2-40B4-BE49-F238E27FC236}">
-                <a16:creationId xmlns:a16="http://schemas.microsoft.com/office/drawing/2014/main" id="{07F5BAF4-A2DD-AAD2-3F13-DC78FEB0DAEC}"/>
+                <a16:creationId xmlns:a16="http://schemas.microsoft.com/office/drawing/2014/main" id="{CFF37324-455A-3F4A-CF6E-E94FC2439C25}"/>
               </a:ext>
             </a:extLst>
           </p:cNvPr>
@@ -11716,7 +11019,7 @@
                 <a:effectLst/>
                 <a:latin typeface="+mn-ea"/>
               </a:rPr>
-              <a:t>3</a:t>
+              <a:t>11</a:t>
             </a:r>
             <a:r>
               <a:rPr lang="en-US" altLang="ko-KR" b="1" i="0" dirty="0">
@@ -11741,10 +11044,236 @@
           </a:p>
         </p:txBody>
       </p:sp>
+      <p:graphicFrame>
+        <p:nvGraphicFramePr>
+          <p:cNvPr id="4" name="표 3">
+            <a:extLst>
+              <a:ext uri="{FF2B5EF4-FFF2-40B4-BE49-F238E27FC236}">
+                <a16:creationId xmlns:a16="http://schemas.microsoft.com/office/drawing/2014/main" id="{766FB0D6-4E2F-DFB3-AEA3-AF934E6E96F4}"/>
+              </a:ext>
+            </a:extLst>
+          </p:cNvPr>
+          <p:cNvGraphicFramePr>
+            <a:graphicFrameLocks noGrp="1"/>
+          </p:cNvGraphicFramePr>
+          <p:nvPr>
+            <p:extLst>
+              <p:ext uri="{D42A27DB-BD31-4B8C-83A1-F6EECF244321}">
+                <p14:modId xmlns:p14="http://schemas.microsoft.com/office/powerpoint/2010/main" val="3563029002"/>
+              </p:ext>
+            </p:extLst>
+          </p:nvPr>
+        </p:nvGraphicFramePr>
+        <p:xfrm>
+          <a:off x="600634" y="1945640"/>
+          <a:ext cx="10482048" cy="3481768"/>
+        </p:xfrm>
+        <a:graphic>
+          <a:graphicData uri="http://schemas.openxmlformats.org/drawingml/2006/table">
+            <a:tbl>
+              <a:tblPr firstRow="1" bandRow="1">
+                <a:tableStyleId>{5C22544A-7EE6-4342-B048-85BDC9FD1C3A}</a:tableStyleId>
+              </a:tblPr>
+              <a:tblGrid>
+                <a:gridCol w="1995082">
+                  <a:extLst>
+                    <a:ext uri="{9D8B030D-6E8A-4147-A177-3AD203B41FA5}">
+                      <a16:colId xmlns:a16="http://schemas.microsoft.com/office/drawing/2014/main" val="590952558"/>
+                    </a:ext>
+                  </a:extLst>
+                </a:gridCol>
+                <a:gridCol w="8486966">
+                  <a:extLst>
+                    <a:ext uri="{9D8B030D-6E8A-4147-A177-3AD203B41FA5}">
+                      <a16:colId xmlns:a16="http://schemas.microsoft.com/office/drawing/2014/main" val="2318998492"/>
+                    </a:ext>
+                  </a:extLst>
+                </a:gridCol>
+              </a:tblGrid>
+              <a:tr h="870442">
+                <a:tc>
+                  <a:txBody>
+                    <a:bodyPr/>
+                    <a:lstStyle/>
+                    <a:p>
+                      <a:pPr algn="ctr" latinLnBrk="1"/>
+                      <a:r>
+                        <a:rPr lang="ko-KR" altLang="en-US" b="0" dirty="0">
+                          <a:latin typeface="+mn-ea"/>
+                          <a:ea typeface="+mn-ea"/>
+                        </a:rPr>
+                        <a:t>주차</a:t>
+                      </a:r>
+                    </a:p>
+                  </a:txBody>
+                  <a:tcPr anchor="ctr"/>
+                </a:tc>
+                <a:tc>
+                  <a:txBody>
+                    <a:bodyPr/>
+                    <a:lstStyle/>
+                    <a:p>
+                      <a:pPr algn="ctr" latinLnBrk="1"/>
+                      <a:r>
+                        <a:rPr lang="ko-KR" altLang="en-US" b="0" dirty="0">
+                          <a:latin typeface="+mn-ea"/>
+                          <a:ea typeface="+mn-ea"/>
+                        </a:rPr>
+                        <a:t>개발 내용</a:t>
+                      </a:r>
+                    </a:p>
+                  </a:txBody>
+                  <a:tcPr anchor="ctr"/>
+                </a:tc>
+                <a:extLst>
+                  <a:ext uri="{0D108BD9-81ED-4DB2-BD59-A6C34878D82A}">
+                    <a16:rowId xmlns:a16="http://schemas.microsoft.com/office/drawing/2014/main" val="1602429545"/>
+                  </a:ext>
+                </a:extLst>
+              </a:tr>
+              <a:tr h="870442">
+                <a:tc>
+                  <a:txBody>
+                    <a:bodyPr/>
+                    <a:lstStyle/>
+                    <a:p>
+                      <a:pPr algn="ctr" latinLnBrk="1"/>
+                      <a:r>
+                        <a:rPr lang="en-US" altLang="ko-KR" b="0" dirty="0">
+                          <a:latin typeface="+mn-ea"/>
+                          <a:ea typeface="+mn-ea"/>
+                        </a:rPr>
+                        <a:t>7</a:t>
+                      </a:r>
+                      <a:r>
+                        <a:rPr lang="ko-KR" altLang="en-US" b="0" dirty="0">
+                          <a:latin typeface="+mn-ea"/>
+                          <a:ea typeface="+mn-ea"/>
+                        </a:rPr>
+                        <a:t>주차</a:t>
+                      </a:r>
+                    </a:p>
+                  </a:txBody>
+                  <a:tcPr anchor="ctr"/>
+                </a:tc>
+                <a:tc>
+                  <a:txBody>
+                    <a:bodyPr/>
+                    <a:lstStyle/>
+                    <a:p>
+                      <a:pPr algn="ctr" latinLnBrk="1"/>
+                      <a:endParaRPr lang="ko-KR" altLang="en-US" b="0" dirty="0">
+                        <a:latin typeface="+mn-ea"/>
+                        <a:ea typeface="+mn-ea"/>
+                      </a:endParaRPr>
+                    </a:p>
+                  </a:txBody>
+                  <a:tcPr anchor="ctr"/>
+                </a:tc>
+                <a:extLst>
+                  <a:ext uri="{0D108BD9-81ED-4DB2-BD59-A6C34878D82A}">
+                    <a16:rowId xmlns:a16="http://schemas.microsoft.com/office/drawing/2014/main" val="3820752535"/>
+                  </a:ext>
+                </a:extLst>
+              </a:tr>
+              <a:tr h="870442">
+                <a:tc>
+                  <a:txBody>
+                    <a:bodyPr/>
+                    <a:lstStyle/>
+                    <a:p>
+                      <a:pPr algn="ctr" latinLnBrk="1"/>
+                      <a:r>
+                        <a:rPr lang="en-US" altLang="ko-KR" b="0" dirty="0">
+                          <a:latin typeface="+mn-ea"/>
+                          <a:ea typeface="+mn-ea"/>
+                        </a:rPr>
+                        <a:t>8</a:t>
+                      </a:r>
+                      <a:r>
+                        <a:rPr lang="ko-KR" altLang="en-US" b="0" dirty="0">
+                          <a:latin typeface="+mn-ea"/>
+                          <a:ea typeface="+mn-ea"/>
+                        </a:rPr>
+                        <a:t>주차</a:t>
+                      </a:r>
+                    </a:p>
+                  </a:txBody>
+                  <a:tcPr anchor="ctr"/>
+                </a:tc>
+                <a:tc>
+                  <a:txBody>
+                    <a:bodyPr/>
+                    <a:lstStyle/>
+                    <a:p>
+                      <a:pPr algn="ctr" latinLnBrk="1"/>
+                      <a:endParaRPr lang="ko-KR" altLang="en-US" b="0" dirty="0">
+                        <a:latin typeface="+mn-ea"/>
+                        <a:ea typeface="+mn-ea"/>
+                      </a:endParaRPr>
+                    </a:p>
+                  </a:txBody>
+                  <a:tcPr anchor="ctr"/>
+                </a:tc>
+                <a:extLst>
+                  <a:ext uri="{0D108BD9-81ED-4DB2-BD59-A6C34878D82A}">
+                    <a16:rowId xmlns:a16="http://schemas.microsoft.com/office/drawing/2014/main" val="3408469147"/>
+                  </a:ext>
+                </a:extLst>
+              </a:tr>
+              <a:tr h="870442">
+                <a:tc>
+                  <a:txBody>
+                    <a:bodyPr/>
+                    <a:lstStyle/>
+                    <a:p>
+                      <a:pPr algn="ctr" latinLnBrk="1"/>
+                      <a:r>
+                        <a:rPr lang="en-US" altLang="ko-KR" b="0" dirty="0">
+                          <a:latin typeface="+mn-ea"/>
+                          <a:ea typeface="+mn-ea"/>
+                        </a:rPr>
+                        <a:t>9</a:t>
+                      </a:r>
+                      <a:r>
+                        <a:rPr lang="ko-KR" altLang="en-US" b="0" dirty="0">
+                          <a:latin typeface="+mn-ea"/>
+                          <a:ea typeface="+mn-ea"/>
+                        </a:rPr>
+                        <a:t>주차</a:t>
+                      </a:r>
+                    </a:p>
+                  </a:txBody>
+                  <a:tcPr anchor="ctr"/>
+                </a:tc>
+                <a:tc>
+                  <a:txBody>
+                    <a:bodyPr/>
+                    <a:lstStyle/>
+                    <a:p>
+                      <a:pPr algn="ctr" latinLnBrk="1"/>
+                      <a:endParaRPr lang="ko-KR" altLang="en-US" b="0" dirty="0">
+                        <a:latin typeface="+mn-ea"/>
+                        <a:ea typeface="+mn-ea"/>
+                      </a:endParaRPr>
+                    </a:p>
+                  </a:txBody>
+                  <a:tcPr anchor="ctr"/>
+                </a:tc>
+                <a:extLst>
+                  <a:ext uri="{0D108BD9-81ED-4DB2-BD59-A6C34878D82A}">
+                    <a16:rowId xmlns:a16="http://schemas.microsoft.com/office/drawing/2014/main" val="3331312695"/>
+                  </a:ext>
+                </a:extLst>
+              </a:tr>
+            </a:tbl>
+          </a:graphicData>
+        </a:graphic>
+      </p:graphicFrame>
     </p:spTree>
     <p:extLst>
       <p:ext uri="{BB962C8B-B14F-4D97-AF65-F5344CB8AC3E}">
-        <p14:creationId xmlns:p14="http://schemas.microsoft.com/office/powerpoint/2010/main" val="175350546"/>
+        <p14:creationId xmlns:p14="http://schemas.microsoft.com/office/powerpoint/2010/main" val="1907180266"/>
       </p:ext>
     </p:extLst>
   </p:cSld>
@@ -11754,7 +11283,7 @@
 </p:sld>
 </file>
 
-<file path=ppt/slides/slide5.xml><?xml version="1.0" encoding="utf-8"?>
+<file path=ppt/slides/slide2.xml><?xml version="1.0" encoding="utf-8"?>
 <p:sld xmlns:a="http://schemas.openxmlformats.org/drawingml/2006/main" xmlns:r="http://schemas.openxmlformats.org/officeDocument/2006/relationships" xmlns:p="http://schemas.openxmlformats.org/presentationml/2006/main">
   <p:cSld>
     <p:spTree>
@@ -11797,21 +11326,17 @@
                 <a:latin typeface="+mn-ea"/>
                 <a:ea typeface="+mn-ea"/>
               </a:rPr>
-              <a:t>개발 요소</a:t>
-            </a:r>
-            <a:endParaRPr lang="ko-KR" altLang="en-US" sz="3600" dirty="0">
-              <a:latin typeface="+mn-ea"/>
-              <a:ea typeface="+mn-ea"/>
-            </a:endParaRPr>
-          </a:p>
-        </p:txBody>
-      </p:sp>
-      <p:sp>
-        <p:nvSpPr>
-          <p:cNvPr id="7" name="내용 개체 틀 2">
+              <a:t>게임 배경</a:t>
+            </a:r>
+          </a:p>
+        </p:txBody>
+      </p:sp>
+      <p:sp>
+        <p:nvSpPr>
+          <p:cNvPr id="4" name="내용 개체 틀 2">
             <a:extLst>
               <a:ext uri="{FF2B5EF4-FFF2-40B4-BE49-F238E27FC236}">
-                <a16:creationId xmlns:a16="http://schemas.microsoft.com/office/drawing/2014/main" id="{116519FA-5D41-7EBE-AE89-FDBB5F845952}"/>
+                <a16:creationId xmlns:a16="http://schemas.microsoft.com/office/drawing/2014/main" id="{EB679DE9-8C2D-928C-AB83-878489CECF6D}"/>
               </a:ext>
             </a:extLst>
           </p:cNvPr>
@@ -11823,7 +11348,7 @@
         <p:spPr>
           <a:xfrm>
             <a:off x="685801" y="2063397"/>
-            <a:ext cx="10027023" cy="509474"/>
+            <a:ext cx="10027023" cy="2347238"/>
           </a:xfrm>
           <a:prstGeom prst="rect">
             <a:avLst/>
@@ -12070,30 +11595,461 @@
             </a:lvl9pPr>
           </a:lstStyle>
           <a:p>
-            <a:r>
-              <a:rPr lang="en-US" altLang="ko-KR">
-                <a:latin typeface="Segoe UI" panose="020B0502040204020203" pitchFamily="34" charset="0"/>
-              </a:rPr>
-              <a:t>// </a:t>
-            </a:r>
-            <a:r>
-              <a:rPr lang="ko-KR" altLang="en-US">
-                <a:latin typeface="Segoe UI" panose="020B0502040204020203" pitchFamily="34" charset="0"/>
-              </a:rPr>
-              <a:t>내용</a:t>
-            </a:r>
-            <a:endParaRPr lang="en-US" altLang="ko-KR" dirty="0">
+            <a:pPr marL="0" indent="0" algn="l">
+              <a:buNone/>
+            </a:pPr>
+            <a:r>
+              <a:rPr lang="en-US" altLang="ko-KR" b="0" i="0" dirty="0">
+                <a:solidFill>
+                  <a:srgbClr val="1E1E1E"/>
+                </a:solidFill>
+                <a:effectLst/>
+                <a:latin typeface="Segoe UI" panose="020B0502040204020203" pitchFamily="34" charset="0"/>
+              </a:rPr>
+              <a:t>[</a:t>
+            </a:r>
+            <a:r>
+              <a:rPr lang="ko-KR" altLang="en-US" b="1" i="0" dirty="0">
+                <a:solidFill>
+                  <a:srgbClr val="C00000"/>
+                </a:solidFill>
+                <a:effectLst/>
+                <a:latin typeface="Segoe UI" panose="020B0502040204020203" pitchFamily="34" charset="0"/>
+              </a:rPr>
+              <a:t>허실차원</a:t>
+            </a:r>
+            <a:r>
+              <a:rPr lang="en-US" altLang="ko-KR" b="0" i="0" dirty="0">
+                <a:solidFill>
+                  <a:srgbClr val="1E1E1E"/>
+                </a:solidFill>
+                <a:effectLst/>
+                <a:latin typeface="Segoe UI" panose="020B0502040204020203" pitchFamily="34" charset="0"/>
+              </a:rPr>
+              <a:t>]</a:t>
+            </a:r>
+            <a:r>
+              <a:rPr lang="ko-KR" altLang="en-US" b="0" i="0" dirty="0">
+                <a:solidFill>
+                  <a:srgbClr val="1E1E1E"/>
+                </a:solidFill>
+                <a:effectLst/>
+                <a:latin typeface="Segoe UI" panose="020B0502040204020203" pitchFamily="34" charset="0"/>
+              </a:rPr>
+              <a:t>과 주인공 </a:t>
+            </a:r>
+            <a:r>
+              <a:rPr lang="ko-KR" altLang="en-US" b="1" i="0" dirty="0">
+                <a:solidFill>
+                  <a:srgbClr val="7030A0"/>
+                </a:solidFill>
+                <a:effectLst/>
+                <a:latin typeface="Segoe UI" panose="020B0502040204020203" pitchFamily="34" charset="0"/>
+              </a:rPr>
+              <a:t>연성화</a:t>
+            </a:r>
+            <a:endParaRPr lang="en-US" altLang="ko-KR" b="1" i="0" dirty="0">
+              <a:solidFill>
+                <a:srgbClr val="7030A0"/>
+              </a:solidFill>
+              <a:effectLst/>
               <a:latin typeface="Segoe UI" panose="020B0502040204020203" pitchFamily="34" charset="0"/>
             </a:endParaRPr>
           </a:p>
-        </p:txBody>
-      </p:sp>
-      <p:sp>
-        <p:nvSpPr>
-          <p:cNvPr id="8" name="직사각형 7">
+          <a:p>
+            <a:pPr algn="l">
+              <a:buFont typeface="Arial" panose="020B0604020202020204" pitchFamily="34" charset="0"/>
+              <a:buChar char="•"/>
+            </a:pPr>
+            <a:r>
+              <a:rPr lang="ko-KR" altLang="en-US" b="1" i="0" dirty="0">
+                <a:solidFill>
+                  <a:srgbClr val="7030A0"/>
+                </a:solidFill>
+                <a:effectLst/>
+                <a:latin typeface="Segoe UI" panose="020B0502040204020203" pitchFamily="34" charset="0"/>
+              </a:rPr>
+              <a:t>연성화</a:t>
+            </a:r>
+            <a:r>
+              <a:rPr lang="ko-KR" altLang="en-US" b="0" i="0" dirty="0">
+                <a:solidFill>
+                  <a:srgbClr val="1E1E1E"/>
+                </a:solidFill>
+                <a:effectLst/>
+                <a:latin typeface="Segoe UI" panose="020B0502040204020203" pitchFamily="34" charset="0"/>
+              </a:rPr>
+              <a:t>는 신비로운 하늘 아래 차원 </a:t>
+            </a:r>
+            <a:r>
+              <a:rPr lang="en-US" altLang="ko-KR" b="0" i="0" dirty="0">
+                <a:solidFill>
+                  <a:srgbClr val="1E1E1E"/>
+                </a:solidFill>
+                <a:effectLst/>
+                <a:latin typeface="Segoe UI" panose="020B0502040204020203" pitchFamily="34" charset="0"/>
+              </a:rPr>
+              <a:t>[</a:t>
+            </a:r>
+            <a:r>
+              <a:rPr lang="ko-KR" altLang="en-US" b="1" i="0" dirty="0">
+                <a:solidFill>
+                  <a:srgbClr val="C00000"/>
+                </a:solidFill>
+                <a:effectLst/>
+                <a:latin typeface="Segoe UI" panose="020B0502040204020203" pitchFamily="34" charset="0"/>
+              </a:rPr>
+              <a:t>허실차원</a:t>
+            </a:r>
+            <a:r>
+              <a:rPr lang="en-US" altLang="ko-KR" b="0" i="0" dirty="0">
+                <a:solidFill>
+                  <a:srgbClr val="1E1E1E"/>
+                </a:solidFill>
+                <a:effectLst/>
+                <a:latin typeface="Segoe UI" panose="020B0502040204020203" pitchFamily="34" charset="0"/>
+              </a:rPr>
+              <a:t>]</a:t>
+            </a:r>
+            <a:r>
+              <a:rPr lang="ko-KR" altLang="en-US" b="0" i="0" dirty="0">
+                <a:solidFill>
+                  <a:srgbClr val="1E1E1E"/>
+                </a:solidFill>
+                <a:effectLst/>
+                <a:latin typeface="Segoe UI" panose="020B0502040204020203" pitchFamily="34" charset="0"/>
+              </a:rPr>
+              <a:t>으로 파견나간 </a:t>
+            </a:r>
+            <a:r>
+              <a:rPr lang="en-US" altLang="ko-KR" b="0" i="0" dirty="0">
+                <a:solidFill>
+                  <a:srgbClr val="1E1E1E"/>
+                </a:solidFill>
+                <a:effectLst/>
+                <a:latin typeface="Segoe UI" panose="020B0502040204020203" pitchFamily="34" charset="0"/>
+              </a:rPr>
+              <a:t>1</a:t>
+            </a:r>
+            <a:r>
+              <a:rPr lang="ko-KR" altLang="en-US" b="0" i="0" dirty="0">
+                <a:solidFill>
+                  <a:srgbClr val="1E1E1E"/>
+                </a:solidFill>
+                <a:effectLst/>
+                <a:latin typeface="Segoe UI" panose="020B0502040204020203" pitchFamily="34" charset="0"/>
+              </a:rPr>
+              <a:t>급 전투원</a:t>
+            </a:r>
+            <a:r>
+              <a:rPr lang="en-US" altLang="ko-KR" b="0" i="0" dirty="0">
+                <a:solidFill>
+                  <a:srgbClr val="1E1E1E"/>
+                </a:solidFill>
+                <a:effectLst/>
+                <a:latin typeface="Segoe UI" panose="020B0502040204020203" pitchFamily="34" charset="0"/>
+              </a:rPr>
+              <a:t>. </a:t>
+            </a:r>
+          </a:p>
+          <a:p>
+            <a:pPr algn="l">
+              <a:buFont typeface="Arial" panose="020B0604020202020204" pitchFamily="34" charset="0"/>
+              <a:buChar char="•"/>
+            </a:pPr>
+            <a:r>
+              <a:rPr lang="en-US" altLang="ko-KR" b="0" i="0" dirty="0">
+                <a:solidFill>
+                  <a:srgbClr val="1E1E1E"/>
+                </a:solidFill>
+                <a:effectLst/>
+                <a:latin typeface="Segoe UI" panose="020B0502040204020203" pitchFamily="34" charset="0"/>
+              </a:rPr>
+              <a:t>[</a:t>
+            </a:r>
+            <a:r>
+              <a:rPr lang="ko-KR" altLang="en-US" b="1" i="0" dirty="0">
+                <a:solidFill>
+                  <a:srgbClr val="C00000"/>
+                </a:solidFill>
+                <a:effectLst/>
+                <a:latin typeface="Segoe UI" panose="020B0502040204020203" pitchFamily="34" charset="0"/>
+              </a:rPr>
+              <a:t>허실차원</a:t>
+            </a:r>
+            <a:r>
+              <a:rPr lang="en-US" altLang="ko-KR" dirty="0">
+                <a:solidFill>
+                  <a:srgbClr val="1E1E1E"/>
+                </a:solidFill>
+                <a:latin typeface="Segoe UI" panose="020B0502040204020203" pitchFamily="34" charset="0"/>
+              </a:rPr>
+              <a:t>]</a:t>
+            </a:r>
+            <a:r>
+              <a:rPr lang="ko-KR" altLang="en-US" dirty="0">
+                <a:solidFill>
+                  <a:srgbClr val="1E1E1E"/>
+                </a:solidFill>
+                <a:latin typeface="Segoe UI" panose="020B0502040204020203" pitchFamily="34" charset="0"/>
+              </a:rPr>
+              <a:t>은 </a:t>
+            </a:r>
+            <a:r>
+              <a:rPr lang="ko-KR" altLang="en-US" b="0" i="0" dirty="0">
+                <a:solidFill>
+                  <a:srgbClr val="1E1E1E"/>
+                </a:solidFill>
+                <a:effectLst/>
+                <a:latin typeface="Segoe UI" panose="020B0502040204020203" pitchFamily="34" charset="0"/>
+              </a:rPr>
+              <a:t>아름다운 경치와는 다르게 유독성 먼지인 </a:t>
+            </a:r>
+            <a:r>
+              <a:rPr lang="en-US" altLang="ko-KR" b="0" i="0" dirty="0">
+                <a:solidFill>
+                  <a:srgbClr val="1E1E1E"/>
+                </a:solidFill>
+                <a:effectLst/>
+                <a:latin typeface="Segoe UI" panose="020B0502040204020203" pitchFamily="34" charset="0"/>
+              </a:rPr>
+              <a:t>[</a:t>
+            </a:r>
+            <a:r>
+              <a:rPr lang="ko-KR" altLang="en-US" b="1" i="0" dirty="0">
+                <a:solidFill>
+                  <a:srgbClr val="C00000"/>
+                </a:solidFill>
+                <a:effectLst/>
+                <a:latin typeface="Segoe UI" panose="020B0502040204020203" pitchFamily="34" charset="0"/>
+              </a:rPr>
+              <a:t>허실분진</a:t>
+            </a:r>
+            <a:r>
+              <a:rPr lang="en-US" altLang="ko-KR" b="0" i="0" dirty="0">
+                <a:solidFill>
+                  <a:srgbClr val="1E1E1E"/>
+                </a:solidFill>
+                <a:effectLst/>
+                <a:latin typeface="Segoe UI" panose="020B0502040204020203" pitchFamily="34" charset="0"/>
+              </a:rPr>
+              <a:t>]</a:t>
+            </a:r>
+            <a:r>
+              <a:rPr lang="ko-KR" altLang="en-US" b="0" i="0" dirty="0">
+                <a:solidFill>
+                  <a:srgbClr val="1E1E1E"/>
+                </a:solidFill>
+                <a:effectLst/>
+                <a:latin typeface="Segoe UI" panose="020B0502040204020203" pitchFamily="34" charset="0"/>
+              </a:rPr>
+              <a:t>으로 가득 차 있다</a:t>
+            </a:r>
+            <a:r>
+              <a:rPr lang="en-US" altLang="ko-KR" b="0" i="0" dirty="0">
+                <a:solidFill>
+                  <a:srgbClr val="1E1E1E"/>
+                </a:solidFill>
+                <a:effectLst/>
+                <a:latin typeface="Segoe UI" panose="020B0502040204020203" pitchFamily="34" charset="0"/>
+              </a:rPr>
+              <a:t>.</a:t>
+            </a:r>
+          </a:p>
+          <a:p>
+            <a:pPr algn="l">
+              <a:buFont typeface="Arial" panose="020B0604020202020204" pitchFamily="34" charset="0"/>
+              <a:buChar char="•"/>
+            </a:pPr>
+            <a:r>
+              <a:rPr lang="ko-KR" altLang="en-US" b="0" i="0" dirty="0">
+                <a:solidFill>
+                  <a:srgbClr val="1E1E1E"/>
+                </a:solidFill>
+                <a:effectLst/>
+                <a:latin typeface="Segoe UI" panose="020B0502040204020203" pitchFamily="34" charset="0"/>
+              </a:rPr>
+              <a:t>연성화가 맡은 임무는 </a:t>
+            </a:r>
+            <a:r>
+              <a:rPr lang="en-US" altLang="ko-KR" b="0" i="0" dirty="0">
+                <a:solidFill>
+                  <a:srgbClr val="1E1E1E"/>
+                </a:solidFill>
+                <a:effectLst/>
+                <a:latin typeface="Segoe UI" panose="020B0502040204020203" pitchFamily="34" charset="0"/>
+              </a:rPr>
+              <a:t>[</a:t>
+            </a:r>
+            <a:r>
+              <a:rPr lang="ko-KR" altLang="en-US" b="1" i="0" dirty="0">
+                <a:solidFill>
+                  <a:srgbClr val="C00000"/>
+                </a:solidFill>
+                <a:effectLst/>
+                <a:latin typeface="Segoe UI" panose="020B0502040204020203" pitchFamily="34" charset="0"/>
+              </a:rPr>
+              <a:t>허실분진</a:t>
+            </a:r>
+            <a:r>
+              <a:rPr lang="en-US" altLang="ko-KR" b="0" i="0" dirty="0">
+                <a:solidFill>
+                  <a:srgbClr val="1E1E1E"/>
+                </a:solidFill>
+                <a:effectLst/>
+                <a:latin typeface="Segoe UI" panose="020B0502040204020203" pitchFamily="34" charset="0"/>
+              </a:rPr>
+              <a:t>]</a:t>
+            </a:r>
+            <a:r>
+              <a:rPr lang="ko-KR" altLang="en-US" b="0" i="0" dirty="0">
+                <a:solidFill>
+                  <a:srgbClr val="1E1E1E"/>
+                </a:solidFill>
+                <a:effectLst/>
+                <a:latin typeface="Segoe UI" panose="020B0502040204020203" pitchFamily="34" charset="0"/>
+              </a:rPr>
+              <a:t>에 감염된 </a:t>
+            </a:r>
+            <a:r>
+              <a:rPr lang="en-US" altLang="ko-KR" b="0" i="0" dirty="0">
+                <a:solidFill>
+                  <a:srgbClr val="1E1E1E"/>
+                </a:solidFill>
+                <a:effectLst/>
+                <a:latin typeface="Segoe UI" panose="020B0502040204020203" pitchFamily="34" charset="0"/>
+              </a:rPr>
+              <a:t>[</a:t>
+            </a:r>
+            <a:r>
+              <a:rPr lang="ko-KR" altLang="en-US" b="1" i="0" dirty="0" err="1">
+                <a:solidFill>
+                  <a:srgbClr val="C00000"/>
+                </a:solidFill>
+                <a:effectLst/>
+                <a:latin typeface="Segoe UI" panose="020B0502040204020203" pitchFamily="34" charset="0"/>
+              </a:rPr>
+              <a:t>실차령</a:t>
+            </a:r>
+            <a:r>
+              <a:rPr lang="en-US" altLang="ko-KR" b="0" i="0" dirty="0">
+                <a:solidFill>
+                  <a:srgbClr val="1E1E1E"/>
+                </a:solidFill>
+                <a:effectLst/>
+                <a:latin typeface="Segoe UI" panose="020B0502040204020203" pitchFamily="34" charset="0"/>
+              </a:rPr>
+              <a:t>]</a:t>
+            </a:r>
+            <a:r>
+              <a:rPr lang="ko-KR" altLang="en-US" b="0" i="0" dirty="0">
+                <a:solidFill>
+                  <a:srgbClr val="1E1E1E"/>
+                </a:solidFill>
+                <a:effectLst/>
+                <a:latin typeface="Segoe UI" panose="020B0502040204020203" pitchFamily="34" charset="0"/>
+              </a:rPr>
+              <a:t>들을 정화함과 동시에 이곳 중앙의 </a:t>
+            </a:r>
+            <a:r>
+              <a:rPr lang="en-US" altLang="ko-KR" b="0" i="0" dirty="0">
+                <a:solidFill>
+                  <a:srgbClr val="1E1E1E"/>
+                </a:solidFill>
+                <a:effectLst/>
+                <a:latin typeface="Segoe UI" panose="020B0502040204020203" pitchFamily="34" charset="0"/>
+              </a:rPr>
+              <a:t>[</a:t>
+            </a:r>
+            <a:r>
+              <a:rPr lang="ko-KR" altLang="en-US" b="0" i="0" dirty="0">
+                <a:solidFill>
+                  <a:srgbClr val="1E1E1E"/>
+                </a:solidFill>
+                <a:effectLst/>
+                <a:latin typeface="Segoe UI" panose="020B0502040204020203" pitchFamily="34" charset="0"/>
+              </a:rPr>
+              <a:t>잃어버린 낙원의 탑</a:t>
+            </a:r>
+            <a:r>
+              <a:rPr lang="en-US" altLang="ko-KR" b="0" i="0" dirty="0">
+                <a:solidFill>
+                  <a:srgbClr val="1E1E1E"/>
+                </a:solidFill>
+                <a:effectLst/>
+                <a:latin typeface="Segoe UI" panose="020B0502040204020203" pitchFamily="34" charset="0"/>
+              </a:rPr>
+              <a:t>] </a:t>
+            </a:r>
+            <a:r>
+              <a:rPr lang="ko-KR" altLang="en-US" b="0" i="0" dirty="0">
+                <a:solidFill>
+                  <a:srgbClr val="1E1E1E"/>
+                </a:solidFill>
+                <a:effectLst/>
+                <a:latin typeface="Segoe UI" panose="020B0502040204020203" pitchFamily="34" charset="0"/>
+              </a:rPr>
+              <a:t>옥상에 있는 </a:t>
+            </a:r>
+            <a:r>
+              <a:rPr lang="en-US" altLang="ko-KR" b="0" i="0" dirty="0">
+                <a:solidFill>
+                  <a:srgbClr val="1E1E1E"/>
+                </a:solidFill>
+                <a:effectLst/>
+                <a:latin typeface="Segoe UI" panose="020B0502040204020203" pitchFamily="34" charset="0"/>
+              </a:rPr>
+              <a:t>[</a:t>
+            </a:r>
+            <a:r>
+              <a:rPr lang="ko-KR" altLang="en-US" b="1" i="0" dirty="0" err="1">
+                <a:solidFill>
+                  <a:srgbClr val="C00000"/>
+                </a:solidFill>
+                <a:effectLst/>
+                <a:latin typeface="Segoe UI" panose="020B0502040204020203" pitchFamily="34" charset="0"/>
+              </a:rPr>
+              <a:t>허강낙인</a:t>
+            </a:r>
+            <a:r>
+              <a:rPr lang="en-US" altLang="ko-KR" b="0" i="0" dirty="0">
+                <a:solidFill>
+                  <a:srgbClr val="1E1E1E"/>
+                </a:solidFill>
+                <a:effectLst/>
+                <a:latin typeface="Segoe UI" panose="020B0502040204020203" pitchFamily="34" charset="0"/>
+              </a:rPr>
+              <a:t>]</a:t>
+            </a:r>
+            <a:r>
+              <a:rPr lang="ko-KR" altLang="en-US" b="0" i="0" dirty="0">
+                <a:solidFill>
+                  <a:srgbClr val="1E1E1E"/>
+                </a:solidFill>
+                <a:effectLst/>
+                <a:latin typeface="Segoe UI" panose="020B0502040204020203" pitchFamily="34" charset="0"/>
+              </a:rPr>
+              <a:t>을 뽑아 이 차원을 구하는 것이다</a:t>
+            </a:r>
+            <a:r>
+              <a:rPr lang="en-US" altLang="ko-KR" b="0" i="0" dirty="0">
+                <a:solidFill>
+                  <a:srgbClr val="1E1E1E"/>
+                </a:solidFill>
+                <a:effectLst/>
+                <a:latin typeface="Segoe UI" panose="020B0502040204020203" pitchFamily="34" charset="0"/>
+              </a:rPr>
+              <a:t>.</a:t>
+            </a:r>
+          </a:p>
+        </p:txBody>
+      </p:sp>
+      <p:sp>
+        <p:nvSpPr>
+          <p:cNvPr id="5" name="직사각형 4">
             <a:extLst>
               <a:ext uri="{FF2B5EF4-FFF2-40B4-BE49-F238E27FC236}">
-                <a16:creationId xmlns:a16="http://schemas.microsoft.com/office/drawing/2014/main" id="{9AA6F2B8-B1CD-4339-09DE-C4EAFE21215F}"/>
+                <a16:creationId xmlns:a16="http://schemas.microsoft.com/office/drawing/2014/main" id="{38CA439A-8C1B-941F-EB90-44FA3FFF78A3}"/>
               </a:ext>
             </a:extLst>
           </p:cNvPr>
@@ -12150,10 +12106,10 @@
       </p:sp>
       <p:sp>
         <p:nvSpPr>
-          <p:cNvPr id="3" name="내용 개체 틀 2">
+          <p:cNvPr id="6" name="내용 개체 틀 2">
             <a:extLst>
               <a:ext uri="{FF2B5EF4-FFF2-40B4-BE49-F238E27FC236}">
-                <a16:creationId xmlns:a16="http://schemas.microsoft.com/office/drawing/2014/main" id="{361CA41F-47BA-8E7A-EECB-A775999EA20D}"/>
+                <a16:creationId xmlns:a16="http://schemas.microsoft.com/office/drawing/2014/main" id="{E7AFA49E-A26B-3B0C-CBF1-9BA12AD27CF1}"/>
               </a:ext>
             </a:extLst>
           </p:cNvPr>
@@ -12416,13 +12372,14 @@
               <a:buNone/>
             </a:pPr>
             <a:r>
-              <a:rPr lang="en-US" altLang="ko-KR" b="1" dirty="0">
+              <a:rPr lang="en-US" altLang="ko-KR" b="1" i="0" dirty="0">
                 <a:solidFill>
                   <a:srgbClr val="7030A0"/>
                 </a:solidFill>
-                <a:latin typeface="+mn-ea"/>
-              </a:rPr>
-              <a:t>4</a:t>
+                <a:effectLst/>
+                <a:latin typeface="+mn-ea"/>
+              </a:rPr>
+              <a:t>01</a:t>
             </a:r>
             <a:r>
               <a:rPr lang="en-US" altLang="ko-KR" b="1" i="0" dirty="0">
@@ -12450,7 +12407,7 @@
     </p:spTree>
     <p:extLst>
       <p:ext uri="{BB962C8B-B14F-4D97-AF65-F5344CB8AC3E}">
-        <p14:creationId xmlns:p14="http://schemas.microsoft.com/office/powerpoint/2010/main" val="751228022"/>
+        <p14:creationId xmlns:p14="http://schemas.microsoft.com/office/powerpoint/2010/main" val="1070580926"/>
       </p:ext>
     </p:extLst>
   </p:cSld>
@@ -12460,7 +12417,7 @@
 </p:sld>
 </file>
 
-<file path=ppt/slides/slide6.xml><?xml version="1.0" encoding="utf-8"?>
+<file path=ppt/slides/slide3.xml><?xml version="1.0" encoding="utf-8"?>
 <p:sld xmlns:a="http://schemas.openxmlformats.org/drawingml/2006/main" xmlns:r="http://schemas.openxmlformats.org/officeDocument/2006/relationships" xmlns:p="http://schemas.openxmlformats.org/presentationml/2006/main">
   <p:cSld>
     <p:spTree>
@@ -12479,342 +12436,10 @@
       </p:grpSpPr>
       <p:sp>
         <p:nvSpPr>
-          <p:cNvPr id="2" name="제목 1">
+          <p:cNvPr id="4" name="직사각형 3">
             <a:extLst>
               <a:ext uri="{FF2B5EF4-FFF2-40B4-BE49-F238E27FC236}">
-                <a16:creationId xmlns:a16="http://schemas.microsoft.com/office/drawing/2014/main" id="{1F0B7645-88D9-0667-37CE-DC8E738F363E}"/>
-              </a:ext>
-            </a:extLst>
-          </p:cNvPr>
-          <p:cNvSpPr>
-            <a:spLocks noGrp="1"/>
-          </p:cNvSpPr>
-          <p:nvPr>
-            <p:ph type="title"/>
-          </p:nvPr>
-        </p:nvSpPr>
-        <p:spPr/>
-        <p:txBody>
-          <a:bodyPr/>
-          <a:lstStyle/>
-          <a:p>
-            <a:r>
-              <a:rPr lang="ko-KR" altLang="en-US" dirty="0">
-                <a:latin typeface="+mn-ea"/>
-                <a:ea typeface="+mn-ea"/>
-              </a:rPr>
-              <a:t>게임 흐름</a:t>
-            </a:r>
-            <a:endParaRPr lang="ko-KR" altLang="en-US" sz="3600" dirty="0">
-              <a:latin typeface="+mn-ea"/>
-              <a:ea typeface="+mn-ea"/>
-            </a:endParaRPr>
-          </a:p>
-        </p:txBody>
-      </p:sp>
-      <p:sp>
-        <p:nvSpPr>
-          <p:cNvPr id="7" name="내용 개체 틀 2">
-            <a:extLst>
-              <a:ext uri="{FF2B5EF4-FFF2-40B4-BE49-F238E27FC236}">
-                <a16:creationId xmlns:a16="http://schemas.microsoft.com/office/drawing/2014/main" id="{116519FA-5D41-7EBE-AE89-FDBB5F845952}"/>
-              </a:ext>
-            </a:extLst>
-          </p:cNvPr>
-          <p:cNvSpPr txBox="1">
-            <a:spLocks/>
-          </p:cNvSpPr>
-          <p:nvPr/>
-        </p:nvSpPr>
-        <p:spPr>
-          <a:xfrm>
-            <a:off x="685801" y="2063397"/>
-            <a:ext cx="10027023" cy="509474"/>
-          </a:xfrm>
-          <a:prstGeom prst="rect">
-            <a:avLst/>
-          </a:prstGeom>
-        </p:spPr>
-        <p:txBody>
-          <a:bodyPr vert="horz" lIns="91440" tIns="45720" rIns="91440" bIns="45720" rtlCol="0" anchor="ctr">
-            <a:normAutofit/>
-          </a:bodyPr>
-          <a:lstStyle>
-            <a:lvl1pPr marL="228600" indent="-228600" algn="l" defTabSz="914400" rtl="0" eaLnBrk="1" latinLnBrk="1" hangingPunct="1">
-              <a:lnSpc>
-                <a:spcPct val="120000"/>
-              </a:lnSpc>
-              <a:spcBef>
-                <a:spcPts val="1000"/>
-              </a:spcBef>
-              <a:buClr>
-                <a:schemeClr val="accent1">
-                  <a:lumMod val="60000"/>
-                  <a:lumOff val="40000"/>
-                </a:schemeClr>
-              </a:buClr>
-              <a:buSzPct val="160000"/>
-              <a:buFont typeface="Arial" panose="020B0604020202020204" pitchFamily="34" charset="0"/>
-              <a:buChar char="•"/>
-              <a:defRPr sz="2000" kern="1200" cap="all" baseline="0">
-                <a:solidFill>
-                  <a:schemeClr val="tx1"/>
-                </a:solidFill>
-                <a:effectLst/>
-                <a:latin typeface="+mn-lt"/>
-                <a:ea typeface="+mn-ea"/>
-                <a:cs typeface="+mn-cs"/>
-              </a:defRPr>
-            </a:lvl1pPr>
-            <a:lvl2pPr marL="685800" indent="-228600" algn="l" defTabSz="914400" rtl="0" eaLnBrk="1" latinLnBrk="1" hangingPunct="1">
-              <a:lnSpc>
-                <a:spcPct val="120000"/>
-              </a:lnSpc>
-              <a:spcBef>
-                <a:spcPts val="500"/>
-              </a:spcBef>
-              <a:buClr>
-                <a:schemeClr val="accent1">
-                  <a:lumMod val="60000"/>
-                  <a:lumOff val="40000"/>
-                </a:schemeClr>
-              </a:buClr>
-              <a:buSzPct val="160000"/>
-              <a:buFont typeface="Arial" panose="020B0604020202020204" pitchFamily="34" charset="0"/>
-              <a:buChar char="•"/>
-              <a:defRPr sz="1800" kern="1200" cap="all" baseline="0">
-                <a:solidFill>
-                  <a:schemeClr val="tx1"/>
-                </a:solidFill>
-                <a:effectLst/>
-                <a:latin typeface="+mn-lt"/>
-                <a:ea typeface="+mn-ea"/>
-                <a:cs typeface="+mn-cs"/>
-              </a:defRPr>
-            </a:lvl2pPr>
-            <a:lvl3pPr marL="1143000" indent="-228600" algn="l" defTabSz="914400" rtl="0" eaLnBrk="1" latinLnBrk="1" hangingPunct="1">
-              <a:lnSpc>
-                <a:spcPct val="120000"/>
-              </a:lnSpc>
-              <a:spcBef>
-                <a:spcPts val="500"/>
-              </a:spcBef>
-              <a:buClr>
-                <a:schemeClr val="accent1">
-                  <a:lumMod val="60000"/>
-                  <a:lumOff val="40000"/>
-                </a:schemeClr>
-              </a:buClr>
-              <a:buSzPct val="160000"/>
-              <a:buFont typeface="Arial" panose="020B0604020202020204" pitchFamily="34" charset="0"/>
-              <a:buChar char="•"/>
-              <a:defRPr sz="1600" kern="1200" cap="all" baseline="0">
-                <a:solidFill>
-                  <a:schemeClr val="tx1"/>
-                </a:solidFill>
-                <a:effectLst/>
-                <a:latin typeface="+mn-lt"/>
-                <a:ea typeface="+mn-ea"/>
-                <a:cs typeface="+mn-cs"/>
-              </a:defRPr>
-            </a:lvl3pPr>
-            <a:lvl4pPr marL="1600200" indent="-228600" algn="l" defTabSz="914400" rtl="0" eaLnBrk="1" latinLnBrk="1" hangingPunct="1">
-              <a:lnSpc>
-                <a:spcPct val="120000"/>
-              </a:lnSpc>
-              <a:spcBef>
-                <a:spcPts val="500"/>
-              </a:spcBef>
-              <a:buClr>
-                <a:schemeClr val="accent1">
-                  <a:lumMod val="60000"/>
-                  <a:lumOff val="40000"/>
-                </a:schemeClr>
-              </a:buClr>
-              <a:buSzPct val="160000"/>
-              <a:buFont typeface="Arial" panose="020B0604020202020204" pitchFamily="34" charset="0"/>
-              <a:buChar char="•"/>
-              <a:defRPr sz="1400" kern="1200" cap="all" baseline="0">
-                <a:solidFill>
-                  <a:schemeClr val="tx1"/>
-                </a:solidFill>
-                <a:effectLst/>
-                <a:latin typeface="+mn-lt"/>
-                <a:ea typeface="+mn-ea"/>
-                <a:cs typeface="+mn-cs"/>
-              </a:defRPr>
-            </a:lvl4pPr>
-            <a:lvl5pPr marL="2057400" indent="-228600" algn="l" defTabSz="914400" rtl="0" eaLnBrk="1" latinLnBrk="1" hangingPunct="1">
-              <a:lnSpc>
-                <a:spcPct val="120000"/>
-              </a:lnSpc>
-              <a:spcBef>
-                <a:spcPts val="500"/>
-              </a:spcBef>
-              <a:buClr>
-                <a:schemeClr val="accent1">
-                  <a:lumMod val="60000"/>
-                  <a:lumOff val="40000"/>
-                </a:schemeClr>
-              </a:buClr>
-              <a:buSzPct val="160000"/>
-              <a:buFont typeface="Arial" panose="020B0604020202020204" pitchFamily="34" charset="0"/>
-              <a:buChar char="•"/>
-              <a:defRPr sz="1400" kern="1200" cap="all" baseline="0">
-                <a:solidFill>
-                  <a:schemeClr val="tx1"/>
-                </a:solidFill>
-                <a:effectLst/>
-                <a:latin typeface="+mn-lt"/>
-                <a:ea typeface="+mn-ea"/>
-                <a:cs typeface="+mn-cs"/>
-              </a:defRPr>
-            </a:lvl5pPr>
-            <a:lvl6pPr marL="2514600" indent="-228600" algn="l" defTabSz="914400" rtl="0" eaLnBrk="1" latinLnBrk="1" hangingPunct="1">
-              <a:lnSpc>
-                <a:spcPct val="120000"/>
-              </a:lnSpc>
-              <a:spcBef>
-                <a:spcPts val="500"/>
-              </a:spcBef>
-              <a:buClr>
-                <a:schemeClr val="accent1">
-                  <a:lumMod val="60000"/>
-                  <a:lumOff val="40000"/>
-                </a:schemeClr>
-              </a:buClr>
-              <a:buSzPct val="160000"/>
-              <a:buFont typeface="Arial" panose="020B0604020202020204" pitchFamily="34" charset="0"/>
-              <a:buChar char="•"/>
-              <a:defRPr sz="1400" kern="1200" cap="all" baseline="0">
-                <a:solidFill>
-                  <a:schemeClr val="tx1"/>
-                </a:solidFill>
-                <a:effectLst/>
-                <a:latin typeface="+mn-lt"/>
-                <a:ea typeface="+mn-ea"/>
-                <a:cs typeface="+mn-cs"/>
-              </a:defRPr>
-            </a:lvl6pPr>
-            <a:lvl7pPr marL="2971800" indent="-228600" algn="l" defTabSz="914400" rtl="0" eaLnBrk="1" latinLnBrk="1" hangingPunct="1">
-              <a:lnSpc>
-                <a:spcPct val="120000"/>
-              </a:lnSpc>
-              <a:spcBef>
-                <a:spcPts val="500"/>
-              </a:spcBef>
-              <a:buClr>
-                <a:schemeClr val="accent1">
-                  <a:lumMod val="60000"/>
-                  <a:lumOff val="40000"/>
-                </a:schemeClr>
-              </a:buClr>
-              <a:buSzPct val="160000"/>
-              <a:buFont typeface="Arial" panose="020B0604020202020204" pitchFamily="34" charset="0"/>
-              <a:buChar char="•"/>
-              <a:defRPr sz="1400" kern="1200" cap="all" baseline="0">
-                <a:solidFill>
-                  <a:schemeClr val="tx1"/>
-                </a:solidFill>
-                <a:effectLst/>
-                <a:latin typeface="+mn-lt"/>
-                <a:ea typeface="+mn-ea"/>
-                <a:cs typeface="+mn-cs"/>
-              </a:defRPr>
-            </a:lvl7pPr>
-            <a:lvl8pPr marL="3429000" indent="-228600" algn="l" defTabSz="914400" rtl="0" eaLnBrk="1" latinLnBrk="1" hangingPunct="1">
-              <a:lnSpc>
-                <a:spcPct val="120000"/>
-              </a:lnSpc>
-              <a:spcBef>
-                <a:spcPts val="500"/>
-              </a:spcBef>
-              <a:buClr>
-                <a:schemeClr val="accent1">
-                  <a:lumMod val="60000"/>
-                  <a:lumOff val="40000"/>
-                </a:schemeClr>
-              </a:buClr>
-              <a:buSzPct val="160000"/>
-              <a:buFont typeface="Arial" panose="020B0604020202020204" pitchFamily="34" charset="0"/>
-              <a:buChar char="•"/>
-              <a:defRPr sz="1400" kern="1200" cap="all" baseline="0">
-                <a:solidFill>
-                  <a:schemeClr val="tx1"/>
-                </a:solidFill>
-                <a:effectLst/>
-                <a:latin typeface="+mn-lt"/>
-                <a:ea typeface="+mn-ea"/>
-                <a:cs typeface="+mn-cs"/>
-              </a:defRPr>
-            </a:lvl8pPr>
-            <a:lvl9pPr marL="3886200" indent="-228600" algn="l" defTabSz="914400" rtl="0" eaLnBrk="1" latinLnBrk="1" hangingPunct="1">
-              <a:lnSpc>
-                <a:spcPct val="120000"/>
-              </a:lnSpc>
-              <a:spcBef>
-                <a:spcPts val="500"/>
-              </a:spcBef>
-              <a:buClr>
-                <a:schemeClr val="accent1">
-                  <a:lumMod val="60000"/>
-                  <a:lumOff val="40000"/>
-                </a:schemeClr>
-              </a:buClr>
-              <a:buSzPct val="160000"/>
-              <a:buFont typeface="Arial" panose="020B0604020202020204" pitchFamily="34" charset="0"/>
-              <a:buChar char="•"/>
-              <a:defRPr sz="1400" kern="1200" cap="all" baseline="0">
-                <a:solidFill>
-                  <a:schemeClr val="tx1"/>
-                </a:solidFill>
-                <a:effectLst/>
-                <a:latin typeface="+mn-lt"/>
-                <a:ea typeface="+mn-ea"/>
-                <a:cs typeface="+mn-cs"/>
-              </a:defRPr>
-            </a:lvl9pPr>
-          </a:lstStyle>
-          <a:p>
-            <a:r>
-              <a:rPr lang="en-US" altLang="ko-KR" dirty="0">
-                <a:latin typeface="Segoe UI" panose="020B0502040204020203" pitchFamily="34" charset="0"/>
-              </a:rPr>
-              <a:t>// </a:t>
-            </a:r>
-            <a:r>
-              <a:rPr lang="ko-KR" altLang="en-US" dirty="0">
-                <a:latin typeface="Segoe UI" panose="020B0502040204020203" pitchFamily="34" charset="0"/>
-              </a:rPr>
-              <a:t>내용 </a:t>
-            </a:r>
-            <a:r>
-              <a:rPr lang="en-US" altLang="ko-KR" dirty="0">
-                <a:latin typeface="Segoe UI" panose="020B0502040204020203" pitchFamily="34" charset="0"/>
-              </a:rPr>
-              <a:t>(</a:t>
-            </a:r>
-            <a:r>
-              <a:rPr lang="ko-KR" altLang="en-US" dirty="0">
-                <a:latin typeface="Segoe UI" panose="020B0502040204020203" pitchFamily="34" charset="0"/>
-              </a:rPr>
-              <a:t>이미지도 첨부하기</a:t>
-            </a:r>
-            <a:r>
-              <a:rPr lang="en-US" altLang="ko-KR" dirty="0">
-                <a:latin typeface="Segoe UI" panose="020B0502040204020203" pitchFamily="34" charset="0"/>
-              </a:rPr>
-              <a:t>)</a:t>
-            </a:r>
-          </a:p>
-        </p:txBody>
-      </p:sp>
-      <p:sp>
-        <p:nvSpPr>
-          <p:cNvPr id="8" name="직사각형 7">
-            <a:extLst>
-              <a:ext uri="{FF2B5EF4-FFF2-40B4-BE49-F238E27FC236}">
-                <a16:creationId xmlns:a16="http://schemas.microsoft.com/office/drawing/2014/main" id="{9AA6F2B8-B1CD-4339-09DE-C4EAFE21215F}"/>
+                <a16:creationId xmlns:a16="http://schemas.microsoft.com/office/drawing/2014/main" id="{3B848462-021B-7E18-5D7A-BCB0C6E338A5}"/>
               </a:ext>
             </a:extLst>
           </p:cNvPr>
@@ -12871,10 +12496,900 @@
       </p:sp>
       <p:sp>
         <p:nvSpPr>
+          <p:cNvPr id="2" name="제목 1">
+            <a:extLst>
+              <a:ext uri="{FF2B5EF4-FFF2-40B4-BE49-F238E27FC236}">
+                <a16:creationId xmlns:a16="http://schemas.microsoft.com/office/drawing/2014/main" id="{1F0B7645-88D9-0667-37CE-DC8E738F363E}"/>
+              </a:ext>
+            </a:extLst>
+          </p:cNvPr>
+          <p:cNvSpPr>
+            <a:spLocks noGrp="1"/>
+          </p:cNvSpPr>
+          <p:nvPr>
+            <p:ph type="title"/>
+          </p:nvPr>
+        </p:nvSpPr>
+        <p:spPr/>
+        <p:txBody>
+          <a:bodyPr/>
+          <a:lstStyle/>
+          <a:p>
+            <a:r>
+              <a:rPr lang="ko-KR" altLang="en-US" dirty="0">
+                <a:latin typeface="+mn-ea"/>
+                <a:ea typeface="+mn-ea"/>
+              </a:rPr>
+              <a:t>플레이어 </a:t>
+            </a:r>
+            <a:r>
+              <a:rPr lang="en-US" altLang="ko-KR" sz="3600" dirty="0">
+                <a:latin typeface="+mn-ea"/>
+                <a:ea typeface="+mn-ea"/>
+              </a:rPr>
+              <a:t>(</a:t>
+            </a:r>
+            <a:r>
+              <a:rPr lang="ko-KR" altLang="en-US" sz="3600" b="1" dirty="0">
+                <a:solidFill>
+                  <a:srgbClr val="7030A0"/>
+                </a:solidFill>
+                <a:latin typeface="+mn-ea"/>
+                <a:ea typeface="+mn-ea"/>
+              </a:rPr>
+              <a:t>연성화</a:t>
+            </a:r>
+            <a:r>
+              <a:rPr lang="en-US" altLang="ko-KR" sz="3600" dirty="0">
+                <a:latin typeface="+mn-ea"/>
+                <a:ea typeface="+mn-ea"/>
+              </a:rPr>
+              <a:t>)</a:t>
+            </a:r>
+            <a:endParaRPr lang="ko-KR" altLang="en-US" sz="3600" dirty="0">
+              <a:latin typeface="+mn-ea"/>
+              <a:ea typeface="+mn-ea"/>
+            </a:endParaRPr>
+          </a:p>
+        </p:txBody>
+      </p:sp>
+      <p:sp>
+        <p:nvSpPr>
           <p:cNvPr id="3" name="내용 개체 틀 2">
             <a:extLst>
               <a:ext uri="{FF2B5EF4-FFF2-40B4-BE49-F238E27FC236}">
-                <a16:creationId xmlns:a16="http://schemas.microsoft.com/office/drawing/2014/main" id="{CFF37324-455A-3F4A-CF6E-E94FC2439C25}"/>
+                <a16:creationId xmlns:a16="http://schemas.microsoft.com/office/drawing/2014/main" id="{4A7809F8-1663-1479-295A-111716A9BAC6}"/>
+              </a:ext>
+            </a:extLst>
+          </p:cNvPr>
+          <p:cNvSpPr>
+            <a:spLocks noGrp="1"/>
+          </p:cNvSpPr>
+          <p:nvPr>
+            <p:ph idx="1"/>
+          </p:nvPr>
+        </p:nvSpPr>
+        <p:spPr>
+          <a:xfrm>
+            <a:off x="585787" y="1864660"/>
+            <a:ext cx="10396882" cy="3657600"/>
+          </a:xfrm>
+        </p:spPr>
+        <p:txBody>
+          <a:bodyPr>
+            <a:normAutofit/>
+          </a:bodyPr>
+          <a:lstStyle/>
+          <a:p>
+            <a:pPr marL="0" indent="0" algn="l">
+              <a:buNone/>
+            </a:pPr>
+            <a:r>
+              <a:rPr lang="ko-KR" altLang="en-US" sz="1600" i="0" dirty="0" err="1">
+                <a:effectLst/>
+                <a:latin typeface="+mn-ea"/>
+              </a:rPr>
+              <a:t>분저치</a:t>
+            </a:r>
+            <a:r>
+              <a:rPr lang="ko-KR" altLang="en-US" sz="1600" i="0" dirty="0">
+                <a:effectLst/>
+                <a:latin typeface="+mn-ea"/>
+              </a:rPr>
+              <a:t> </a:t>
+            </a:r>
+            <a:r>
+              <a:rPr lang="en-US" altLang="ko-KR" sz="1600" i="0" dirty="0">
+                <a:effectLst/>
+                <a:latin typeface="+mn-ea"/>
+              </a:rPr>
+              <a:t>(DRP : Dust Resistance Point) : '</a:t>
+            </a:r>
+            <a:r>
+              <a:rPr lang="ko-KR" altLang="en-US" sz="1600" i="0" dirty="0">
+                <a:effectLst/>
+                <a:latin typeface="+mn-ea"/>
+              </a:rPr>
+              <a:t>분진저항치</a:t>
+            </a:r>
+            <a:r>
+              <a:rPr lang="en-US" altLang="ko-KR" sz="1600" i="0" dirty="0">
+                <a:effectLst/>
+                <a:latin typeface="+mn-ea"/>
+              </a:rPr>
+              <a:t>'. [</a:t>
+            </a:r>
+            <a:r>
+              <a:rPr lang="ko-KR" altLang="en-US" sz="1600" i="0" dirty="0">
+                <a:effectLst/>
+                <a:latin typeface="+mn-ea"/>
+              </a:rPr>
+              <a:t>허실분진</a:t>
+            </a:r>
+            <a:r>
+              <a:rPr lang="en-US" altLang="ko-KR" sz="1600" i="0" dirty="0">
+                <a:effectLst/>
+                <a:latin typeface="+mn-ea"/>
+              </a:rPr>
+              <a:t>]</a:t>
+            </a:r>
+            <a:r>
+              <a:rPr lang="ko-KR" altLang="en-US" sz="1600" i="0" dirty="0">
+                <a:effectLst/>
+                <a:latin typeface="+mn-ea"/>
+              </a:rPr>
+              <a:t>을 얼마나 견딜 수 있는가를 뜻한다</a:t>
+            </a:r>
+            <a:r>
+              <a:rPr lang="en-US" altLang="ko-KR" sz="1600" i="0" dirty="0">
+                <a:effectLst/>
+                <a:latin typeface="+mn-ea"/>
+              </a:rPr>
+              <a:t>. </a:t>
+            </a:r>
+            <a:r>
+              <a:rPr lang="ko-KR" altLang="en-US" sz="1600" i="0" dirty="0" err="1">
+                <a:effectLst/>
+                <a:latin typeface="+mn-ea"/>
+              </a:rPr>
+              <a:t>분저치</a:t>
+            </a:r>
+            <a:r>
+              <a:rPr lang="ko-KR" altLang="en-US" sz="1600" i="0" dirty="0">
+                <a:effectLst/>
+                <a:latin typeface="+mn-ea"/>
+              </a:rPr>
+              <a:t> 이상의 </a:t>
+            </a:r>
+            <a:r>
+              <a:rPr lang="en-US" altLang="ko-KR" sz="1600" i="0" dirty="0">
+                <a:effectLst/>
+                <a:latin typeface="+mn-ea"/>
+              </a:rPr>
+              <a:t>[</a:t>
+            </a:r>
+            <a:r>
+              <a:rPr lang="ko-KR" altLang="en-US" sz="1600" i="0" dirty="0">
+                <a:effectLst/>
+                <a:latin typeface="+mn-ea"/>
+              </a:rPr>
+              <a:t>허실분진</a:t>
+            </a:r>
+            <a:r>
+              <a:rPr lang="en-US" altLang="ko-KR" sz="1600" i="0" dirty="0">
+                <a:effectLst/>
+                <a:latin typeface="+mn-ea"/>
+              </a:rPr>
+              <a:t>]</a:t>
+            </a:r>
+            <a:r>
+              <a:rPr lang="ko-KR" altLang="en-US" sz="1600" i="0" dirty="0">
+                <a:effectLst/>
+                <a:latin typeface="+mn-ea"/>
+              </a:rPr>
+              <a:t>과 닿게 되면 퇴각하여 재정비를 갖춰야 한다 </a:t>
+            </a:r>
+            <a:r>
+              <a:rPr lang="en-US" altLang="ko-KR" sz="1600" i="0" dirty="0">
+                <a:effectLst/>
+                <a:latin typeface="+mn-ea"/>
+              </a:rPr>
+              <a:t>(</a:t>
+            </a:r>
+            <a:r>
+              <a:rPr lang="ko-KR" altLang="en-US" sz="1600" i="0" dirty="0">
+                <a:effectLst/>
+                <a:latin typeface="+mn-ea"/>
+              </a:rPr>
+              <a:t>게임오버</a:t>
+            </a:r>
+            <a:r>
+              <a:rPr lang="en-US" altLang="ko-KR" sz="1600" i="0" dirty="0">
+                <a:effectLst/>
+                <a:latin typeface="+mn-ea"/>
+              </a:rPr>
+              <a:t>).</a:t>
+            </a:r>
+          </a:p>
+          <a:p>
+            <a:pPr marL="0" indent="0" algn="l">
+              <a:buNone/>
+            </a:pPr>
+            <a:r>
+              <a:rPr lang="ko-KR" altLang="en-US" sz="1600" i="0" dirty="0">
+                <a:effectLst/>
+                <a:latin typeface="+mn-ea"/>
+              </a:rPr>
+              <a:t>동작 종류</a:t>
+            </a:r>
+          </a:p>
+          <a:p>
+            <a:pPr algn="l">
+              <a:buFont typeface="Arial" panose="020B0604020202020204" pitchFamily="34" charset="0"/>
+              <a:buChar char="•"/>
+            </a:pPr>
+            <a:r>
+              <a:rPr lang="ko-KR" altLang="en-US" sz="1600" b="1" i="0" dirty="0">
+                <a:effectLst/>
+                <a:latin typeface="+mn-ea"/>
+              </a:rPr>
+              <a:t>왼손</a:t>
+            </a:r>
+            <a:r>
+              <a:rPr lang="en-US" altLang="ko-KR" sz="1600" b="1" i="0" dirty="0">
+                <a:effectLst/>
+                <a:latin typeface="+mn-ea"/>
+              </a:rPr>
+              <a:t>, </a:t>
+            </a:r>
+            <a:r>
+              <a:rPr lang="ko-KR" altLang="en-US" sz="1600" b="1" i="0" dirty="0">
+                <a:effectLst/>
+                <a:latin typeface="+mn-ea"/>
+              </a:rPr>
+              <a:t>오른손 각각 </a:t>
+            </a:r>
+            <a:r>
+              <a:rPr lang="en-US" altLang="ko-KR" sz="1600" i="0" dirty="0">
+                <a:effectLst/>
+                <a:latin typeface="+mn-ea"/>
+              </a:rPr>
+              <a:t>[</a:t>
+            </a:r>
+            <a:r>
+              <a:rPr lang="ko-KR" altLang="en-US" sz="1600" i="0" dirty="0">
+                <a:effectLst/>
+                <a:latin typeface="+mn-ea"/>
+              </a:rPr>
+              <a:t>공격</a:t>
+            </a:r>
+            <a:r>
+              <a:rPr lang="en-US" altLang="ko-KR" sz="1600" i="0" dirty="0">
+                <a:effectLst/>
+                <a:latin typeface="+mn-ea"/>
+              </a:rPr>
+              <a:t>] </a:t>
+            </a:r>
+            <a:r>
+              <a:rPr lang="ko-KR" altLang="en-US" sz="1600" i="0" dirty="0">
+                <a:effectLst/>
+                <a:latin typeface="+mn-ea"/>
+              </a:rPr>
+              <a:t>및 </a:t>
+            </a:r>
+            <a:r>
+              <a:rPr lang="en-US" altLang="ko-KR" sz="1600" i="0" dirty="0">
+                <a:effectLst/>
+                <a:latin typeface="+mn-ea"/>
+              </a:rPr>
+              <a:t>[</a:t>
+            </a:r>
+            <a:r>
+              <a:rPr lang="ko-KR" altLang="en-US" sz="1600" i="0" dirty="0">
+                <a:effectLst/>
+                <a:latin typeface="+mn-ea"/>
+              </a:rPr>
+              <a:t>방어</a:t>
+            </a:r>
+            <a:r>
+              <a:rPr lang="en-US" altLang="ko-KR" sz="1600" i="0" dirty="0">
+                <a:effectLst/>
+                <a:latin typeface="+mn-ea"/>
+              </a:rPr>
+              <a:t>] </a:t>
+            </a:r>
+            <a:r>
+              <a:rPr lang="ko-KR" altLang="en-US" sz="1600" i="0" dirty="0">
+                <a:effectLst/>
+                <a:latin typeface="+mn-ea"/>
+              </a:rPr>
+              <a:t>버튼이 있다</a:t>
+            </a:r>
+            <a:r>
+              <a:rPr lang="en-US" altLang="ko-KR" sz="1600" i="0" dirty="0">
+                <a:effectLst/>
+                <a:latin typeface="+mn-ea"/>
+              </a:rPr>
+              <a:t>.</a:t>
+            </a:r>
+          </a:p>
+          <a:p>
+            <a:pPr algn="l">
+              <a:buFont typeface="Arial" panose="020B0604020202020204" pitchFamily="34" charset="0"/>
+              <a:buChar char="•"/>
+            </a:pPr>
+            <a:r>
+              <a:rPr lang="en-US" altLang="ko-KR" sz="1600" i="0" dirty="0">
+                <a:effectLst/>
+                <a:latin typeface="+mn-ea"/>
+              </a:rPr>
+              <a:t>[</a:t>
+            </a:r>
+            <a:r>
+              <a:rPr lang="ko-KR" altLang="en-US" sz="1600" b="1" i="0" dirty="0">
+                <a:effectLst/>
+                <a:latin typeface="+mn-ea"/>
+              </a:rPr>
+              <a:t>공격</a:t>
+            </a:r>
+            <a:r>
+              <a:rPr lang="en-US" altLang="ko-KR" sz="1600" i="0" dirty="0">
+                <a:effectLst/>
+                <a:latin typeface="+mn-ea"/>
+              </a:rPr>
+              <a:t>] </a:t>
+            </a:r>
+            <a:r>
+              <a:rPr lang="ko-KR" altLang="en-US" sz="1600" i="0" dirty="0">
+                <a:effectLst/>
+                <a:latin typeface="+mn-ea"/>
+              </a:rPr>
+              <a:t>및 </a:t>
+            </a:r>
+            <a:r>
+              <a:rPr lang="en-US" altLang="ko-KR" sz="1600" i="0" dirty="0">
+                <a:effectLst/>
+                <a:latin typeface="+mn-ea"/>
+              </a:rPr>
+              <a:t>[</a:t>
+            </a:r>
+            <a:r>
+              <a:rPr lang="ko-KR" altLang="en-US" sz="1600" b="1" i="0" dirty="0">
+                <a:effectLst/>
+                <a:latin typeface="+mn-ea"/>
+              </a:rPr>
+              <a:t>방어</a:t>
+            </a:r>
+            <a:r>
+              <a:rPr lang="en-US" altLang="ko-KR" sz="1600" i="0" dirty="0">
+                <a:effectLst/>
+                <a:latin typeface="+mn-ea"/>
+              </a:rPr>
+              <a:t>] : </a:t>
+            </a:r>
+            <a:r>
+              <a:rPr lang="ko-KR" altLang="en-US" sz="1600" i="0" dirty="0">
+                <a:effectLst/>
+                <a:latin typeface="+mn-ea"/>
+              </a:rPr>
+              <a:t>한 쪽은 </a:t>
+            </a:r>
+            <a:r>
+              <a:rPr lang="en-US" altLang="ko-KR" sz="1600" i="0" dirty="0">
+                <a:effectLst/>
+                <a:latin typeface="+mn-ea"/>
+              </a:rPr>
+              <a:t>[</a:t>
+            </a:r>
+            <a:r>
+              <a:rPr lang="ko-KR" altLang="en-US" sz="1600" i="0" dirty="0">
+                <a:effectLst/>
+                <a:latin typeface="+mn-ea"/>
+              </a:rPr>
+              <a:t>공격</a:t>
+            </a:r>
+            <a:r>
+              <a:rPr lang="en-US" altLang="ko-KR" sz="1600" i="0" dirty="0">
+                <a:effectLst/>
+                <a:latin typeface="+mn-ea"/>
+              </a:rPr>
+              <a:t>], </a:t>
+            </a:r>
+            <a:r>
+              <a:rPr lang="ko-KR" altLang="en-US" sz="1600" i="0" dirty="0">
+                <a:effectLst/>
+                <a:latin typeface="+mn-ea"/>
+              </a:rPr>
+              <a:t>한 쪽은 </a:t>
+            </a:r>
+            <a:r>
+              <a:rPr lang="en-US" altLang="ko-KR" sz="1600" i="0" dirty="0">
+                <a:effectLst/>
+                <a:latin typeface="+mn-ea"/>
+              </a:rPr>
+              <a:t>[</a:t>
+            </a:r>
+            <a:r>
+              <a:rPr lang="ko-KR" altLang="en-US" sz="1600" i="0" dirty="0">
+                <a:effectLst/>
+                <a:latin typeface="+mn-ea"/>
+              </a:rPr>
+              <a:t>방어</a:t>
+            </a:r>
+            <a:r>
+              <a:rPr lang="en-US" altLang="ko-KR" sz="1600" i="0" dirty="0">
+                <a:effectLst/>
+                <a:latin typeface="+mn-ea"/>
+              </a:rPr>
+              <a:t>] </a:t>
+            </a:r>
+            <a:r>
+              <a:rPr lang="ko-KR" altLang="en-US" sz="1600" i="0" dirty="0">
+                <a:effectLst/>
+                <a:latin typeface="+mn-ea"/>
+              </a:rPr>
+              <a:t>선택 </a:t>
+            </a:r>
+            <a:r>
+              <a:rPr lang="en-US" altLang="ko-KR" sz="1600" i="0" dirty="0">
+                <a:effectLst/>
+                <a:latin typeface="+mn-ea"/>
+              </a:rPr>
+              <a:t>- [</a:t>
+            </a:r>
+            <a:r>
+              <a:rPr lang="ko-KR" altLang="en-US" sz="1600" i="0" dirty="0">
+                <a:effectLst/>
+                <a:latin typeface="+mn-ea"/>
+              </a:rPr>
+              <a:t>공격</a:t>
+            </a:r>
+            <a:r>
+              <a:rPr lang="en-US" altLang="ko-KR" sz="1600" i="0" dirty="0">
+                <a:effectLst/>
+                <a:latin typeface="+mn-ea"/>
+              </a:rPr>
+              <a:t>]</a:t>
+            </a:r>
+            <a:r>
+              <a:rPr lang="ko-KR" altLang="en-US" sz="1600" i="0" dirty="0">
+                <a:effectLst/>
+                <a:latin typeface="+mn-ea"/>
+              </a:rPr>
+              <a:t>은 상대의 해당 마주하는 위치에 들어가고</a:t>
+            </a:r>
+            <a:r>
+              <a:rPr lang="en-US" altLang="ko-KR" sz="1600" i="0" dirty="0">
+                <a:effectLst/>
+                <a:latin typeface="+mn-ea"/>
+              </a:rPr>
+              <a:t>, [</a:t>
+            </a:r>
+            <a:r>
+              <a:rPr lang="ko-KR" altLang="en-US" sz="1600" i="0" dirty="0">
+                <a:effectLst/>
+                <a:latin typeface="+mn-ea"/>
+              </a:rPr>
+              <a:t>방어</a:t>
+            </a:r>
+            <a:r>
+              <a:rPr lang="en-US" altLang="ko-KR" sz="1600" i="0" dirty="0">
+                <a:effectLst/>
+                <a:latin typeface="+mn-ea"/>
+              </a:rPr>
+              <a:t>]</a:t>
+            </a:r>
+            <a:r>
+              <a:rPr lang="ko-KR" altLang="en-US" sz="1600" i="0" dirty="0">
+                <a:effectLst/>
+                <a:latin typeface="+mn-ea"/>
+              </a:rPr>
+              <a:t>는 상대의 해당 마주하는 위치로부터의 공격을 막는다</a:t>
+            </a:r>
+            <a:r>
+              <a:rPr lang="en-US" altLang="ko-KR" sz="1600" i="0" dirty="0">
+                <a:effectLst/>
+                <a:latin typeface="+mn-ea"/>
+              </a:rPr>
+              <a:t>.</a:t>
+            </a:r>
+          </a:p>
+          <a:p>
+            <a:pPr algn="l">
+              <a:buFont typeface="Arial" panose="020B0604020202020204" pitchFamily="34" charset="0"/>
+              <a:buChar char="•"/>
+            </a:pPr>
+            <a:r>
+              <a:rPr lang="en-US" altLang="ko-KR" sz="1600" i="0" dirty="0">
+                <a:effectLst/>
+                <a:latin typeface="+mn-ea"/>
+              </a:rPr>
+              <a:t>[</a:t>
+            </a:r>
+            <a:r>
+              <a:rPr lang="ko-KR" altLang="en-US" sz="1600" b="1" i="0" dirty="0" err="1">
+                <a:effectLst/>
+                <a:latin typeface="+mn-ea"/>
+              </a:rPr>
+              <a:t>강공격</a:t>
+            </a:r>
+            <a:r>
+              <a:rPr lang="en-US" altLang="ko-KR" sz="1600" i="0" dirty="0">
+                <a:effectLst/>
+                <a:latin typeface="+mn-ea"/>
+              </a:rPr>
+              <a:t>] : </a:t>
+            </a:r>
+            <a:r>
+              <a:rPr lang="ko-KR" altLang="en-US" sz="1600" i="0" dirty="0">
+                <a:effectLst/>
+                <a:latin typeface="+mn-ea"/>
+              </a:rPr>
+              <a:t>양쪽 모두 </a:t>
+            </a:r>
+            <a:r>
+              <a:rPr lang="en-US" altLang="ko-KR" sz="1600" i="0" dirty="0">
+                <a:effectLst/>
+                <a:latin typeface="+mn-ea"/>
+              </a:rPr>
+              <a:t>[</a:t>
+            </a:r>
+            <a:r>
+              <a:rPr lang="ko-KR" altLang="en-US" sz="1600" i="0" dirty="0">
+                <a:effectLst/>
+                <a:latin typeface="+mn-ea"/>
+              </a:rPr>
+              <a:t>공격</a:t>
+            </a:r>
+            <a:r>
+              <a:rPr lang="en-US" altLang="ko-KR" sz="1600" i="0" dirty="0">
+                <a:effectLst/>
+                <a:latin typeface="+mn-ea"/>
+              </a:rPr>
+              <a:t>] </a:t>
+            </a:r>
+            <a:r>
+              <a:rPr lang="ko-KR" altLang="en-US" sz="1600" i="0" dirty="0">
+                <a:effectLst/>
+                <a:latin typeface="+mn-ea"/>
+              </a:rPr>
+              <a:t>선택 </a:t>
+            </a:r>
+            <a:r>
+              <a:rPr lang="en-US" altLang="ko-KR" sz="1600" i="0" dirty="0">
+                <a:effectLst/>
+                <a:latin typeface="+mn-ea"/>
+              </a:rPr>
+              <a:t>- </a:t>
+            </a:r>
+            <a:r>
+              <a:rPr lang="ko-KR" altLang="en-US" sz="1600" i="0" dirty="0">
+                <a:effectLst/>
+                <a:latin typeface="+mn-ea"/>
+              </a:rPr>
+              <a:t>상대의 </a:t>
+            </a:r>
+            <a:r>
+              <a:rPr lang="en-US" altLang="ko-KR" sz="1600" i="0" dirty="0">
+                <a:effectLst/>
+                <a:latin typeface="+mn-ea"/>
+              </a:rPr>
+              <a:t>[</a:t>
+            </a:r>
+            <a:r>
+              <a:rPr lang="ko-KR" altLang="en-US" sz="1600" i="0" dirty="0" err="1">
+                <a:effectLst/>
+                <a:latin typeface="+mn-ea"/>
+              </a:rPr>
+              <a:t>강방어</a:t>
+            </a:r>
+            <a:r>
+              <a:rPr lang="en-US" altLang="ko-KR" sz="1600" i="0" dirty="0">
+                <a:effectLst/>
+                <a:latin typeface="+mn-ea"/>
+              </a:rPr>
+              <a:t>]</a:t>
+            </a:r>
+            <a:r>
+              <a:rPr lang="ko-KR" altLang="en-US" sz="1600" i="0" dirty="0">
+                <a:effectLst/>
+                <a:latin typeface="+mn-ea"/>
+              </a:rPr>
+              <a:t>를 격파할 수 있으나 상대로부터 </a:t>
+            </a:r>
+            <a:r>
+              <a:rPr lang="en-US" altLang="ko-KR" sz="1600" i="0" dirty="0">
+                <a:effectLst/>
+                <a:latin typeface="+mn-ea"/>
+              </a:rPr>
+              <a:t>[</a:t>
+            </a:r>
+            <a:r>
+              <a:rPr lang="ko-KR" altLang="en-US" sz="1600" i="0" dirty="0">
+                <a:effectLst/>
+                <a:latin typeface="+mn-ea"/>
+              </a:rPr>
+              <a:t>공격</a:t>
+            </a:r>
+            <a:r>
+              <a:rPr lang="en-US" altLang="ko-KR" sz="1600" i="0" dirty="0">
+                <a:effectLst/>
+                <a:latin typeface="+mn-ea"/>
+              </a:rPr>
+              <a:t>]</a:t>
+            </a:r>
+            <a:r>
+              <a:rPr lang="ko-KR" altLang="en-US" sz="1600" i="0" dirty="0">
+                <a:effectLst/>
+                <a:latin typeface="+mn-ea"/>
+              </a:rPr>
+              <a:t>이 오면 막을 수 없다</a:t>
+            </a:r>
+            <a:r>
+              <a:rPr lang="en-US" altLang="ko-KR" sz="1600" i="0" dirty="0">
+                <a:effectLst/>
+                <a:latin typeface="+mn-ea"/>
+              </a:rPr>
+              <a:t>.</a:t>
+            </a:r>
+          </a:p>
+          <a:p>
+            <a:pPr algn="l">
+              <a:buFont typeface="Arial" panose="020B0604020202020204" pitchFamily="34" charset="0"/>
+              <a:buChar char="•"/>
+            </a:pPr>
+            <a:r>
+              <a:rPr lang="en-US" altLang="ko-KR" sz="1600" i="0" dirty="0">
+                <a:effectLst/>
+                <a:latin typeface="+mn-ea"/>
+              </a:rPr>
+              <a:t>[</a:t>
+            </a:r>
+            <a:r>
+              <a:rPr lang="ko-KR" altLang="en-US" sz="1600" b="1" i="0" dirty="0" err="1">
+                <a:effectLst/>
+                <a:latin typeface="+mn-ea"/>
+              </a:rPr>
+              <a:t>강방어</a:t>
+            </a:r>
+            <a:r>
+              <a:rPr lang="en-US" altLang="ko-KR" sz="1600" i="0" dirty="0">
+                <a:effectLst/>
+                <a:latin typeface="+mn-ea"/>
+              </a:rPr>
+              <a:t>] : </a:t>
+            </a:r>
+            <a:r>
+              <a:rPr lang="ko-KR" altLang="en-US" sz="1600" i="0" dirty="0">
+                <a:effectLst/>
+                <a:latin typeface="+mn-ea"/>
+              </a:rPr>
+              <a:t>양쪽 모두 </a:t>
+            </a:r>
+            <a:r>
+              <a:rPr lang="en-US" altLang="ko-KR" sz="1600" i="0" dirty="0">
+                <a:effectLst/>
+                <a:latin typeface="+mn-ea"/>
+              </a:rPr>
+              <a:t>[</a:t>
+            </a:r>
+            <a:r>
+              <a:rPr lang="ko-KR" altLang="en-US" sz="1600" i="0" dirty="0">
+                <a:effectLst/>
+                <a:latin typeface="+mn-ea"/>
+              </a:rPr>
+              <a:t>방어</a:t>
+            </a:r>
+            <a:r>
+              <a:rPr lang="en-US" altLang="ko-KR" sz="1600" i="0" dirty="0">
+                <a:effectLst/>
+                <a:latin typeface="+mn-ea"/>
+              </a:rPr>
+              <a:t>] </a:t>
+            </a:r>
+            <a:r>
+              <a:rPr lang="ko-KR" altLang="en-US" sz="1600" i="0" dirty="0">
+                <a:effectLst/>
+                <a:latin typeface="+mn-ea"/>
+              </a:rPr>
+              <a:t>선택 </a:t>
+            </a:r>
+            <a:r>
+              <a:rPr lang="en-US" altLang="ko-KR" sz="1600" i="0" dirty="0">
+                <a:effectLst/>
+                <a:latin typeface="+mn-ea"/>
+              </a:rPr>
+              <a:t>- </a:t>
+            </a:r>
+            <a:r>
+              <a:rPr lang="ko-KR" altLang="en-US" sz="1600" i="0" dirty="0">
+                <a:effectLst/>
+                <a:latin typeface="+mn-ea"/>
+              </a:rPr>
+              <a:t>상대의 </a:t>
+            </a:r>
+            <a:r>
+              <a:rPr lang="en-US" altLang="ko-KR" sz="1600" i="0" dirty="0">
+                <a:effectLst/>
+                <a:latin typeface="+mn-ea"/>
+              </a:rPr>
+              <a:t>[</a:t>
+            </a:r>
+            <a:r>
+              <a:rPr lang="ko-KR" altLang="en-US" sz="1600" i="0" dirty="0">
+                <a:effectLst/>
+                <a:latin typeface="+mn-ea"/>
+              </a:rPr>
+              <a:t>공격</a:t>
+            </a:r>
+            <a:r>
+              <a:rPr lang="en-US" altLang="ko-KR" sz="1600" i="0" dirty="0">
+                <a:effectLst/>
+                <a:latin typeface="+mn-ea"/>
+              </a:rPr>
+              <a:t>] </a:t>
+            </a:r>
+            <a:r>
+              <a:rPr lang="ko-KR" altLang="en-US" sz="1600" i="0" dirty="0">
+                <a:effectLst/>
+                <a:latin typeface="+mn-ea"/>
+              </a:rPr>
+              <a:t>및 </a:t>
+            </a:r>
+            <a:r>
+              <a:rPr lang="en-US" altLang="ko-KR" sz="1600" i="0" dirty="0">
+                <a:effectLst/>
+                <a:latin typeface="+mn-ea"/>
+              </a:rPr>
+              <a:t>[</a:t>
+            </a:r>
+            <a:r>
+              <a:rPr lang="ko-KR" altLang="en-US" sz="1600" i="0" dirty="0" err="1">
+                <a:effectLst/>
+                <a:latin typeface="+mn-ea"/>
+              </a:rPr>
+              <a:t>강공격</a:t>
+            </a:r>
+            <a:r>
+              <a:rPr lang="en-US" altLang="ko-KR" sz="1600" i="0" dirty="0">
+                <a:effectLst/>
+                <a:latin typeface="+mn-ea"/>
+              </a:rPr>
+              <a:t>]</a:t>
+            </a:r>
+            <a:r>
+              <a:rPr lang="ko-KR" altLang="en-US" sz="1600" i="0" dirty="0">
+                <a:effectLst/>
+                <a:latin typeface="+mn-ea"/>
+              </a:rPr>
+              <a:t>을 막을 수 있으나 연속으로 사용할 수 없다</a:t>
+            </a:r>
+            <a:r>
+              <a:rPr lang="en-US" altLang="ko-KR" sz="1600" i="0" dirty="0">
+                <a:effectLst/>
+                <a:latin typeface="+mn-ea"/>
+              </a:rPr>
+              <a:t>.</a:t>
+            </a:r>
+          </a:p>
+          <a:p>
+            <a:pPr marL="0" indent="0" algn="l">
+              <a:buNone/>
+            </a:pPr>
+            <a:r>
+              <a:rPr lang="en-US" altLang="ko-KR" sz="1600" i="0" dirty="0">
+                <a:effectLst/>
+                <a:latin typeface="+mn-ea"/>
+              </a:rPr>
+              <a:t>[</a:t>
+            </a:r>
+            <a:r>
+              <a:rPr lang="ko-KR" altLang="en-US" sz="1600" i="0" dirty="0">
+                <a:effectLst/>
+                <a:latin typeface="+mn-ea"/>
+              </a:rPr>
+              <a:t>플레이어</a:t>
+            </a:r>
+            <a:r>
+              <a:rPr lang="en-US" altLang="ko-KR" sz="1600" i="0" dirty="0">
+                <a:effectLst/>
+                <a:latin typeface="+mn-ea"/>
+              </a:rPr>
+              <a:t>]</a:t>
+            </a:r>
+            <a:r>
+              <a:rPr lang="ko-KR" altLang="en-US" sz="1600" i="0" dirty="0">
+                <a:effectLst/>
+                <a:latin typeface="+mn-ea"/>
+              </a:rPr>
+              <a:t>는 </a:t>
+            </a:r>
+            <a:r>
+              <a:rPr lang="en-US" altLang="ko-KR" sz="1600" i="0" dirty="0">
+                <a:effectLst/>
+                <a:latin typeface="+mn-ea"/>
+              </a:rPr>
+              <a:t>[</a:t>
+            </a:r>
+            <a:r>
+              <a:rPr lang="ko-KR" altLang="en-US" sz="1600" i="0" dirty="0" err="1">
+                <a:effectLst/>
+                <a:latin typeface="+mn-ea"/>
+              </a:rPr>
+              <a:t>실차령</a:t>
+            </a:r>
+            <a:r>
+              <a:rPr lang="en-US" altLang="ko-KR" sz="1600" i="0" dirty="0">
+                <a:effectLst/>
+                <a:latin typeface="+mn-ea"/>
+              </a:rPr>
+              <a:t>]</a:t>
+            </a:r>
+            <a:r>
+              <a:rPr lang="ko-KR" altLang="en-US" sz="1600" i="0" dirty="0">
+                <a:effectLst/>
+                <a:latin typeface="+mn-ea"/>
+              </a:rPr>
+              <a:t>의 공격이 오기 전</a:t>
+            </a:r>
+            <a:r>
+              <a:rPr lang="ko-KR" altLang="en-US" sz="1600" b="1" i="0" dirty="0">
+                <a:effectLst/>
+                <a:latin typeface="+mn-ea"/>
+              </a:rPr>
+              <a:t> </a:t>
+            </a:r>
+            <a:r>
+              <a:rPr lang="en-US" altLang="ko-KR" sz="1600" b="1" i="0" dirty="0">
+                <a:effectLst/>
+                <a:latin typeface="+mn-ea"/>
+              </a:rPr>
+              <a:t>[</a:t>
+            </a:r>
+            <a:r>
+              <a:rPr lang="ko-KR" altLang="en-US" sz="1600" b="1" i="0" dirty="0">
+                <a:effectLst/>
+                <a:latin typeface="+mn-ea"/>
+              </a:rPr>
+              <a:t>대기시간</a:t>
+            </a:r>
+            <a:r>
+              <a:rPr lang="en-US" altLang="ko-KR" sz="1600" b="1" i="0" dirty="0">
+                <a:effectLst/>
+                <a:latin typeface="+mn-ea"/>
+              </a:rPr>
+              <a:t>]</a:t>
+            </a:r>
+            <a:r>
+              <a:rPr lang="ko-KR" altLang="en-US" sz="1600" b="1" i="0" dirty="0">
+                <a:effectLst/>
+                <a:latin typeface="+mn-ea"/>
+              </a:rPr>
+              <a:t>에 동작을 선택</a:t>
+            </a:r>
+            <a:r>
+              <a:rPr lang="ko-KR" altLang="en-US" sz="1600" i="0" dirty="0">
+                <a:effectLst/>
+                <a:latin typeface="+mn-ea"/>
+              </a:rPr>
+              <a:t>해야 한다</a:t>
+            </a:r>
+            <a:r>
+              <a:rPr lang="en-US" altLang="ko-KR" sz="1600" i="0" dirty="0">
+                <a:effectLst/>
+                <a:latin typeface="+mn-ea"/>
+              </a:rPr>
+              <a:t>.</a:t>
+            </a:r>
+          </a:p>
+        </p:txBody>
+      </p:sp>
+      <p:sp>
+        <p:nvSpPr>
+          <p:cNvPr id="5" name="내용 개체 틀 2">
+            <a:extLst>
+              <a:ext uri="{FF2B5EF4-FFF2-40B4-BE49-F238E27FC236}">
+                <a16:creationId xmlns:a16="http://schemas.microsoft.com/office/drawing/2014/main" id="{42F28EFE-679E-E278-B9F9-A35AC41E9C3A}"/>
               </a:ext>
             </a:extLst>
           </p:cNvPr>
@@ -13144,7 +13659,7 @@
                 <a:effectLst/>
                 <a:latin typeface="+mn-ea"/>
               </a:rPr>
-              <a:t>5</a:t>
+              <a:t>02</a:t>
             </a:r>
             <a:r>
               <a:rPr lang="en-US" altLang="ko-KR" b="1" i="0" dirty="0">
@@ -13172,7 +13687,7 @@
     </p:spTree>
     <p:extLst>
       <p:ext uri="{BB962C8B-B14F-4D97-AF65-F5344CB8AC3E}">
-        <p14:creationId xmlns:p14="http://schemas.microsoft.com/office/powerpoint/2010/main" val="101591789"/>
+        <p14:creationId xmlns:p14="http://schemas.microsoft.com/office/powerpoint/2010/main" val="1574181534"/>
       </p:ext>
     </p:extLst>
   </p:cSld>
@@ -13182,7 +13697,7 @@
 </p:sld>
 </file>
 
-<file path=ppt/slides/slide7.xml><?xml version="1.0" encoding="utf-8"?>
+<file path=ppt/slides/slide4.xml><?xml version="1.0" encoding="utf-8"?>
 <p:sld xmlns:a="http://schemas.openxmlformats.org/drawingml/2006/main" xmlns:r="http://schemas.openxmlformats.org/officeDocument/2006/relationships" xmlns:p="http://schemas.openxmlformats.org/presentationml/2006/main">
   <p:cSld>
     <p:spTree>
@@ -13225,7 +13740,91 @@
                 <a:latin typeface="+mn-ea"/>
                 <a:ea typeface="+mn-ea"/>
               </a:rPr>
-              <a:t>개발 일정</a:t>
+              <a:t>적 </a:t>
+            </a:r>
+            <a:r>
+              <a:rPr lang="en-US" altLang="ko-KR" sz="3600" dirty="0">
+                <a:latin typeface="+mn-ea"/>
+                <a:ea typeface="+mn-ea"/>
+              </a:rPr>
+              <a:t>(</a:t>
+            </a:r>
+            <a:r>
+              <a:rPr lang="en-US" altLang="ko-KR" sz="3600" dirty="0">
+                <a:solidFill>
+                  <a:srgbClr val="2B91AF"/>
+                </a:solidFill>
+                <a:latin typeface="+mn-ea"/>
+                <a:ea typeface="+mn-ea"/>
+              </a:rPr>
+              <a:t>[</a:t>
+            </a:r>
+            <a:r>
+              <a:rPr lang="ko-KR" altLang="en-US" sz="3600" b="1" dirty="0">
+                <a:solidFill>
+                  <a:srgbClr val="C00000"/>
+                </a:solidFill>
+                <a:latin typeface="+mn-ea"/>
+                <a:ea typeface="+mn-ea"/>
+              </a:rPr>
+              <a:t>허실분진</a:t>
+            </a:r>
+            <a:r>
+              <a:rPr lang="en-US" altLang="ko-KR" sz="3600" dirty="0">
+                <a:solidFill>
+                  <a:srgbClr val="2B91AF"/>
+                </a:solidFill>
+                <a:latin typeface="+mn-ea"/>
+                <a:ea typeface="+mn-ea"/>
+              </a:rPr>
+              <a:t>]</a:t>
+            </a:r>
+            <a:r>
+              <a:rPr lang="ko-KR" altLang="en-US" sz="3600" dirty="0">
+                <a:solidFill>
+                  <a:srgbClr val="2B91AF"/>
+                </a:solidFill>
+                <a:latin typeface="+mn-ea"/>
+                <a:ea typeface="+mn-ea"/>
+              </a:rPr>
+              <a:t>에 감염된 </a:t>
+            </a:r>
+            <a:r>
+              <a:rPr lang="en-US" altLang="ko-KR" sz="3600" dirty="0">
+                <a:solidFill>
+                  <a:srgbClr val="2B91AF"/>
+                </a:solidFill>
+                <a:latin typeface="+mn-ea"/>
+                <a:ea typeface="+mn-ea"/>
+              </a:rPr>
+              <a:t>[</a:t>
+            </a:r>
+            <a:r>
+              <a:rPr lang="ko-KR" altLang="en-US" sz="3600" b="1" dirty="0" err="1">
+                <a:solidFill>
+                  <a:srgbClr val="C00000"/>
+                </a:solidFill>
+                <a:latin typeface="+mn-ea"/>
+                <a:ea typeface="+mn-ea"/>
+              </a:rPr>
+              <a:t>실차령</a:t>
+            </a:r>
+            <a:r>
+              <a:rPr lang="en-US" altLang="ko-KR" sz="3600" dirty="0">
+                <a:solidFill>
+                  <a:srgbClr val="2B91AF"/>
+                </a:solidFill>
+                <a:latin typeface="+mn-ea"/>
+                <a:ea typeface="+mn-ea"/>
+              </a:rPr>
+              <a:t>]</a:t>
+            </a:r>
+            <a:r>
+              <a:rPr lang="en-US" altLang="ko-KR" sz="3600" dirty="0">
+                <a:latin typeface="+mn-ea"/>
+                <a:ea typeface="+mn-ea"/>
+              </a:rPr>
+              <a:t>)</a:t>
             </a:r>
             <a:endParaRPr lang="ko-KR" altLang="en-US" sz="3600" dirty="0">
               <a:latin typeface="+mn-ea"/>
@@ -13250,8 +13849,8 @@
         </p:nvSpPr>
         <p:spPr>
           <a:xfrm>
-            <a:off x="685801" y="2063397"/>
-            <a:ext cx="10027023" cy="509474"/>
+            <a:off x="600635" y="1900517"/>
+            <a:ext cx="10195184" cy="3477727"/>
           </a:xfrm>
           <a:prstGeom prst="rect">
             <a:avLst/>
@@ -13259,7 +13858,7 @@
         </p:spPr>
         <p:txBody>
           <a:bodyPr vert="horz" lIns="91440" tIns="45720" rIns="91440" bIns="45720" rtlCol="0" anchor="ctr">
-            <a:normAutofit/>
+            <a:noAutofit/>
           </a:bodyPr>
           <a:lstStyle>
             <a:lvl1pPr marL="228600" indent="-228600" algn="l" defTabSz="914400" rtl="0" eaLnBrk="1" latinLnBrk="1" hangingPunct="1">
@@ -13498,35 +14097,467 @@
             </a:lvl9pPr>
           </a:lstStyle>
           <a:p>
-            <a:r>
-              <a:rPr lang="en-US" altLang="ko-KR" dirty="0">
-                <a:latin typeface="Segoe UI" panose="020B0502040204020203" pitchFamily="34" charset="0"/>
-              </a:rPr>
-              <a:t>// </a:t>
-            </a:r>
-            <a:r>
-              <a:rPr lang="ko-KR" altLang="en-US" dirty="0">
-                <a:latin typeface="Segoe UI" panose="020B0502040204020203" pitchFamily="34" charset="0"/>
-              </a:rPr>
-              <a:t>내용 </a:t>
-            </a:r>
-            <a:r>
-              <a:rPr lang="en-US" altLang="ko-KR" dirty="0">
-                <a:latin typeface="Segoe UI" panose="020B0502040204020203" pitchFamily="34" charset="0"/>
-              </a:rPr>
-              <a:t>(1~3</a:t>
-            </a:r>
-            <a:r>
-              <a:rPr lang="ko-KR" altLang="en-US" dirty="0">
-                <a:latin typeface="Segoe UI" panose="020B0502040204020203" pitchFamily="34" charset="0"/>
-              </a:rPr>
-              <a:t>주차</a:t>
-            </a:r>
-            <a:r>
-              <a:rPr lang="en-US" altLang="ko-KR" dirty="0">
-                <a:latin typeface="Segoe UI" panose="020B0502040204020203" pitchFamily="34" charset="0"/>
-              </a:rPr>
-              <a:t>)</a:t>
+            <a:pPr marL="0" indent="0">
+              <a:buNone/>
+            </a:pPr>
+            <a:r>
+              <a:rPr lang="ko-KR" altLang="en-US" sz="1700" dirty="0">
+                <a:latin typeface="Segoe UI" panose="020B0502040204020203" pitchFamily="34" charset="0"/>
+              </a:rPr>
+              <a:t>플레이어의 </a:t>
+            </a:r>
+            <a:r>
+              <a:rPr lang="ko-KR" altLang="en-US" sz="1700" b="1" dirty="0">
+                <a:latin typeface="Segoe UI" panose="020B0502040204020203" pitchFamily="34" charset="0"/>
+              </a:rPr>
+              <a:t>왼쪽 및 오른쪽에 대응</a:t>
+            </a:r>
+            <a:r>
+              <a:rPr lang="ko-KR" altLang="en-US" sz="1700" dirty="0">
+                <a:latin typeface="Segoe UI" panose="020B0502040204020203" pitchFamily="34" charset="0"/>
+              </a:rPr>
+              <a:t>하는 동작</a:t>
+            </a:r>
+            <a:endParaRPr lang="en-US" altLang="ko-KR" sz="1700" dirty="0">
+              <a:latin typeface="Segoe UI" panose="020B0502040204020203" pitchFamily="34" charset="0"/>
+            </a:endParaRPr>
+          </a:p>
+          <a:p>
+            <a:pPr marL="0" indent="0">
+              <a:buNone/>
+            </a:pPr>
+            <a:r>
+              <a:rPr lang="ko-KR" altLang="en-US" sz="1700" dirty="0">
+                <a:latin typeface="Segoe UI" panose="020B0502040204020203" pitchFamily="34" charset="0"/>
+              </a:rPr>
+              <a:t>동작 종류</a:t>
+            </a:r>
+          </a:p>
+          <a:p>
+            <a:r>
+              <a:rPr lang="en-US" altLang="ko-KR" sz="1700" dirty="0">
+                <a:latin typeface="Segoe UI" panose="020B0502040204020203" pitchFamily="34" charset="0"/>
+              </a:rPr>
+              <a:t>[</a:t>
+            </a:r>
+            <a:r>
+              <a:rPr lang="ko-KR" altLang="en-US" sz="1700" b="1" dirty="0">
+                <a:latin typeface="Segoe UI" panose="020B0502040204020203" pitchFamily="34" charset="0"/>
+              </a:rPr>
+              <a:t>공격</a:t>
+            </a:r>
+            <a:r>
+              <a:rPr lang="en-US" altLang="ko-KR" sz="1700" dirty="0">
+                <a:latin typeface="Segoe UI" panose="020B0502040204020203" pitchFamily="34" charset="0"/>
+              </a:rPr>
+              <a:t>] : </a:t>
+            </a:r>
+            <a:r>
+              <a:rPr lang="ko-KR" altLang="en-US" sz="1700" dirty="0">
+                <a:latin typeface="Segoe UI" panose="020B0502040204020203" pitchFamily="34" charset="0"/>
+              </a:rPr>
+              <a:t>해당 마주하는 위치에 플레이어의 </a:t>
+            </a:r>
+            <a:r>
+              <a:rPr lang="en-US" altLang="ko-KR" sz="1700" dirty="0">
+                <a:latin typeface="Segoe UI" panose="020B0502040204020203" pitchFamily="34" charset="0"/>
+              </a:rPr>
+              <a:t>[</a:t>
+            </a:r>
+            <a:r>
+              <a:rPr lang="ko-KR" altLang="en-US" sz="1700" dirty="0">
+                <a:latin typeface="Segoe UI" panose="020B0502040204020203" pitchFamily="34" charset="0"/>
+              </a:rPr>
+              <a:t>방어</a:t>
+            </a:r>
+            <a:r>
+              <a:rPr lang="en-US" altLang="ko-KR" sz="1700" dirty="0">
+                <a:latin typeface="Segoe UI" panose="020B0502040204020203" pitchFamily="34" charset="0"/>
+              </a:rPr>
+              <a:t>]</a:t>
+            </a:r>
+            <a:r>
+              <a:rPr lang="ko-KR" altLang="en-US" sz="1700" dirty="0">
+                <a:latin typeface="Segoe UI" panose="020B0502040204020203" pitchFamily="34" charset="0"/>
+              </a:rPr>
+              <a:t>가 없다면 일정량의 </a:t>
+            </a:r>
+            <a:r>
+              <a:rPr lang="en-US" altLang="ko-KR" sz="1700" dirty="0">
+                <a:latin typeface="Segoe UI" panose="020B0502040204020203" pitchFamily="34" charset="0"/>
+              </a:rPr>
+              <a:t>[</a:t>
+            </a:r>
+            <a:r>
+              <a:rPr lang="ko-KR" altLang="en-US" sz="1700" dirty="0">
+                <a:latin typeface="Segoe UI" panose="020B0502040204020203" pitchFamily="34" charset="0"/>
+              </a:rPr>
+              <a:t>허실분진</a:t>
+            </a:r>
+            <a:r>
+              <a:rPr lang="en-US" altLang="ko-KR" sz="1700" dirty="0">
+                <a:latin typeface="Segoe UI" panose="020B0502040204020203" pitchFamily="34" charset="0"/>
+              </a:rPr>
+              <a:t>]</a:t>
+            </a:r>
+            <a:r>
+              <a:rPr lang="ko-KR" altLang="en-US" sz="1700" dirty="0">
+                <a:latin typeface="Segoe UI" panose="020B0502040204020203" pitchFamily="34" charset="0"/>
+              </a:rPr>
+              <a:t>을 플레이어에게 묻힌다</a:t>
+            </a:r>
+            <a:r>
+              <a:rPr lang="en-US" altLang="ko-KR" sz="1700" dirty="0">
+                <a:latin typeface="Segoe UI" panose="020B0502040204020203" pitchFamily="34" charset="0"/>
+              </a:rPr>
+              <a:t>.</a:t>
+            </a:r>
+          </a:p>
+          <a:p>
+            <a:r>
+              <a:rPr lang="en-US" altLang="ko-KR" sz="1700" dirty="0">
+                <a:latin typeface="Segoe UI" panose="020B0502040204020203" pitchFamily="34" charset="0"/>
+              </a:rPr>
+              <a:t>[</a:t>
+            </a:r>
+            <a:r>
+              <a:rPr lang="ko-KR" altLang="en-US" sz="1700" b="1" dirty="0">
+                <a:latin typeface="Segoe UI" panose="020B0502040204020203" pitchFamily="34" charset="0"/>
+              </a:rPr>
+              <a:t>방어</a:t>
+            </a:r>
+            <a:r>
+              <a:rPr lang="en-US" altLang="ko-KR" sz="1700" dirty="0">
+                <a:latin typeface="Segoe UI" panose="020B0502040204020203" pitchFamily="34" charset="0"/>
+              </a:rPr>
+              <a:t>] : </a:t>
+            </a:r>
+            <a:r>
+              <a:rPr lang="ko-KR" altLang="en-US" sz="1700" dirty="0">
+                <a:latin typeface="Segoe UI" panose="020B0502040204020203" pitchFamily="34" charset="0"/>
+              </a:rPr>
+              <a:t>해당 위치로 오는 플레이어의 </a:t>
+            </a:r>
+            <a:r>
+              <a:rPr lang="en-US" altLang="ko-KR" sz="1700" dirty="0">
+                <a:latin typeface="Segoe UI" panose="020B0502040204020203" pitchFamily="34" charset="0"/>
+              </a:rPr>
+              <a:t>[</a:t>
+            </a:r>
+            <a:r>
+              <a:rPr lang="ko-KR" altLang="en-US" sz="1700" dirty="0">
+                <a:latin typeface="Segoe UI" panose="020B0502040204020203" pitchFamily="34" charset="0"/>
+              </a:rPr>
+              <a:t>공격</a:t>
+            </a:r>
+            <a:r>
+              <a:rPr lang="en-US" altLang="ko-KR" sz="1700" dirty="0">
+                <a:latin typeface="Segoe UI" panose="020B0502040204020203" pitchFamily="34" charset="0"/>
+              </a:rPr>
+              <a:t>]</a:t>
+            </a:r>
+            <a:r>
+              <a:rPr lang="ko-KR" altLang="en-US" sz="1700" dirty="0">
+                <a:latin typeface="Segoe UI" panose="020B0502040204020203" pitchFamily="34" charset="0"/>
+              </a:rPr>
+              <a:t>을 막는다</a:t>
+            </a:r>
+            <a:r>
+              <a:rPr lang="en-US" altLang="ko-KR" sz="1700" dirty="0">
+                <a:latin typeface="Segoe UI" panose="020B0502040204020203" pitchFamily="34" charset="0"/>
+              </a:rPr>
+              <a:t>. </a:t>
+            </a:r>
+            <a:r>
+              <a:rPr lang="ko-KR" altLang="en-US" sz="1700" dirty="0">
+                <a:latin typeface="Segoe UI" panose="020B0502040204020203" pitchFamily="34" charset="0"/>
+              </a:rPr>
+              <a:t>플레이어의 </a:t>
+            </a:r>
+            <a:r>
+              <a:rPr lang="en-US" altLang="ko-KR" sz="1700" dirty="0">
+                <a:latin typeface="Segoe UI" panose="020B0502040204020203" pitchFamily="34" charset="0"/>
+              </a:rPr>
+              <a:t>[</a:t>
+            </a:r>
+            <a:r>
+              <a:rPr lang="ko-KR" altLang="en-US" sz="1700" dirty="0" err="1">
+                <a:latin typeface="Segoe UI" panose="020B0502040204020203" pitchFamily="34" charset="0"/>
+              </a:rPr>
+              <a:t>강공격</a:t>
+            </a:r>
+            <a:r>
+              <a:rPr lang="en-US" altLang="ko-KR" sz="1700" dirty="0">
+                <a:latin typeface="Segoe UI" panose="020B0502040204020203" pitchFamily="34" charset="0"/>
+              </a:rPr>
+              <a:t>]</a:t>
+            </a:r>
+            <a:r>
+              <a:rPr lang="ko-KR" altLang="en-US" sz="1700" dirty="0">
+                <a:latin typeface="Segoe UI" panose="020B0502040204020203" pitchFamily="34" charset="0"/>
+              </a:rPr>
+              <a:t>은 막지 못한다</a:t>
+            </a:r>
+            <a:r>
+              <a:rPr lang="en-US" altLang="ko-KR" sz="1700" dirty="0">
+                <a:latin typeface="Segoe UI" panose="020B0502040204020203" pitchFamily="34" charset="0"/>
+              </a:rPr>
+              <a:t>.</a:t>
+            </a:r>
+          </a:p>
+          <a:p>
+            <a:r>
+              <a:rPr lang="en-US" altLang="ko-KR" sz="1700" dirty="0">
+                <a:latin typeface="Segoe UI" panose="020B0502040204020203" pitchFamily="34" charset="0"/>
+              </a:rPr>
+              <a:t>[</a:t>
+            </a:r>
+            <a:r>
+              <a:rPr lang="ko-KR" altLang="en-US" sz="1700" b="1" dirty="0" err="1">
+                <a:latin typeface="Segoe UI" panose="020B0502040204020203" pitchFamily="34" charset="0"/>
+              </a:rPr>
+              <a:t>강공격</a:t>
+            </a:r>
+            <a:r>
+              <a:rPr lang="en-US" altLang="ko-KR" sz="1700" dirty="0">
+                <a:latin typeface="Segoe UI" panose="020B0502040204020203" pitchFamily="34" charset="0"/>
+              </a:rPr>
+              <a:t>] : </a:t>
+            </a:r>
+            <a:r>
+              <a:rPr lang="ko-KR" altLang="en-US" sz="1700" dirty="0">
+                <a:latin typeface="Segoe UI" panose="020B0502040204020203" pitchFamily="34" charset="0"/>
+              </a:rPr>
+              <a:t>플레이어는 </a:t>
+            </a:r>
+            <a:r>
+              <a:rPr lang="en-US" altLang="ko-KR" sz="1700" dirty="0">
+                <a:latin typeface="Segoe UI" panose="020B0502040204020203" pitchFamily="34" charset="0"/>
+              </a:rPr>
+              <a:t>[</a:t>
+            </a:r>
+            <a:r>
+              <a:rPr lang="ko-KR" altLang="en-US" sz="1700" dirty="0" err="1">
+                <a:latin typeface="Segoe UI" panose="020B0502040204020203" pitchFamily="34" charset="0"/>
+              </a:rPr>
+              <a:t>강방어</a:t>
+            </a:r>
+            <a:r>
+              <a:rPr lang="en-US" altLang="ko-KR" sz="1700" dirty="0">
+                <a:latin typeface="Segoe UI" panose="020B0502040204020203" pitchFamily="34" charset="0"/>
+              </a:rPr>
+              <a:t>]</a:t>
+            </a:r>
+            <a:r>
+              <a:rPr lang="ko-KR" altLang="en-US" sz="1700" dirty="0">
+                <a:latin typeface="Segoe UI" panose="020B0502040204020203" pitchFamily="34" charset="0"/>
+              </a:rPr>
+              <a:t>를 사용해서 </a:t>
+            </a:r>
+            <a:r>
+              <a:rPr lang="en-US" altLang="ko-KR" sz="1700" dirty="0">
+                <a:latin typeface="Segoe UI" panose="020B0502040204020203" pitchFamily="34" charset="0"/>
+              </a:rPr>
+              <a:t>[</a:t>
+            </a:r>
+            <a:r>
+              <a:rPr lang="ko-KR" altLang="en-US" sz="1700" dirty="0" err="1">
+                <a:latin typeface="Segoe UI" panose="020B0502040204020203" pitchFamily="34" charset="0"/>
+              </a:rPr>
+              <a:t>강공격</a:t>
+            </a:r>
+            <a:r>
+              <a:rPr lang="en-US" altLang="ko-KR" sz="1700" dirty="0">
+                <a:latin typeface="Segoe UI" panose="020B0502040204020203" pitchFamily="34" charset="0"/>
+              </a:rPr>
+              <a:t>]</a:t>
+            </a:r>
+            <a:r>
+              <a:rPr lang="ko-KR" altLang="en-US" sz="1700" dirty="0">
+                <a:latin typeface="Segoe UI" panose="020B0502040204020203" pitchFamily="34" charset="0"/>
+              </a:rPr>
+              <a:t>을 막을 수 있다</a:t>
+            </a:r>
+            <a:r>
+              <a:rPr lang="en-US" altLang="ko-KR" sz="1700" dirty="0">
+                <a:latin typeface="Segoe UI" panose="020B0502040204020203" pitchFamily="34" charset="0"/>
+              </a:rPr>
+              <a:t>.</a:t>
+            </a:r>
+          </a:p>
+          <a:p>
+            <a:r>
+              <a:rPr lang="en-US" altLang="ko-KR" sz="1700" dirty="0">
+                <a:latin typeface="Segoe UI" panose="020B0502040204020203" pitchFamily="34" charset="0"/>
+              </a:rPr>
+              <a:t>[</a:t>
+            </a:r>
+            <a:r>
+              <a:rPr lang="ko-KR" altLang="en-US" sz="1700" b="1" dirty="0" err="1">
+                <a:latin typeface="Segoe UI" panose="020B0502040204020203" pitchFamily="34" charset="0"/>
+              </a:rPr>
+              <a:t>강방어</a:t>
+            </a:r>
+            <a:r>
+              <a:rPr lang="en-US" altLang="ko-KR" sz="1700" dirty="0">
+                <a:latin typeface="Segoe UI" panose="020B0502040204020203" pitchFamily="34" charset="0"/>
+              </a:rPr>
+              <a:t>] : </a:t>
+            </a:r>
+            <a:r>
+              <a:rPr lang="ko-KR" altLang="en-US" sz="1700" dirty="0">
+                <a:latin typeface="Segoe UI" panose="020B0502040204020203" pitchFamily="34" charset="0"/>
+              </a:rPr>
+              <a:t>플레이어는 </a:t>
+            </a:r>
+            <a:r>
+              <a:rPr lang="en-US" altLang="ko-KR" sz="1700" dirty="0">
+                <a:latin typeface="Segoe UI" panose="020B0502040204020203" pitchFamily="34" charset="0"/>
+              </a:rPr>
+              <a:t>[</a:t>
+            </a:r>
+            <a:r>
+              <a:rPr lang="ko-KR" altLang="en-US" sz="1700" dirty="0" err="1">
+                <a:latin typeface="Segoe UI" panose="020B0502040204020203" pitchFamily="34" charset="0"/>
+              </a:rPr>
+              <a:t>강공격</a:t>
+            </a:r>
+            <a:r>
+              <a:rPr lang="en-US" altLang="ko-KR" sz="1700" dirty="0">
+                <a:latin typeface="Segoe UI" panose="020B0502040204020203" pitchFamily="34" charset="0"/>
+              </a:rPr>
+              <a:t>]</a:t>
+            </a:r>
+            <a:r>
+              <a:rPr lang="ko-KR" altLang="en-US" sz="1700" dirty="0">
+                <a:latin typeface="Segoe UI" panose="020B0502040204020203" pitchFamily="34" charset="0"/>
+              </a:rPr>
+              <a:t>을 사용해서 </a:t>
+            </a:r>
+            <a:r>
+              <a:rPr lang="en-US" altLang="ko-KR" sz="1700" dirty="0">
+                <a:latin typeface="Segoe UI" panose="020B0502040204020203" pitchFamily="34" charset="0"/>
+              </a:rPr>
+              <a:t>[</a:t>
+            </a:r>
+            <a:r>
+              <a:rPr lang="ko-KR" altLang="en-US" sz="1700" dirty="0" err="1">
+                <a:latin typeface="Segoe UI" panose="020B0502040204020203" pitchFamily="34" charset="0"/>
+              </a:rPr>
+              <a:t>강방어</a:t>
+            </a:r>
+            <a:r>
+              <a:rPr lang="en-US" altLang="ko-KR" sz="1700" dirty="0">
+                <a:latin typeface="Segoe UI" panose="020B0502040204020203" pitchFamily="34" charset="0"/>
+              </a:rPr>
+              <a:t>]</a:t>
+            </a:r>
+            <a:r>
+              <a:rPr lang="ko-KR" altLang="en-US" sz="1700" dirty="0">
+                <a:latin typeface="Segoe UI" panose="020B0502040204020203" pitchFamily="34" charset="0"/>
+              </a:rPr>
+              <a:t>를 뚫을 수 있다</a:t>
+            </a:r>
+            <a:r>
+              <a:rPr lang="en-US" altLang="ko-KR" sz="1700" dirty="0">
+                <a:latin typeface="Segoe UI" panose="020B0502040204020203" pitchFamily="34" charset="0"/>
+              </a:rPr>
+              <a:t>.</a:t>
+            </a:r>
+          </a:p>
+          <a:p>
+            <a:pPr marL="0" indent="0">
+              <a:buNone/>
+            </a:pPr>
+            <a:r>
+              <a:rPr lang="en-US" altLang="ko-KR" sz="1700" dirty="0">
+                <a:latin typeface="Segoe UI" panose="020B0502040204020203" pitchFamily="34" charset="0"/>
+              </a:rPr>
+              <a:t>[</a:t>
+            </a:r>
+            <a:r>
+              <a:rPr lang="ko-KR" altLang="en-US" sz="1700" dirty="0" err="1">
+                <a:latin typeface="Segoe UI" panose="020B0502040204020203" pitchFamily="34" charset="0"/>
+              </a:rPr>
+              <a:t>실차령</a:t>
+            </a:r>
+            <a:r>
+              <a:rPr lang="en-US" altLang="ko-KR" sz="1700" dirty="0">
+                <a:latin typeface="Segoe UI" panose="020B0502040204020203" pitchFamily="34" charset="0"/>
+              </a:rPr>
+              <a:t>]</a:t>
+            </a:r>
+            <a:r>
+              <a:rPr lang="ko-KR" altLang="en-US" sz="1700" dirty="0">
+                <a:latin typeface="Segoe UI" panose="020B0502040204020203" pitchFamily="34" charset="0"/>
+              </a:rPr>
+              <a:t>의 공격은 상단에 </a:t>
+            </a:r>
+            <a:r>
+              <a:rPr lang="en-US" altLang="ko-KR" sz="1700" dirty="0">
+                <a:latin typeface="Segoe UI" panose="020B0502040204020203" pitchFamily="34" charset="0"/>
+              </a:rPr>
+              <a:t>5</a:t>
+            </a:r>
+            <a:r>
+              <a:rPr lang="ko-KR" altLang="en-US" sz="1700" dirty="0">
+                <a:latin typeface="Segoe UI" panose="020B0502040204020203" pitchFamily="34" charset="0"/>
+              </a:rPr>
+              <a:t>초</a:t>
+            </a:r>
+            <a:r>
+              <a:rPr lang="en-US" altLang="ko-KR" sz="1700" dirty="0">
+                <a:latin typeface="Segoe UI" panose="020B0502040204020203" pitchFamily="34" charset="0"/>
+              </a:rPr>
+              <a:t>? </a:t>
+            </a:r>
+            <a:r>
+              <a:rPr lang="ko-KR" altLang="en-US" sz="1700" dirty="0">
+                <a:latin typeface="Segoe UI" panose="020B0502040204020203" pitchFamily="34" charset="0"/>
+              </a:rPr>
+              <a:t>정도의 </a:t>
+            </a:r>
+            <a:r>
+              <a:rPr lang="en-US" altLang="ko-KR" sz="1700" b="1" dirty="0">
+                <a:latin typeface="Segoe UI" panose="020B0502040204020203" pitchFamily="34" charset="0"/>
+              </a:rPr>
+              <a:t>[</a:t>
+            </a:r>
+            <a:r>
+              <a:rPr lang="ko-KR" altLang="en-US" sz="1700" b="1" dirty="0">
+                <a:latin typeface="Segoe UI" panose="020B0502040204020203" pitchFamily="34" charset="0"/>
+              </a:rPr>
+              <a:t>대기시간</a:t>
+            </a:r>
+            <a:r>
+              <a:rPr lang="en-US" altLang="ko-KR" sz="1700" b="1" dirty="0">
+                <a:latin typeface="Segoe UI" panose="020B0502040204020203" pitchFamily="34" charset="0"/>
+              </a:rPr>
+              <a:t>]</a:t>
+            </a:r>
+            <a:r>
+              <a:rPr lang="ko-KR" altLang="en-US" sz="1700" dirty="0">
+                <a:latin typeface="Segoe UI" panose="020B0502040204020203" pitchFamily="34" charset="0"/>
+              </a:rPr>
+              <a:t>을 주고 미리 보여준 뒤 </a:t>
+            </a:r>
+            <a:r>
+              <a:rPr lang="ko-KR" altLang="en-US" sz="1700" b="1" dirty="0">
+                <a:latin typeface="Segoe UI" panose="020B0502040204020203" pitchFamily="34" charset="0"/>
+              </a:rPr>
+              <a:t>그 다음에 실행</a:t>
+            </a:r>
+            <a:r>
+              <a:rPr lang="ko-KR" altLang="en-US" sz="1700" dirty="0">
+                <a:latin typeface="Segoe UI" panose="020B0502040204020203" pitchFamily="34" charset="0"/>
+              </a:rPr>
+              <a:t>된다</a:t>
+            </a:r>
+            <a:r>
+              <a:rPr lang="en-US" altLang="ko-KR" sz="1700" dirty="0">
+                <a:latin typeface="Segoe UI" panose="020B0502040204020203" pitchFamily="34" charset="0"/>
+              </a:rPr>
+              <a:t>.</a:t>
             </a:r>
           </a:p>
         </p:txBody>
@@ -13593,10 +14624,10 @@
       </p:sp>
       <p:sp>
         <p:nvSpPr>
-          <p:cNvPr id="3" name="내용 개체 틀 2">
+          <p:cNvPr id="9" name="내용 개체 틀 2">
             <a:extLst>
               <a:ext uri="{FF2B5EF4-FFF2-40B4-BE49-F238E27FC236}">
-                <a16:creationId xmlns:a16="http://schemas.microsoft.com/office/drawing/2014/main" id="{CFF37324-455A-3F4A-CF6E-E94FC2439C25}"/>
+                <a16:creationId xmlns:a16="http://schemas.microsoft.com/office/drawing/2014/main" id="{07F5BAF4-A2DD-AAD2-3F13-DC78FEB0DAEC}"/>
               </a:ext>
             </a:extLst>
           </p:cNvPr>
@@ -13866,7 +14897,7 @@
                 <a:effectLst/>
                 <a:latin typeface="+mn-ea"/>
               </a:rPr>
-              <a:t>5</a:t>
+              <a:t>03</a:t>
             </a:r>
             <a:r>
               <a:rPr lang="en-US" altLang="ko-KR" b="1" i="0" dirty="0">
@@ -13894,7 +14925,7 @@
     </p:spTree>
     <p:extLst>
       <p:ext uri="{BB962C8B-B14F-4D97-AF65-F5344CB8AC3E}">
-        <p14:creationId xmlns:p14="http://schemas.microsoft.com/office/powerpoint/2010/main" val="4167213993"/>
+        <p14:creationId xmlns:p14="http://schemas.microsoft.com/office/powerpoint/2010/main" val="175350546"/>
       </p:ext>
     </p:extLst>
   </p:cSld>
@@ -13904,7 +14935,7 @@
 </p:sld>
 </file>
 
-<file path=ppt/slides/slide8.xml><?xml version="1.0" encoding="utf-8"?>
+<file path=ppt/slides/slide5.xml><?xml version="1.0" encoding="utf-8"?>
 <p:sld xmlns:a="http://schemas.openxmlformats.org/drawingml/2006/main" xmlns:r="http://schemas.openxmlformats.org/officeDocument/2006/relationships" xmlns:p="http://schemas.openxmlformats.org/presentationml/2006/main">
   <p:cSld>
     <p:spTree>
@@ -13947,7 +14978,7 @@
                 <a:latin typeface="+mn-ea"/>
                 <a:ea typeface="+mn-ea"/>
               </a:rPr>
-              <a:t>개발 일정</a:t>
+              <a:t>개발 요소</a:t>
             </a:r>
             <a:endParaRPr lang="ko-KR" altLang="en-US" sz="3600" dirty="0">
               <a:latin typeface="+mn-ea"/>
@@ -13972,8 +15003,8 @@
         </p:nvSpPr>
         <p:spPr>
           <a:xfrm>
-            <a:off x="685801" y="2063397"/>
-            <a:ext cx="10027023" cy="509474"/>
+            <a:off x="585787" y="1925746"/>
+            <a:ext cx="10027023" cy="2724912"/>
           </a:xfrm>
           <a:prstGeom prst="rect">
             <a:avLst/>
@@ -14220,35 +15251,363 @@
             </a:lvl9pPr>
           </a:lstStyle>
           <a:p>
-            <a:r>
-              <a:rPr lang="en-US" altLang="ko-KR" dirty="0">
-                <a:latin typeface="Segoe UI" panose="020B0502040204020203" pitchFamily="34" charset="0"/>
-              </a:rPr>
-              <a:t>// </a:t>
-            </a:r>
-            <a:r>
-              <a:rPr lang="ko-KR" altLang="en-US" dirty="0">
-                <a:latin typeface="Segoe UI" panose="020B0502040204020203" pitchFamily="34" charset="0"/>
-              </a:rPr>
-              <a:t>내용 </a:t>
-            </a:r>
-            <a:r>
-              <a:rPr lang="en-US" altLang="ko-KR" dirty="0">
-                <a:latin typeface="Segoe UI" panose="020B0502040204020203" pitchFamily="34" charset="0"/>
-              </a:rPr>
-              <a:t>(4~6</a:t>
-            </a:r>
-            <a:r>
-              <a:rPr lang="ko-KR" altLang="en-US" dirty="0">
-                <a:latin typeface="Segoe UI" panose="020B0502040204020203" pitchFamily="34" charset="0"/>
-              </a:rPr>
-              <a:t>주차</a:t>
-            </a:r>
-            <a:r>
-              <a:rPr lang="en-US" altLang="ko-KR" dirty="0">
-                <a:latin typeface="Segoe UI" panose="020B0502040204020203" pitchFamily="34" charset="0"/>
-              </a:rPr>
-              <a:t>)</a:t>
+            <a:pPr marL="0" indent="0">
+              <a:buNone/>
+            </a:pPr>
+            <a:r>
+              <a:rPr lang="ko-KR" altLang="en-US" sz="1800" dirty="0">
+                <a:solidFill>
+                  <a:srgbClr val="000000"/>
+                </a:solidFill>
+                <a:latin typeface="+mn-ea"/>
+              </a:rPr>
+              <a:t>화면</a:t>
+            </a:r>
+          </a:p>
+          <a:p>
+            <a:r>
+              <a:rPr lang="en-US" altLang="ko-KR" sz="1800" dirty="0">
+                <a:solidFill>
+                  <a:srgbClr val="000000"/>
+                </a:solidFill>
+                <a:latin typeface="+mn-ea"/>
+              </a:rPr>
+              <a:t>[</a:t>
+            </a:r>
+            <a:r>
+              <a:rPr lang="ko-KR" altLang="en-US" sz="1800" dirty="0">
+                <a:solidFill>
+                  <a:srgbClr val="000000"/>
+                </a:solidFill>
+                <a:latin typeface="+mn-ea"/>
+              </a:rPr>
+              <a:t>플레이어</a:t>
+            </a:r>
+            <a:r>
+              <a:rPr lang="en-US" altLang="ko-KR" sz="1800" dirty="0">
+                <a:solidFill>
+                  <a:srgbClr val="000000"/>
+                </a:solidFill>
+                <a:latin typeface="+mn-ea"/>
+              </a:rPr>
+              <a:t>] </a:t>
+            </a:r>
+            <a:r>
+              <a:rPr lang="ko-KR" altLang="en-US" sz="1800" dirty="0">
+                <a:solidFill>
+                  <a:srgbClr val="000000"/>
+                </a:solidFill>
+                <a:latin typeface="+mn-ea"/>
+              </a:rPr>
+              <a:t>왼쪽</a:t>
+            </a:r>
+            <a:r>
+              <a:rPr lang="en-US" altLang="ko-KR" sz="1800" dirty="0">
+                <a:solidFill>
+                  <a:srgbClr val="000000"/>
+                </a:solidFill>
+                <a:latin typeface="+mn-ea"/>
+              </a:rPr>
+              <a:t>, </a:t>
+            </a:r>
+            <a:r>
+              <a:rPr lang="ko-KR" altLang="en-US" sz="1800" dirty="0">
+                <a:solidFill>
+                  <a:srgbClr val="000000"/>
+                </a:solidFill>
+                <a:latin typeface="+mn-ea"/>
+              </a:rPr>
+              <a:t>오른쪽 </a:t>
+            </a:r>
+            <a:r>
+              <a:rPr lang="en-US" altLang="ko-KR" sz="1800" dirty="0">
+                <a:solidFill>
+                  <a:srgbClr val="000000"/>
+                </a:solidFill>
+                <a:latin typeface="+mn-ea"/>
+              </a:rPr>
+              <a:t>[</a:t>
+            </a:r>
+            <a:r>
+              <a:rPr lang="ko-KR" altLang="en-US" sz="1800" dirty="0">
+                <a:solidFill>
+                  <a:srgbClr val="000000"/>
+                </a:solidFill>
+                <a:latin typeface="+mn-ea"/>
+              </a:rPr>
+              <a:t>공격</a:t>
+            </a:r>
+            <a:r>
+              <a:rPr lang="en-US" altLang="ko-KR" sz="1800" dirty="0">
+                <a:solidFill>
+                  <a:srgbClr val="000000"/>
+                </a:solidFill>
+                <a:latin typeface="+mn-ea"/>
+              </a:rPr>
+              <a:t>] </a:t>
+            </a:r>
+            <a:r>
+              <a:rPr lang="ko-KR" altLang="en-US" sz="1800" dirty="0">
+                <a:solidFill>
+                  <a:srgbClr val="000000"/>
+                </a:solidFill>
+                <a:latin typeface="+mn-ea"/>
+              </a:rPr>
+              <a:t>및 </a:t>
+            </a:r>
+            <a:r>
+              <a:rPr lang="en-US" altLang="ko-KR" sz="1800" dirty="0">
+                <a:solidFill>
+                  <a:srgbClr val="000000"/>
+                </a:solidFill>
+                <a:latin typeface="+mn-ea"/>
+              </a:rPr>
+              <a:t>[</a:t>
+            </a:r>
+            <a:r>
+              <a:rPr lang="ko-KR" altLang="en-US" sz="1800" dirty="0">
+                <a:solidFill>
+                  <a:srgbClr val="000000"/>
+                </a:solidFill>
+                <a:latin typeface="+mn-ea"/>
+              </a:rPr>
+              <a:t>방어</a:t>
+            </a:r>
+            <a:r>
+              <a:rPr lang="en-US" altLang="ko-KR" sz="1800" dirty="0">
+                <a:solidFill>
+                  <a:srgbClr val="000000"/>
+                </a:solidFill>
+                <a:latin typeface="+mn-ea"/>
+              </a:rPr>
+              <a:t>] </a:t>
+            </a:r>
+            <a:r>
+              <a:rPr lang="ko-KR" altLang="en-US" sz="1800" dirty="0">
+                <a:solidFill>
+                  <a:srgbClr val="000000"/>
+                </a:solidFill>
+                <a:latin typeface="+mn-ea"/>
+              </a:rPr>
+              <a:t>버튼 </a:t>
+            </a:r>
+            <a:endParaRPr lang="en-US" altLang="ko-KR" sz="1800" dirty="0">
+              <a:solidFill>
+                <a:srgbClr val="000000"/>
+              </a:solidFill>
+              <a:latin typeface="+mn-ea"/>
+            </a:endParaRPr>
+          </a:p>
+          <a:p>
+            <a:r>
+              <a:rPr lang="ko-KR" altLang="en-US" sz="1800" dirty="0">
+                <a:solidFill>
+                  <a:srgbClr val="000000"/>
+                </a:solidFill>
+                <a:latin typeface="+mn-ea"/>
+              </a:rPr>
+              <a:t>현재 플레이어의 남은 </a:t>
+            </a:r>
+            <a:r>
+              <a:rPr lang="ko-KR" altLang="en-US" sz="1800" dirty="0" err="1">
+                <a:solidFill>
+                  <a:srgbClr val="000000"/>
+                </a:solidFill>
+                <a:latin typeface="+mn-ea"/>
+              </a:rPr>
+              <a:t>분저치</a:t>
+            </a:r>
+            <a:r>
+              <a:rPr lang="ko-KR" altLang="en-US" sz="1800" dirty="0">
+                <a:solidFill>
+                  <a:srgbClr val="000000"/>
+                </a:solidFill>
+                <a:latin typeface="+mn-ea"/>
+              </a:rPr>
+              <a:t> </a:t>
+            </a:r>
+            <a:r>
+              <a:rPr lang="en-US" altLang="ko-KR" sz="1800" dirty="0">
+                <a:solidFill>
+                  <a:srgbClr val="000000"/>
+                </a:solidFill>
+                <a:latin typeface="+mn-ea"/>
+              </a:rPr>
+              <a:t>/ </a:t>
+            </a:r>
+            <a:r>
+              <a:rPr lang="ko-KR" altLang="en-US" sz="1800" dirty="0">
+                <a:solidFill>
+                  <a:srgbClr val="000000"/>
+                </a:solidFill>
+                <a:latin typeface="+mn-ea"/>
+              </a:rPr>
+              <a:t>최대 </a:t>
+            </a:r>
+            <a:r>
+              <a:rPr lang="ko-KR" altLang="en-US" sz="1800" dirty="0" err="1">
+                <a:solidFill>
+                  <a:srgbClr val="000000"/>
+                </a:solidFill>
+                <a:latin typeface="+mn-ea"/>
+              </a:rPr>
+              <a:t>분저치</a:t>
+            </a:r>
+            <a:endParaRPr lang="ko-KR" altLang="en-US" sz="1800" dirty="0">
+              <a:solidFill>
+                <a:srgbClr val="000000"/>
+              </a:solidFill>
+              <a:latin typeface="+mn-ea"/>
+            </a:endParaRPr>
+          </a:p>
+          <a:p>
+            <a:r>
+              <a:rPr lang="ko-KR" altLang="en-US" sz="1800" dirty="0">
+                <a:solidFill>
+                  <a:srgbClr val="000000"/>
+                </a:solidFill>
+                <a:latin typeface="+mn-ea"/>
+              </a:rPr>
+              <a:t>현재 적의 남은 체력 </a:t>
+            </a:r>
+            <a:r>
+              <a:rPr lang="en-US" altLang="ko-KR" sz="1800" dirty="0">
+                <a:solidFill>
+                  <a:srgbClr val="000000"/>
+                </a:solidFill>
+                <a:latin typeface="+mn-ea"/>
+              </a:rPr>
+              <a:t>/ </a:t>
+            </a:r>
+            <a:r>
+              <a:rPr lang="ko-KR" altLang="en-US" sz="1800" dirty="0">
+                <a:solidFill>
+                  <a:srgbClr val="000000"/>
+                </a:solidFill>
+                <a:latin typeface="+mn-ea"/>
+              </a:rPr>
+              <a:t>최대 체력</a:t>
+            </a:r>
+          </a:p>
+          <a:p>
+            <a:r>
+              <a:rPr lang="ko-KR" altLang="en-US" sz="1800" dirty="0">
+                <a:solidFill>
+                  <a:srgbClr val="000000"/>
+                </a:solidFill>
+                <a:latin typeface="+mn-ea"/>
+              </a:rPr>
+              <a:t>적이 다음에 수행할 동작 예고 이미지 및 남은 시간 표시 바</a:t>
+            </a:r>
+          </a:p>
+          <a:p>
+            <a:r>
+              <a:rPr lang="ko-KR" altLang="en-US" sz="1800" dirty="0">
+                <a:solidFill>
+                  <a:srgbClr val="000000"/>
+                </a:solidFill>
+                <a:latin typeface="+mn-ea"/>
+              </a:rPr>
+              <a:t>현재 스테이지 </a:t>
+            </a:r>
+            <a:r>
+              <a:rPr lang="en-US" altLang="ko-KR" sz="1800" dirty="0">
+                <a:solidFill>
+                  <a:srgbClr val="000000"/>
+                </a:solidFill>
+                <a:latin typeface="+mn-ea"/>
+              </a:rPr>
+              <a:t>(</a:t>
+            </a:r>
+            <a:r>
+              <a:rPr lang="ko-KR" altLang="en-US" sz="1800" dirty="0">
+                <a:solidFill>
+                  <a:srgbClr val="000000"/>
+                </a:solidFill>
+                <a:latin typeface="+mn-ea"/>
+              </a:rPr>
+              <a:t>위치 및 </a:t>
+            </a:r>
+            <a:r>
+              <a:rPr lang="ko-KR" altLang="en-US" sz="1800" dirty="0" err="1">
+                <a:solidFill>
+                  <a:srgbClr val="000000"/>
+                </a:solidFill>
+                <a:latin typeface="+mn-ea"/>
+              </a:rPr>
+              <a:t>소단계</a:t>
+            </a:r>
+            <a:r>
+              <a:rPr lang="ko-KR" altLang="en-US" sz="1800" dirty="0">
+                <a:solidFill>
+                  <a:srgbClr val="000000"/>
+                </a:solidFill>
+                <a:latin typeface="+mn-ea"/>
+              </a:rPr>
+              <a:t> </a:t>
+            </a:r>
+            <a:r>
+              <a:rPr lang="en-US" altLang="ko-KR" sz="1800" dirty="0">
+                <a:solidFill>
+                  <a:srgbClr val="000000"/>
+                </a:solidFill>
+                <a:latin typeface="+mn-ea"/>
+              </a:rPr>
+              <a:t>(</a:t>
+            </a:r>
+            <a:r>
+              <a:rPr lang="ko-KR" altLang="en-US" sz="1800" dirty="0">
+                <a:solidFill>
+                  <a:srgbClr val="000000"/>
+                </a:solidFill>
+                <a:latin typeface="+mn-ea"/>
+              </a:rPr>
+              <a:t>예시 </a:t>
+            </a:r>
+            <a:r>
+              <a:rPr lang="en-US" altLang="ko-KR" sz="1800" dirty="0">
+                <a:solidFill>
+                  <a:srgbClr val="000000"/>
+                </a:solidFill>
+                <a:latin typeface="+mn-ea"/>
+              </a:rPr>
+              <a:t>: </a:t>
+            </a:r>
+            <a:r>
+              <a:rPr lang="ko-KR" altLang="en-US" sz="1800" dirty="0">
+                <a:solidFill>
+                  <a:srgbClr val="000000"/>
+                </a:solidFill>
+                <a:latin typeface="+mn-ea"/>
+              </a:rPr>
+              <a:t>보라하늘 평원 </a:t>
+            </a:r>
+            <a:r>
+              <a:rPr lang="en-US" altLang="ko-KR" sz="1800" dirty="0">
+                <a:solidFill>
+                  <a:srgbClr val="000000"/>
+                </a:solidFill>
+                <a:latin typeface="+mn-ea"/>
+              </a:rPr>
+              <a:t>1</a:t>
+            </a:r>
+            <a:r>
+              <a:rPr lang="ko-KR" altLang="en-US" sz="1800" dirty="0">
+                <a:solidFill>
+                  <a:srgbClr val="000000"/>
+                </a:solidFill>
+                <a:latin typeface="+mn-ea"/>
+              </a:rPr>
+              <a:t>지역</a:t>
+            </a:r>
+            <a:r>
+              <a:rPr lang="en-US" altLang="ko-KR" sz="1800" dirty="0">
+                <a:solidFill>
+                  <a:srgbClr val="000000"/>
+                </a:solidFill>
+                <a:latin typeface="+mn-ea"/>
+              </a:rPr>
+              <a:t>))</a:t>
             </a:r>
           </a:p>
         </p:txBody>
@@ -14318,7 +15677,7 @@
           <p:cNvPr id="3" name="내용 개체 틀 2">
             <a:extLst>
               <a:ext uri="{FF2B5EF4-FFF2-40B4-BE49-F238E27FC236}">
-                <a16:creationId xmlns:a16="http://schemas.microsoft.com/office/drawing/2014/main" id="{CFF37324-455A-3F4A-CF6E-E94FC2439C25}"/>
+                <a16:creationId xmlns:a16="http://schemas.microsoft.com/office/drawing/2014/main" id="{361CA41F-47BA-8E7A-EECB-A775999EA20D}"/>
               </a:ext>
             </a:extLst>
           </p:cNvPr>
@@ -14588,7 +15947,16 @@
                 <a:effectLst/>
                 <a:latin typeface="+mn-ea"/>
               </a:rPr>
-              <a:t>5</a:t>
+              <a:t>0</a:t>
+            </a:r>
+            <a:r>
+              <a:rPr lang="en-US" altLang="ko-KR" b="1" dirty="0">
+                <a:solidFill>
+                  <a:srgbClr val="7030A0"/>
+                </a:solidFill>
+                <a:latin typeface="+mn-ea"/>
+              </a:rPr>
+              <a:t>4</a:t>
             </a:r>
             <a:r>
               <a:rPr lang="en-US" altLang="ko-KR" b="1" i="0" dirty="0">
@@ -14616,7 +15984,7 @@
     </p:spTree>
     <p:extLst>
       <p:ext uri="{BB962C8B-B14F-4D97-AF65-F5344CB8AC3E}">
-        <p14:creationId xmlns:p14="http://schemas.microsoft.com/office/powerpoint/2010/main" val="1700110027"/>
+        <p14:creationId xmlns:p14="http://schemas.microsoft.com/office/powerpoint/2010/main" val="751228022"/>
       </p:ext>
     </p:extLst>
   </p:cSld>
@@ -14626,7 +15994,7 @@
 </p:sld>
 </file>
 
-<file path=ppt/slides/slide9.xml><?xml version="1.0" encoding="utf-8"?>
+<file path=ppt/slides/slide6.xml><?xml version="1.0" encoding="utf-8"?>
 <p:sld xmlns:a="http://schemas.openxmlformats.org/drawingml/2006/main" xmlns:r="http://schemas.openxmlformats.org/officeDocument/2006/relationships" xmlns:p="http://schemas.openxmlformats.org/presentationml/2006/main">
   <p:cSld>
     <p:spTree>
@@ -14669,7 +16037,7 @@
                 <a:latin typeface="+mn-ea"/>
                 <a:ea typeface="+mn-ea"/>
               </a:rPr>
-              <a:t>개발 일정</a:t>
+              <a:t>개발 요소</a:t>
             </a:r>
             <a:endParaRPr lang="ko-KR" altLang="en-US" sz="3600" dirty="0">
               <a:latin typeface="+mn-ea"/>
@@ -14695,7 +16063,7 @@
         <p:spPr>
           <a:xfrm>
             <a:off x="685801" y="2063397"/>
-            <a:ext cx="10027023" cy="509474"/>
+            <a:ext cx="10027023" cy="3531158"/>
           </a:xfrm>
           <a:prstGeom prst="rect">
             <a:avLst/>
@@ -14942,36 +16310,9 @@
             </a:lvl9pPr>
           </a:lstStyle>
           <a:p>
-            <a:r>
-              <a:rPr lang="en-US" altLang="ko-KR" dirty="0">
-                <a:latin typeface="Segoe UI" panose="020B0502040204020203" pitchFamily="34" charset="0"/>
-              </a:rPr>
-              <a:t>// </a:t>
-            </a:r>
-            <a:r>
-              <a:rPr lang="ko-KR" altLang="en-US" dirty="0">
-                <a:latin typeface="Segoe UI" panose="020B0502040204020203" pitchFamily="34" charset="0"/>
-              </a:rPr>
-              <a:t>내용 </a:t>
-            </a:r>
-            <a:r>
-              <a:rPr lang="en-US" altLang="ko-KR">
-                <a:latin typeface="Segoe UI" panose="020B0502040204020203" pitchFamily="34" charset="0"/>
-              </a:rPr>
-              <a:t>(7~9</a:t>
-            </a:r>
-            <a:r>
-              <a:rPr lang="ko-KR" altLang="en-US">
-                <a:latin typeface="Segoe UI" panose="020B0502040204020203" pitchFamily="34" charset="0"/>
-              </a:rPr>
-              <a:t>주차</a:t>
-            </a:r>
-            <a:r>
-              <a:rPr lang="en-US" altLang="ko-KR" dirty="0">
-                <a:latin typeface="Segoe UI" panose="020B0502040204020203" pitchFamily="34" charset="0"/>
-              </a:rPr>
-              <a:t>)</a:t>
-            </a:r>
+            <a:endParaRPr lang="en-US" altLang="ko-KR" dirty="0">
+              <a:latin typeface="Segoe UI" panose="020B0502040204020203" pitchFamily="34" charset="0"/>
+            </a:endParaRPr>
           </a:p>
         </p:txBody>
       </p:sp>
@@ -15040,7 +16381,7 @@
           <p:cNvPr id="3" name="내용 개체 틀 2">
             <a:extLst>
               <a:ext uri="{FF2B5EF4-FFF2-40B4-BE49-F238E27FC236}">
-                <a16:creationId xmlns:a16="http://schemas.microsoft.com/office/drawing/2014/main" id="{CFF37324-455A-3F4A-CF6E-E94FC2439C25}"/>
+                <a16:creationId xmlns:a16="http://schemas.microsoft.com/office/drawing/2014/main" id="{361CA41F-47BA-8E7A-EECB-A775999EA20D}"/>
               </a:ext>
             </a:extLst>
           </p:cNvPr>
@@ -15310,6 +16651,15 @@
                 <a:effectLst/>
                 <a:latin typeface="+mn-ea"/>
               </a:rPr>
+              <a:t>0</a:t>
+            </a:r>
+            <a:r>
+              <a:rPr lang="en-US" altLang="ko-KR" b="1" dirty="0">
+                <a:solidFill>
+                  <a:srgbClr val="7030A0"/>
+                </a:solidFill>
+                <a:latin typeface="+mn-ea"/>
+              </a:rPr>
               <a:t>5</a:t>
             </a:r>
             <a:r>
@@ -15332,13 +16682,4281 @@
               </a:rPr>
               <a:t>???</a:t>
             </a:r>
+          </a:p>
+        </p:txBody>
+      </p:sp>
+      <p:sp>
+        <p:nvSpPr>
+          <p:cNvPr id="4" name="내용 개체 틀 2">
+            <a:extLst>
+              <a:ext uri="{FF2B5EF4-FFF2-40B4-BE49-F238E27FC236}">
+                <a16:creationId xmlns:a16="http://schemas.microsoft.com/office/drawing/2014/main" id="{1F8101DD-F035-D79D-48C8-A1260B661D39}"/>
+              </a:ext>
+            </a:extLst>
+          </p:cNvPr>
+          <p:cNvSpPr txBox="1">
+            <a:spLocks/>
+          </p:cNvSpPr>
+          <p:nvPr/>
+        </p:nvSpPr>
+        <p:spPr>
+          <a:xfrm>
+            <a:off x="585787" y="1925746"/>
+            <a:ext cx="10027023" cy="3157244"/>
+          </a:xfrm>
+          <a:prstGeom prst="rect">
+            <a:avLst/>
+          </a:prstGeom>
+        </p:spPr>
+        <p:txBody>
+          <a:bodyPr vert="horz" lIns="91440" tIns="45720" rIns="91440" bIns="45720" rtlCol="0" anchor="ctr">
+            <a:normAutofit/>
+          </a:bodyPr>
+          <a:lstStyle>
+            <a:lvl1pPr marL="228600" indent="-228600" algn="l" defTabSz="914400" rtl="0" eaLnBrk="1" latinLnBrk="1" hangingPunct="1">
+              <a:lnSpc>
+                <a:spcPct val="120000"/>
+              </a:lnSpc>
+              <a:spcBef>
+                <a:spcPts val="1000"/>
+              </a:spcBef>
+              <a:buClr>
+                <a:schemeClr val="accent1">
+                  <a:lumMod val="60000"/>
+                  <a:lumOff val="40000"/>
+                </a:schemeClr>
+              </a:buClr>
+              <a:buSzPct val="160000"/>
+              <a:buFont typeface="Arial" panose="020B0604020202020204" pitchFamily="34" charset="0"/>
+              <a:buChar char="•"/>
+              <a:defRPr sz="2000" kern="1200" cap="all" baseline="0">
+                <a:solidFill>
+                  <a:schemeClr val="tx1"/>
+                </a:solidFill>
+                <a:effectLst/>
+                <a:latin typeface="+mn-lt"/>
+                <a:ea typeface="+mn-ea"/>
+                <a:cs typeface="+mn-cs"/>
+              </a:defRPr>
+            </a:lvl1pPr>
+            <a:lvl2pPr marL="685800" indent="-228600" algn="l" defTabSz="914400" rtl="0" eaLnBrk="1" latinLnBrk="1" hangingPunct="1">
+              <a:lnSpc>
+                <a:spcPct val="120000"/>
+              </a:lnSpc>
+              <a:spcBef>
+                <a:spcPts val="500"/>
+              </a:spcBef>
+              <a:buClr>
+                <a:schemeClr val="accent1">
+                  <a:lumMod val="60000"/>
+                  <a:lumOff val="40000"/>
+                </a:schemeClr>
+              </a:buClr>
+              <a:buSzPct val="160000"/>
+              <a:buFont typeface="Arial" panose="020B0604020202020204" pitchFamily="34" charset="0"/>
+              <a:buChar char="•"/>
+              <a:defRPr sz="1800" kern="1200" cap="all" baseline="0">
+                <a:solidFill>
+                  <a:schemeClr val="tx1"/>
+                </a:solidFill>
+                <a:effectLst/>
+                <a:latin typeface="+mn-lt"/>
+                <a:ea typeface="+mn-ea"/>
+                <a:cs typeface="+mn-cs"/>
+              </a:defRPr>
+            </a:lvl2pPr>
+            <a:lvl3pPr marL="1143000" indent="-228600" algn="l" defTabSz="914400" rtl="0" eaLnBrk="1" latinLnBrk="1" hangingPunct="1">
+              <a:lnSpc>
+                <a:spcPct val="120000"/>
+              </a:lnSpc>
+              <a:spcBef>
+                <a:spcPts val="500"/>
+              </a:spcBef>
+              <a:buClr>
+                <a:schemeClr val="accent1">
+                  <a:lumMod val="60000"/>
+                  <a:lumOff val="40000"/>
+                </a:schemeClr>
+              </a:buClr>
+              <a:buSzPct val="160000"/>
+              <a:buFont typeface="Arial" panose="020B0604020202020204" pitchFamily="34" charset="0"/>
+              <a:buChar char="•"/>
+              <a:defRPr sz="1600" kern="1200" cap="all" baseline="0">
+                <a:solidFill>
+                  <a:schemeClr val="tx1"/>
+                </a:solidFill>
+                <a:effectLst/>
+                <a:latin typeface="+mn-lt"/>
+                <a:ea typeface="+mn-ea"/>
+                <a:cs typeface="+mn-cs"/>
+              </a:defRPr>
+            </a:lvl3pPr>
+            <a:lvl4pPr marL="1600200" indent="-228600" algn="l" defTabSz="914400" rtl="0" eaLnBrk="1" latinLnBrk="1" hangingPunct="1">
+              <a:lnSpc>
+                <a:spcPct val="120000"/>
+              </a:lnSpc>
+              <a:spcBef>
+                <a:spcPts val="500"/>
+              </a:spcBef>
+              <a:buClr>
+                <a:schemeClr val="accent1">
+                  <a:lumMod val="60000"/>
+                  <a:lumOff val="40000"/>
+                </a:schemeClr>
+              </a:buClr>
+              <a:buSzPct val="160000"/>
+              <a:buFont typeface="Arial" panose="020B0604020202020204" pitchFamily="34" charset="0"/>
+              <a:buChar char="•"/>
+              <a:defRPr sz="1400" kern="1200" cap="all" baseline="0">
+                <a:solidFill>
+                  <a:schemeClr val="tx1"/>
+                </a:solidFill>
+                <a:effectLst/>
+                <a:latin typeface="+mn-lt"/>
+                <a:ea typeface="+mn-ea"/>
+                <a:cs typeface="+mn-cs"/>
+              </a:defRPr>
+            </a:lvl4pPr>
+            <a:lvl5pPr marL="2057400" indent="-228600" algn="l" defTabSz="914400" rtl="0" eaLnBrk="1" latinLnBrk="1" hangingPunct="1">
+              <a:lnSpc>
+                <a:spcPct val="120000"/>
+              </a:lnSpc>
+              <a:spcBef>
+                <a:spcPts val="500"/>
+              </a:spcBef>
+              <a:buClr>
+                <a:schemeClr val="accent1">
+                  <a:lumMod val="60000"/>
+                  <a:lumOff val="40000"/>
+                </a:schemeClr>
+              </a:buClr>
+              <a:buSzPct val="160000"/>
+              <a:buFont typeface="Arial" panose="020B0604020202020204" pitchFamily="34" charset="0"/>
+              <a:buChar char="•"/>
+              <a:defRPr sz="1400" kern="1200" cap="all" baseline="0">
+                <a:solidFill>
+                  <a:schemeClr val="tx1"/>
+                </a:solidFill>
+                <a:effectLst/>
+                <a:latin typeface="+mn-lt"/>
+                <a:ea typeface="+mn-ea"/>
+                <a:cs typeface="+mn-cs"/>
+              </a:defRPr>
+            </a:lvl5pPr>
+            <a:lvl6pPr marL="2514600" indent="-228600" algn="l" defTabSz="914400" rtl="0" eaLnBrk="1" latinLnBrk="1" hangingPunct="1">
+              <a:lnSpc>
+                <a:spcPct val="120000"/>
+              </a:lnSpc>
+              <a:spcBef>
+                <a:spcPts val="500"/>
+              </a:spcBef>
+              <a:buClr>
+                <a:schemeClr val="accent1">
+                  <a:lumMod val="60000"/>
+                  <a:lumOff val="40000"/>
+                </a:schemeClr>
+              </a:buClr>
+              <a:buSzPct val="160000"/>
+              <a:buFont typeface="Arial" panose="020B0604020202020204" pitchFamily="34" charset="0"/>
+              <a:buChar char="•"/>
+              <a:defRPr sz="1400" kern="1200" cap="all" baseline="0">
+                <a:solidFill>
+                  <a:schemeClr val="tx1"/>
+                </a:solidFill>
+                <a:effectLst/>
+                <a:latin typeface="+mn-lt"/>
+                <a:ea typeface="+mn-ea"/>
+                <a:cs typeface="+mn-cs"/>
+              </a:defRPr>
+            </a:lvl6pPr>
+            <a:lvl7pPr marL="2971800" indent="-228600" algn="l" defTabSz="914400" rtl="0" eaLnBrk="1" latinLnBrk="1" hangingPunct="1">
+              <a:lnSpc>
+                <a:spcPct val="120000"/>
+              </a:lnSpc>
+              <a:spcBef>
+                <a:spcPts val="500"/>
+              </a:spcBef>
+              <a:buClr>
+                <a:schemeClr val="accent1">
+                  <a:lumMod val="60000"/>
+                  <a:lumOff val="40000"/>
+                </a:schemeClr>
+              </a:buClr>
+              <a:buSzPct val="160000"/>
+              <a:buFont typeface="Arial" panose="020B0604020202020204" pitchFamily="34" charset="0"/>
+              <a:buChar char="•"/>
+              <a:defRPr sz="1400" kern="1200" cap="all" baseline="0">
+                <a:solidFill>
+                  <a:schemeClr val="tx1"/>
+                </a:solidFill>
+                <a:effectLst/>
+                <a:latin typeface="+mn-lt"/>
+                <a:ea typeface="+mn-ea"/>
+                <a:cs typeface="+mn-cs"/>
+              </a:defRPr>
+            </a:lvl7pPr>
+            <a:lvl8pPr marL="3429000" indent="-228600" algn="l" defTabSz="914400" rtl="0" eaLnBrk="1" latinLnBrk="1" hangingPunct="1">
+              <a:lnSpc>
+                <a:spcPct val="120000"/>
+              </a:lnSpc>
+              <a:spcBef>
+                <a:spcPts val="500"/>
+              </a:spcBef>
+              <a:buClr>
+                <a:schemeClr val="accent1">
+                  <a:lumMod val="60000"/>
+                  <a:lumOff val="40000"/>
+                </a:schemeClr>
+              </a:buClr>
+              <a:buSzPct val="160000"/>
+              <a:buFont typeface="Arial" panose="020B0604020202020204" pitchFamily="34" charset="0"/>
+              <a:buChar char="•"/>
+              <a:defRPr sz="1400" kern="1200" cap="all" baseline="0">
+                <a:solidFill>
+                  <a:schemeClr val="tx1"/>
+                </a:solidFill>
+                <a:effectLst/>
+                <a:latin typeface="+mn-lt"/>
+                <a:ea typeface="+mn-ea"/>
+                <a:cs typeface="+mn-cs"/>
+              </a:defRPr>
+            </a:lvl8pPr>
+            <a:lvl9pPr marL="3886200" indent="-228600" algn="l" defTabSz="914400" rtl="0" eaLnBrk="1" latinLnBrk="1" hangingPunct="1">
+              <a:lnSpc>
+                <a:spcPct val="120000"/>
+              </a:lnSpc>
+              <a:spcBef>
+                <a:spcPts val="500"/>
+              </a:spcBef>
+              <a:buClr>
+                <a:schemeClr val="accent1">
+                  <a:lumMod val="60000"/>
+                  <a:lumOff val="40000"/>
+                </a:schemeClr>
+              </a:buClr>
+              <a:buSzPct val="160000"/>
+              <a:buFont typeface="Arial" panose="020B0604020202020204" pitchFamily="34" charset="0"/>
+              <a:buChar char="•"/>
+              <a:defRPr sz="1400" kern="1200" cap="all" baseline="0">
+                <a:solidFill>
+                  <a:schemeClr val="tx1"/>
+                </a:solidFill>
+                <a:effectLst/>
+                <a:latin typeface="+mn-lt"/>
+                <a:ea typeface="+mn-ea"/>
+                <a:cs typeface="+mn-cs"/>
+              </a:defRPr>
+            </a:lvl9pPr>
+          </a:lstStyle>
+          <a:p>
+            <a:pPr marL="0" indent="0">
+              <a:buNone/>
+            </a:pPr>
+            <a:endParaRPr lang="en-US" altLang="ko-KR" sz="1800" dirty="0">
+              <a:latin typeface="Segoe UI" panose="020B0502040204020203" pitchFamily="34" charset="0"/>
+            </a:endParaRPr>
+          </a:p>
+        </p:txBody>
+      </p:sp>
+      <p:sp>
+        <p:nvSpPr>
+          <p:cNvPr id="5" name="내용 개체 틀 2">
+            <a:extLst>
+              <a:ext uri="{FF2B5EF4-FFF2-40B4-BE49-F238E27FC236}">
+                <a16:creationId xmlns:a16="http://schemas.microsoft.com/office/drawing/2014/main" id="{8BD31844-B399-14E8-A19A-E975F8370A9C}"/>
+              </a:ext>
+            </a:extLst>
+          </p:cNvPr>
+          <p:cNvSpPr txBox="1">
+            <a:spLocks/>
+          </p:cNvSpPr>
+          <p:nvPr/>
+        </p:nvSpPr>
+        <p:spPr>
+          <a:xfrm>
+            <a:off x="585786" y="2112050"/>
+            <a:ext cx="10027023" cy="3157244"/>
+          </a:xfrm>
+          <a:prstGeom prst="rect">
+            <a:avLst/>
+          </a:prstGeom>
+        </p:spPr>
+        <p:txBody>
+          <a:bodyPr vert="horz" lIns="91440" tIns="45720" rIns="91440" bIns="45720" rtlCol="0" anchor="ctr">
+            <a:normAutofit/>
+          </a:bodyPr>
+          <a:lstStyle>
+            <a:lvl1pPr marL="228600" indent="-228600" algn="l" defTabSz="914400" rtl="0" eaLnBrk="1" latinLnBrk="1" hangingPunct="1">
+              <a:lnSpc>
+                <a:spcPct val="120000"/>
+              </a:lnSpc>
+              <a:spcBef>
+                <a:spcPts val="1000"/>
+              </a:spcBef>
+              <a:buClr>
+                <a:schemeClr val="accent1">
+                  <a:lumMod val="60000"/>
+                  <a:lumOff val="40000"/>
+                </a:schemeClr>
+              </a:buClr>
+              <a:buSzPct val="160000"/>
+              <a:buFont typeface="Arial" panose="020B0604020202020204" pitchFamily="34" charset="0"/>
+              <a:buChar char="•"/>
+              <a:defRPr sz="2000" kern="1200" cap="all" baseline="0">
+                <a:solidFill>
+                  <a:schemeClr val="tx1"/>
+                </a:solidFill>
+                <a:effectLst/>
+                <a:latin typeface="+mn-lt"/>
+                <a:ea typeface="+mn-ea"/>
+                <a:cs typeface="+mn-cs"/>
+              </a:defRPr>
+            </a:lvl1pPr>
+            <a:lvl2pPr marL="685800" indent="-228600" algn="l" defTabSz="914400" rtl="0" eaLnBrk="1" latinLnBrk="1" hangingPunct="1">
+              <a:lnSpc>
+                <a:spcPct val="120000"/>
+              </a:lnSpc>
+              <a:spcBef>
+                <a:spcPts val="500"/>
+              </a:spcBef>
+              <a:buClr>
+                <a:schemeClr val="accent1">
+                  <a:lumMod val="60000"/>
+                  <a:lumOff val="40000"/>
+                </a:schemeClr>
+              </a:buClr>
+              <a:buSzPct val="160000"/>
+              <a:buFont typeface="Arial" panose="020B0604020202020204" pitchFamily="34" charset="0"/>
+              <a:buChar char="•"/>
+              <a:defRPr sz="1800" kern="1200" cap="all" baseline="0">
+                <a:solidFill>
+                  <a:schemeClr val="tx1"/>
+                </a:solidFill>
+                <a:effectLst/>
+                <a:latin typeface="+mn-lt"/>
+                <a:ea typeface="+mn-ea"/>
+                <a:cs typeface="+mn-cs"/>
+              </a:defRPr>
+            </a:lvl2pPr>
+            <a:lvl3pPr marL="1143000" indent="-228600" algn="l" defTabSz="914400" rtl="0" eaLnBrk="1" latinLnBrk="1" hangingPunct="1">
+              <a:lnSpc>
+                <a:spcPct val="120000"/>
+              </a:lnSpc>
+              <a:spcBef>
+                <a:spcPts val="500"/>
+              </a:spcBef>
+              <a:buClr>
+                <a:schemeClr val="accent1">
+                  <a:lumMod val="60000"/>
+                  <a:lumOff val="40000"/>
+                </a:schemeClr>
+              </a:buClr>
+              <a:buSzPct val="160000"/>
+              <a:buFont typeface="Arial" panose="020B0604020202020204" pitchFamily="34" charset="0"/>
+              <a:buChar char="•"/>
+              <a:defRPr sz="1600" kern="1200" cap="all" baseline="0">
+                <a:solidFill>
+                  <a:schemeClr val="tx1"/>
+                </a:solidFill>
+                <a:effectLst/>
+                <a:latin typeface="+mn-lt"/>
+                <a:ea typeface="+mn-ea"/>
+                <a:cs typeface="+mn-cs"/>
+              </a:defRPr>
+            </a:lvl3pPr>
+            <a:lvl4pPr marL="1600200" indent="-228600" algn="l" defTabSz="914400" rtl="0" eaLnBrk="1" latinLnBrk="1" hangingPunct="1">
+              <a:lnSpc>
+                <a:spcPct val="120000"/>
+              </a:lnSpc>
+              <a:spcBef>
+                <a:spcPts val="500"/>
+              </a:spcBef>
+              <a:buClr>
+                <a:schemeClr val="accent1">
+                  <a:lumMod val="60000"/>
+                  <a:lumOff val="40000"/>
+                </a:schemeClr>
+              </a:buClr>
+              <a:buSzPct val="160000"/>
+              <a:buFont typeface="Arial" panose="020B0604020202020204" pitchFamily="34" charset="0"/>
+              <a:buChar char="•"/>
+              <a:defRPr sz="1400" kern="1200" cap="all" baseline="0">
+                <a:solidFill>
+                  <a:schemeClr val="tx1"/>
+                </a:solidFill>
+                <a:effectLst/>
+                <a:latin typeface="+mn-lt"/>
+                <a:ea typeface="+mn-ea"/>
+                <a:cs typeface="+mn-cs"/>
+              </a:defRPr>
+            </a:lvl4pPr>
+            <a:lvl5pPr marL="2057400" indent="-228600" algn="l" defTabSz="914400" rtl="0" eaLnBrk="1" latinLnBrk="1" hangingPunct="1">
+              <a:lnSpc>
+                <a:spcPct val="120000"/>
+              </a:lnSpc>
+              <a:spcBef>
+                <a:spcPts val="500"/>
+              </a:spcBef>
+              <a:buClr>
+                <a:schemeClr val="accent1">
+                  <a:lumMod val="60000"/>
+                  <a:lumOff val="40000"/>
+                </a:schemeClr>
+              </a:buClr>
+              <a:buSzPct val="160000"/>
+              <a:buFont typeface="Arial" panose="020B0604020202020204" pitchFamily="34" charset="0"/>
+              <a:buChar char="•"/>
+              <a:defRPr sz="1400" kern="1200" cap="all" baseline="0">
+                <a:solidFill>
+                  <a:schemeClr val="tx1"/>
+                </a:solidFill>
+                <a:effectLst/>
+                <a:latin typeface="+mn-lt"/>
+                <a:ea typeface="+mn-ea"/>
+                <a:cs typeface="+mn-cs"/>
+              </a:defRPr>
+            </a:lvl5pPr>
+            <a:lvl6pPr marL="2514600" indent="-228600" algn="l" defTabSz="914400" rtl="0" eaLnBrk="1" latinLnBrk="1" hangingPunct="1">
+              <a:lnSpc>
+                <a:spcPct val="120000"/>
+              </a:lnSpc>
+              <a:spcBef>
+                <a:spcPts val="500"/>
+              </a:spcBef>
+              <a:buClr>
+                <a:schemeClr val="accent1">
+                  <a:lumMod val="60000"/>
+                  <a:lumOff val="40000"/>
+                </a:schemeClr>
+              </a:buClr>
+              <a:buSzPct val="160000"/>
+              <a:buFont typeface="Arial" panose="020B0604020202020204" pitchFamily="34" charset="0"/>
+              <a:buChar char="•"/>
+              <a:defRPr sz="1400" kern="1200" cap="all" baseline="0">
+                <a:solidFill>
+                  <a:schemeClr val="tx1"/>
+                </a:solidFill>
+                <a:effectLst/>
+                <a:latin typeface="+mn-lt"/>
+                <a:ea typeface="+mn-ea"/>
+                <a:cs typeface="+mn-cs"/>
+              </a:defRPr>
+            </a:lvl6pPr>
+            <a:lvl7pPr marL="2971800" indent="-228600" algn="l" defTabSz="914400" rtl="0" eaLnBrk="1" latinLnBrk="1" hangingPunct="1">
+              <a:lnSpc>
+                <a:spcPct val="120000"/>
+              </a:lnSpc>
+              <a:spcBef>
+                <a:spcPts val="500"/>
+              </a:spcBef>
+              <a:buClr>
+                <a:schemeClr val="accent1">
+                  <a:lumMod val="60000"/>
+                  <a:lumOff val="40000"/>
+                </a:schemeClr>
+              </a:buClr>
+              <a:buSzPct val="160000"/>
+              <a:buFont typeface="Arial" panose="020B0604020202020204" pitchFamily="34" charset="0"/>
+              <a:buChar char="•"/>
+              <a:defRPr sz="1400" kern="1200" cap="all" baseline="0">
+                <a:solidFill>
+                  <a:schemeClr val="tx1"/>
+                </a:solidFill>
+                <a:effectLst/>
+                <a:latin typeface="+mn-lt"/>
+                <a:ea typeface="+mn-ea"/>
+                <a:cs typeface="+mn-cs"/>
+              </a:defRPr>
+            </a:lvl7pPr>
+            <a:lvl8pPr marL="3429000" indent="-228600" algn="l" defTabSz="914400" rtl="0" eaLnBrk="1" latinLnBrk="1" hangingPunct="1">
+              <a:lnSpc>
+                <a:spcPct val="120000"/>
+              </a:lnSpc>
+              <a:spcBef>
+                <a:spcPts val="500"/>
+              </a:spcBef>
+              <a:buClr>
+                <a:schemeClr val="accent1">
+                  <a:lumMod val="60000"/>
+                  <a:lumOff val="40000"/>
+                </a:schemeClr>
+              </a:buClr>
+              <a:buSzPct val="160000"/>
+              <a:buFont typeface="Arial" panose="020B0604020202020204" pitchFamily="34" charset="0"/>
+              <a:buChar char="•"/>
+              <a:defRPr sz="1400" kern="1200" cap="all" baseline="0">
+                <a:solidFill>
+                  <a:schemeClr val="tx1"/>
+                </a:solidFill>
+                <a:effectLst/>
+                <a:latin typeface="+mn-lt"/>
+                <a:ea typeface="+mn-ea"/>
+                <a:cs typeface="+mn-cs"/>
+              </a:defRPr>
+            </a:lvl8pPr>
+            <a:lvl9pPr marL="3886200" indent="-228600" algn="l" defTabSz="914400" rtl="0" eaLnBrk="1" latinLnBrk="1" hangingPunct="1">
+              <a:lnSpc>
+                <a:spcPct val="120000"/>
+              </a:lnSpc>
+              <a:spcBef>
+                <a:spcPts val="500"/>
+              </a:spcBef>
+              <a:buClr>
+                <a:schemeClr val="accent1">
+                  <a:lumMod val="60000"/>
+                  <a:lumOff val="40000"/>
+                </a:schemeClr>
+              </a:buClr>
+              <a:buSzPct val="160000"/>
+              <a:buFont typeface="Arial" panose="020B0604020202020204" pitchFamily="34" charset="0"/>
+              <a:buChar char="•"/>
+              <a:defRPr sz="1400" kern="1200" cap="all" baseline="0">
+                <a:solidFill>
+                  <a:schemeClr val="tx1"/>
+                </a:solidFill>
+                <a:effectLst/>
+                <a:latin typeface="+mn-lt"/>
+                <a:ea typeface="+mn-ea"/>
+                <a:cs typeface="+mn-cs"/>
+              </a:defRPr>
+            </a:lvl9pPr>
+          </a:lstStyle>
+          <a:p>
+            <a:pPr marL="0" indent="0">
+              <a:buNone/>
+            </a:pPr>
+            <a:r>
+              <a:rPr lang="ko-KR" altLang="en-US" sz="1800" dirty="0">
+                <a:latin typeface="Segoe UI" panose="020B0502040204020203" pitchFamily="34" charset="0"/>
+              </a:rPr>
+              <a:t>플레이어</a:t>
+            </a:r>
+          </a:p>
+          <a:p>
+            <a:r>
+              <a:rPr lang="ko-KR" altLang="en-US" sz="1800" dirty="0">
+                <a:latin typeface="Segoe UI" panose="020B0502040204020203" pitchFamily="34" charset="0"/>
+              </a:rPr>
+              <a:t>대기 및 동작 상태에 해당하는 이미지 </a:t>
+            </a:r>
+            <a:r>
+              <a:rPr lang="en-US" altLang="ko-KR" sz="1800" dirty="0">
+                <a:latin typeface="Segoe UI" panose="020B0502040204020203" pitchFamily="34" charset="0"/>
+              </a:rPr>
+              <a:t>/ [</a:t>
+            </a:r>
+            <a:r>
+              <a:rPr lang="ko-KR" altLang="en-US" sz="1800" dirty="0">
+                <a:latin typeface="Segoe UI" panose="020B0502040204020203" pitchFamily="34" charset="0"/>
+              </a:rPr>
+              <a:t>공격</a:t>
+            </a:r>
+            <a:r>
+              <a:rPr lang="en-US" altLang="ko-KR" sz="1800" dirty="0">
+                <a:latin typeface="Segoe UI" panose="020B0502040204020203" pitchFamily="34" charset="0"/>
+              </a:rPr>
+              <a:t>] </a:t>
+            </a:r>
+            <a:r>
+              <a:rPr lang="ko-KR" altLang="en-US" sz="1800" dirty="0">
+                <a:latin typeface="Segoe UI" panose="020B0502040204020203" pitchFamily="34" charset="0"/>
+              </a:rPr>
+              <a:t>및 </a:t>
+            </a:r>
+            <a:r>
+              <a:rPr lang="en-US" altLang="ko-KR" sz="1800" dirty="0">
+                <a:latin typeface="Segoe UI" panose="020B0502040204020203" pitchFamily="34" charset="0"/>
+              </a:rPr>
+              <a:t>[</a:t>
+            </a:r>
+            <a:r>
+              <a:rPr lang="ko-KR" altLang="en-US" sz="1800" dirty="0">
+                <a:latin typeface="Segoe UI" panose="020B0502040204020203" pitchFamily="34" charset="0"/>
+              </a:rPr>
+              <a:t>방어</a:t>
+            </a:r>
+            <a:r>
+              <a:rPr lang="en-US" altLang="ko-KR" sz="1800" dirty="0">
+                <a:latin typeface="Segoe UI" panose="020B0502040204020203" pitchFamily="34" charset="0"/>
+              </a:rPr>
+              <a:t>] </a:t>
+            </a:r>
+            <a:r>
+              <a:rPr lang="ko-KR" altLang="en-US" sz="1800" dirty="0">
+                <a:latin typeface="Segoe UI" panose="020B0502040204020203" pitchFamily="34" charset="0"/>
+              </a:rPr>
+              <a:t>버튼에 따른 동작</a:t>
+            </a:r>
+          </a:p>
+          <a:p>
+            <a:r>
+              <a:rPr lang="ko-KR" altLang="en-US" sz="1800" dirty="0" err="1">
+                <a:latin typeface="Segoe UI" panose="020B0502040204020203" pitchFamily="34" charset="0"/>
+              </a:rPr>
+              <a:t>피격시</a:t>
+            </a:r>
+            <a:r>
+              <a:rPr lang="ko-KR" altLang="en-US" sz="1800" dirty="0">
+                <a:latin typeface="Segoe UI" panose="020B0502040204020203" pitchFamily="34" charset="0"/>
+              </a:rPr>
+              <a:t> </a:t>
+            </a:r>
+            <a:r>
+              <a:rPr lang="en-US" altLang="ko-KR" sz="1800" dirty="0">
+                <a:latin typeface="Segoe UI" panose="020B0502040204020203" pitchFamily="34" charset="0"/>
+              </a:rPr>
+              <a:t>[</a:t>
+            </a:r>
+            <a:r>
+              <a:rPr lang="ko-KR" altLang="en-US" sz="1800" dirty="0">
+                <a:latin typeface="Segoe UI" panose="020B0502040204020203" pitchFamily="34" charset="0"/>
+              </a:rPr>
+              <a:t>허실분진</a:t>
+            </a:r>
+            <a:r>
+              <a:rPr lang="en-US" altLang="ko-KR" sz="1800" dirty="0">
+                <a:latin typeface="Segoe UI" panose="020B0502040204020203" pitchFamily="34" charset="0"/>
+              </a:rPr>
+              <a:t>] </a:t>
+            </a:r>
+            <a:r>
+              <a:rPr lang="ko-KR" altLang="en-US" sz="1800" dirty="0">
+                <a:latin typeface="Segoe UI" panose="020B0502040204020203" pitchFamily="34" charset="0"/>
+              </a:rPr>
+              <a:t>묻는 이펙트 </a:t>
+            </a:r>
+            <a:r>
+              <a:rPr lang="en-US" altLang="ko-KR" sz="1800" dirty="0">
+                <a:latin typeface="Segoe UI" panose="020B0502040204020203" pitchFamily="34" charset="0"/>
+              </a:rPr>
+              <a:t>(</a:t>
+            </a:r>
+            <a:r>
+              <a:rPr lang="ko-KR" altLang="en-US" sz="1800" dirty="0">
+                <a:latin typeface="Segoe UI" panose="020B0502040204020203" pitchFamily="34" charset="0"/>
+              </a:rPr>
+              <a:t>적의 공격에 맞음을 표시</a:t>
+            </a:r>
+            <a:r>
+              <a:rPr lang="en-US" altLang="ko-KR" sz="1800" dirty="0">
+                <a:latin typeface="Segoe UI" panose="020B0502040204020203" pitchFamily="34" charset="0"/>
+              </a:rPr>
+              <a:t>) / </a:t>
+            </a:r>
+            <a:r>
+              <a:rPr lang="ko-KR" altLang="en-US" sz="1800" dirty="0">
+                <a:latin typeface="Segoe UI" panose="020B0502040204020203" pitchFamily="34" charset="0"/>
+              </a:rPr>
+              <a:t>적의 동작에 따른 상호작용</a:t>
+            </a:r>
+          </a:p>
+          <a:p>
+            <a:endParaRPr lang="ko-KR" altLang="en-US" sz="1800" dirty="0">
+              <a:latin typeface="Segoe UI" panose="020B0502040204020203" pitchFamily="34" charset="0"/>
+            </a:endParaRPr>
+          </a:p>
+          <a:p>
+            <a:pPr marL="0" indent="0">
+              <a:buNone/>
+            </a:pPr>
+            <a:r>
+              <a:rPr lang="ko-KR" altLang="en-US" sz="1800" dirty="0">
+                <a:latin typeface="Segoe UI" panose="020B0502040204020203" pitchFamily="34" charset="0"/>
+              </a:rPr>
+              <a:t>적</a:t>
+            </a:r>
+          </a:p>
+          <a:p>
+            <a:r>
+              <a:rPr lang="en-US" altLang="ko-KR" sz="1800" dirty="0">
+                <a:latin typeface="Segoe UI" panose="020B0502040204020203" pitchFamily="34" charset="0"/>
+              </a:rPr>
+              <a:t>[</a:t>
+            </a:r>
+            <a:r>
+              <a:rPr lang="ko-KR" altLang="en-US" sz="1800" dirty="0">
+                <a:latin typeface="Segoe UI" panose="020B0502040204020203" pitchFamily="34" charset="0"/>
+              </a:rPr>
+              <a:t>공격</a:t>
+            </a:r>
+            <a:r>
+              <a:rPr lang="en-US" altLang="ko-KR" sz="1800" dirty="0">
+                <a:latin typeface="Segoe UI" panose="020B0502040204020203" pitchFamily="34" charset="0"/>
+              </a:rPr>
+              <a:t>], [</a:t>
+            </a:r>
+            <a:r>
+              <a:rPr lang="ko-KR" altLang="en-US" sz="1800" dirty="0">
+                <a:latin typeface="Segoe UI" panose="020B0502040204020203" pitchFamily="34" charset="0"/>
+              </a:rPr>
+              <a:t>방어</a:t>
+            </a:r>
+            <a:r>
+              <a:rPr lang="en-US" altLang="ko-KR" sz="1800" dirty="0">
+                <a:latin typeface="Segoe UI" panose="020B0502040204020203" pitchFamily="34" charset="0"/>
+              </a:rPr>
+              <a:t>], [</a:t>
+            </a:r>
+            <a:r>
+              <a:rPr lang="ko-KR" altLang="en-US" sz="1800" dirty="0" err="1">
+                <a:latin typeface="Segoe UI" panose="020B0502040204020203" pitchFamily="34" charset="0"/>
+              </a:rPr>
+              <a:t>강공격</a:t>
+            </a:r>
+            <a:r>
+              <a:rPr lang="en-US" altLang="ko-KR" sz="1800" dirty="0">
+                <a:latin typeface="Segoe UI" panose="020B0502040204020203" pitchFamily="34" charset="0"/>
+              </a:rPr>
+              <a:t>], [</a:t>
+            </a:r>
+            <a:r>
+              <a:rPr lang="ko-KR" altLang="en-US" sz="1800" dirty="0" err="1">
+                <a:latin typeface="Segoe UI" panose="020B0502040204020203" pitchFamily="34" charset="0"/>
+              </a:rPr>
+              <a:t>강방어</a:t>
+            </a:r>
+            <a:r>
+              <a:rPr lang="en-US" altLang="ko-KR" sz="1800" dirty="0">
+                <a:latin typeface="Segoe UI" panose="020B0502040204020203" pitchFamily="34" charset="0"/>
+              </a:rPr>
+              <a:t>] </a:t>
+            </a:r>
+            <a:r>
+              <a:rPr lang="ko-KR" altLang="en-US" sz="1800" dirty="0">
+                <a:latin typeface="Segoe UI" panose="020B0502040204020203" pitchFamily="34" charset="0"/>
+              </a:rPr>
+              <a:t>동작</a:t>
+            </a:r>
+          </a:p>
+          <a:p>
+            <a:r>
+              <a:rPr lang="ko-KR" altLang="en-US" sz="1800" dirty="0" err="1">
+                <a:latin typeface="Segoe UI" panose="020B0502040204020203" pitchFamily="34" charset="0"/>
+              </a:rPr>
+              <a:t>피격시</a:t>
+            </a:r>
+            <a:r>
+              <a:rPr lang="ko-KR" altLang="en-US" sz="1800" dirty="0">
+                <a:latin typeface="Segoe UI" panose="020B0502040204020203" pitchFamily="34" charset="0"/>
+              </a:rPr>
+              <a:t> 피격 이펙트 </a:t>
+            </a:r>
+            <a:r>
+              <a:rPr lang="en-US" altLang="ko-KR" sz="1800" dirty="0">
+                <a:latin typeface="Segoe UI" panose="020B0502040204020203" pitchFamily="34" charset="0"/>
+              </a:rPr>
+              <a:t>(</a:t>
+            </a:r>
+            <a:r>
+              <a:rPr lang="ko-KR" altLang="en-US" sz="1800" dirty="0">
+                <a:latin typeface="Segoe UI" panose="020B0502040204020203" pitchFamily="34" charset="0"/>
+              </a:rPr>
+              <a:t>플레이어가 공격을 맞춤을 표시</a:t>
+            </a:r>
+            <a:r>
+              <a:rPr lang="en-US" altLang="ko-KR" sz="1800" dirty="0">
+                <a:latin typeface="Segoe UI" panose="020B0502040204020203" pitchFamily="34" charset="0"/>
+              </a:rPr>
+              <a:t>) / </a:t>
+            </a:r>
+            <a:r>
+              <a:rPr lang="ko-KR" altLang="en-US" sz="1800" dirty="0">
+                <a:latin typeface="Segoe UI" panose="020B0502040204020203" pitchFamily="34" charset="0"/>
+              </a:rPr>
+              <a:t>플레이어의 동작에 따른 상호작용</a:t>
+            </a:r>
+            <a:endParaRPr lang="en-US" altLang="ko-KR" sz="1800" dirty="0">
+              <a:latin typeface="Segoe UI" panose="020B0502040204020203" pitchFamily="34" charset="0"/>
+            </a:endParaRPr>
           </a:p>
         </p:txBody>
       </p:sp>
     </p:spTree>
     <p:extLst>
       <p:ext uri="{BB962C8B-B14F-4D97-AF65-F5344CB8AC3E}">
-        <p14:creationId xmlns:p14="http://schemas.microsoft.com/office/powerpoint/2010/main" val="1907180266"/>
+        <p14:creationId xmlns:p14="http://schemas.microsoft.com/office/powerpoint/2010/main" val="2396594184"/>
+      </p:ext>
+    </p:extLst>
+  </p:cSld>
+  <p:clrMapOvr>
+    <a:masterClrMapping/>
+  </p:clrMapOvr>
+</p:sld>
+</file>
+
+<file path=ppt/slides/slide7.xml><?xml version="1.0" encoding="utf-8"?>
+<p:sld xmlns:a="http://schemas.openxmlformats.org/drawingml/2006/main" xmlns:r="http://schemas.openxmlformats.org/officeDocument/2006/relationships" xmlns:p="http://schemas.openxmlformats.org/presentationml/2006/main">
+  <p:cSld>
+    <p:spTree>
+      <p:nvGrpSpPr>
+        <p:cNvPr id="1" name=""/>
+        <p:cNvGrpSpPr/>
+        <p:nvPr/>
+      </p:nvGrpSpPr>
+      <p:grpSpPr>
+        <a:xfrm>
+          <a:off x="0" y="0"/>
+          <a:ext cx="0" cy="0"/>
+          <a:chOff x="0" y="0"/>
+          <a:chExt cx="0" cy="0"/>
+        </a:xfrm>
+      </p:grpSpPr>
+      <p:sp>
+        <p:nvSpPr>
+          <p:cNvPr id="2" name="제목 1">
+            <a:extLst>
+              <a:ext uri="{FF2B5EF4-FFF2-40B4-BE49-F238E27FC236}">
+                <a16:creationId xmlns:a16="http://schemas.microsoft.com/office/drawing/2014/main" id="{1F0B7645-88D9-0667-37CE-DC8E738F363E}"/>
+              </a:ext>
+            </a:extLst>
+          </p:cNvPr>
+          <p:cNvSpPr>
+            <a:spLocks noGrp="1"/>
+          </p:cNvSpPr>
+          <p:nvPr>
+            <p:ph type="title"/>
+          </p:nvPr>
+        </p:nvSpPr>
+        <p:spPr/>
+        <p:txBody>
+          <a:bodyPr/>
+          <a:lstStyle/>
+          <a:p>
+            <a:r>
+              <a:rPr lang="ko-KR" altLang="en-US" dirty="0">
+                <a:latin typeface="+mn-ea"/>
+                <a:ea typeface="+mn-ea"/>
+              </a:rPr>
+              <a:t>개발 요소</a:t>
+            </a:r>
+            <a:endParaRPr lang="ko-KR" altLang="en-US" sz="3600" dirty="0">
+              <a:latin typeface="+mn-ea"/>
+              <a:ea typeface="+mn-ea"/>
+            </a:endParaRPr>
+          </a:p>
+        </p:txBody>
+      </p:sp>
+      <p:sp>
+        <p:nvSpPr>
+          <p:cNvPr id="7" name="내용 개체 틀 2">
+            <a:extLst>
+              <a:ext uri="{FF2B5EF4-FFF2-40B4-BE49-F238E27FC236}">
+                <a16:creationId xmlns:a16="http://schemas.microsoft.com/office/drawing/2014/main" id="{116519FA-5D41-7EBE-AE89-FDBB5F845952}"/>
+              </a:ext>
+            </a:extLst>
+          </p:cNvPr>
+          <p:cNvSpPr txBox="1">
+            <a:spLocks/>
+          </p:cNvSpPr>
+          <p:nvPr/>
+        </p:nvSpPr>
+        <p:spPr>
+          <a:xfrm>
+            <a:off x="577491" y="1941092"/>
+            <a:ext cx="10482048" cy="3511493"/>
+          </a:xfrm>
+          <a:prstGeom prst="rect">
+            <a:avLst/>
+          </a:prstGeom>
+        </p:spPr>
+        <p:txBody>
+          <a:bodyPr vert="horz" lIns="91440" tIns="45720" rIns="91440" bIns="45720" rtlCol="0" anchor="ctr">
+            <a:normAutofit/>
+          </a:bodyPr>
+          <a:lstStyle>
+            <a:lvl1pPr marL="228600" indent="-228600" algn="l" defTabSz="914400" rtl="0" eaLnBrk="1" latinLnBrk="1" hangingPunct="1">
+              <a:lnSpc>
+                <a:spcPct val="120000"/>
+              </a:lnSpc>
+              <a:spcBef>
+                <a:spcPts val="1000"/>
+              </a:spcBef>
+              <a:buClr>
+                <a:schemeClr val="accent1">
+                  <a:lumMod val="60000"/>
+                  <a:lumOff val="40000"/>
+                </a:schemeClr>
+              </a:buClr>
+              <a:buSzPct val="160000"/>
+              <a:buFont typeface="Arial" panose="020B0604020202020204" pitchFamily="34" charset="0"/>
+              <a:buChar char="•"/>
+              <a:defRPr sz="2000" kern="1200" cap="all" baseline="0">
+                <a:solidFill>
+                  <a:schemeClr val="tx1"/>
+                </a:solidFill>
+                <a:effectLst/>
+                <a:latin typeface="+mn-lt"/>
+                <a:ea typeface="+mn-ea"/>
+                <a:cs typeface="+mn-cs"/>
+              </a:defRPr>
+            </a:lvl1pPr>
+            <a:lvl2pPr marL="685800" indent="-228600" algn="l" defTabSz="914400" rtl="0" eaLnBrk="1" latinLnBrk="1" hangingPunct="1">
+              <a:lnSpc>
+                <a:spcPct val="120000"/>
+              </a:lnSpc>
+              <a:spcBef>
+                <a:spcPts val="500"/>
+              </a:spcBef>
+              <a:buClr>
+                <a:schemeClr val="accent1">
+                  <a:lumMod val="60000"/>
+                  <a:lumOff val="40000"/>
+                </a:schemeClr>
+              </a:buClr>
+              <a:buSzPct val="160000"/>
+              <a:buFont typeface="Arial" panose="020B0604020202020204" pitchFamily="34" charset="0"/>
+              <a:buChar char="•"/>
+              <a:defRPr sz="1800" kern="1200" cap="all" baseline="0">
+                <a:solidFill>
+                  <a:schemeClr val="tx1"/>
+                </a:solidFill>
+                <a:effectLst/>
+                <a:latin typeface="+mn-lt"/>
+                <a:ea typeface="+mn-ea"/>
+                <a:cs typeface="+mn-cs"/>
+              </a:defRPr>
+            </a:lvl2pPr>
+            <a:lvl3pPr marL="1143000" indent="-228600" algn="l" defTabSz="914400" rtl="0" eaLnBrk="1" latinLnBrk="1" hangingPunct="1">
+              <a:lnSpc>
+                <a:spcPct val="120000"/>
+              </a:lnSpc>
+              <a:spcBef>
+                <a:spcPts val="500"/>
+              </a:spcBef>
+              <a:buClr>
+                <a:schemeClr val="accent1">
+                  <a:lumMod val="60000"/>
+                  <a:lumOff val="40000"/>
+                </a:schemeClr>
+              </a:buClr>
+              <a:buSzPct val="160000"/>
+              <a:buFont typeface="Arial" panose="020B0604020202020204" pitchFamily="34" charset="0"/>
+              <a:buChar char="•"/>
+              <a:defRPr sz="1600" kern="1200" cap="all" baseline="0">
+                <a:solidFill>
+                  <a:schemeClr val="tx1"/>
+                </a:solidFill>
+                <a:effectLst/>
+                <a:latin typeface="+mn-lt"/>
+                <a:ea typeface="+mn-ea"/>
+                <a:cs typeface="+mn-cs"/>
+              </a:defRPr>
+            </a:lvl3pPr>
+            <a:lvl4pPr marL="1600200" indent="-228600" algn="l" defTabSz="914400" rtl="0" eaLnBrk="1" latinLnBrk="1" hangingPunct="1">
+              <a:lnSpc>
+                <a:spcPct val="120000"/>
+              </a:lnSpc>
+              <a:spcBef>
+                <a:spcPts val="500"/>
+              </a:spcBef>
+              <a:buClr>
+                <a:schemeClr val="accent1">
+                  <a:lumMod val="60000"/>
+                  <a:lumOff val="40000"/>
+                </a:schemeClr>
+              </a:buClr>
+              <a:buSzPct val="160000"/>
+              <a:buFont typeface="Arial" panose="020B0604020202020204" pitchFamily="34" charset="0"/>
+              <a:buChar char="•"/>
+              <a:defRPr sz="1400" kern="1200" cap="all" baseline="0">
+                <a:solidFill>
+                  <a:schemeClr val="tx1"/>
+                </a:solidFill>
+                <a:effectLst/>
+                <a:latin typeface="+mn-lt"/>
+                <a:ea typeface="+mn-ea"/>
+                <a:cs typeface="+mn-cs"/>
+              </a:defRPr>
+            </a:lvl4pPr>
+            <a:lvl5pPr marL="2057400" indent="-228600" algn="l" defTabSz="914400" rtl="0" eaLnBrk="1" latinLnBrk="1" hangingPunct="1">
+              <a:lnSpc>
+                <a:spcPct val="120000"/>
+              </a:lnSpc>
+              <a:spcBef>
+                <a:spcPts val="500"/>
+              </a:spcBef>
+              <a:buClr>
+                <a:schemeClr val="accent1">
+                  <a:lumMod val="60000"/>
+                  <a:lumOff val="40000"/>
+                </a:schemeClr>
+              </a:buClr>
+              <a:buSzPct val="160000"/>
+              <a:buFont typeface="Arial" panose="020B0604020202020204" pitchFamily="34" charset="0"/>
+              <a:buChar char="•"/>
+              <a:defRPr sz="1400" kern="1200" cap="all" baseline="0">
+                <a:solidFill>
+                  <a:schemeClr val="tx1"/>
+                </a:solidFill>
+                <a:effectLst/>
+                <a:latin typeface="+mn-lt"/>
+                <a:ea typeface="+mn-ea"/>
+                <a:cs typeface="+mn-cs"/>
+              </a:defRPr>
+            </a:lvl5pPr>
+            <a:lvl6pPr marL="2514600" indent="-228600" algn="l" defTabSz="914400" rtl="0" eaLnBrk="1" latinLnBrk="1" hangingPunct="1">
+              <a:lnSpc>
+                <a:spcPct val="120000"/>
+              </a:lnSpc>
+              <a:spcBef>
+                <a:spcPts val="500"/>
+              </a:spcBef>
+              <a:buClr>
+                <a:schemeClr val="accent1">
+                  <a:lumMod val="60000"/>
+                  <a:lumOff val="40000"/>
+                </a:schemeClr>
+              </a:buClr>
+              <a:buSzPct val="160000"/>
+              <a:buFont typeface="Arial" panose="020B0604020202020204" pitchFamily="34" charset="0"/>
+              <a:buChar char="•"/>
+              <a:defRPr sz="1400" kern="1200" cap="all" baseline="0">
+                <a:solidFill>
+                  <a:schemeClr val="tx1"/>
+                </a:solidFill>
+                <a:effectLst/>
+                <a:latin typeface="+mn-lt"/>
+                <a:ea typeface="+mn-ea"/>
+                <a:cs typeface="+mn-cs"/>
+              </a:defRPr>
+            </a:lvl6pPr>
+            <a:lvl7pPr marL="2971800" indent="-228600" algn="l" defTabSz="914400" rtl="0" eaLnBrk="1" latinLnBrk="1" hangingPunct="1">
+              <a:lnSpc>
+                <a:spcPct val="120000"/>
+              </a:lnSpc>
+              <a:spcBef>
+                <a:spcPts val="500"/>
+              </a:spcBef>
+              <a:buClr>
+                <a:schemeClr val="accent1">
+                  <a:lumMod val="60000"/>
+                  <a:lumOff val="40000"/>
+                </a:schemeClr>
+              </a:buClr>
+              <a:buSzPct val="160000"/>
+              <a:buFont typeface="Arial" panose="020B0604020202020204" pitchFamily="34" charset="0"/>
+              <a:buChar char="•"/>
+              <a:defRPr sz="1400" kern="1200" cap="all" baseline="0">
+                <a:solidFill>
+                  <a:schemeClr val="tx1"/>
+                </a:solidFill>
+                <a:effectLst/>
+                <a:latin typeface="+mn-lt"/>
+                <a:ea typeface="+mn-ea"/>
+                <a:cs typeface="+mn-cs"/>
+              </a:defRPr>
+            </a:lvl7pPr>
+            <a:lvl8pPr marL="3429000" indent="-228600" algn="l" defTabSz="914400" rtl="0" eaLnBrk="1" latinLnBrk="1" hangingPunct="1">
+              <a:lnSpc>
+                <a:spcPct val="120000"/>
+              </a:lnSpc>
+              <a:spcBef>
+                <a:spcPts val="500"/>
+              </a:spcBef>
+              <a:buClr>
+                <a:schemeClr val="accent1">
+                  <a:lumMod val="60000"/>
+                  <a:lumOff val="40000"/>
+                </a:schemeClr>
+              </a:buClr>
+              <a:buSzPct val="160000"/>
+              <a:buFont typeface="Arial" panose="020B0604020202020204" pitchFamily="34" charset="0"/>
+              <a:buChar char="•"/>
+              <a:defRPr sz="1400" kern="1200" cap="all" baseline="0">
+                <a:solidFill>
+                  <a:schemeClr val="tx1"/>
+                </a:solidFill>
+                <a:effectLst/>
+                <a:latin typeface="+mn-lt"/>
+                <a:ea typeface="+mn-ea"/>
+                <a:cs typeface="+mn-cs"/>
+              </a:defRPr>
+            </a:lvl8pPr>
+            <a:lvl9pPr marL="3886200" indent="-228600" algn="l" defTabSz="914400" rtl="0" eaLnBrk="1" latinLnBrk="1" hangingPunct="1">
+              <a:lnSpc>
+                <a:spcPct val="120000"/>
+              </a:lnSpc>
+              <a:spcBef>
+                <a:spcPts val="500"/>
+              </a:spcBef>
+              <a:buClr>
+                <a:schemeClr val="accent1">
+                  <a:lumMod val="60000"/>
+                  <a:lumOff val="40000"/>
+                </a:schemeClr>
+              </a:buClr>
+              <a:buSzPct val="160000"/>
+              <a:buFont typeface="Arial" panose="020B0604020202020204" pitchFamily="34" charset="0"/>
+              <a:buChar char="•"/>
+              <a:defRPr sz="1400" kern="1200" cap="all" baseline="0">
+                <a:solidFill>
+                  <a:schemeClr val="tx1"/>
+                </a:solidFill>
+                <a:effectLst/>
+                <a:latin typeface="+mn-lt"/>
+                <a:ea typeface="+mn-ea"/>
+                <a:cs typeface="+mn-cs"/>
+              </a:defRPr>
+            </a:lvl9pPr>
+          </a:lstStyle>
+          <a:p>
+            <a:pPr marL="0" indent="0">
+              <a:buNone/>
+            </a:pPr>
+            <a:r>
+              <a:rPr lang="ko-KR" altLang="en-US" sz="1800" dirty="0" err="1">
+                <a:latin typeface="Segoe UI" panose="020B0502040204020203" pitchFamily="34" charset="0"/>
+              </a:rPr>
+              <a:t>작전실</a:t>
+            </a:r>
+            <a:r>
+              <a:rPr lang="ko-KR" altLang="en-US" sz="1800" dirty="0">
+                <a:latin typeface="Segoe UI" panose="020B0502040204020203" pitchFamily="34" charset="0"/>
+              </a:rPr>
+              <a:t> </a:t>
+            </a:r>
+            <a:r>
+              <a:rPr lang="en-US" altLang="ko-KR" sz="1800" dirty="0">
+                <a:latin typeface="Segoe UI" panose="020B0502040204020203" pitchFamily="34" charset="0"/>
+              </a:rPr>
+              <a:t>(</a:t>
+            </a:r>
+            <a:r>
+              <a:rPr lang="ko-KR" altLang="en-US" sz="1800" dirty="0">
+                <a:latin typeface="Segoe UI" panose="020B0502040204020203" pitchFamily="34" charset="0"/>
+              </a:rPr>
+              <a:t>강화</a:t>
+            </a:r>
+            <a:r>
+              <a:rPr lang="en-US" altLang="ko-KR" sz="1800" dirty="0">
+                <a:latin typeface="Segoe UI" panose="020B0502040204020203" pitchFamily="34" charset="0"/>
+              </a:rPr>
+              <a:t>)</a:t>
+            </a:r>
+            <a:endParaRPr lang="ko-KR" altLang="en-US" sz="1800" dirty="0">
+              <a:latin typeface="Segoe UI" panose="020B0502040204020203" pitchFamily="34" charset="0"/>
+            </a:endParaRPr>
+          </a:p>
+          <a:p>
+            <a:r>
+              <a:rPr lang="ko-KR" altLang="en-US" sz="1800" dirty="0">
+                <a:latin typeface="Segoe UI" panose="020B0502040204020203" pitchFamily="34" charset="0"/>
+              </a:rPr>
+              <a:t>현재 </a:t>
+            </a:r>
+            <a:r>
+              <a:rPr lang="en-US" altLang="ko-KR" sz="1800" dirty="0">
+                <a:latin typeface="Segoe UI" panose="020B0502040204020203" pitchFamily="34" charset="0"/>
+              </a:rPr>
+              <a:t>[</a:t>
+            </a:r>
+            <a:r>
+              <a:rPr lang="ko-KR" altLang="en-US" sz="1800" dirty="0" err="1">
+                <a:latin typeface="Segoe UI" panose="020B0502040204020203" pitchFamily="34" charset="0"/>
+              </a:rPr>
+              <a:t>공훈치</a:t>
+            </a:r>
+            <a:r>
+              <a:rPr lang="en-US" altLang="ko-KR" sz="1800" dirty="0">
+                <a:latin typeface="Segoe UI" panose="020B0502040204020203" pitchFamily="34" charset="0"/>
+              </a:rPr>
+              <a:t>] </a:t>
+            </a:r>
+            <a:r>
+              <a:rPr lang="ko-KR" altLang="en-US" sz="1800" dirty="0">
+                <a:latin typeface="Segoe UI" panose="020B0502040204020203" pitchFamily="34" charset="0"/>
+              </a:rPr>
+              <a:t>및 강화 단계 현황 </a:t>
+            </a:r>
+            <a:r>
+              <a:rPr lang="en-US" altLang="ko-KR" sz="1800" dirty="0">
+                <a:latin typeface="Segoe UI" panose="020B0502040204020203" pitchFamily="34" charset="0"/>
+              </a:rPr>
+              <a:t>/</a:t>
+            </a:r>
+            <a:r>
+              <a:rPr lang="ko-KR" altLang="en-US" sz="1800" dirty="0">
+                <a:latin typeface="Segoe UI" panose="020B0502040204020203" pitchFamily="34" charset="0"/>
+              </a:rPr>
+              <a:t> 다음 강화 </a:t>
+            </a:r>
+            <a:r>
+              <a:rPr lang="ko-KR" altLang="en-US" sz="1800" dirty="0" err="1">
+                <a:latin typeface="Segoe UI" panose="020B0502040204020203" pitchFamily="34" charset="0"/>
+              </a:rPr>
+              <a:t>단계시</a:t>
+            </a:r>
+            <a:r>
+              <a:rPr lang="ko-KR" altLang="en-US" sz="1800" dirty="0">
+                <a:latin typeface="Segoe UI" panose="020B0502040204020203" pitchFamily="34" charset="0"/>
+              </a:rPr>
+              <a:t> 변화 정도</a:t>
+            </a:r>
+            <a:r>
+              <a:rPr lang="en-US" altLang="ko-KR" sz="1800" dirty="0">
+                <a:latin typeface="Segoe UI" panose="020B0502040204020203" pitchFamily="34" charset="0"/>
+              </a:rPr>
+              <a:t> </a:t>
+            </a:r>
+          </a:p>
+          <a:p>
+            <a:r>
+              <a:rPr lang="ko-KR" altLang="en-US" sz="1800" dirty="0">
+                <a:latin typeface="Segoe UI" panose="020B0502040204020203" pitchFamily="34" charset="0"/>
+              </a:rPr>
+              <a:t>필요 </a:t>
+            </a:r>
+            <a:r>
+              <a:rPr lang="en-US" altLang="ko-KR" sz="1800" dirty="0">
+                <a:latin typeface="Segoe UI" panose="020B0502040204020203" pitchFamily="34" charset="0"/>
+              </a:rPr>
+              <a:t>[</a:t>
+            </a:r>
+            <a:r>
+              <a:rPr lang="ko-KR" altLang="en-US" sz="1800" dirty="0" err="1">
+                <a:latin typeface="Segoe UI" panose="020B0502040204020203" pitchFamily="34" charset="0"/>
+              </a:rPr>
+              <a:t>공훈치</a:t>
+            </a:r>
+            <a:r>
+              <a:rPr lang="en-US" altLang="ko-KR" sz="1800" dirty="0">
+                <a:latin typeface="Segoe UI" panose="020B0502040204020203" pitchFamily="34" charset="0"/>
+              </a:rPr>
+              <a:t>] </a:t>
+            </a:r>
+            <a:r>
+              <a:rPr lang="ko-KR" altLang="en-US" sz="1800" dirty="0">
+                <a:latin typeface="Segoe UI" panose="020B0502040204020203" pitchFamily="34" charset="0"/>
+              </a:rPr>
+              <a:t>이상 </a:t>
+            </a:r>
+            <a:r>
+              <a:rPr lang="ko-KR" altLang="en-US" sz="1800" dirty="0" err="1">
+                <a:latin typeface="Segoe UI" panose="020B0502040204020203" pitchFamily="34" charset="0"/>
+              </a:rPr>
+              <a:t>보유시</a:t>
+            </a:r>
+            <a:r>
+              <a:rPr lang="ko-KR" altLang="en-US" sz="1800" dirty="0">
+                <a:latin typeface="Segoe UI" panose="020B0502040204020203" pitchFamily="34" charset="0"/>
+              </a:rPr>
+              <a:t> 강화 버튼 클릭하면 해당 강화의 강화 단계가 상승하며 필요 </a:t>
+            </a:r>
+            <a:r>
+              <a:rPr lang="en-US" altLang="ko-KR" sz="1800" dirty="0">
+                <a:latin typeface="Segoe UI" panose="020B0502040204020203" pitchFamily="34" charset="0"/>
+              </a:rPr>
+              <a:t>[</a:t>
+            </a:r>
+            <a:r>
+              <a:rPr lang="ko-KR" altLang="en-US" sz="1800" dirty="0" err="1">
+                <a:latin typeface="Segoe UI" panose="020B0502040204020203" pitchFamily="34" charset="0"/>
+              </a:rPr>
+              <a:t>공훈치</a:t>
+            </a:r>
+            <a:r>
+              <a:rPr lang="en-US" altLang="ko-KR" sz="1800" dirty="0">
+                <a:latin typeface="Segoe UI" panose="020B0502040204020203" pitchFamily="34" charset="0"/>
+              </a:rPr>
+              <a:t>]</a:t>
+            </a:r>
+            <a:r>
+              <a:rPr lang="ko-KR" altLang="en-US" sz="1800" dirty="0">
+                <a:latin typeface="Segoe UI" panose="020B0502040204020203" pitchFamily="34" charset="0"/>
+              </a:rPr>
+              <a:t>만큼의 </a:t>
+            </a:r>
+            <a:r>
+              <a:rPr lang="en-US" altLang="ko-KR" sz="1800" dirty="0">
+                <a:latin typeface="Segoe UI" panose="020B0502040204020203" pitchFamily="34" charset="0"/>
+              </a:rPr>
+              <a:t>[</a:t>
+            </a:r>
+            <a:r>
+              <a:rPr lang="ko-KR" altLang="en-US" sz="1800" dirty="0" err="1">
+                <a:latin typeface="Segoe UI" panose="020B0502040204020203" pitchFamily="34" charset="0"/>
+              </a:rPr>
+              <a:t>공훈치</a:t>
+            </a:r>
+            <a:r>
+              <a:rPr lang="en-US" altLang="ko-KR" sz="1800" dirty="0">
+                <a:latin typeface="Segoe UI" panose="020B0502040204020203" pitchFamily="34" charset="0"/>
+              </a:rPr>
+              <a:t>]</a:t>
+            </a:r>
+            <a:r>
+              <a:rPr lang="ko-KR" altLang="en-US" sz="1800" dirty="0">
+                <a:latin typeface="Segoe UI" panose="020B0502040204020203" pitchFamily="34" charset="0"/>
+              </a:rPr>
+              <a:t>가 소모된다</a:t>
+            </a:r>
+            <a:r>
+              <a:rPr lang="en-US" altLang="ko-KR" sz="1800" dirty="0">
+                <a:latin typeface="Segoe UI" panose="020B0502040204020203" pitchFamily="34" charset="0"/>
+              </a:rPr>
+              <a:t>.</a:t>
+            </a:r>
+          </a:p>
+          <a:p>
+            <a:endParaRPr lang="en-US" altLang="ko-KR" sz="1800" dirty="0">
+              <a:latin typeface="Segoe UI" panose="020B0502040204020203" pitchFamily="34" charset="0"/>
+            </a:endParaRPr>
+          </a:p>
+          <a:p>
+            <a:pPr marL="0" indent="0">
+              <a:buNone/>
+            </a:pPr>
+            <a:r>
+              <a:rPr lang="ko-KR" altLang="en-US" sz="1800" dirty="0">
+                <a:latin typeface="Segoe UI" panose="020B0502040204020203" pitchFamily="34" charset="0"/>
+              </a:rPr>
+              <a:t>작전 구역 </a:t>
+            </a:r>
+            <a:r>
+              <a:rPr lang="en-US" altLang="ko-KR" sz="1800" dirty="0">
+                <a:latin typeface="Segoe UI" panose="020B0502040204020203" pitchFamily="34" charset="0"/>
+              </a:rPr>
+              <a:t>(</a:t>
+            </a:r>
+            <a:r>
+              <a:rPr lang="ko-KR" altLang="en-US" sz="1800" dirty="0">
+                <a:latin typeface="Segoe UI" panose="020B0502040204020203" pitchFamily="34" charset="0"/>
+              </a:rPr>
+              <a:t>스테이지</a:t>
+            </a:r>
+            <a:r>
+              <a:rPr lang="en-US" altLang="ko-KR" sz="1800" dirty="0">
+                <a:latin typeface="Segoe UI" panose="020B0502040204020203" pitchFamily="34" charset="0"/>
+              </a:rPr>
+              <a:t>)</a:t>
+            </a:r>
+            <a:endParaRPr lang="ko-KR" altLang="en-US" sz="1800" dirty="0">
+              <a:latin typeface="Segoe UI" panose="020B0502040204020203" pitchFamily="34" charset="0"/>
+            </a:endParaRPr>
+          </a:p>
+          <a:p>
+            <a:r>
+              <a:rPr lang="ko-KR" altLang="en-US" sz="1800" dirty="0">
+                <a:latin typeface="Segoe UI" panose="020B0502040204020203" pitchFamily="34" charset="0"/>
+              </a:rPr>
+              <a:t>작전 구역의 마지막 </a:t>
+            </a:r>
+            <a:r>
+              <a:rPr lang="en-US" altLang="ko-KR" sz="1800" dirty="0">
+                <a:latin typeface="Segoe UI" panose="020B0502040204020203" pitchFamily="34" charset="0"/>
+              </a:rPr>
+              <a:t>[</a:t>
+            </a:r>
+            <a:r>
+              <a:rPr lang="ko-KR" altLang="en-US" sz="1800" dirty="0">
+                <a:latin typeface="Segoe UI" panose="020B0502040204020203" pitchFamily="34" charset="0"/>
+              </a:rPr>
+              <a:t>적</a:t>
+            </a:r>
+            <a:r>
+              <a:rPr lang="en-US" altLang="ko-KR" sz="1800" dirty="0">
+                <a:latin typeface="Segoe UI" panose="020B0502040204020203" pitchFamily="34" charset="0"/>
+              </a:rPr>
+              <a:t>]</a:t>
+            </a:r>
+            <a:r>
+              <a:rPr lang="ko-KR" altLang="en-US" sz="1800" dirty="0">
+                <a:latin typeface="Segoe UI" panose="020B0502040204020203" pitchFamily="34" charset="0"/>
+              </a:rPr>
+              <a:t>을 </a:t>
+            </a:r>
+            <a:r>
+              <a:rPr lang="ko-KR" altLang="en-US" sz="1800" dirty="0" err="1">
+                <a:latin typeface="Segoe UI" panose="020B0502040204020203" pitchFamily="34" charset="0"/>
+              </a:rPr>
+              <a:t>제압시</a:t>
+            </a:r>
+            <a:r>
+              <a:rPr lang="ko-KR" altLang="en-US" sz="1800" dirty="0">
+                <a:latin typeface="Segoe UI" panose="020B0502040204020203" pitchFamily="34" charset="0"/>
+              </a:rPr>
+              <a:t> 다음 작전 구역</a:t>
+            </a:r>
+            <a:r>
+              <a:rPr lang="en-US" altLang="ko-KR" sz="1800" dirty="0">
+                <a:latin typeface="Segoe UI" panose="020B0502040204020203" pitchFamily="34" charset="0"/>
+              </a:rPr>
+              <a:t>(</a:t>
+            </a:r>
+            <a:r>
+              <a:rPr lang="ko-KR" altLang="en-US" sz="1800" dirty="0">
+                <a:latin typeface="Segoe UI" panose="020B0502040204020203" pitchFamily="34" charset="0"/>
+              </a:rPr>
+              <a:t>과 해당 선택 버튼</a:t>
+            </a:r>
+            <a:r>
+              <a:rPr lang="en-US" altLang="ko-KR" sz="1800" dirty="0">
+                <a:latin typeface="Segoe UI" panose="020B0502040204020203" pitchFamily="34" charset="0"/>
+              </a:rPr>
+              <a:t>)</a:t>
+            </a:r>
+            <a:r>
+              <a:rPr lang="ko-KR" altLang="en-US" sz="1800" dirty="0">
+                <a:latin typeface="Segoe UI" panose="020B0502040204020203" pitchFamily="34" charset="0"/>
+              </a:rPr>
+              <a:t>이 열림</a:t>
+            </a:r>
+          </a:p>
+          <a:p>
+            <a:r>
+              <a:rPr lang="ko-KR" altLang="en-US" sz="1800" dirty="0">
+                <a:latin typeface="Segoe UI" panose="020B0502040204020203" pitchFamily="34" charset="0"/>
+              </a:rPr>
+              <a:t>작전 구역 버튼을 선택하여 해당 작전 구역부터 게임 실행</a:t>
+            </a:r>
+            <a:endParaRPr lang="en-US" altLang="ko-KR" sz="1800" dirty="0">
+              <a:latin typeface="Segoe UI" panose="020B0502040204020203" pitchFamily="34" charset="0"/>
+            </a:endParaRPr>
+          </a:p>
+        </p:txBody>
+      </p:sp>
+      <p:sp>
+        <p:nvSpPr>
+          <p:cNvPr id="8" name="직사각형 7">
+            <a:extLst>
+              <a:ext uri="{FF2B5EF4-FFF2-40B4-BE49-F238E27FC236}">
+                <a16:creationId xmlns:a16="http://schemas.microsoft.com/office/drawing/2014/main" id="{9AA6F2B8-B1CD-4339-09DE-C4EAFE21215F}"/>
+              </a:ext>
+            </a:extLst>
+          </p:cNvPr>
+          <p:cNvSpPr/>
+          <p:nvPr/>
+        </p:nvSpPr>
+        <p:spPr>
+          <a:xfrm>
+            <a:off x="600635" y="685800"/>
+            <a:ext cx="10482048" cy="1089212"/>
+          </a:xfrm>
+          <a:prstGeom prst="rect">
+            <a:avLst/>
+          </a:prstGeom>
+          <a:noFill/>
+          <a:ln w="38100">
+            <a:gradFill>
+              <a:gsLst>
+                <a:gs pos="0">
+                  <a:srgbClr val="C00000"/>
+                </a:gs>
+                <a:gs pos="100000">
+                  <a:srgbClr val="7030A0"/>
+                </a:gs>
+              </a:gsLst>
+              <a:lin ang="2700000" scaled="0"/>
+            </a:gradFill>
+          </a:ln>
+        </p:spPr>
+        <p:style>
+          <a:lnRef idx="2">
+            <a:schemeClr val="accent1">
+              <a:shade val="15000"/>
+            </a:schemeClr>
+          </a:lnRef>
+          <a:fillRef idx="1">
+            <a:schemeClr val="accent1"/>
+          </a:fillRef>
+          <a:effectRef idx="0">
+            <a:schemeClr val="accent1"/>
+          </a:effectRef>
+          <a:fontRef idx="minor">
+            <a:schemeClr val="lt1"/>
+          </a:fontRef>
+        </p:style>
+        <p:txBody>
+          <a:bodyPr rtlCol="0" anchor="ctr"/>
+          <a:lstStyle/>
+          <a:p>
+            <a:pPr algn="ctr"/>
+            <a:endParaRPr lang="ko-KR" altLang="en-US"/>
+          </a:p>
+        </p:txBody>
+      </p:sp>
+      <p:sp>
+        <p:nvSpPr>
+          <p:cNvPr id="3" name="내용 개체 틀 2">
+            <a:extLst>
+              <a:ext uri="{FF2B5EF4-FFF2-40B4-BE49-F238E27FC236}">
+                <a16:creationId xmlns:a16="http://schemas.microsoft.com/office/drawing/2014/main" id="{CFF37324-455A-3F4A-CF6E-E94FC2439C25}"/>
+              </a:ext>
+            </a:extLst>
+          </p:cNvPr>
+          <p:cNvSpPr txBox="1">
+            <a:spLocks/>
+          </p:cNvSpPr>
+          <p:nvPr/>
+        </p:nvSpPr>
+        <p:spPr>
+          <a:xfrm>
+            <a:off x="-1" y="0"/>
+            <a:ext cx="1171576" cy="460728"/>
+          </a:xfrm>
+          <a:prstGeom prst="rect">
+            <a:avLst/>
+          </a:prstGeom>
+        </p:spPr>
+        <p:txBody>
+          <a:bodyPr vert="horz" lIns="91440" tIns="45720" rIns="91440" bIns="45720" rtlCol="0" anchor="ctr">
+            <a:normAutofit/>
+          </a:bodyPr>
+          <a:lstStyle>
+            <a:lvl1pPr marL="228600" indent="-228600" algn="l" defTabSz="914400" rtl="0" eaLnBrk="1" latinLnBrk="1" hangingPunct="1">
+              <a:lnSpc>
+                <a:spcPct val="120000"/>
+              </a:lnSpc>
+              <a:spcBef>
+                <a:spcPts val="1000"/>
+              </a:spcBef>
+              <a:buClr>
+                <a:schemeClr val="accent1">
+                  <a:lumMod val="60000"/>
+                  <a:lumOff val="40000"/>
+                </a:schemeClr>
+              </a:buClr>
+              <a:buSzPct val="160000"/>
+              <a:buFont typeface="Arial" panose="020B0604020202020204" pitchFamily="34" charset="0"/>
+              <a:buChar char="•"/>
+              <a:defRPr sz="2000" kern="1200" cap="all" baseline="0">
+                <a:solidFill>
+                  <a:schemeClr val="tx1"/>
+                </a:solidFill>
+                <a:effectLst/>
+                <a:latin typeface="+mn-lt"/>
+                <a:ea typeface="+mn-ea"/>
+                <a:cs typeface="+mn-cs"/>
+              </a:defRPr>
+            </a:lvl1pPr>
+            <a:lvl2pPr marL="685800" indent="-228600" algn="l" defTabSz="914400" rtl="0" eaLnBrk="1" latinLnBrk="1" hangingPunct="1">
+              <a:lnSpc>
+                <a:spcPct val="120000"/>
+              </a:lnSpc>
+              <a:spcBef>
+                <a:spcPts val="500"/>
+              </a:spcBef>
+              <a:buClr>
+                <a:schemeClr val="accent1">
+                  <a:lumMod val="60000"/>
+                  <a:lumOff val="40000"/>
+                </a:schemeClr>
+              </a:buClr>
+              <a:buSzPct val="160000"/>
+              <a:buFont typeface="Arial" panose="020B0604020202020204" pitchFamily="34" charset="0"/>
+              <a:buChar char="•"/>
+              <a:defRPr sz="1800" kern="1200" cap="all" baseline="0">
+                <a:solidFill>
+                  <a:schemeClr val="tx1"/>
+                </a:solidFill>
+                <a:effectLst/>
+                <a:latin typeface="+mn-lt"/>
+                <a:ea typeface="+mn-ea"/>
+                <a:cs typeface="+mn-cs"/>
+              </a:defRPr>
+            </a:lvl2pPr>
+            <a:lvl3pPr marL="1143000" indent="-228600" algn="l" defTabSz="914400" rtl="0" eaLnBrk="1" latinLnBrk="1" hangingPunct="1">
+              <a:lnSpc>
+                <a:spcPct val="120000"/>
+              </a:lnSpc>
+              <a:spcBef>
+                <a:spcPts val="500"/>
+              </a:spcBef>
+              <a:buClr>
+                <a:schemeClr val="accent1">
+                  <a:lumMod val="60000"/>
+                  <a:lumOff val="40000"/>
+                </a:schemeClr>
+              </a:buClr>
+              <a:buSzPct val="160000"/>
+              <a:buFont typeface="Arial" panose="020B0604020202020204" pitchFamily="34" charset="0"/>
+              <a:buChar char="•"/>
+              <a:defRPr sz="1600" kern="1200" cap="all" baseline="0">
+                <a:solidFill>
+                  <a:schemeClr val="tx1"/>
+                </a:solidFill>
+                <a:effectLst/>
+                <a:latin typeface="+mn-lt"/>
+                <a:ea typeface="+mn-ea"/>
+                <a:cs typeface="+mn-cs"/>
+              </a:defRPr>
+            </a:lvl3pPr>
+            <a:lvl4pPr marL="1600200" indent="-228600" algn="l" defTabSz="914400" rtl="0" eaLnBrk="1" latinLnBrk="1" hangingPunct="1">
+              <a:lnSpc>
+                <a:spcPct val="120000"/>
+              </a:lnSpc>
+              <a:spcBef>
+                <a:spcPts val="500"/>
+              </a:spcBef>
+              <a:buClr>
+                <a:schemeClr val="accent1">
+                  <a:lumMod val="60000"/>
+                  <a:lumOff val="40000"/>
+                </a:schemeClr>
+              </a:buClr>
+              <a:buSzPct val="160000"/>
+              <a:buFont typeface="Arial" panose="020B0604020202020204" pitchFamily="34" charset="0"/>
+              <a:buChar char="•"/>
+              <a:defRPr sz="1400" kern="1200" cap="all" baseline="0">
+                <a:solidFill>
+                  <a:schemeClr val="tx1"/>
+                </a:solidFill>
+                <a:effectLst/>
+                <a:latin typeface="+mn-lt"/>
+                <a:ea typeface="+mn-ea"/>
+                <a:cs typeface="+mn-cs"/>
+              </a:defRPr>
+            </a:lvl4pPr>
+            <a:lvl5pPr marL="2057400" indent="-228600" algn="l" defTabSz="914400" rtl="0" eaLnBrk="1" latinLnBrk="1" hangingPunct="1">
+              <a:lnSpc>
+                <a:spcPct val="120000"/>
+              </a:lnSpc>
+              <a:spcBef>
+                <a:spcPts val="500"/>
+              </a:spcBef>
+              <a:buClr>
+                <a:schemeClr val="accent1">
+                  <a:lumMod val="60000"/>
+                  <a:lumOff val="40000"/>
+                </a:schemeClr>
+              </a:buClr>
+              <a:buSzPct val="160000"/>
+              <a:buFont typeface="Arial" panose="020B0604020202020204" pitchFamily="34" charset="0"/>
+              <a:buChar char="•"/>
+              <a:defRPr sz="1400" kern="1200" cap="all" baseline="0">
+                <a:solidFill>
+                  <a:schemeClr val="tx1"/>
+                </a:solidFill>
+                <a:effectLst/>
+                <a:latin typeface="+mn-lt"/>
+                <a:ea typeface="+mn-ea"/>
+                <a:cs typeface="+mn-cs"/>
+              </a:defRPr>
+            </a:lvl5pPr>
+            <a:lvl6pPr marL="2514600" indent="-228600" algn="l" defTabSz="914400" rtl="0" eaLnBrk="1" latinLnBrk="1" hangingPunct="1">
+              <a:lnSpc>
+                <a:spcPct val="120000"/>
+              </a:lnSpc>
+              <a:spcBef>
+                <a:spcPts val="500"/>
+              </a:spcBef>
+              <a:buClr>
+                <a:schemeClr val="accent1">
+                  <a:lumMod val="60000"/>
+                  <a:lumOff val="40000"/>
+                </a:schemeClr>
+              </a:buClr>
+              <a:buSzPct val="160000"/>
+              <a:buFont typeface="Arial" panose="020B0604020202020204" pitchFamily="34" charset="0"/>
+              <a:buChar char="•"/>
+              <a:defRPr sz="1400" kern="1200" cap="all" baseline="0">
+                <a:solidFill>
+                  <a:schemeClr val="tx1"/>
+                </a:solidFill>
+                <a:effectLst/>
+                <a:latin typeface="+mn-lt"/>
+                <a:ea typeface="+mn-ea"/>
+                <a:cs typeface="+mn-cs"/>
+              </a:defRPr>
+            </a:lvl6pPr>
+            <a:lvl7pPr marL="2971800" indent="-228600" algn="l" defTabSz="914400" rtl="0" eaLnBrk="1" latinLnBrk="1" hangingPunct="1">
+              <a:lnSpc>
+                <a:spcPct val="120000"/>
+              </a:lnSpc>
+              <a:spcBef>
+                <a:spcPts val="500"/>
+              </a:spcBef>
+              <a:buClr>
+                <a:schemeClr val="accent1">
+                  <a:lumMod val="60000"/>
+                  <a:lumOff val="40000"/>
+                </a:schemeClr>
+              </a:buClr>
+              <a:buSzPct val="160000"/>
+              <a:buFont typeface="Arial" panose="020B0604020202020204" pitchFamily="34" charset="0"/>
+              <a:buChar char="•"/>
+              <a:defRPr sz="1400" kern="1200" cap="all" baseline="0">
+                <a:solidFill>
+                  <a:schemeClr val="tx1"/>
+                </a:solidFill>
+                <a:effectLst/>
+                <a:latin typeface="+mn-lt"/>
+                <a:ea typeface="+mn-ea"/>
+                <a:cs typeface="+mn-cs"/>
+              </a:defRPr>
+            </a:lvl7pPr>
+            <a:lvl8pPr marL="3429000" indent="-228600" algn="l" defTabSz="914400" rtl="0" eaLnBrk="1" latinLnBrk="1" hangingPunct="1">
+              <a:lnSpc>
+                <a:spcPct val="120000"/>
+              </a:lnSpc>
+              <a:spcBef>
+                <a:spcPts val="500"/>
+              </a:spcBef>
+              <a:buClr>
+                <a:schemeClr val="accent1">
+                  <a:lumMod val="60000"/>
+                  <a:lumOff val="40000"/>
+                </a:schemeClr>
+              </a:buClr>
+              <a:buSzPct val="160000"/>
+              <a:buFont typeface="Arial" panose="020B0604020202020204" pitchFamily="34" charset="0"/>
+              <a:buChar char="•"/>
+              <a:defRPr sz="1400" kern="1200" cap="all" baseline="0">
+                <a:solidFill>
+                  <a:schemeClr val="tx1"/>
+                </a:solidFill>
+                <a:effectLst/>
+                <a:latin typeface="+mn-lt"/>
+                <a:ea typeface="+mn-ea"/>
+                <a:cs typeface="+mn-cs"/>
+              </a:defRPr>
+            </a:lvl8pPr>
+            <a:lvl9pPr marL="3886200" indent="-228600" algn="l" defTabSz="914400" rtl="0" eaLnBrk="1" latinLnBrk="1" hangingPunct="1">
+              <a:lnSpc>
+                <a:spcPct val="120000"/>
+              </a:lnSpc>
+              <a:spcBef>
+                <a:spcPts val="500"/>
+              </a:spcBef>
+              <a:buClr>
+                <a:schemeClr val="accent1">
+                  <a:lumMod val="60000"/>
+                  <a:lumOff val="40000"/>
+                </a:schemeClr>
+              </a:buClr>
+              <a:buSzPct val="160000"/>
+              <a:buFont typeface="Arial" panose="020B0604020202020204" pitchFamily="34" charset="0"/>
+              <a:buChar char="•"/>
+              <a:defRPr sz="1400" kern="1200" cap="all" baseline="0">
+                <a:solidFill>
+                  <a:schemeClr val="tx1"/>
+                </a:solidFill>
+                <a:effectLst/>
+                <a:latin typeface="+mn-lt"/>
+                <a:ea typeface="+mn-ea"/>
+                <a:cs typeface="+mn-cs"/>
+              </a:defRPr>
+            </a:lvl9pPr>
+          </a:lstStyle>
+          <a:p>
+            <a:pPr marL="0" indent="0" algn="l">
+              <a:buNone/>
+            </a:pPr>
+            <a:r>
+              <a:rPr lang="en-US" altLang="ko-KR" b="1" i="0" dirty="0">
+                <a:solidFill>
+                  <a:srgbClr val="7030A0"/>
+                </a:solidFill>
+                <a:effectLst/>
+                <a:latin typeface="+mn-ea"/>
+              </a:rPr>
+              <a:t>06</a:t>
+            </a:r>
+            <a:r>
+              <a:rPr lang="en-US" altLang="ko-KR" b="1" i="0" dirty="0">
+                <a:solidFill>
+                  <a:srgbClr val="1E1E1E"/>
+                </a:solidFill>
+                <a:effectLst/>
+                <a:latin typeface="+mn-ea"/>
+              </a:rPr>
+              <a:t> / </a:t>
+            </a:r>
+            <a:r>
+              <a:rPr lang="en-US" altLang="ko-KR" b="1" i="0" dirty="0">
+                <a:solidFill>
+                  <a:srgbClr val="C00000"/>
+                </a:solidFill>
+                <a:effectLst/>
+                <a:latin typeface="+mn-ea"/>
+              </a:rPr>
+              <a:t>???</a:t>
+            </a:r>
+          </a:p>
+        </p:txBody>
+      </p:sp>
+    </p:spTree>
+    <p:extLst>
+      <p:ext uri="{BB962C8B-B14F-4D97-AF65-F5344CB8AC3E}">
+        <p14:creationId xmlns:p14="http://schemas.microsoft.com/office/powerpoint/2010/main" val="101591789"/>
+      </p:ext>
+    </p:extLst>
+  </p:cSld>
+  <p:clrMapOvr>
+    <a:masterClrMapping/>
+  </p:clrMapOvr>
+</p:sld>
+</file>
+
+<file path=ppt/slides/slide8.xml><?xml version="1.0" encoding="utf-8"?>
+<p:sld xmlns:a="http://schemas.openxmlformats.org/drawingml/2006/main" xmlns:r="http://schemas.openxmlformats.org/officeDocument/2006/relationships" xmlns:p="http://schemas.openxmlformats.org/presentationml/2006/main">
+  <p:cSld>
+    <p:spTree>
+      <p:nvGrpSpPr>
+        <p:cNvPr id="1" name=""/>
+        <p:cNvGrpSpPr/>
+        <p:nvPr/>
+      </p:nvGrpSpPr>
+      <p:grpSpPr>
+        <a:xfrm>
+          <a:off x="0" y="0"/>
+          <a:ext cx="0" cy="0"/>
+          <a:chOff x="0" y="0"/>
+          <a:chExt cx="0" cy="0"/>
+        </a:xfrm>
+      </p:grpSpPr>
+      <p:sp>
+        <p:nvSpPr>
+          <p:cNvPr id="2" name="제목 1">
+            <a:extLst>
+              <a:ext uri="{FF2B5EF4-FFF2-40B4-BE49-F238E27FC236}">
+                <a16:creationId xmlns:a16="http://schemas.microsoft.com/office/drawing/2014/main" id="{1F0B7645-88D9-0667-37CE-DC8E738F363E}"/>
+              </a:ext>
+            </a:extLst>
+          </p:cNvPr>
+          <p:cNvSpPr>
+            <a:spLocks noGrp="1"/>
+          </p:cNvSpPr>
+          <p:nvPr>
+            <p:ph type="title"/>
+          </p:nvPr>
+        </p:nvSpPr>
+        <p:spPr/>
+        <p:txBody>
+          <a:bodyPr/>
+          <a:lstStyle/>
+          <a:p>
+            <a:r>
+              <a:rPr lang="ko-KR" altLang="en-US" dirty="0">
+                <a:latin typeface="+mn-ea"/>
+                <a:ea typeface="+mn-ea"/>
+              </a:rPr>
+              <a:t>게임 흐름</a:t>
+            </a:r>
+            <a:endParaRPr lang="ko-KR" altLang="en-US" sz="3600" dirty="0">
+              <a:latin typeface="+mn-ea"/>
+              <a:ea typeface="+mn-ea"/>
+            </a:endParaRPr>
+          </a:p>
+        </p:txBody>
+      </p:sp>
+      <p:sp>
+        <p:nvSpPr>
+          <p:cNvPr id="8" name="직사각형 7">
+            <a:extLst>
+              <a:ext uri="{FF2B5EF4-FFF2-40B4-BE49-F238E27FC236}">
+                <a16:creationId xmlns:a16="http://schemas.microsoft.com/office/drawing/2014/main" id="{9AA6F2B8-B1CD-4339-09DE-C4EAFE21215F}"/>
+              </a:ext>
+            </a:extLst>
+          </p:cNvPr>
+          <p:cNvSpPr/>
+          <p:nvPr/>
+        </p:nvSpPr>
+        <p:spPr>
+          <a:xfrm>
+            <a:off x="600635" y="685800"/>
+            <a:ext cx="10482048" cy="1089212"/>
+          </a:xfrm>
+          <a:prstGeom prst="rect">
+            <a:avLst/>
+          </a:prstGeom>
+          <a:noFill/>
+          <a:ln w="38100">
+            <a:gradFill>
+              <a:gsLst>
+                <a:gs pos="0">
+                  <a:srgbClr val="C00000"/>
+                </a:gs>
+                <a:gs pos="100000">
+                  <a:srgbClr val="7030A0"/>
+                </a:gs>
+              </a:gsLst>
+              <a:lin ang="2700000" scaled="0"/>
+            </a:gradFill>
+          </a:ln>
+        </p:spPr>
+        <p:style>
+          <a:lnRef idx="2">
+            <a:schemeClr val="accent1">
+              <a:shade val="15000"/>
+            </a:schemeClr>
+          </a:lnRef>
+          <a:fillRef idx="1">
+            <a:schemeClr val="accent1"/>
+          </a:fillRef>
+          <a:effectRef idx="0">
+            <a:schemeClr val="accent1"/>
+          </a:effectRef>
+          <a:fontRef idx="minor">
+            <a:schemeClr val="lt1"/>
+          </a:fontRef>
+        </p:style>
+        <p:txBody>
+          <a:bodyPr rtlCol="0" anchor="ctr"/>
+          <a:lstStyle/>
+          <a:p>
+            <a:pPr algn="ctr"/>
+            <a:endParaRPr lang="ko-KR" altLang="en-US"/>
+          </a:p>
+        </p:txBody>
+      </p:sp>
+      <p:sp>
+        <p:nvSpPr>
+          <p:cNvPr id="3" name="내용 개체 틀 2">
+            <a:extLst>
+              <a:ext uri="{FF2B5EF4-FFF2-40B4-BE49-F238E27FC236}">
+                <a16:creationId xmlns:a16="http://schemas.microsoft.com/office/drawing/2014/main" id="{CFF37324-455A-3F4A-CF6E-E94FC2439C25}"/>
+              </a:ext>
+            </a:extLst>
+          </p:cNvPr>
+          <p:cNvSpPr txBox="1">
+            <a:spLocks/>
+          </p:cNvSpPr>
+          <p:nvPr/>
+        </p:nvSpPr>
+        <p:spPr>
+          <a:xfrm>
+            <a:off x="-1" y="0"/>
+            <a:ext cx="1171576" cy="460728"/>
+          </a:xfrm>
+          <a:prstGeom prst="rect">
+            <a:avLst/>
+          </a:prstGeom>
+        </p:spPr>
+        <p:txBody>
+          <a:bodyPr vert="horz" lIns="91440" tIns="45720" rIns="91440" bIns="45720" rtlCol="0" anchor="ctr">
+            <a:normAutofit/>
+          </a:bodyPr>
+          <a:lstStyle>
+            <a:lvl1pPr marL="228600" indent="-228600" algn="l" defTabSz="914400" rtl="0" eaLnBrk="1" latinLnBrk="1" hangingPunct="1">
+              <a:lnSpc>
+                <a:spcPct val="120000"/>
+              </a:lnSpc>
+              <a:spcBef>
+                <a:spcPts val="1000"/>
+              </a:spcBef>
+              <a:buClr>
+                <a:schemeClr val="accent1">
+                  <a:lumMod val="60000"/>
+                  <a:lumOff val="40000"/>
+                </a:schemeClr>
+              </a:buClr>
+              <a:buSzPct val="160000"/>
+              <a:buFont typeface="Arial" panose="020B0604020202020204" pitchFamily="34" charset="0"/>
+              <a:buChar char="•"/>
+              <a:defRPr sz="2000" kern="1200" cap="all" baseline="0">
+                <a:solidFill>
+                  <a:schemeClr val="tx1"/>
+                </a:solidFill>
+                <a:effectLst/>
+                <a:latin typeface="+mn-lt"/>
+                <a:ea typeface="+mn-ea"/>
+                <a:cs typeface="+mn-cs"/>
+              </a:defRPr>
+            </a:lvl1pPr>
+            <a:lvl2pPr marL="685800" indent="-228600" algn="l" defTabSz="914400" rtl="0" eaLnBrk="1" latinLnBrk="1" hangingPunct="1">
+              <a:lnSpc>
+                <a:spcPct val="120000"/>
+              </a:lnSpc>
+              <a:spcBef>
+                <a:spcPts val="500"/>
+              </a:spcBef>
+              <a:buClr>
+                <a:schemeClr val="accent1">
+                  <a:lumMod val="60000"/>
+                  <a:lumOff val="40000"/>
+                </a:schemeClr>
+              </a:buClr>
+              <a:buSzPct val="160000"/>
+              <a:buFont typeface="Arial" panose="020B0604020202020204" pitchFamily="34" charset="0"/>
+              <a:buChar char="•"/>
+              <a:defRPr sz="1800" kern="1200" cap="all" baseline="0">
+                <a:solidFill>
+                  <a:schemeClr val="tx1"/>
+                </a:solidFill>
+                <a:effectLst/>
+                <a:latin typeface="+mn-lt"/>
+                <a:ea typeface="+mn-ea"/>
+                <a:cs typeface="+mn-cs"/>
+              </a:defRPr>
+            </a:lvl2pPr>
+            <a:lvl3pPr marL="1143000" indent="-228600" algn="l" defTabSz="914400" rtl="0" eaLnBrk="1" latinLnBrk="1" hangingPunct="1">
+              <a:lnSpc>
+                <a:spcPct val="120000"/>
+              </a:lnSpc>
+              <a:spcBef>
+                <a:spcPts val="500"/>
+              </a:spcBef>
+              <a:buClr>
+                <a:schemeClr val="accent1">
+                  <a:lumMod val="60000"/>
+                  <a:lumOff val="40000"/>
+                </a:schemeClr>
+              </a:buClr>
+              <a:buSzPct val="160000"/>
+              <a:buFont typeface="Arial" panose="020B0604020202020204" pitchFamily="34" charset="0"/>
+              <a:buChar char="•"/>
+              <a:defRPr sz="1600" kern="1200" cap="all" baseline="0">
+                <a:solidFill>
+                  <a:schemeClr val="tx1"/>
+                </a:solidFill>
+                <a:effectLst/>
+                <a:latin typeface="+mn-lt"/>
+                <a:ea typeface="+mn-ea"/>
+                <a:cs typeface="+mn-cs"/>
+              </a:defRPr>
+            </a:lvl3pPr>
+            <a:lvl4pPr marL="1600200" indent="-228600" algn="l" defTabSz="914400" rtl="0" eaLnBrk="1" latinLnBrk="1" hangingPunct="1">
+              <a:lnSpc>
+                <a:spcPct val="120000"/>
+              </a:lnSpc>
+              <a:spcBef>
+                <a:spcPts val="500"/>
+              </a:spcBef>
+              <a:buClr>
+                <a:schemeClr val="accent1">
+                  <a:lumMod val="60000"/>
+                  <a:lumOff val="40000"/>
+                </a:schemeClr>
+              </a:buClr>
+              <a:buSzPct val="160000"/>
+              <a:buFont typeface="Arial" panose="020B0604020202020204" pitchFamily="34" charset="0"/>
+              <a:buChar char="•"/>
+              <a:defRPr sz="1400" kern="1200" cap="all" baseline="0">
+                <a:solidFill>
+                  <a:schemeClr val="tx1"/>
+                </a:solidFill>
+                <a:effectLst/>
+                <a:latin typeface="+mn-lt"/>
+                <a:ea typeface="+mn-ea"/>
+                <a:cs typeface="+mn-cs"/>
+              </a:defRPr>
+            </a:lvl4pPr>
+            <a:lvl5pPr marL="2057400" indent="-228600" algn="l" defTabSz="914400" rtl="0" eaLnBrk="1" latinLnBrk="1" hangingPunct="1">
+              <a:lnSpc>
+                <a:spcPct val="120000"/>
+              </a:lnSpc>
+              <a:spcBef>
+                <a:spcPts val="500"/>
+              </a:spcBef>
+              <a:buClr>
+                <a:schemeClr val="accent1">
+                  <a:lumMod val="60000"/>
+                  <a:lumOff val="40000"/>
+                </a:schemeClr>
+              </a:buClr>
+              <a:buSzPct val="160000"/>
+              <a:buFont typeface="Arial" panose="020B0604020202020204" pitchFamily="34" charset="0"/>
+              <a:buChar char="•"/>
+              <a:defRPr sz="1400" kern="1200" cap="all" baseline="0">
+                <a:solidFill>
+                  <a:schemeClr val="tx1"/>
+                </a:solidFill>
+                <a:effectLst/>
+                <a:latin typeface="+mn-lt"/>
+                <a:ea typeface="+mn-ea"/>
+                <a:cs typeface="+mn-cs"/>
+              </a:defRPr>
+            </a:lvl5pPr>
+            <a:lvl6pPr marL="2514600" indent="-228600" algn="l" defTabSz="914400" rtl="0" eaLnBrk="1" latinLnBrk="1" hangingPunct="1">
+              <a:lnSpc>
+                <a:spcPct val="120000"/>
+              </a:lnSpc>
+              <a:spcBef>
+                <a:spcPts val="500"/>
+              </a:spcBef>
+              <a:buClr>
+                <a:schemeClr val="accent1">
+                  <a:lumMod val="60000"/>
+                  <a:lumOff val="40000"/>
+                </a:schemeClr>
+              </a:buClr>
+              <a:buSzPct val="160000"/>
+              <a:buFont typeface="Arial" panose="020B0604020202020204" pitchFamily="34" charset="0"/>
+              <a:buChar char="•"/>
+              <a:defRPr sz="1400" kern="1200" cap="all" baseline="0">
+                <a:solidFill>
+                  <a:schemeClr val="tx1"/>
+                </a:solidFill>
+                <a:effectLst/>
+                <a:latin typeface="+mn-lt"/>
+                <a:ea typeface="+mn-ea"/>
+                <a:cs typeface="+mn-cs"/>
+              </a:defRPr>
+            </a:lvl6pPr>
+            <a:lvl7pPr marL="2971800" indent="-228600" algn="l" defTabSz="914400" rtl="0" eaLnBrk="1" latinLnBrk="1" hangingPunct="1">
+              <a:lnSpc>
+                <a:spcPct val="120000"/>
+              </a:lnSpc>
+              <a:spcBef>
+                <a:spcPts val="500"/>
+              </a:spcBef>
+              <a:buClr>
+                <a:schemeClr val="accent1">
+                  <a:lumMod val="60000"/>
+                  <a:lumOff val="40000"/>
+                </a:schemeClr>
+              </a:buClr>
+              <a:buSzPct val="160000"/>
+              <a:buFont typeface="Arial" panose="020B0604020202020204" pitchFamily="34" charset="0"/>
+              <a:buChar char="•"/>
+              <a:defRPr sz="1400" kern="1200" cap="all" baseline="0">
+                <a:solidFill>
+                  <a:schemeClr val="tx1"/>
+                </a:solidFill>
+                <a:effectLst/>
+                <a:latin typeface="+mn-lt"/>
+                <a:ea typeface="+mn-ea"/>
+                <a:cs typeface="+mn-cs"/>
+              </a:defRPr>
+            </a:lvl7pPr>
+            <a:lvl8pPr marL="3429000" indent="-228600" algn="l" defTabSz="914400" rtl="0" eaLnBrk="1" latinLnBrk="1" hangingPunct="1">
+              <a:lnSpc>
+                <a:spcPct val="120000"/>
+              </a:lnSpc>
+              <a:spcBef>
+                <a:spcPts val="500"/>
+              </a:spcBef>
+              <a:buClr>
+                <a:schemeClr val="accent1">
+                  <a:lumMod val="60000"/>
+                  <a:lumOff val="40000"/>
+                </a:schemeClr>
+              </a:buClr>
+              <a:buSzPct val="160000"/>
+              <a:buFont typeface="Arial" panose="020B0604020202020204" pitchFamily="34" charset="0"/>
+              <a:buChar char="•"/>
+              <a:defRPr sz="1400" kern="1200" cap="all" baseline="0">
+                <a:solidFill>
+                  <a:schemeClr val="tx1"/>
+                </a:solidFill>
+                <a:effectLst/>
+                <a:latin typeface="+mn-lt"/>
+                <a:ea typeface="+mn-ea"/>
+                <a:cs typeface="+mn-cs"/>
+              </a:defRPr>
+            </a:lvl8pPr>
+            <a:lvl9pPr marL="3886200" indent="-228600" algn="l" defTabSz="914400" rtl="0" eaLnBrk="1" latinLnBrk="1" hangingPunct="1">
+              <a:lnSpc>
+                <a:spcPct val="120000"/>
+              </a:lnSpc>
+              <a:spcBef>
+                <a:spcPts val="500"/>
+              </a:spcBef>
+              <a:buClr>
+                <a:schemeClr val="accent1">
+                  <a:lumMod val="60000"/>
+                  <a:lumOff val="40000"/>
+                </a:schemeClr>
+              </a:buClr>
+              <a:buSzPct val="160000"/>
+              <a:buFont typeface="Arial" panose="020B0604020202020204" pitchFamily="34" charset="0"/>
+              <a:buChar char="•"/>
+              <a:defRPr sz="1400" kern="1200" cap="all" baseline="0">
+                <a:solidFill>
+                  <a:schemeClr val="tx1"/>
+                </a:solidFill>
+                <a:effectLst/>
+                <a:latin typeface="+mn-lt"/>
+                <a:ea typeface="+mn-ea"/>
+                <a:cs typeface="+mn-cs"/>
+              </a:defRPr>
+            </a:lvl9pPr>
+          </a:lstStyle>
+          <a:p>
+            <a:pPr marL="0" indent="0" algn="l">
+              <a:buNone/>
+            </a:pPr>
+            <a:r>
+              <a:rPr lang="en-US" altLang="ko-KR" b="1" i="0" dirty="0">
+                <a:solidFill>
+                  <a:srgbClr val="7030A0"/>
+                </a:solidFill>
+                <a:effectLst/>
+                <a:latin typeface="+mn-ea"/>
+              </a:rPr>
+              <a:t>07</a:t>
+            </a:r>
+            <a:r>
+              <a:rPr lang="en-US" altLang="ko-KR" b="1" i="0" dirty="0">
+                <a:solidFill>
+                  <a:srgbClr val="1E1E1E"/>
+                </a:solidFill>
+                <a:effectLst/>
+                <a:latin typeface="+mn-ea"/>
+              </a:rPr>
+              <a:t> / </a:t>
+            </a:r>
+            <a:r>
+              <a:rPr lang="en-US" altLang="ko-KR" b="1" i="0" dirty="0">
+                <a:solidFill>
+                  <a:srgbClr val="C00000"/>
+                </a:solidFill>
+                <a:effectLst/>
+                <a:latin typeface="+mn-ea"/>
+              </a:rPr>
+              <a:t>???</a:t>
+            </a:r>
+          </a:p>
+        </p:txBody>
+      </p:sp>
+      <p:pic>
+        <p:nvPicPr>
+          <p:cNvPr id="6" name="그림 5">
+            <a:extLst>
+              <a:ext uri="{FF2B5EF4-FFF2-40B4-BE49-F238E27FC236}">
+                <a16:creationId xmlns:a16="http://schemas.microsoft.com/office/drawing/2014/main" id="{E52DE416-849D-B28B-73B7-F6F951E457B6}"/>
+              </a:ext>
+            </a:extLst>
+          </p:cNvPr>
+          <p:cNvPicPr>
+            <a:picLocks noChangeAspect="1"/>
+          </p:cNvPicPr>
+          <p:nvPr/>
+        </p:nvPicPr>
+        <p:blipFill>
+          <a:blip r:embed="rId2">
+            <a:extLst>
+              <a:ext uri="{28A0092B-C50C-407E-A947-70E740481C1C}">
+                <a14:useLocalDpi xmlns:a14="http://schemas.microsoft.com/office/drawing/2010/main" val="0"/>
+              </a:ext>
+            </a:extLst>
+          </a:blip>
+          <a:stretch>
+            <a:fillRect/>
+          </a:stretch>
+        </p:blipFill>
+        <p:spPr>
+          <a:xfrm>
+            <a:off x="585788" y="2000084"/>
+            <a:ext cx="5295060" cy="3390743"/>
+          </a:xfrm>
+          <a:prstGeom prst="rect">
+            <a:avLst/>
+          </a:prstGeom>
+        </p:spPr>
+      </p:pic>
+      <p:sp>
+        <p:nvSpPr>
+          <p:cNvPr id="7" name="내용 개체 틀 2">
+            <a:extLst>
+              <a:ext uri="{FF2B5EF4-FFF2-40B4-BE49-F238E27FC236}">
+                <a16:creationId xmlns:a16="http://schemas.microsoft.com/office/drawing/2014/main" id="{0E6F4B76-45BF-7ED1-B1AA-C189914B35D6}"/>
+              </a:ext>
+            </a:extLst>
+          </p:cNvPr>
+          <p:cNvSpPr txBox="1">
+            <a:spLocks/>
+          </p:cNvSpPr>
+          <p:nvPr/>
+        </p:nvSpPr>
+        <p:spPr>
+          <a:xfrm>
+            <a:off x="6096000" y="2000084"/>
+            <a:ext cx="3884614" cy="428156"/>
+          </a:xfrm>
+          <a:prstGeom prst="rect">
+            <a:avLst/>
+          </a:prstGeom>
+        </p:spPr>
+        <p:txBody>
+          <a:bodyPr vert="horz" lIns="91440" tIns="45720" rIns="91440" bIns="45720" rtlCol="0" anchor="ctr">
+            <a:normAutofit/>
+          </a:bodyPr>
+          <a:lstStyle>
+            <a:lvl1pPr marL="228600" indent="-228600" algn="l" defTabSz="914400" rtl="0" eaLnBrk="1" latinLnBrk="1" hangingPunct="1">
+              <a:lnSpc>
+                <a:spcPct val="120000"/>
+              </a:lnSpc>
+              <a:spcBef>
+                <a:spcPts val="1000"/>
+              </a:spcBef>
+              <a:buClr>
+                <a:schemeClr val="accent1">
+                  <a:lumMod val="60000"/>
+                  <a:lumOff val="40000"/>
+                </a:schemeClr>
+              </a:buClr>
+              <a:buSzPct val="160000"/>
+              <a:buFont typeface="Arial" panose="020B0604020202020204" pitchFamily="34" charset="0"/>
+              <a:buChar char="•"/>
+              <a:defRPr sz="2000" kern="1200" cap="all" baseline="0">
+                <a:solidFill>
+                  <a:schemeClr val="tx1"/>
+                </a:solidFill>
+                <a:effectLst/>
+                <a:latin typeface="+mn-lt"/>
+                <a:ea typeface="+mn-ea"/>
+                <a:cs typeface="+mn-cs"/>
+              </a:defRPr>
+            </a:lvl1pPr>
+            <a:lvl2pPr marL="685800" indent="-228600" algn="l" defTabSz="914400" rtl="0" eaLnBrk="1" latinLnBrk="1" hangingPunct="1">
+              <a:lnSpc>
+                <a:spcPct val="120000"/>
+              </a:lnSpc>
+              <a:spcBef>
+                <a:spcPts val="500"/>
+              </a:spcBef>
+              <a:buClr>
+                <a:schemeClr val="accent1">
+                  <a:lumMod val="60000"/>
+                  <a:lumOff val="40000"/>
+                </a:schemeClr>
+              </a:buClr>
+              <a:buSzPct val="160000"/>
+              <a:buFont typeface="Arial" panose="020B0604020202020204" pitchFamily="34" charset="0"/>
+              <a:buChar char="•"/>
+              <a:defRPr sz="1800" kern="1200" cap="all" baseline="0">
+                <a:solidFill>
+                  <a:schemeClr val="tx1"/>
+                </a:solidFill>
+                <a:effectLst/>
+                <a:latin typeface="+mn-lt"/>
+                <a:ea typeface="+mn-ea"/>
+                <a:cs typeface="+mn-cs"/>
+              </a:defRPr>
+            </a:lvl2pPr>
+            <a:lvl3pPr marL="1143000" indent="-228600" algn="l" defTabSz="914400" rtl="0" eaLnBrk="1" latinLnBrk="1" hangingPunct="1">
+              <a:lnSpc>
+                <a:spcPct val="120000"/>
+              </a:lnSpc>
+              <a:spcBef>
+                <a:spcPts val="500"/>
+              </a:spcBef>
+              <a:buClr>
+                <a:schemeClr val="accent1">
+                  <a:lumMod val="60000"/>
+                  <a:lumOff val="40000"/>
+                </a:schemeClr>
+              </a:buClr>
+              <a:buSzPct val="160000"/>
+              <a:buFont typeface="Arial" panose="020B0604020202020204" pitchFamily="34" charset="0"/>
+              <a:buChar char="•"/>
+              <a:defRPr sz="1600" kern="1200" cap="all" baseline="0">
+                <a:solidFill>
+                  <a:schemeClr val="tx1"/>
+                </a:solidFill>
+                <a:effectLst/>
+                <a:latin typeface="+mn-lt"/>
+                <a:ea typeface="+mn-ea"/>
+                <a:cs typeface="+mn-cs"/>
+              </a:defRPr>
+            </a:lvl3pPr>
+            <a:lvl4pPr marL="1600200" indent="-228600" algn="l" defTabSz="914400" rtl="0" eaLnBrk="1" latinLnBrk="1" hangingPunct="1">
+              <a:lnSpc>
+                <a:spcPct val="120000"/>
+              </a:lnSpc>
+              <a:spcBef>
+                <a:spcPts val="500"/>
+              </a:spcBef>
+              <a:buClr>
+                <a:schemeClr val="accent1">
+                  <a:lumMod val="60000"/>
+                  <a:lumOff val="40000"/>
+                </a:schemeClr>
+              </a:buClr>
+              <a:buSzPct val="160000"/>
+              <a:buFont typeface="Arial" panose="020B0604020202020204" pitchFamily="34" charset="0"/>
+              <a:buChar char="•"/>
+              <a:defRPr sz="1400" kern="1200" cap="all" baseline="0">
+                <a:solidFill>
+                  <a:schemeClr val="tx1"/>
+                </a:solidFill>
+                <a:effectLst/>
+                <a:latin typeface="+mn-lt"/>
+                <a:ea typeface="+mn-ea"/>
+                <a:cs typeface="+mn-cs"/>
+              </a:defRPr>
+            </a:lvl4pPr>
+            <a:lvl5pPr marL="2057400" indent="-228600" algn="l" defTabSz="914400" rtl="0" eaLnBrk="1" latinLnBrk="1" hangingPunct="1">
+              <a:lnSpc>
+                <a:spcPct val="120000"/>
+              </a:lnSpc>
+              <a:spcBef>
+                <a:spcPts val="500"/>
+              </a:spcBef>
+              <a:buClr>
+                <a:schemeClr val="accent1">
+                  <a:lumMod val="60000"/>
+                  <a:lumOff val="40000"/>
+                </a:schemeClr>
+              </a:buClr>
+              <a:buSzPct val="160000"/>
+              <a:buFont typeface="Arial" panose="020B0604020202020204" pitchFamily="34" charset="0"/>
+              <a:buChar char="•"/>
+              <a:defRPr sz="1400" kern="1200" cap="all" baseline="0">
+                <a:solidFill>
+                  <a:schemeClr val="tx1"/>
+                </a:solidFill>
+                <a:effectLst/>
+                <a:latin typeface="+mn-lt"/>
+                <a:ea typeface="+mn-ea"/>
+                <a:cs typeface="+mn-cs"/>
+              </a:defRPr>
+            </a:lvl5pPr>
+            <a:lvl6pPr marL="2514600" indent="-228600" algn="l" defTabSz="914400" rtl="0" eaLnBrk="1" latinLnBrk="1" hangingPunct="1">
+              <a:lnSpc>
+                <a:spcPct val="120000"/>
+              </a:lnSpc>
+              <a:spcBef>
+                <a:spcPts val="500"/>
+              </a:spcBef>
+              <a:buClr>
+                <a:schemeClr val="accent1">
+                  <a:lumMod val="60000"/>
+                  <a:lumOff val="40000"/>
+                </a:schemeClr>
+              </a:buClr>
+              <a:buSzPct val="160000"/>
+              <a:buFont typeface="Arial" panose="020B0604020202020204" pitchFamily="34" charset="0"/>
+              <a:buChar char="•"/>
+              <a:defRPr sz="1400" kern="1200" cap="all" baseline="0">
+                <a:solidFill>
+                  <a:schemeClr val="tx1"/>
+                </a:solidFill>
+                <a:effectLst/>
+                <a:latin typeface="+mn-lt"/>
+                <a:ea typeface="+mn-ea"/>
+                <a:cs typeface="+mn-cs"/>
+              </a:defRPr>
+            </a:lvl6pPr>
+            <a:lvl7pPr marL="2971800" indent="-228600" algn="l" defTabSz="914400" rtl="0" eaLnBrk="1" latinLnBrk="1" hangingPunct="1">
+              <a:lnSpc>
+                <a:spcPct val="120000"/>
+              </a:lnSpc>
+              <a:spcBef>
+                <a:spcPts val="500"/>
+              </a:spcBef>
+              <a:buClr>
+                <a:schemeClr val="accent1">
+                  <a:lumMod val="60000"/>
+                  <a:lumOff val="40000"/>
+                </a:schemeClr>
+              </a:buClr>
+              <a:buSzPct val="160000"/>
+              <a:buFont typeface="Arial" panose="020B0604020202020204" pitchFamily="34" charset="0"/>
+              <a:buChar char="•"/>
+              <a:defRPr sz="1400" kern="1200" cap="all" baseline="0">
+                <a:solidFill>
+                  <a:schemeClr val="tx1"/>
+                </a:solidFill>
+                <a:effectLst/>
+                <a:latin typeface="+mn-lt"/>
+                <a:ea typeface="+mn-ea"/>
+                <a:cs typeface="+mn-cs"/>
+              </a:defRPr>
+            </a:lvl7pPr>
+            <a:lvl8pPr marL="3429000" indent="-228600" algn="l" defTabSz="914400" rtl="0" eaLnBrk="1" latinLnBrk="1" hangingPunct="1">
+              <a:lnSpc>
+                <a:spcPct val="120000"/>
+              </a:lnSpc>
+              <a:spcBef>
+                <a:spcPts val="500"/>
+              </a:spcBef>
+              <a:buClr>
+                <a:schemeClr val="accent1">
+                  <a:lumMod val="60000"/>
+                  <a:lumOff val="40000"/>
+                </a:schemeClr>
+              </a:buClr>
+              <a:buSzPct val="160000"/>
+              <a:buFont typeface="Arial" panose="020B0604020202020204" pitchFamily="34" charset="0"/>
+              <a:buChar char="•"/>
+              <a:defRPr sz="1400" kern="1200" cap="all" baseline="0">
+                <a:solidFill>
+                  <a:schemeClr val="tx1"/>
+                </a:solidFill>
+                <a:effectLst/>
+                <a:latin typeface="+mn-lt"/>
+                <a:ea typeface="+mn-ea"/>
+                <a:cs typeface="+mn-cs"/>
+              </a:defRPr>
+            </a:lvl8pPr>
+            <a:lvl9pPr marL="3886200" indent="-228600" algn="l" defTabSz="914400" rtl="0" eaLnBrk="1" latinLnBrk="1" hangingPunct="1">
+              <a:lnSpc>
+                <a:spcPct val="120000"/>
+              </a:lnSpc>
+              <a:spcBef>
+                <a:spcPts val="500"/>
+              </a:spcBef>
+              <a:buClr>
+                <a:schemeClr val="accent1">
+                  <a:lumMod val="60000"/>
+                  <a:lumOff val="40000"/>
+                </a:schemeClr>
+              </a:buClr>
+              <a:buSzPct val="160000"/>
+              <a:buFont typeface="Arial" panose="020B0604020202020204" pitchFamily="34" charset="0"/>
+              <a:buChar char="•"/>
+              <a:defRPr sz="1400" kern="1200" cap="all" baseline="0">
+                <a:solidFill>
+                  <a:schemeClr val="tx1"/>
+                </a:solidFill>
+                <a:effectLst/>
+                <a:latin typeface="+mn-lt"/>
+                <a:ea typeface="+mn-ea"/>
+                <a:cs typeface="+mn-cs"/>
+              </a:defRPr>
+            </a:lvl9pPr>
+          </a:lstStyle>
+          <a:p>
+            <a:pPr marL="0" indent="0">
+              <a:buNone/>
+            </a:pPr>
+            <a:r>
+              <a:rPr lang="ko-KR" altLang="en-US" sz="1800" dirty="0">
+                <a:latin typeface="Segoe UI" panose="020B0502040204020203" pitchFamily="34" charset="0"/>
+              </a:rPr>
+              <a:t>메인 화면 </a:t>
+            </a:r>
+            <a:r>
+              <a:rPr lang="en-US" altLang="ko-KR" sz="1800" dirty="0">
+                <a:latin typeface="Segoe UI" panose="020B0502040204020203" pitchFamily="34" charset="0"/>
+              </a:rPr>
+              <a:t>/ </a:t>
+            </a:r>
+            <a:r>
+              <a:rPr lang="ko-KR" altLang="en-US" sz="1800" dirty="0">
+                <a:latin typeface="Segoe UI" panose="020B0502040204020203" pitchFamily="34" charset="0"/>
+              </a:rPr>
+              <a:t>작전 구역 선택 </a:t>
+            </a:r>
+            <a:r>
+              <a:rPr lang="en-US" altLang="ko-KR" sz="1800" dirty="0">
+                <a:latin typeface="Segoe UI" panose="020B0502040204020203" pitchFamily="34" charset="0"/>
+              </a:rPr>
+              <a:t>/ </a:t>
+            </a:r>
+            <a:r>
+              <a:rPr lang="ko-KR" altLang="en-US" sz="1800" dirty="0" err="1">
+                <a:latin typeface="Segoe UI" panose="020B0502040204020203" pitchFamily="34" charset="0"/>
+              </a:rPr>
+              <a:t>작전실</a:t>
+            </a:r>
+            <a:endParaRPr lang="en-US" altLang="ko-KR" sz="1800" dirty="0">
+              <a:latin typeface="Segoe UI" panose="020B0502040204020203" pitchFamily="34" charset="0"/>
+            </a:endParaRPr>
+          </a:p>
+        </p:txBody>
+      </p:sp>
+      <p:sp>
+        <p:nvSpPr>
+          <p:cNvPr id="9" name="내용 개체 틀 2">
+            <a:extLst>
+              <a:ext uri="{FF2B5EF4-FFF2-40B4-BE49-F238E27FC236}">
+                <a16:creationId xmlns:a16="http://schemas.microsoft.com/office/drawing/2014/main" id="{08D04798-975A-5FBB-A755-513BB0747A49}"/>
+              </a:ext>
+            </a:extLst>
+          </p:cNvPr>
+          <p:cNvSpPr txBox="1">
+            <a:spLocks/>
+          </p:cNvSpPr>
+          <p:nvPr/>
+        </p:nvSpPr>
+        <p:spPr>
+          <a:xfrm>
+            <a:off x="6096000" y="2428240"/>
+            <a:ext cx="3884614" cy="2041205"/>
+          </a:xfrm>
+          <a:prstGeom prst="rect">
+            <a:avLst/>
+          </a:prstGeom>
+        </p:spPr>
+        <p:txBody>
+          <a:bodyPr vert="horz" lIns="91440" tIns="45720" rIns="91440" bIns="45720" rtlCol="0" anchor="ctr">
+            <a:normAutofit/>
+          </a:bodyPr>
+          <a:lstStyle>
+            <a:lvl1pPr marL="228600" indent="-228600" algn="l" defTabSz="914400" rtl="0" eaLnBrk="1" latinLnBrk="1" hangingPunct="1">
+              <a:lnSpc>
+                <a:spcPct val="120000"/>
+              </a:lnSpc>
+              <a:spcBef>
+                <a:spcPts val="1000"/>
+              </a:spcBef>
+              <a:buClr>
+                <a:schemeClr val="accent1">
+                  <a:lumMod val="60000"/>
+                  <a:lumOff val="40000"/>
+                </a:schemeClr>
+              </a:buClr>
+              <a:buSzPct val="160000"/>
+              <a:buFont typeface="Arial" panose="020B0604020202020204" pitchFamily="34" charset="0"/>
+              <a:buChar char="•"/>
+              <a:defRPr sz="2000" kern="1200" cap="all" baseline="0">
+                <a:solidFill>
+                  <a:schemeClr val="tx1"/>
+                </a:solidFill>
+                <a:effectLst/>
+                <a:latin typeface="+mn-lt"/>
+                <a:ea typeface="+mn-ea"/>
+                <a:cs typeface="+mn-cs"/>
+              </a:defRPr>
+            </a:lvl1pPr>
+            <a:lvl2pPr marL="685800" indent="-228600" algn="l" defTabSz="914400" rtl="0" eaLnBrk="1" latinLnBrk="1" hangingPunct="1">
+              <a:lnSpc>
+                <a:spcPct val="120000"/>
+              </a:lnSpc>
+              <a:spcBef>
+                <a:spcPts val="500"/>
+              </a:spcBef>
+              <a:buClr>
+                <a:schemeClr val="accent1">
+                  <a:lumMod val="60000"/>
+                  <a:lumOff val="40000"/>
+                </a:schemeClr>
+              </a:buClr>
+              <a:buSzPct val="160000"/>
+              <a:buFont typeface="Arial" panose="020B0604020202020204" pitchFamily="34" charset="0"/>
+              <a:buChar char="•"/>
+              <a:defRPr sz="1800" kern="1200" cap="all" baseline="0">
+                <a:solidFill>
+                  <a:schemeClr val="tx1"/>
+                </a:solidFill>
+                <a:effectLst/>
+                <a:latin typeface="+mn-lt"/>
+                <a:ea typeface="+mn-ea"/>
+                <a:cs typeface="+mn-cs"/>
+              </a:defRPr>
+            </a:lvl2pPr>
+            <a:lvl3pPr marL="1143000" indent="-228600" algn="l" defTabSz="914400" rtl="0" eaLnBrk="1" latinLnBrk="1" hangingPunct="1">
+              <a:lnSpc>
+                <a:spcPct val="120000"/>
+              </a:lnSpc>
+              <a:spcBef>
+                <a:spcPts val="500"/>
+              </a:spcBef>
+              <a:buClr>
+                <a:schemeClr val="accent1">
+                  <a:lumMod val="60000"/>
+                  <a:lumOff val="40000"/>
+                </a:schemeClr>
+              </a:buClr>
+              <a:buSzPct val="160000"/>
+              <a:buFont typeface="Arial" panose="020B0604020202020204" pitchFamily="34" charset="0"/>
+              <a:buChar char="•"/>
+              <a:defRPr sz="1600" kern="1200" cap="all" baseline="0">
+                <a:solidFill>
+                  <a:schemeClr val="tx1"/>
+                </a:solidFill>
+                <a:effectLst/>
+                <a:latin typeface="+mn-lt"/>
+                <a:ea typeface="+mn-ea"/>
+                <a:cs typeface="+mn-cs"/>
+              </a:defRPr>
+            </a:lvl3pPr>
+            <a:lvl4pPr marL="1600200" indent="-228600" algn="l" defTabSz="914400" rtl="0" eaLnBrk="1" latinLnBrk="1" hangingPunct="1">
+              <a:lnSpc>
+                <a:spcPct val="120000"/>
+              </a:lnSpc>
+              <a:spcBef>
+                <a:spcPts val="500"/>
+              </a:spcBef>
+              <a:buClr>
+                <a:schemeClr val="accent1">
+                  <a:lumMod val="60000"/>
+                  <a:lumOff val="40000"/>
+                </a:schemeClr>
+              </a:buClr>
+              <a:buSzPct val="160000"/>
+              <a:buFont typeface="Arial" panose="020B0604020202020204" pitchFamily="34" charset="0"/>
+              <a:buChar char="•"/>
+              <a:defRPr sz="1400" kern="1200" cap="all" baseline="0">
+                <a:solidFill>
+                  <a:schemeClr val="tx1"/>
+                </a:solidFill>
+                <a:effectLst/>
+                <a:latin typeface="+mn-lt"/>
+                <a:ea typeface="+mn-ea"/>
+                <a:cs typeface="+mn-cs"/>
+              </a:defRPr>
+            </a:lvl4pPr>
+            <a:lvl5pPr marL="2057400" indent="-228600" algn="l" defTabSz="914400" rtl="0" eaLnBrk="1" latinLnBrk="1" hangingPunct="1">
+              <a:lnSpc>
+                <a:spcPct val="120000"/>
+              </a:lnSpc>
+              <a:spcBef>
+                <a:spcPts val="500"/>
+              </a:spcBef>
+              <a:buClr>
+                <a:schemeClr val="accent1">
+                  <a:lumMod val="60000"/>
+                  <a:lumOff val="40000"/>
+                </a:schemeClr>
+              </a:buClr>
+              <a:buSzPct val="160000"/>
+              <a:buFont typeface="Arial" panose="020B0604020202020204" pitchFamily="34" charset="0"/>
+              <a:buChar char="•"/>
+              <a:defRPr sz="1400" kern="1200" cap="all" baseline="0">
+                <a:solidFill>
+                  <a:schemeClr val="tx1"/>
+                </a:solidFill>
+                <a:effectLst/>
+                <a:latin typeface="+mn-lt"/>
+                <a:ea typeface="+mn-ea"/>
+                <a:cs typeface="+mn-cs"/>
+              </a:defRPr>
+            </a:lvl5pPr>
+            <a:lvl6pPr marL="2514600" indent="-228600" algn="l" defTabSz="914400" rtl="0" eaLnBrk="1" latinLnBrk="1" hangingPunct="1">
+              <a:lnSpc>
+                <a:spcPct val="120000"/>
+              </a:lnSpc>
+              <a:spcBef>
+                <a:spcPts val="500"/>
+              </a:spcBef>
+              <a:buClr>
+                <a:schemeClr val="accent1">
+                  <a:lumMod val="60000"/>
+                  <a:lumOff val="40000"/>
+                </a:schemeClr>
+              </a:buClr>
+              <a:buSzPct val="160000"/>
+              <a:buFont typeface="Arial" panose="020B0604020202020204" pitchFamily="34" charset="0"/>
+              <a:buChar char="•"/>
+              <a:defRPr sz="1400" kern="1200" cap="all" baseline="0">
+                <a:solidFill>
+                  <a:schemeClr val="tx1"/>
+                </a:solidFill>
+                <a:effectLst/>
+                <a:latin typeface="+mn-lt"/>
+                <a:ea typeface="+mn-ea"/>
+                <a:cs typeface="+mn-cs"/>
+              </a:defRPr>
+            </a:lvl6pPr>
+            <a:lvl7pPr marL="2971800" indent="-228600" algn="l" defTabSz="914400" rtl="0" eaLnBrk="1" latinLnBrk="1" hangingPunct="1">
+              <a:lnSpc>
+                <a:spcPct val="120000"/>
+              </a:lnSpc>
+              <a:spcBef>
+                <a:spcPts val="500"/>
+              </a:spcBef>
+              <a:buClr>
+                <a:schemeClr val="accent1">
+                  <a:lumMod val="60000"/>
+                  <a:lumOff val="40000"/>
+                </a:schemeClr>
+              </a:buClr>
+              <a:buSzPct val="160000"/>
+              <a:buFont typeface="Arial" panose="020B0604020202020204" pitchFamily="34" charset="0"/>
+              <a:buChar char="•"/>
+              <a:defRPr sz="1400" kern="1200" cap="all" baseline="0">
+                <a:solidFill>
+                  <a:schemeClr val="tx1"/>
+                </a:solidFill>
+                <a:effectLst/>
+                <a:latin typeface="+mn-lt"/>
+                <a:ea typeface="+mn-ea"/>
+                <a:cs typeface="+mn-cs"/>
+              </a:defRPr>
+            </a:lvl7pPr>
+            <a:lvl8pPr marL="3429000" indent="-228600" algn="l" defTabSz="914400" rtl="0" eaLnBrk="1" latinLnBrk="1" hangingPunct="1">
+              <a:lnSpc>
+                <a:spcPct val="120000"/>
+              </a:lnSpc>
+              <a:spcBef>
+                <a:spcPts val="500"/>
+              </a:spcBef>
+              <a:buClr>
+                <a:schemeClr val="accent1">
+                  <a:lumMod val="60000"/>
+                  <a:lumOff val="40000"/>
+                </a:schemeClr>
+              </a:buClr>
+              <a:buSzPct val="160000"/>
+              <a:buFont typeface="Arial" panose="020B0604020202020204" pitchFamily="34" charset="0"/>
+              <a:buChar char="•"/>
+              <a:defRPr sz="1400" kern="1200" cap="all" baseline="0">
+                <a:solidFill>
+                  <a:schemeClr val="tx1"/>
+                </a:solidFill>
+                <a:effectLst/>
+                <a:latin typeface="+mn-lt"/>
+                <a:ea typeface="+mn-ea"/>
+                <a:cs typeface="+mn-cs"/>
+              </a:defRPr>
+            </a:lvl8pPr>
+            <a:lvl9pPr marL="3886200" indent="-228600" algn="l" defTabSz="914400" rtl="0" eaLnBrk="1" latinLnBrk="1" hangingPunct="1">
+              <a:lnSpc>
+                <a:spcPct val="120000"/>
+              </a:lnSpc>
+              <a:spcBef>
+                <a:spcPts val="500"/>
+              </a:spcBef>
+              <a:buClr>
+                <a:schemeClr val="accent1">
+                  <a:lumMod val="60000"/>
+                  <a:lumOff val="40000"/>
+                </a:schemeClr>
+              </a:buClr>
+              <a:buSzPct val="160000"/>
+              <a:buFont typeface="Arial" panose="020B0604020202020204" pitchFamily="34" charset="0"/>
+              <a:buChar char="•"/>
+              <a:defRPr sz="1400" kern="1200" cap="all" baseline="0">
+                <a:solidFill>
+                  <a:schemeClr val="tx1"/>
+                </a:solidFill>
+                <a:effectLst/>
+                <a:latin typeface="+mn-lt"/>
+                <a:ea typeface="+mn-ea"/>
+                <a:cs typeface="+mn-cs"/>
+              </a:defRPr>
+            </a:lvl9pPr>
+          </a:lstStyle>
+          <a:p>
+            <a:pPr marL="0" indent="0">
+              <a:buNone/>
+            </a:pPr>
+            <a:r>
+              <a:rPr lang="ko-KR" altLang="en-US" sz="1800" dirty="0">
+                <a:latin typeface="Segoe UI" panose="020B0502040204020203" pitchFamily="34" charset="0"/>
+              </a:rPr>
+              <a:t>★ 메인 화면 </a:t>
+            </a:r>
+            <a:r>
+              <a:rPr lang="en-US" altLang="ko-KR" sz="1800" dirty="0">
+                <a:latin typeface="Segoe UI" panose="020B0502040204020203" pitchFamily="34" charset="0"/>
+              </a:rPr>
+              <a:t>: </a:t>
+            </a:r>
+            <a:r>
+              <a:rPr lang="ko-KR" altLang="en-US" sz="1800" dirty="0">
+                <a:latin typeface="Segoe UI" panose="020B0502040204020203" pitchFamily="34" charset="0"/>
+              </a:rPr>
+              <a:t>앱 </a:t>
+            </a:r>
+            <a:r>
+              <a:rPr lang="ko-KR" altLang="en-US" sz="1800" dirty="0" err="1">
+                <a:latin typeface="Segoe UI" panose="020B0502040204020203" pitchFamily="34" charset="0"/>
+              </a:rPr>
+              <a:t>시작시</a:t>
+            </a:r>
+            <a:r>
+              <a:rPr lang="ko-KR" altLang="en-US" sz="1800" dirty="0">
+                <a:latin typeface="Segoe UI" panose="020B0502040204020203" pitchFamily="34" charset="0"/>
+              </a:rPr>
+              <a:t> 화면</a:t>
+            </a:r>
+            <a:endParaRPr lang="en-US" altLang="ko-KR" sz="1800" dirty="0">
+              <a:latin typeface="Segoe UI" panose="020B0502040204020203" pitchFamily="34" charset="0"/>
+            </a:endParaRPr>
+          </a:p>
+          <a:p>
+            <a:pPr marL="0" indent="0">
+              <a:buNone/>
+            </a:pPr>
+            <a:r>
+              <a:rPr lang="ko-KR" altLang="en-US" sz="1800" dirty="0">
+                <a:latin typeface="Segoe UI" panose="020B0502040204020203" pitchFamily="34" charset="0"/>
+              </a:rPr>
+              <a:t>★ 작전 구역 선택 </a:t>
+            </a:r>
+            <a:r>
+              <a:rPr lang="en-US" altLang="ko-KR" sz="1800" dirty="0">
+                <a:latin typeface="Segoe UI" panose="020B0502040204020203" pitchFamily="34" charset="0"/>
+              </a:rPr>
+              <a:t>: </a:t>
+            </a:r>
+            <a:r>
+              <a:rPr lang="ko-KR" altLang="en-US" sz="1800" dirty="0">
+                <a:latin typeface="Segoe UI" panose="020B0502040204020203" pitchFamily="34" charset="0"/>
+              </a:rPr>
+              <a:t>스테이지 선택</a:t>
+            </a:r>
+            <a:endParaRPr lang="en-US" altLang="ko-KR" sz="1800" dirty="0">
+              <a:latin typeface="Segoe UI" panose="020B0502040204020203" pitchFamily="34" charset="0"/>
+            </a:endParaRPr>
+          </a:p>
+          <a:p>
+            <a:pPr marL="0" indent="0">
+              <a:buNone/>
+            </a:pPr>
+            <a:r>
+              <a:rPr lang="ko-KR" altLang="en-US" sz="1800" dirty="0">
+                <a:latin typeface="Segoe UI" panose="020B0502040204020203" pitchFamily="34" charset="0"/>
+              </a:rPr>
+              <a:t>★ </a:t>
+            </a:r>
+            <a:r>
+              <a:rPr lang="ko-KR" altLang="en-US" sz="1800" dirty="0" err="1">
+                <a:latin typeface="Segoe UI" panose="020B0502040204020203" pitchFamily="34" charset="0"/>
+              </a:rPr>
+              <a:t>작전실</a:t>
+            </a:r>
+            <a:r>
+              <a:rPr lang="ko-KR" altLang="en-US" sz="1800" dirty="0">
+                <a:latin typeface="Segoe UI" panose="020B0502040204020203" pitchFamily="34" charset="0"/>
+              </a:rPr>
+              <a:t> </a:t>
+            </a:r>
+            <a:r>
+              <a:rPr lang="en-US" altLang="ko-KR" sz="1800" dirty="0">
+                <a:latin typeface="Segoe UI" panose="020B0502040204020203" pitchFamily="34" charset="0"/>
+              </a:rPr>
+              <a:t>: </a:t>
+            </a:r>
+            <a:r>
+              <a:rPr lang="ko-KR" altLang="en-US" sz="1800" dirty="0">
+                <a:latin typeface="Segoe UI" panose="020B0502040204020203" pitchFamily="34" charset="0"/>
+              </a:rPr>
+              <a:t>강화 메뉴</a:t>
+            </a:r>
+            <a:endParaRPr lang="en-US" altLang="ko-KR" sz="1800" dirty="0">
+              <a:latin typeface="Segoe UI" panose="020B0502040204020203" pitchFamily="34" charset="0"/>
+            </a:endParaRPr>
+          </a:p>
+          <a:p>
+            <a:pPr marL="0" indent="0">
+              <a:buNone/>
+            </a:pPr>
+            <a:r>
+              <a:rPr lang="en-US" altLang="ko-KR" sz="1800" dirty="0">
+                <a:latin typeface="Segoe UI" panose="020B0502040204020203" pitchFamily="34" charset="0"/>
+              </a:rPr>
+              <a:t>(</a:t>
+            </a:r>
+            <a:r>
+              <a:rPr lang="ko-KR" altLang="en-US" sz="1800" dirty="0">
+                <a:latin typeface="Segoe UI" panose="020B0502040204020203" pitchFamily="34" charset="0"/>
+              </a:rPr>
+              <a:t>각 화면에서 다른 화면으로 이동</a:t>
+            </a:r>
+            <a:r>
+              <a:rPr lang="en-US" altLang="ko-KR" sz="1800" dirty="0">
+                <a:latin typeface="Segoe UI" panose="020B0502040204020203" pitchFamily="34" charset="0"/>
+              </a:rPr>
+              <a:t>)</a:t>
+            </a:r>
+          </a:p>
+        </p:txBody>
+      </p:sp>
+    </p:spTree>
+    <p:extLst>
+      <p:ext uri="{BB962C8B-B14F-4D97-AF65-F5344CB8AC3E}">
+        <p14:creationId xmlns:p14="http://schemas.microsoft.com/office/powerpoint/2010/main" val="132771445"/>
+      </p:ext>
+    </p:extLst>
+  </p:cSld>
+  <p:clrMapOvr>
+    <a:masterClrMapping/>
+  </p:clrMapOvr>
+</p:sld>
+</file>
+
+<file path=ppt/slides/slide9.xml><?xml version="1.0" encoding="utf-8"?>
+<p:sld xmlns:a="http://schemas.openxmlformats.org/drawingml/2006/main" xmlns:r="http://schemas.openxmlformats.org/officeDocument/2006/relationships" xmlns:p="http://schemas.openxmlformats.org/presentationml/2006/main">
+  <p:cSld>
+    <p:spTree>
+      <p:nvGrpSpPr>
+        <p:cNvPr id="1" name=""/>
+        <p:cNvGrpSpPr/>
+        <p:nvPr/>
+      </p:nvGrpSpPr>
+      <p:grpSpPr>
+        <a:xfrm>
+          <a:off x="0" y="0"/>
+          <a:ext cx="0" cy="0"/>
+          <a:chOff x="0" y="0"/>
+          <a:chExt cx="0" cy="0"/>
+        </a:xfrm>
+      </p:grpSpPr>
+      <p:sp>
+        <p:nvSpPr>
+          <p:cNvPr id="2" name="제목 1">
+            <a:extLst>
+              <a:ext uri="{FF2B5EF4-FFF2-40B4-BE49-F238E27FC236}">
+                <a16:creationId xmlns:a16="http://schemas.microsoft.com/office/drawing/2014/main" id="{1F0B7645-88D9-0667-37CE-DC8E738F363E}"/>
+              </a:ext>
+            </a:extLst>
+          </p:cNvPr>
+          <p:cNvSpPr>
+            <a:spLocks noGrp="1"/>
+          </p:cNvSpPr>
+          <p:nvPr>
+            <p:ph type="title"/>
+          </p:nvPr>
+        </p:nvSpPr>
+        <p:spPr/>
+        <p:txBody>
+          <a:bodyPr/>
+          <a:lstStyle/>
+          <a:p>
+            <a:r>
+              <a:rPr lang="ko-KR" altLang="en-US" dirty="0">
+                <a:latin typeface="+mn-ea"/>
+                <a:ea typeface="+mn-ea"/>
+              </a:rPr>
+              <a:t>게임 흐름</a:t>
+            </a:r>
+            <a:endParaRPr lang="ko-KR" altLang="en-US" sz="3600" dirty="0">
+              <a:latin typeface="+mn-ea"/>
+              <a:ea typeface="+mn-ea"/>
+            </a:endParaRPr>
+          </a:p>
+        </p:txBody>
+      </p:sp>
+      <p:sp>
+        <p:nvSpPr>
+          <p:cNvPr id="8" name="직사각형 7">
+            <a:extLst>
+              <a:ext uri="{FF2B5EF4-FFF2-40B4-BE49-F238E27FC236}">
+                <a16:creationId xmlns:a16="http://schemas.microsoft.com/office/drawing/2014/main" id="{9AA6F2B8-B1CD-4339-09DE-C4EAFE21215F}"/>
+              </a:ext>
+            </a:extLst>
+          </p:cNvPr>
+          <p:cNvSpPr/>
+          <p:nvPr/>
+        </p:nvSpPr>
+        <p:spPr>
+          <a:xfrm>
+            <a:off x="600635" y="685800"/>
+            <a:ext cx="10482048" cy="1089212"/>
+          </a:xfrm>
+          <a:prstGeom prst="rect">
+            <a:avLst/>
+          </a:prstGeom>
+          <a:noFill/>
+          <a:ln w="38100">
+            <a:gradFill>
+              <a:gsLst>
+                <a:gs pos="0">
+                  <a:srgbClr val="C00000"/>
+                </a:gs>
+                <a:gs pos="100000">
+                  <a:srgbClr val="7030A0"/>
+                </a:gs>
+              </a:gsLst>
+              <a:lin ang="2700000" scaled="0"/>
+            </a:gradFill>
+          </a:ln>
+        </p:spPr>
+        <p:style>
+          <a:lnRef idx="2">
+            <a:schemeClr val="accent1">
+              <a:shade val="15000"/>
+            </a:schemeClr>
+          </a:lnRef>
+          <a:fillRef idx="1">
+            <a:schemeClr val="accent1"/>
+          </a:fillRef>
+          <a:effectRef idx="0">
+            <a:schemeClr val="accent1"/>
+          </a:effectRef>
+          <a:fontRef idx="minor">
+            <a:schemeClr val="lt1"/>
+          </a:fontRef>
+        </p:style>
+        <p:txBody>
+          <a:bodyPr rtlCol="0" anchor="ctr"/>
+          <a:lstStyle/>
+          <a:p>
+            <a:pPr algn="ctr"/>
+            <a:endParaRPr lang="ko-KR" altLang="en-US"/>
+          </a:p>
+        </p:txBody>
+      </p:sp>
+      <p:sp>
+        <p:nvSpPr>
+          <p:cNvPr id="3" name="내용 개체 틀 2">
+            <a:extLst>
+              <a:ext uri="{FF2B5EF4-FFF2-40B4-BE49-F238E27FC236}">
+                <a16:creationId xmlns:a16="http://schemas.microsoft.com/office/drawing/2014/main" id="{CFF37324-455A-3F4A-CF6E-E94FC2439C25}"/>
+              </a:ext>
+            </a:extLst>
+          </p:cNvPr>
+          <p:cNvSpPr txBox="1">
+            <a:spLocks/>
+          </p:cNvSpPr>
+          <p:nvPr/>
+        </p:nvSpPr>
+        <p:spPr>
+          <a:xfrm>
+            <a:off x="-1" y="0"/>
+            <a:ext cx="1171576" cy="460728"/>
+          </a:xfrm>
+          <a:prstGeom prst="rect">
+            <a:avLst/>
+          </a:prstGeom>
+        </p:spPr>
+        <p:txBody>
+          <a:bodyPr vert="horz" lIns="91440" tIns="45720" rIns="91440" bIns="45720" rtlCol="0" anchor="ctr">
+            <a:normAutofit/>
+          </a:bodyPr>
+          <a:lstStyle>
+            <a:lvl1pPr marL="228600" indent="-228600" algn="l" defTabSz="914400" rtl="0" eaLnBrk="1" latinLnBrk="1" hangingPunct="1">
+              <a:lnSpc>
+                <a:spcPct val="120000"/>
+              </a:lnSpc>
+              <a:spcBef>
+                <a:spcPts val="1000"/>
+              </a:spcBef>
+              <a:buClr>
+                <a:schemeClr val="accent1">
+                  <a:lumMod val="60000"/>
+                  <a:lumOff val="40000"/>
+                </a:schemeClr>
+              </a:buClr>
+              <a:buSzPct val="160000"/>
+              <a:buFont typeface="Arial" panose="020B0604020202020204" pitchFamily="34" charset="0"/>
+              <a:buChar char="•"/>
+              <a:defRPr sz="2000" kern="1200" cap="all" baseline="0">
+                <a:solidFill>
+                  <a:schemeClr val="tx1"/>
+                </a:solidFill>
+                <a:effectLst/>
+                <a:latin typeface="+mn-lt"/>
+                <a:ea typeface="+mn-ea"/>
+                <a:cs typeface="+mn-cs"/>
+              </a:defRPr>
+            </a:lvl1pPr>
+            <a:lvl2pPr marL="685800" indent="-228600" algn="l" defTabSz="914400" rtl="0" eaLnBrk="1" latinLnBrk="1" hangingPunct="1">
+              <a:lnSpc>
+                <a:spcPct val="120000"/>
+              </a:lnSpc>
+              <a:spcBef>
+                <a:spcPts val="500"/>
+              </a:spcBef>
+              <a:buClr>
+                <a:schemeClr val="accent1">
+                  <a:lumMod val="60000"/>
+                  <a:lumOff val="40000"/>
+                </a:schemeClr>
+              </a:buClr>
+              <a:buSzPct val="160000"/>
+              <a:buFont typeface="Arial" panose="020B0604020202020204" pitchFamily="34" charset="0"/>
+              <a:buChar char="•"/>
+              <a:defRPr sz="1800" kern="1200" cap="all" baseline="0">
+                <a:solidFill>
+                  <a:schemeClr val="tx1"/>
+                </a:solidFill>
+                <a:effectLst/>
+                <a:latin typeface="+mn-lt"/>
+                <a:ea typeface="+mn-ea"/>
+                <a:cs typeface="+mn-cs"/>
+              </a:defRPr>
+            </a:lvl2pPr>
+            <a:lvl3pPr marL="1143000" indent="-228600" algn="l" defTabSz="914400" rtl="0" eaLnBrk="1" latinLnBrk="1" hangingPunct="1">
+              <a:lnSpc>
+                <a:spcPct val="120000"/>
+              </a:lnSpc>
+              <a:spcBef>
+                <a:spcPts val="500"/>
+              </a:spcBef>
+              <a:buClr>
+                <a:schemeClr val="accent1">
+                  <a:lumMod val="60000"/>
+                  <a:lumOff val="40000"/>
+                </a:schemeClr>
+              </a:buClr>
+              <a:buSzPct val="160000"/>
+              <a:buFont typeface="Arial" panose="020B0604020202020204" pitchFamily="34" charset="0"/>
+              <a:buChar char="•"/>
+              <a:defRPr sz="1600" kern="1200" cap="all" baseline="0">
+                <a:solidFill>
+                  <a:schemeClr val="tx1"/>
+                </a:solidFill>
+                <a:effectLst/>
+                <a:latin typeface="+mn-lt"/>
+                <a:ea typeface="+mn-ea"/>
+                <a:cs typeface="+mn-cs"/>
+              </a:defRPr>
+            </a:lvl3pPr>
+            <a:lvl4pPr marL="1600200" indent="-228600" algn="l" defTabSz="914400" rtl="0" eaLnBrk="1" latinLnBrk="1" hangingPunct="1">
+              <a:lnSpc>
+                <a:spcPct val="120000"/>
+              </a:lnSpc>
+              <a:spcBef>
+                <a:spcPts val="500"/>
+              </a:spcBef>
+              <a:buClr>
+                <a:schemeClr val="accent1">
+                  <a:lumMod val="60000"/>
+                  <a:lumOff val="40000"/>
+                </a:schemeClr>
+              </a:buClr>
+              <a:buSzPct val="160000"/>
+              <a:buFont typeface="Arial" panose="020B0604020202020204" pitchFamily="34" charset="0"/>
+              <a:buChar char="•"/>
+              <a:defRPr sz="1400" kern="1200" cap="all" baseline="0">
+                <a:solidFill>
+                  <a:schemeClr val="tx1"/>
+                </a:solidFill>
+                <a:effectLst/>
+                <a:latin typeface="+mn-lt"/>
+                <a:ea typeface="+mn-ea"/>
+                <a:cs typeface="+mn-cs"/>
+              </a:defRPr>
+            </a:lvl4pPr>
+            <a:lvl5pPr marL="2057400" indent="-228600" algn="l" defTabSz="914400" rtl="0" eaLnBrk="1" latinLnBrk="1" hangingPunct="1">
+              <a:lnSpc>
+                <a:spcPct val="120000"/>
+              </a:lnSpc>
+              <a:spcBef>
+                <a:spcPts val="500"/>
+              </a:spcBef>
+              <a:buClr>
+                <a:schemeClr val="accent1">
+                  <a:lumMod val="60000"/>
+                  <a:lumOff val="40000"/>
+                </a:schemeClr>
+              </a:buClr>
+              <a:buSzPct val="160000"/>
+              <a:buFont typeface="Arial" panose="020B0604020202020204" pitchFamily="34" charset="0"/>
+              <a:buChar char="•"/>
+              <a:defRPr sz="1400" kern="1200" cap="all" baseline="0">
+                <a:solidFill>
+                  <a:schemeClr val="tx1"/>
+                </a:solidFill>
+                <a:effectLst/>
+                <a:latin typeface="+mn-lt"/>
+                <a:ea typeface="+mn-ea"/>
+                <a:cs typeface="+mn-cs"/>
+              </a:defRPr>
+            </a:lvl5pPr>
+            <a:lvl6pPr marL="2514600" indent="-228600" algn="l" defTabSz="914400" rtl="0" eaLnBrk="1" latinLnBrk="1" hangingPunct="1">
+              <a:lnSpc>
+                <a:spcPct val="120000"/>
+              </a:lnSpc>
+              <a:spcBef>
+                <a:spcPts val="500"/>
+              </a:spcBef>
+              <a:buClr>
+                <a:schemeClr val="accent1">
+                  <a:lumMod val="60000"/>
+                  <a:lumOff val="40000"/>
+                </a:schemeClr>
+              </a:buClr>
+              <a:buSzPct val="160000"/>
+              <a:buFont typeface="Arial" panose="020B0604020202020204" pitchFamily="34" charset="0"/>
+              <a:buChar char="•"/>
+              <a:defRPr sz="1400" kern="1200" cap="all" baseline="0">
+                <a:solidFill>
+                  <a:schemeClr val="tx1"/>
+                </a:solidFill>
+                <a:effectLst/>
+                <a:latin typeface="+mn-lt"/>
+                <a:ea typeface="+mn-ea"/>
+                <a:cs typeface="+mn-cs"/>
+              </a:defRPr>
+            </a:lvl6pPr>
+            <a:lvl7pPr marL="2971800" indent="-228600" algn="l" defTabSz="914400" rtl="0" eaLnBrk="1" latinLnBrk="1" hangingPunct="1">
+              <a:lnSpc>
+                <a:spcPct val="120000"/>
+              </a:lnSpc>
+              <a:spcBef>
+                <a:spcPts val="500"/>
+              </a:spcBef>
+              <a:buClr>
+                <a:schemeClr val="accent1">
+                  <a:lumMod val="60000"/>
+                  <a:lumOff val="40000"/>
+                </a:schemeClr>
+              </a:buClr>
+              <a:buSzPct val="160000"/>
+              <a:buFont typeface="Arial" panose="020B0604020202020204" pitchFamily="34" charset="0"/>
+              <a:buChar char="•"/>
+              <a:defRPr sz="1400" kern="1200" cap="all" baseline="0">
+                <a:solidFill>
+                  <a:schemeClr val="tx1"/>
+                </a:solidFill>
+                <a:effectLst/>
+                <a:latin typeface="+mn-lt"/>
+                <a:ea typeface="+mn-ea"/>
+                <a:cs typeface="+mn-cs"/>
+              </a:defRPr>
+            </a:lvl7pPr>
+            <a:lvl8pPr marL="3429000" indent="-228600" algn="l" defTabSz="914400" rtl="0" eaLnBrk="1" latinLnBrk="1" hangingPunct="1">
+              <a:lnSpc>
+                <a:spcPct val="120000"/>
+              </a:lnSpc>
+              <a:spcBef>
+                <a:spcPts val="500"/>
+              </a:spcBef>
+              <a:buClr>
+                <a:schemeClr val="accent1">
+                  <a:lumMod val="60000"/>
+                  <a:lumOff val="40000"/>
+                </a:schemeClr>
+              </a:buClr>
+              <a:buSzPct val="160000"/>
+              <a:buFont typeface="Arial" panose="020B0604020202020204" pitchFamily="34" charset="0"/>
+              <a:buChar char="•"/>
+              <a:defRPr sz="1400" kern="1200" cap="all" baseline="0">
+                <a:solidFill>
+                  <a:schemeClr val="tx1"/>
+                </a:solidFill>
+                <a:effectLst/>
+                <a:latin typeface="+mn-lt"/>
+                <a:ea typeface="+mn-ea"/>
+                <a:cs typeface="+mn-cs"/>
+              </a:defRPr>
+            </a:lvl8pPr>
+            <a:lvl9pPr marL="3886200" indent="-228600" algn="l" defTabSz="914400" rtl="0" eaLnBrk="1" latinLnBrk="1" hangingPunct="1">
+              <a:lnSpc>
+                <a:spcPct val="120000"/>
+              </a:lnSpc>
+              <a:spcBef>
+                <a:spcPts val="500"/>
+              </a:spcBef>
+              <a:buClr>
+                <a:schemeClr val="accent1">
+                  <a:lumMod val="60000"/>
+                  <a:lumOff val="40000"/>
+                </a:schemeClr>
+              </a:buClr>
+              <a:buSzPct val="160000"/>
+              <a:buFont typeface="Arial" panose="020B0604020202020204" pitchFamily="34" charset="0"/>
+              <a:buChar char="•"/>
+              <a:defRPr sz="1400" kern="1200" cap="all" baseline="0">
+                <a:solidFill>
+                  <a:schemeClr val="tx1"/>
+                </a:solidFill>
+                <a:effectLst/>
+                <a:latin typeface="+mn-lt"/>
+                <a:ea typeface="+mn-ea"/>
+                <a:cs typeface="+mn-cs"/>
+              </a:defRPr>
+            </a:lvl9pPr>
+          </a:lstStyle>
+          <a:p>
+            <a:pPr marL="0" indent="0" algn="l">
+              <a:buNone/>
+            </a:pPr>
+            <a:r>
+              <a:rPr lang="en-US" altLang="ko-KR" b="1" i="0" dirty="0">
+                <a:solidFill>
+                  <a:srgbClr val="7030A0"/>
+                </a:solidFill>
+                <a:effectLst/>
+                <a:latin typeface="+mn-ea"/>
+              </a:rPr>
+              <a:t>08</a:t>
+            </a:r>
+            <a:r>
+              <a:rPr lang="en-US" altLang="ko-KR" b="1" i="0" dirty="0">
+                <a:solidFill>
+                  <a:srgbClr val="1E1E1E"/>
+                </a:solidFill>
+                <a:effectLst/>
+                <a:latin typeface="+mn-ea"/>
+              </a:rPr>
+              <a:t> / </a:t>
+            </a:r>
+            <a:r>
+              <a:rPr lang="en-US" altLang="ko-KR" b="1" i="0" dirty="0">
+                <a:solidFill>
+                  <a:srgbClr val="C00000"/>
+                </a:solidFill>
+                <a:effectLst/>
+                <a:latin typeface="+mn-ea"/>
+              </a:rPr>
+              <a:t>???</a:t>
+            </a:r>
+          </a:p>
+        </p:txBody>
+      </p:sp>
+      <p:sp>
+        <p:nvSpPr>
+          <p:cNvPr id="7" name="내용 개체 틀 2">
+            <a:extLst>
+              <a:ext uri="{FF2B5EF4-FFF2-40B4-BE49-F238E27FC236}">
+                <a16:creationId xmlns:a16="http://schemas.microsoft.com/office/drawing/2014/main" id="{4FC9954A-64F3-017E-56F1-A363915E9B26}"/>
+              </a:ext>
+            </a:extLst>
+          </p:cNvPr>
+          <p:cNvSpPr txBox="1">
+            <a:spLocks/>
+          </p:cNvSpPr>
+          <p:nvPr/>
+        </p:nvSpPr>
+        <p:spPr>
+          <a:xfrm>
+            <a:off x="577491" y="1941092"/>
+            <a:ext cx="10505192" cy="3511493"/>
+          </a:xfrm>
+          <a:prstGeom prst="rect">
+            <a:avLst/>
+          </a:prstGeom>
+        </p:spPr>
+        <p:txBody>
+          <a:bodyPr vert="horz" lIns="91440" tIns="45720" rIns="91440" bIns="45720" rtlCol="0" anchor="ctr">
+            <a:normAutofit fontScale="92500"/>
+          </a:bodyPr>
+          <a:lstStyle>
+            <a:lvl1pPr marL="228600" indent="-228600" algn="l" defTabSz="914400" rtl="0" eaLnBrk="1" latinLnBrk="1" hangingPunct="1">
+              <a:lnSpc>
+                <a:spcPct val="120000"/>
+              </a:lnSpc>
+              <a:spcBef>
+                <a:spcPts val="1000"/>
+              </a:spcBef>
+              <a:buClr>
+                <a:schemeClr val="accent1">
+                  <a:lumMod val="60000"/>
+                  <a:lumOff val="40000"/>
+                </a:schemeClr>
+              </a:buClr>
+              <a:buSzPct val="160000"/>
+              <a:buFont typeface="Arial" panose="020B0604020202020204" pitchFamily="34" charset="0"/>
+              <a:buChar char="•"/>
+              <a:defRPr sz="2000" kern="1200" cap="all" baseline="0">
+                <a:solidFill>
+                  <a:schemeClr val="tx1"/>
+                </a:solidFill>
+                <a:effectLst/>
+                <a:latin typeface="+mn-lt"/>
+                <a:ea typeface="+mn-ea"/>
+                <a:cs typeface="+mn-cs"/>
+              </a:defRPr>
+            </a:lvl1pPr>
+            <a:lvl2pPr marL="685800" indent="-228600" algn="l" defTabSz="914400" rtl="0" eaLnBrk="1" latinLnBrk="1" hangingPunct="1">
+              <a:lnSpc>
+                <a:spcPct val="120000"/>
+              </a:lnSpc>
+              <a:spcBef>
+                <a:spcPts val="500"/>
+              </a:spcBef>
+              <a:buClr>
+                <a:schemeClr val="accent1">
+                  <a:lumMod val="60000"/>
+                  <a:lumOff val="40000"/>
+                </a:schemeClr>
+              </a:buClr>
+              <a:buSzPct val="160000"/>
+              <a:buFont typeface="Arial" panose="020B0604020202020204" pitchFamily="34" charset="0"/>
+              <a:buChar char="•"/>
+              <a:defRPr sz="1800" kern="1200" cap="all" baseline="0">
+                <a:solidFill>
+                  <a:schemeClr val="tx1"/>
+                </a:solidFill>
+                <a:effectLst/>
+                <a:latin typeface="+mn-lt"/>
+                <a:ea typeface="+mn-ea"/>
+                <a:cs typeface="+mn-cs"/>
+              </a:defRPr>
+            </a:lvl2pPr>
+            <a:lvl3pPr marL="1143000" indent="-228600" algn="l" defTabSz="914400" rtl="0" eaLnBrk="1" latinLnBrk="1" hangingPunct="1">
+              <a:lnSpc>
+                <a:spcPct val="120000"/>
+              </a:lnSpc>
+              <a:spcBef>
+                <a:spcPts val="500"/>
+              </a:spcBef>
+              <a:buClr>
+                <a:schemeClr val="accent1">
+                  <a:lumMod val="60000"/>
+                  <a:lumOff val="40000"/>
+                </a:schemeClr>
+              </a:buClr>
+              <a:buSzPct val="160000"/>
+              <a:buFont typeface="Arial" panose="020B0604020202020204" pitchFamily="34" charset="0"/>
+              <a:buChar char="•"/>
+              <a:defRPr sz="1600" kern="1200" cap="all" baseline="0">
+                <a:solidFill>
+                  <a:schemeClr val="tx1"/>
+                </a:solidFill>
+                <a:effectLst/>
+                <a:latin typeface="+mn-lt"/>
+                <a:ea typeface="+mn-ea"/>
+                <a:cs typeface="+mn-cs"/>
+              </a:defRPr>
+            </a:lvl3pPr>
+            <a:lvl4pPr marL="1600200" indent="-228600" algn="l" defTabSz="914400" rtl="0" eaLnBrk="1" latinLnBrk="1" hangingPunct="1">
+              <a:lnSpc>
+                <a:spcPct val="120000"/>
+              </a:lnSpc>
+              <a:spcBef>
+                <a:spcPts val="500"/>
+              </a:spcBef>
+              <a:buClr>
+                <a:schemeClr val="accent1">
+                  <a:lumMod val="60000"/>
+                  <a:lumOff val="40000"/>
+                </a:schemeClr>
+              </a:buClr>
+              <a:buSzPct val="160000"/>
+              <a:buFont typeface="Arial" panose="020B0604020202020204" pitchFamily="34" charset="0"/>
+              <a:buChar char="•"/>
+              <a:defRPr sz="1400" kern="1200" cap="all" baseline="0">
+                <a:solidFill>
+                  <a:schemeClr val="tx1"/>
+                </a:solidFill>
+                <a:effectLst/>
+                <a:latin typeface="+mn-lt"/>
+                <a:ea typeface="+mn-ea"/>
+                <a:cs typeface="+mn-cs"/>
+              </a:defRPr>
+            </a:lvl4pPr>
+            <a:lvl5pPr marL="2057400" indent="-228600" algn="l" defTabSz="914400" rtl="0" eaLnBrk="1" latinLnBrk="1" hangingPunct="1">
+              <a:lnSpc>
+                <a:spcPct val="120000"/>
+              </a:lnSpc>
+              <a:spcBef>
+                <a:spcPts val="500"/>
+              </a:spcBef>
+              <a:buClr>
+                <a:schemeClr val="accent1">
+                  <a:lumMod val="60000"/>
+                  <a:lumOff val="40000"/>
+                </a:schemeClr>
+              </a:buClr>
+              <a:buSzPct val="160000"/>
+              <a:buFont typeface="Arial" panose="020B0604020202020204" pitchFamily="34" charset="0"/>
+              <a:buChar char="•"/>
+              <a:defRPr sz="1400" kern="1200" cap="all" baseline="0">
+                <a:solidFill>
+                  <a:schemeClr val="tx1"/>
+                </a:solidFill>
+                <a:effectLst/>
+                <a:latin typeface="+mn-lt"/>
+                <a:ea typeface="+mn-ea"/>
+                <a:cs typeface="+mn-cs"/>
+              </a:defRPr>
+            </a:lvl5pPr>
+            <a:lvl6pPr marL="2514600" indent="-228600" algn="l" defTabSz="914400" rtl="0" eaLnBrk="1" latinLnBrk="1" hangingPunct="1">
+              <a:lnSpc>
+                <a:spcPct val="120000"/>
+              </a:lnSpc>
+              <a:spcBef>
+                <a:spcPts val="500"/>
+              </a:spcBef>
+              <a:buClr>
+                <a:schemeClr val="accent1">
+                  <a:lumMod val="60000"/>
+                  <a:lumOff val="40000"/>
+                </a:schemeClr>
+              </a:buClr>
+              <a:buSzPct val="160000"/>
+              <a:buFont typeface="Arial" panose="020B0604020202020204" pitchFamily="34" charset="0"/>
+              <a:buChar char="•"/>
+              <a:defRPr sz="1400" kern="1200" cap="all" baseline="0">
+                <a:solidFill>
+                  <a:schemeClr val="tx1"/>
+                </a:solidFill>
+                <a:effectLst/>
+                <a:latin typeface="+mn-lt"/>
+                <a:ea typeface="+mn-ea"/>
+                <a:cs typeface="+mn-cs"/>
+              </a:defRPr>
+            </a:lvl6pPr>
+            <a:lvl7pPr marL="2971800" indent="-228600" algn="l" defTabSz="914400" rtl="0" eaLnBrk="1" latinLnBrk="1" hangingPunct="1">
+              <a:lnSpc>
+                <a:spcPct val="120000"/>
+              </a:lnSpc>
+              <a:spcBef>
+                <a:spcPts val="500"/>
+              </a:spcBef>
+              <a:buClr>
+                <a:schemeClr val="accent1">
+                  <a:lumMod val="60000"/>
+                  <a:lumOff val="40000"/>
+                </a:schemeClr>
+              </a:buClr>
+              <a:buSzPct val="160000"/>
+              <a:buFont typeface="Arial" panose="020B0604020202020204" pitchFamily="34" charset="0"/>
+              <a:buChar char="•"/>
+              <a:defRPr sz="1400" kern="1200" cap="all" baseline="0">
+                <a:solidFill>
+                  <a:schemeClr val="tx1"/>
+                </a:solidFill>
+                <a:effectLst/>
+                <a:latin typeface="+mn-lt"/>
+                <a:ea typeface="+mn-ea"/>
+                <a:cs typeface="+mn-cs"/>
+              </a:defRPr>
+            </a:lvl7pPr>
+            <a:lvl8pPr marL="3429000" indent="-228600" algn="l" defTabSz="914400" rtl="0" eaLnBrk="1" latinLnBrk="1" hangingPunct="1">
+              <a:lnSpc>
+                <a:spcPct val="120000"/>
+              </a:lnSpc>
+              <a:spcBef>
+                <a:spcPts val="500"/>
+              </a:spcBef>
+              <a:buClr>
+                <a:schemeClr val="accent1">
+                  <a:lumMod val="60000"/>
+                  <a:lumOff val="40000"/>
+                </a:schemeClr>
+              </a:buClr>
+              <a:buSzPct val="160000"/>
+              <a:buFont typeface="Arial" panose="020B0604020202020204" pitchFamily="34" charset="0"/>
+              <a:buChar char="•"/>
+              <a:defRPr sz="1400" kern="1200" cap="all" baseline="0">
+                <a:solidFill>
+                  <a:schemeClr val="tx1"/>
+                </a:solidFill>
+                <a:effectLst/>
+                <a:latin typeface="+mn-lt"/>
+                <a:ea typeface="+mn-ea"/>
+                <a:cs typeface="+mn-cs"/>
+              </a:defRPr>
+            </a:lvl8pPr>
+            <a:lvl9pPr marL="3886200" indent="-228600" algn="l" defTabSz="914400" rtl="0" eaLnBrk="1" latinLnBrk="1" hangingPunct="1">
+              <a:lnSpc>
+                <a:spcPct val="120000"/>
+              </a:lnSpc>
+              <a:spcBef>
+                <a:spcPts val="500"/>
+              </a:spcBef>
+              <a:buClr>
+                <a:schemeClr val="accent1">
+                  <a:lumMod val="60000"/>
+                  <a:lumOff val="40000"/>
+                </a:schemeClr>
+              </a:buClr>
+              <a:buSzPct val="160000"/>
+              <a:buFont typeface="Arial" panose="020B0604020202020204" pitchFamily="34" charset="0"/>
+              <a:buChar char="•"/>
+              <a:defRPr sz="1400" kern="1200" cap="all" baseline="0">
+                <a:solidFill>
+                  <a:schemeClr val="tx1"/>
+                </a:solidFill>
+                <a:effectLst/>
+                <a:latin typeface="+mn-lt"/>
+                <a:ea typeface="+mn-ea"/>
+                <a:cs typeface="+mn-cs"/>
+              </a:defRPr>
+            </a:lvl9pPr>
+          </a:lstStyle>
+          <a:p>
+            <a:pPr marL="0" indent="0">
+              <a:buNone/>
+            </a:pPr>
+            <a:r>
+              <a:rPr lang="ko-KR" altLang="en-US" sz="1800" b="1" dirty="0">
+                <a:latin typeface="+mn-ea"/>
+              </a:rPr>
+              <a:t>게임 실행 화면</a:t>
+            </a:r>
+          </a:p>
+          <a:p>
+            <a:r>
+              <a:rPr lang="en-US" altLang="ko-KR" sz="1800" dirty="0">
+                <a:latin typeface="+mn-ea"/>
+              </a:rPr>
+              <a:t>[</a:t>
+            </a:r>
+            <a:r>
+              <a:rPr lang="ko-KR" altLang="en-US" sz="1800" b="1" dirty="0">
+                <a:latin typeface="+mn-ea"/>
+              </a:rPr>
+              <a:t>작전 중단</a:t>
+            </a:r>
+            <a:r>
+              <a:rPr lang="en-US" altLang="ko-KR" sz="1800" dirty="0">
+                <a:latin typeface="+mn-ea"/>
+              </a:rPr>
+              <a:t>] : </a:t>
+            </a:r>
+            <a:r>
+              <a:rPr lang="ko-KR" altLang="en-US" sz="1800" dirty="0">
+                <a:latin typeface="+mn-ea"/>
+              </a:rPr>
+              <a:t>확인 메시지를 띄운다</a:t>
+            </a:r>
+            <a:r>
+              <a:rPr lang="en-US" altLang="ko-KR" sz="1800" dirty="0">
+                <a:latin typeface="+mn-ea"/>
+              </a:rPr>
+              <a:t>. [</a:t>
+            </a:r>
+            <a:r>
+              <a:rPr lang="ko-KR" altLang="en-US" sz="1800" b="1" dirty="0">
+                <a:latin typeface="+mn-ea"/>
+              </a:rPr>
+              <a:t>확인</a:t>
+            </a:r>
+            <a:r>
+              <a:rPr lang="en-US" altLang="ko-KR" sz="1800" dirty="0">
+                <a:latin typeface="+mn-ea"/>
+              </a:rPr>
+              <a:t>]</a:t>
+            </a:r>
+            <a:r>
+              <a:rPr lang="ko-KR" altLang="en-US" sz="1800" dirty="0">
+                <a:latin typeface="+mn-ea"/>
+              </a:rPr>
+              <a:t>을 선택하면 </a:t>
+            </a:r>
+            <a:r>
+              <a:rPr lang="ko-KR" altLang="en-US" sz="1800" b="1" dirty="0">
+                <a:latin typeface="+mn-ea"/>
+              </a:rPr>
+              <a:t>보상을 얻을 수 없</a:t>
+            </a:r>
+            <a:r>
+              <a:rPr lang="ko-KR" altLang="en-US" sz="1800" dirty="0">
+                <a:latin typeface="+mn-ea"/>
+              </a:rPr>
+              <a:t>으며 </a:t>
+            </a:r>
+            <a:r>
+              <a:rPr lang="en-US" altLang="ko-KR" sz="1800" b="1" dirty="0">
+                <a:latin typeface="+mn-ea"/>
+              </a:rPr>
+              <a:t>[</a:t>
+            </a:r>
+            <a:r>
+              <a:rPr lang="ko-KR" altLang="en-US" sz="1800" b="1" dirty="0">
+                <a:latin typeface="+mn-ea"/>
+              </a:rPr>
+              <a:t>작전 구역 선택</a:t>
+            </a:r>
+            <a:r>
+              <a:rPr lang="en-US" altLang="ko-KR" sz="1800" b="1" dirty="0">
+                <a:latin typeface="+mn-ea"/>
+              </a:rPr>
+              <a:t>] </a:t>
+            </a:r>
+            <a:r>
+              <a:rPr lang="ko-KR" altLang="en-US" sz="1800" b="1" dirty="0">
+                <a:latin typeface="+mn-ea"/>
+              </a:rPr>
+              <a:t>화면으로 이동</a:t>
+            </a:r>
+            <a:r>
+              <a:rPr lang="ko-KR" altLang="en-US" sz="1800" dirty="0">
+                <a:latin typeface="+mn-ea"/>
+              </a:rPr>
+              <a:t>한다</a:t>
+            </a:r>
+            <a:r>
+              <a:rPr lang="en-US" altLang="ko-KR" sz="1800" dirty="0">
+                <a:latin typeface="+mn-ea"/>
+              </a:rPr>
+              <a:t>.</a:t>
+            </a:r>
+          </a:p>
+          <a:p>
+            <a:r>
+              <a:rPr lang="ko-KR" altLang="en-US" sz="1800" b="1" dirty="0">
+                <a:latin typeface="+mn-ea"/>
+              </a:rPr>
+              <a:t>실시간</a:t>
+            </a:r>
+            <a:r>
+              <a:rPr lang="ko-KR" altLang="en-US" sz="1800" dirty="0">
+                <a:latin typeface="+mn-ea"/>
+              </a:rPr>
+              <a:t>으로 진행되며 </a:t>
+            </a:r>
+            <a:r>
+              <a:rPr lang="en-US" altLang="ko-KR" sz="1800" dirty="0">
+                <a:latin typeface="+mn-ea"/>
+              </a:rPr>
+              <a:t>[</a:t>
+            </a:r>
+            <a:r>
+              <a:rPr lang="ko-KR" altLang="en-US" sz="1800" dirty="0">
+                <a:latin typeface="+mn-ea"/>
+              </a:rPr>
+              <a:t>적</a:t>
+            </a:r>
+            <a:r>
+              <a:rPr lang="en-US" altLang="ko-KR" sz="1800" dirty="0">
+                <a:latin typeface="+mn-ea"/>
+              </a:rPr>
+              <a:t>]</a:t>
+            </a:r>
+            <a:r>
+              <a:rPr lang="ko-KR" altLang="en-US" sz="1800" dirty="0">
+                <a:latin typeface="+mn-ea"/>
+              </a:rPr>
+              <a:t>은 </a:t>
+            </a:r>
+            <a:r>
+              <a:rPr lang="ko-KR" altLang="en-US" sz="1800" b="1" dirty="0">
+                <a:latin typeface="+mn-ea"/>
+              </a:rPr>
+              <a:t>대기 시간에 다음 동작 예고</a:t>
+            </a:r>
+            <a:r>
+              <a:rPr lang="ko-KR" altLang="en-US" sz="1800" dirty="0">
+                <a:latin typeface="+mn-ea"/>
+              </a:rPr>
+              <a:t>를 띄운다</a:t>
+            </a:r>
+            <a:r>
+              <a:rPr lang="en-US" altLang="ko-KR" sz="1800" dirty="0">
+                <a:latin typeface="+mn-ea"/>
+              </a:rPr>
+              <a:t>. [</a:t>
+            </a:r>
+            <a:r>
+              <a:rPr lang="ko-KR" altLang="en-US" sz="1800" dirty="0">
+                <a:latin typeface="+mn-ea"/>
+              </a:rPr>
+              <a:t>플레이어</a:t>
+            </a:r>
+            <a:r>
+              <a:rPr lang="en-US" altLang="ko-KR" sz="1800" dirty="0">
+                <a:latin typeface="+mn-ea"/>
+              </a:rPr>
+              <a:t>]</a:t>
+            </a:r>
+            <a:r>
+              <a:rPr lang="ko-KR" altLang="en-US" sz="1800" dirty="0">
+                <a:latin typeface="+mn-ea"/>
+              </a:rPr>
+              <a:t>는 </a:t>
+            </a:r>
+            <a:r>
+              <a:rPr lang="en-US" altLang="ko-KR" sz="1800" dirty="0">
+                <a:latin typeface="+mn-ea"/>
+              </a:rPr>
+              <a:t>[</a:t>
+            </a:r>
+            <a:r>
+              <a:rPr lang="ko-KR" altLang="en-US" sz="1800" dirty="0">
+                <a:latin typeface="+mn-ea"/>
+              </a:rPr>
+              <a:t>적</a:t>
+            </a:r>
+            <a:r>
+              <a:rPr lang="en-US" altLang="ko-KR" sz="1800" dirty="0">
+                <a:latin typeface="+mn-ea"/>
+              </a:rPr>
+              <a:t>] </a:t>
+            </a:r>
+            <a:r>
+              <a:rPr lang="ko-KR" altLang="en-US" sz="1800" b="1" dirty="0">
+                <a:latin typeface="+mn-ea"/>
+              </a:rPr>
+              <a:t>동작 예고에 맞춰 </a:t>
+            </a:r>
+            <a:r>
+              <a:rPr lang="ko-KR" altLang="en-US" sz="1800" dirty="0">
+                <a:latin typeface="+mn-ea"/>
+              </a:rPr>
+              <a:t>양쪽의 </a:t>
+            </a:r>
+            <a:r>
+              <a:rPr lang="en-US" altLang="ko-KR" sz="1800" dirty="0">
+                <a:latin typeface="+mn-ea"/>
+              </a:rPr>
+              <a:t>[</a:t>
+            </a:r>
+            <a:r>
+              <a:rPr lang="ko-KR" altLang="en-US" sz="1800" b="1" dirty="0">
+                <a:latin typeface="+mn-ea"/>
+              </a:rPr>
+              <a:t>공격</a:t>
+            </a:r>
+            <a:r>
+              <a:rPr lang="en-US" altLang="ko-KR" sz="1800" dirty="0">
+                <a:latin typeface="+mn-ea"/>
+              </a:rPr>
+              <a:t>]</a:t>
+            </a:r>
+            <a:r>
+              <a:rPr lang="ko-KR" altLang="en-US" sz="1800" dirty="0">
+                <a:latin typeface="+mn-ea"/>
+              </a:rPr>
+              <a:t>과 </a:t>
+            </a:r>
+            <a:r>
+              <a:rPr lang="en-US" altLang="ko-KR" sz="1800" dirty="0">
+                <a:latin typeface="+mn-ea"/>
+              </a:rPr>
+              <a:t>[</a:t>
+            </a:r>
+            <a:r>
+              <a:rPr lang="ko-KR" altLang="en-US" sz="1800" b="1" dirty="0">
+                <a:latin typeface="+mn-ea"/>
+              </a:rPr>
+              <a:t>방어</a:t>
+            </a:r>
+            <a:r>
+              <a:rPr lang="en-US" altLang="ko-KR" sz="1800" dirty="0">
+                <a:latin typeface="+mn-ea"/>
+              </a:rPr>
+              <a:t>] </a:t>
+            </a:r>
+            <a:r>
+              <a:rPr lang="ko-KR" altLang="en-US" sz="1800" dirty="0">
+                <a:latin typeface="+mn-ea"/>
+              </a:rPr>
+              <a:t>중 </a:t>
+            </a:r>
+            <a:r>
+              <a:rPr lang="ko-KR" altLang="en-US" sz="1800" b="1" dirty="0">
+                <a:latin typeface="+mn-ea"/>
+              </a:rPr>
+              <a:t>적절한 동작을 선택</a:t>
+            </a:r>
+            <a:r>
+              <a:rPr lang="ko-KR" altLang="en-US" sz="1800" dirty="0">
+                <a:latin typeface="+mn-ea"/>
+              </a:rPr>
+              <a:t>한다</a:t>
+            </a:r>
+            <a:r>
+              <a:rPr lang="en-US" altLang="ko-KR" sz="1800" dirty="0">
+                <a:latin typeface="+mn-ea"/>
+              </a:rPr>
+              <a:t>.</a:t>
+            </a:r>
+          </a:p>
+          <a:p>
+            <a:r>
+              <a:rPr lang="en-US" altLang="ko-KR" sz="1800" dirty="0">
+                <a:latin typeface="+mn-ea"/>
+              </a:rPr>
+              <a:t>[</a:t>
+            </a:r>
+            <a:r>
+              <a:rPr lang="ko-KR" altLang="en-US" sz="1800" b="1" dirty="0">
+                <a:latin typeface="+mn-ea"/>
+              </a:rPr>
+              <a:t>플레이어</a:t>
+            </a:r>
+            <a:r>
+              <a:rPr lang="en-US" altLang="ko-KR" sz="1800" dirty="0">
+                <a:latin typeface="+mn-ea"/>
+              </a:rPr>
+              <a:t>]</a:t>
+            </a:r>
+            <a:r>
+              <a:rPr lang="ko-KR" altLang="en-US" sz="1800" dirty="0">
+                <a:latin typeface="+mn-ea"/>
+              </a:rPr>
+              <a:t>의 남은 </a:t>
+            </a:r>
+            <a:r>
+              <a:rPr lang="ko-KR" altLang="en-US" sz="1800" b="1" dirty="0" err="1">
+                <a:latin typeface="+mn-ea"/>
+              </a:rPr>
+              <a:t>분저치가</a:t>
+            </a:r>
+            <a:r>
+              <a:rPr lang="ko-KR" altLang="en-US" sz="1800" b="1" dirty="0">
+                <a:latin typeface="+mn-ea"/>
+              </a:rPr>
+              <a:t> </a:t>
+            </a:r>
+            <a:r>
+              <a:rPr lang="en-US" altLang="ko-KR" sz="1800" b="1" dirty="0">
+                <a:latin typeface="+mn-ea"/>
+              </a:rPr>
+              <a:t>0 </a:t>
+            </a:r>
+            <a:r>
+              <a:rPr lang="ko-KR" altLang="en-US" sz="1800" b="1" dirty="0">
+                <a:latin typeface="+mn-ea"/>
+              </a:rPr>
+              <a:t>이하</a:t>
+            </a:r>
+            <a:r>
+              <a:rPr lang="ko-KR" altLang="en-US" sz="1800" dirty="0">
+                <a:latin typeface="+mn-ea"/>
+              </a:rPr>
+              <a:t>가 되면 </a:t>
+            </a:r>
+            <a:r>
+              <a:rPr lang="en-US" altLang="ko-KR" sz="1800" dirty="0">
+                <a:latin typeface="+mn-ea"/>
+              </a:rPr>
+              <a:t>[</a:t>
+            </a:r>
+            <a:r>
+              <a:rPr lang="ko-KR" altLang="en-US" sz="1800" b="1" dirty="0">
+                <a:latin typeface="+mn-ea"/>
+              </a:rPr>
+              <a:t>퇴각</a:t>
+            </a:r>
+            <a:r>
+              <a:rPr lang="en-US" altLang="ko-KR" sz="1800" dirty="0">
+                <a:latin typeface="+mn-ea"/>
+              </a:rPr>
+              <a:t>] </a:t>
+            </a:r>
+            <a:r>
+              <a:rPr lang="ko-KR" altLang="en-US" sz="1800" dirty="0">
+                <a:latin typeface="+mn-ea"/>
+              </a:rPr>
+              <a:t>창을 띄우고 </a:t>
+            </a:r>
+            <a:r>
+              <a:rPr lang="ko-KR" altLang="en-US" sz="1800" b="1" dirty="0" err="1">
+                <a:latin typeface="+mn-ea"/>
+              </a:rPr>
+              <a:t>확인시</a:t>
+            </a:r>
+            <a:r>
+              <a:rPr lang="ko-KR" altLang="en-US" sz="1800" b="1" dirty="0">
+                <a:latin typeface="+mn-ea"/>
+              </a:rPr>
+              <a:t> </a:t>
+            </a:r>
+            <a:r>
+              <a:rPr lang="en-US" altLang="ko-KR" sz="1800" b="1" dirty="0">
+                <a:latin typeface="+mn-ea"/>
+              </a:rPr>
+              <a:t>[</a:t>
+            </a:r>
+            <a:r>
+              <a:rPr lang="ko-KR" altLang="en-US" sz="1800" b="1" dirty="0">
+                <a:latin typeface="+mn-ea"/>
+              </a:rPr>
+              <a:t>작전 구역 선택</a:t>
+            </a:r>
+            <a:r>
+              <a:rPr lang="en-US" altLang="ko-KR" sz="1800" b="1" dirty="0">
+                <a:latin typeface="+mn-ea"/>
+              </a:rPr>
+              <a:t>]</a:t>
+            </a:r>
+            <a:r>
+              <a:rPr lang="ko-KR" altLang="en-US" sz="1800" b="1" dirty="0">
+                <a:latin typeface="+mn-ea"/>
+              </a:rPr>
+              <a:t>으로 이동</a:t>
+            </a:r>
+            <a:r>
+              <a:rPr lang="ko-KR" altLang="en-US" sz="1800" dirty="0">
+                <a:latin typeface="+mn-ea"/>
+              </a:rPr>
+              <a:t>한다</a:t>
+            </a:r>
+            <a:r>
+              <a:rPr lang="en-US" altLang="ko-KR" sz="1800" dirty="0">
+                <a:latin typeface="+mn-ea"/>
+              </a:rPr>
+              <a:t>.</a:t>
+            </a:r>
+            <a:endParaRPr lang="ko-KR" altLang="en-US" sz="1800" dirty="0">
+              <a:latin typeface="+mn-ea"/>
+            </a:endParaRPr>
+          </a:p>
+          <a:p>
+            <a:r>
+              <a:rPr lang="en-US" altLang="ko-KR" sz="1800" dirty="0">
+                <a:latin typeface="+mn-ea"/>
+              </a:rPr>
+              <a:t>[</a:t>
+            </a:r>
+            <a:r>
+              <a:rPr lang="ko-KR" altLang="en-US" sz="1800" b="1" dirty="0">
+                <a:latin typeface="+mn-ea"/>
+              </a:rPr>
+              <a:t>적</a:t>
+            </a:r>
+            <a:r>
+              <a:rPr lang="en-US" altLang="ko-KR" sz="1800" dirty="0">
+                <a:latin typeface="+mn-ea"/>
+              </a:rPr>
+              <a:t>]</a:t>
+            </a:r>
+            <a:r>
+              <a:rPr lang="ko-KR" altLang="en-US" sz="1800" dirty="0">
+                <a:latin typeface="+mn-ea"/>
+              </a:rPr>
+              <a:t>의 남은 </a:t>
+            </a:r>
+            <a:r>
+              <a:rPr lang="ko-KR" altLang="en-US" sz="1800" b="1" dirty="0">
+                <a:latin typeface="+mn-ea"/>
+              </a:rPr>
+              <a:t>체력이 </a:t>
+            </a:r>
+            <a:r>
+              <a:rPr lang="en-US" altLang="ko-KR" sz="1800" b="1" dirty="0">
+                <a:latin typeface="+mn-ea"/>
+              </a:rPr>
+              <a:t>0 </a:t>
+            </a:r>
+            <a:r>
+              <a:rPr lang="ko-KR" altLang="en-US" sz="1800" b="1" dirty="0">
+                <a:latin typeface="+mn-ea"/>
+              </a:rPr>
+              <a:t>이하</a:t>
+            </a:r>
+            <a:r>
+              <a:rPr lang="ko-KR" altLang="en-US" sz="1800" dirty="0">
+                <a:latin typeface="+mn-ea"/>
+              </a:rPr>
+              <a:t>가 되면 </a:t>
+            </a:r>
+            <a:r>
+              <a:rPr lang="ko-KR" altLang="en-US" sz="1800" b="1" dirty="0">
+                <a:latin typeface="+mn-ea"/>
+              </a:rPr>
+              <a:t>다음 </a:t>
+            </a:r>
+            <a:r>
+              <a:rPr lang="en-US" altLang="ko-KR" sz="1800" b="1" dirty="0">
+                <a:latin typeface="+mn-ea"/>
+              </a:rPr>
+              <a:t>[</a:t>
+            </a:r>
+            <a:r>
+              <a:rPr lang="ko-KR" altLang="en-US" sz="1800" b="1" dirty="0">
+                <a:latin typeface="+mn-ea"/>
+              </a:rPr>
+              <a:t>적</a:t>
+            </a:r>
+            <a:r>
+              <a:rPr lang="en-US" altLang="ko-KR" sz="1800" b="1" dirty="0">
+                <a:latin typeface="+mn-ea"/>
+              </a:rPr>
+              <a:t>]</a:t>
+            </a:r>
+            <a:r>
+              <a:rPr lang="ko-KR" altLang="en-US" sz="1800" dirty="0">
+                <a:latin typeface="+mn-ea"/>
+              </a:rPr>
+              <a:t>이 등장한다</a:t>
+            </a:r>
+            <a:r>
+              <a:rPr lang="en-US" altLang="ko-KR" sz="1800" dirty="0">
+                <a:latin typeface="+mn-ea"/>
+              </a:rPr>
+              <a:t>. </a:t>
+            </a:r>
+            <a:r>
+              <a:rPr lang="ko-KR" altLang="en-US" sz="1800" dirty="0">
+                <a:latin typeface="+mn-ea"/>
+              </a:rPr>
+              <a:t>또는 </a:t>
+            </a:r>
+            <a:r>
+              <a:rPr lang="ko-KR" altLang="en-US" sz="1800" b="1" dirty="0">
+                <a:latin typeface="+mn-ea"/>
+              </a:rPr>
+              <a:t>해당 작전 구역의 모든 </a:t>
+            </a:r>
+            <a:r>
+              <a:rPr lang="en-US" altLang="ko-KR" sz="1800" b="1" dirty="0">
+                <a:latin typeface="+mn-ea"/>
+              </a:rPr>
+              <a:t>[</a:t>
+            </a:r>
+            <a:r>
+              <a:rPr lang="ko-KR" altLang="en-US" sz="1800" b="1" dirty="0">
+                <a:latin typeface="+mn-ea"/>
+              </a:rPr>
+              <a:t>적</a:t>
+            </a:r>
+            <a:r>
+              <a:rPr lang="en-US" altLang="ko-KR" sz="1800" b="1" dirty="0">
+                <a:latin typeface="+mn-ea"/>
+              </a:rPr>
+              <a:t>]</a:t>
+            </a:r>
+            <a:r>
+              <a:rPr lang="ko-KR" altLang="en-US" sz="1800" b="1" dirty="0">
+                <a:latin typeface="+mn-ea"/>
+              </a:rPr>
+              <a:t>을 쓰러트렸</a:t>
+            </a:r>
+            <a:r>
+              <a:rPr lang="ko-KR" altLang="en-US" sz="1800" dirty="0">
+                <a:latin typeface="+mn-ea"/>
+              </a:rPr>
+              <a:t>다면 </a:t>
+            </a:r>
+            <a:r>
+              <a:rPr lang="en-US" altLang="ko-KR" sz="1800" dirty="0">
+                <a:latin typeface="+mn-ea"/>
+              </a:rPr>
+              <a:t>[</a:t>
+            </a:r>
+            <a:r>
+              <a:rPr lang="ko-KR" altLang="en-US" sz="1800" b="1" dirty="0">
+                <a:latin typeface="+mn-ea"/>
+              </a:rPr>
+              <a:t>작전 완료</a:t>
+            </a:r>
+            <a:r>
+              <a:rPr lang="en-US" altLang="ko-KR" sz="1800" dirty="0">
+                <a:latin typeface="+mn-ea"/>
+              </a:rPr>
+              <a:t>] </a:t>
+            </a:r>
+            <a:r>
+              <a:rPr lang="ko-KR" altLang="en-US" sz="1800" dirty="0">
+                <a:latin typeface="+mn-ea"/>
+              </a:rPr>
+              <a:t>창을 띄우고 </a:t>
+            </a:r>
+            <a:r>
+              <a:rPr lang="ko-KR" altLang="en-US" sz="1800" b="1" dirty="0" err="1">
+                <a:latin typeface="+mn-ea"/>
+              </a:rPr>
+              <a:t>확인시</a:t>
+            </a:r>
+            <a:r>
+              <a:rPr lang="ko-KR" altLang="en-US" sz="1800" b="1" dirty="0">
+                <a:latin typeface="+mn-ea"/>
+              </a:rPr>
+              <a:t> </a:t>
+            </a:r>
+            <a:r>
+              <a:rPr lang="en-US" altLang="ko-KR" sz="1800" b="1" dirty="0">
+                <a:latin typeface="+mn-ea"/>
+              </a:rPr>
+              <a:t>[</a:t>
+            </a:r>
+            <a:r>
+              <a:rPr lang="ko-KR" altLang="en-US" sz="1800" b="1" dirty="0">
+                <a:latin typeface="+mn-ea"/>
+              </a:rPr>
+              <a:t>작전 구역 선택</a:t>
+            </a:r>
+            <a:r>
+              <a:rPr lang="en-US" altLang="ko-KR" sz="1800" b="1" dirty="0">
+                <a:latin typeface="+mn-ea"/>
+              </a:rPr>
+              <a:t>]</a:t>
+            </a:r>
+            <a:r>
+              <a:rPr lang="ko-KR" altLang="en-US" sz="1800" b="1" dirty="0">
+                <a:latin typeface="+mn-ea"/>
+              </a:rPr>
+              <a:t>으로 이동</a:t>
+            </a:r>
+            <a:r>
+              <a:rPr lang="ko-KR" altLang="en-US" sz="1800" dirty="0">
+                <a:latin typeface="+mn-ea"/>
+              </a:rPr>
+              <a:t>한다</a:t>
+            </a:r>
+            <a:r>
+              <a:rPr lang="en-US" altLang="ko-KR" sz="1800" dirty="0">
+                <a:latin typeface="+mn-ea"/>
+              </a:rPr>
+              <a:t>. </a:t>
+            </a:r>
+            <a:r>
+              <a:rPr lang="ko-KR" altLang="en-US" sz="1800" dirty="0">
+                <a:latin typeface="+mn-ea"/>
+              </a:rPr>
+              <a:t>이 때 </a:t>
+            </a:r>
+            <a:r>
+              <a:rPr lang="ko-KR" altLang="en-US" sz="1800" b="1" dirty="0">
+                <a:latin typeface="+mn-ea"/>
+              </a:rPr>
+              <a:t>다음 작전 구역 버튼이 잠금 해제</a:t>
+            </a:r>
+            <a:r>
+              <a:rPr lang="ko-KR" altLang="en-US" sz="1800" dirty="0">
+                <a:latin typeface="+mn-ea"/>
+              </a:rPr>
+              <a:t>된다</a:t>
+            </a:r>
+            <a:r>
+              <a:rPr lang="en-US" altLang="ko-KR" sz="1800" dirty="0">
+                <a:latin typeface="+mn-ea"/>
+              </a:rPr>
+              <a:t>.</a:t>
+            </a:r>
+          </a:p>
+        </p:txBody>
+      </p:sp>
+    </p:spTree>
+    <p:extLst>
+      <p:ext uri="{BB962C8B-B14F-4D97-AF65-F5344CB8AC3E}">
+        <p14:creationId xmlns:p14="http://schemas.microsoft.com/office/powerpoint/2010/main" val="4125095265"/>
       </p:ext>
     </p:extLst>
   </p:cSld>

--- a/SPGP 1차 발표.pptx
+++ b/SPGP 1차 발표.pptx
@@ -266,7 +266,7 @@
           <a:p>
             <a:fld id="{E1954D07-744E-49FD-BEDE-0404818B8A97}" type="datetimeFigureOut">
               <a:rPr lang="ko-KR" altLang="en-US" smtClean="0"/>
-              <a:t>2024-04-01</a:t>
+              <a:t>2024-04-03</a:t>
             </a:fld>
             <a:endParaRPr lang="ko-KR" altLang="en-US"/>
           </a:p>
@@ -436,7 +436,7 @@
           <a:p>
             <a:fld id="{E1954D07-744E-49FD-BEDE-0404818B8A97}" type="datetimeFigureOut">
               <a:rPr lang="ko-KR" altLang="en-US" smtClean="0"/>
-              <a:t>2024-04-01</a:t>
+              <a:t>2024-04-03</a:t>
             </a:fld>
             <a:endParaRPr lang="ko-KR" altLang="en-US"/>
           </a:p>
@@ -616,7 +616,7 @@
           <a:p>
             <a:fld id="{E1954D07-744E-49FD-BEDE-0404818B8A97}" type="datetimeFigureOut">
               <a:rPr lang="ko-KR" altLang="en-US" smtClean="0"/>
-              <a:t>2024-04-01</a:t>
+              <a:t>2024-04-03</a:t>
             </a:fld>
             <a:endParaRPr lang="ko-KR" altLang="en-US"/>
           </a:p>
@@ -1131,7 +1131,7 @@
           <a:p>
             <a:fld id="{E1954D07-744E-49FD-BEDE-0404818B8A97}" type="datetimeFigureOut">
               <a:rPr lang="ko-KR" altLang="en-US" smtClean="0"/>
-              <a:t>2024-04-01</a:t>
+              <a:t>2024-04-03</a:t>
             </a:fld>
             <a:endParaRPr lang="ko-KR" altLang="en-US"/>
           </a:p>
@@ -1378,7 +1378,7 @@
           <a:p>
             <a:fld id="{E1954D07-744E-49FD-BEDE-0404818B8A97}" type="datetimeFigureOut">
               <a:rPr lang="ko-KR" altLang="en-US" smtClean="0"/>
-              <a:t>2024-04-01</a:t>
+              <a:t>2024-04-03</a:t>
             </a:fld>
             <a:endParaRPr lang="ko-KR" altLang="en-US"/>
           </a:p>
@@ -1628,7 +1628,7 @@
           <a:p>
             <a:fld id="{E1954D07-744E-49FD-BEDE-0404818B8A97}" type="datetimeFigureOut">
               <a:rPr lang="ko-KR" altLang="en-US" smtClean="0"/>
-              <a:t>2024-04-01</a:t>
+              <a:t>2024-04-03</a:t>
             </a:fld>
             <a:endParaRPr lang="ko-KR" altLang="en-US"/>
           </a:p>
@@ -1865,7 +1865,7 @@
           <a:p>
             <a:fld id="{E1954D07-744E-49FD-BEDE-0404818B8A97}" type="datetimeFigureOut">
               <a:rPr lang="ko-KR" altLang="en-US" smtClean="0"/>
-              <a:t>2024-04-01</a:t>
+              <a:t>2024-04-03</a:t>
             </a:fld>
             <a:endParaRPr lang="ko-KR" altLang="en-US"/>
           </a:p>
@@ -2250,7 +2250,7 @@
           <a:p>
             <a:fld id="{E1954D07-744E-49FD-BEDE-0404818B8A97}" type="datetimeFigureOut">
               <a:rPr lang="ko-KR" altLang="en-US" smtClean="0"/>
-              <a:t>2024-04-01</a:t>
+              <a:t>2024-04-03</a:t>
             </a:fld>
             <a:endParaRPr lang="ko-KR" altLang="en-US"/>
           </a:p>
@@ -2368,7 +2368,7 @@
           <a:p>
             <a:fld id="{E1954D07-744E-49FD-BEDE-0404818B8A97}" type="datetimeFigureOut">
               <a:rPr lang="ko-KR" altLang="en-US" smtClean="0"/>
-              <a:t>2024-04-01</a:t>
+              <a:t>2024-04-03</a:t>
             </a:fld>
             <a:endParaRPr lang="ko-KR" altLang="en-US"/>
           </a:p>
@@ -2463,7 +2463,7 @@
           <a:p>
             <a:fld id="{E1954D07-744E-49FD-BEDE-0404818B8A97}" type="datetimeFigureOut">
               <a:rPr lang="ko-KR" altLang="en-US" smtClean="0"/>
-              <a:t>2024-04-01</a:t>
+              <a:t>2024-04-03</a:t>
             </a:fld>
             <a:endParaRPr lang="ko-KR" altLang="en-US"/>
           </a:p>
@@ -2716,7 +2716,7 @@
           <a:p>
             <a:fld id="{E1954D07-744E-49FD-BEDE-0404818B8A97}" type="datetimeFigureOut">
               <a:rPr lang="ko-KR" altLang="en-US" smtClean="0"/>
-              <a:t>2024-04-01</a:t>
+              <a:t>2024-04-03</a:t>
             </a:fld>
             <a:endParaRPr lang="ko-KR" altLang="en-US"/>
           </a:p>
@@ -2886,7 +2886,7 @@
           <a:p>
             <a:fld id="{E1954D07-744E-49FD-BEDE-0404818B8A97}" type="datetimeFigureOut">
               <a:rPr lang="ko-KR" altLang="en-US" smtClean="0"/>
-              <a:t>2024-04-01</a:t>
+              <a:t>2024-04-03</a:t>
             </a:fld>
             <a:endParaRPr lang="ko-KR" altLang="en-US"/>
           </a:p>
@@ -3155,7 +3155,7 @@
           <a:p>
             <a:fld id="{E1954D07-744E-49FD-BEDE-0404818B8A97}" type="datetimeFigureOut">
               <a:rPr lang="ko-KR" altLang="en-US" smtClean="0"/>
-              <a:t>2024-04-01</a:t>
+              <a:t>2024-04-03</a:t>
             </a:fld>
             <a:endParaRPr lang="ko-KR" altLang="en-US"/>
           </a:p>
@@ -3420,7 +3420,7 @@
           <a:p>
             <a:fld id="{E1954D07-744E-49FD-BEDE-0404818B8A97}" type="datetimeFigureOut">
               <a:rPr lang="ko-KR" altLang="en-US" smtClean="0"/>
-              <a:t>2024-04-01</a:t>
+              <a:t>2024-04-03</a:t>
             </a:fld>
             <a:endParaRPr lang="ko-KR" altLang="en-US"/>
           </a:p>
@@ -3616,7 +3616,7 @@
           <a:p>
             <a:fld id="{E1954D07-744E-49FD-BEDE-0404818B8A97}" type="datetimeFigureOut">
               <a:rPr lang="ko-KR" altLang="en-US" smtClean="0"/>
-              <a:t>2024-04-01</a:t>
+              <a:t>2024-04-03</a:t>
             </a:fld>
             <a:endParaRPr lang="ko-KR" altLang="en-US"/>
           </a:p>
@@ -3886,7 +3886,7 @@
           <a:p>
             <a:fld id="{E1954D07-744E-49FD-BEDE-0404818B8A97}" type="datetimeFigureOut">
               <a:rPr lang="ko-KR" altLang="en-US" smtClean="0"/>
-              <a:t>2024-04-01</a:t>
+              <a:t>2024-04-03</a:t>
             </a:fld>
             <a:endParaRPr lang="ko-KR" altLang="en-US"/>
           </a:p>
@@ -4314,7 +4314,7 @@
           <a:p>
             <a:fld id="{E1954D07-744E-49FD-BEDE-0404818B8A97}" type="datetimeFigureOut">
               <a:rPr lang="ko-KR" altLang="en-US" smtClean="0"/>
-              <a:t>2024-04-01</a:t>
+              <a:t>2024-04-03</a:t>
             </a:fld>
             <a:endParaRPr lang="ko-KR" altLang="en-US"/>
           </a:p>
@@ -4864,7 +4864,7 @@
           <a:p>
             <a:fld id="{E1954D07-744E-49FD-BEDE-0404818B8A97}" type="datetimeFigureOut">
               <a:rPr lang="ko-KR" altLang="en-US" smtClean="0"/>
-              <a:t>2024-04-01</a:t>
+              <a:t>2024-04-03</a:t>
             </a:fld>
             <a:endParaRPr lang="ko-KR" altLang="en-US"/>
           </a:p>
@@ -5654,7 +5654,7 @@
           <a:p>
             <a:fld id="{E1954D07-744E-49FD-BEDE-0404818B8A97}" type="datetimeFigureOut">
               <a:rPr lang="ko-KR" altLang="en-US" smtClean="0"/>
-              <a:t>2024-04-01</a:t>
+              <a:t>2024-04-03</a:t>
             </a:fld>
             <a:endParaRPr lang="ko-KR" altLang="en-US"/>
           </a:p>
@@ -5833,7 +5833,7 @@
           <a:p>
             <a:fld id="{E1954D07-744E-49FD-BEDE-0404818B8A97}" type="datetimeFigureOut">
               <a:rPr lang="ko-KR" altLang="en-US" smtClean="0"/>
-              <a:t>2024-04-01</a:t>
+              <a:t>2024-04-03</a:t>
             </a:fld>
             <a:endParaRPr lang="ko-KR" altLang="en-US"/>
           </a:p>
@@ -6017,7 +6017,7 @@
           <a:p>
             <a:fld id="{E1954D07-744E-49FD-BEDE-0404818B8A97}" type="datetimeFigureOut">
               <a:rPr lang="ko-KR" altLang="en-US" smtClean="0"/>
-              <a:t>2024-04-01</a:t>
+              <a:t>2024-04-03</a:t>
             </a:fld>
             <a:endParaRPr lang="ko-KR" altLang="en-US"/>
           </a:p>
@@ -6187,7 +6187,7 @@
           <a:p>
             <a:fld id="{E1954D07-744E-49FD-BEDE-0404818B8A97}" type="datetimeFigureOut">
               <a:rPr lang="ko-KR" altLang="en-US" smtClean="0"/>
-              <a:t>2024-04-01</a:t>
+              <a:t>2024-04-03</a:t>
             </a:fld>
             <a:endParaRPr lang="ko-KR" altLang="en-US"/>
           </a:p>
@@ -6438,7 +6438,7 @@
           <a:p>
             <a:fld id="{E1954D07-744E-49FD-BEDE-0404818B8A97}" type="datetimeFigureOut">
               <a:rPr lang="ko-KR" altLang="en-US" smtClean="0"/>
-              <a:t>2024-04-01</a:t>
+              <a:t>2024-04-03</a:t>
             </a:fld>
             <a:endParaRPr lang="ko-KR" altLang="en-US"/>
           </a:p>
@@ -6670,7 +6670,7 @@
           <a:p>
             <a:fld id="{E1954D07-744E-49FD-BEDE-0404818B8A97}" type="datetimeFigureOut">
               <a:rPr lang="ko-KR" altLang="en-US" smtClean="0"/>
-              <a:t>2024-04-01</a:t>
+              <a:t>2024-04-03</a:t>
             </a:fld>
             <a:endParaRPr lang="ko-KR" altLang="en-US"/>
           </a:p>
@@ -7017,7 +7017,7 @@
           <a:p>
             <a:fld id="{E1954D07-744E-49FD-BEDE-0404818B8A97}" type="datetimeFigureOut">
               <a:rPr lang="ko-KR" altLang="en-US" smtClean="0"/>
-              <a:t>2024-04-01</a:t>
+              <a:t>2024-04-03</a:t>
             </a:fld>
             <a:endParaRPr lang="ko-KR" altLang="en-US"/>
           </a:p>
@@ -7135,7 +7135,7 @@
           <a:p>
             <a:fld id="{E1954D07-744E-49FD-BEDE-0404818B8A97}" type="datetimeFigureOut">
               <a:rPr lang="ko-KR" altLang="en-US" smtClean="0"/>
-              <a:t>2024-04-01</a:t>
+              <a:t>2024-04-03</a:t>
             </a:fld>
             <a:endParaRPr lang="ko-KR" altLang="en-US"/>
           </a:p>
@@ -7253,7 +7253,7 @@
           <a:p>
             <a:fld id="{E1954D07-744E-49FD-BEDE-0404818B8A97}" type="datetimeFigureOut">
               <a:rPr lang="ko-KR" altLang="en-US" smtClean="0"/>
-              <a:t>2024-04-01</a:t>
+              <a:t>2024-04-03</a:t>
             </a:fld>
             <a:endParaRPr lang="ko-KR" altLang="en-US"/>
           </a:p>
@@ -7537,7 +7537,7 @@
           <a:p>
             <a:fld id="{E1954D07-744E-49FD-BEDE-0404818B8A97}" type="datetimeFigureOut">
               <a:rPr lang="ko-KR" altLang="en-US" smtClean="0"/>
-              <a:t>2024-04-01</a:t>
+              <a:t>2024-04-03</a:t>
             </a:fld>
             <a:endParaRPr lang="ko-KR" altLang="en-US"/>
           </a:p>
@@ -7801,7 +7801,7 @@
           <a:p>
             <a:fld id="{E1954D07-744E-49FD-BEDE-0404818B8A97}" type="datetimeFigureOut">
               <a:rPr lang="ko-KR" altLang="en-US" smtClean="0"/>
-              <a:t>2024-04-01</a:t>
+              <a:t>2024-04-03</a:t>
             </a:fld>
             <a:endParaRPr lang="ko-KR" altLang="en-US"/>
           </a:p>
@@ -8015,7 +8015,7 @@
           <a:p>
             <a:fld id="{E1954D07-744E-49FD-BEDE-0404818B8A97}" type="datetimeFigureOut">
               <a:rPr lang="ko-KR" altLang="en-US" smtClean="0"/>
-              <a:t>2024-04-01</a:t>
+              <a:t>2024-04-03</a:t>
             </a:fld>
             <a:endParaRPr lang="ko-KR" altLang="en-US"/>
           </a:p>
@@ -8735,7 +8735,7 @@
           <a:p>
             <a:fld id="{E1954D07-744E-49FD-BEDE-0404818B8A97}" type="datetimeFigureOut">
               <a:rPr lang="ko-KR" altLang="en-US" smtClean="0"/>
-              <a:t>2024-04-01</a:t>
+              <a:t>2024-04-03</a:t>
             </a:fld>
             <a:endParaRPr lang="ko-KR" altLang="en-US"/>
           </a:p>
@@ -9737,7 +9737,7 @@
                 <a:effectLst/>
                 <a:latin typeface="+mn-ea"/>
               </a:rPr>
-              <a:t>???</a:t>
+              <a:t>11</a:t>
             </a:r>
           </a:p>
         </p:txBody>
@@ -9757,7 +9757,7 @@
           <p:nvPr>
             <p:extLst>
               <p:ext uri="{D42A27DB-BD31-4B8C-83A1-F6EECF244321}">
-                <p14:modId xmlns:p14="http://schemas.microsoft.com/office/powerpoint/2010/main" val="2587527489"/>
+                <p14:modId xmlns:p14="http://schemas.microsoft.com/office/powerpoint/2010/main" val="911220994"/>
               </p:ext>
             </p:extLst>
           </p:nvPr>
@@ -9860,7 +9860,73 @@
                     <a:lstStyle/>
                     <a:p>
                       <a:pPr algn="ctr" latinLnBrk="1"/>
-                      <a:endParaRPr lang="ko-KR" altLang="en-US" b="0" dirty="0">
+                      <a:r>
+                        <a:rPr lang="ko-KR" altLang="en-US" sz="1600" kern="1200" dirty="0">
+                          <a:solidFill>
+                            <a:schemeClr val="dk1"/>
+                          </a:solidFill>
+                          <a:latin typeface="+mn-ea"/>
+                          <a:ea typeface="+mn-ea"/>
+                          <a:cs typeface="+mn-cs"/>
+                        </a:rPr>
+                        <a:t>메인 화면 </a:t>
+                      </a:r>
+                      <a:r>
+                        <a:rPr lang="en-US" altLang="ko-KR" sz="1600" kern="1200" dirty="0">
+                          <a:solidFill>
+                            <a:schemeClr val="dk1"/>
+                          </a:solidFill>
+                          <a:latin typeface="+mn-ea"/>
+                          <a:ea typeface="+mn-ea"/>
+                          <a:cs typeface="+mn-cs"/>
+                        </a:rPr>
+                        <a:t>&lt;-&gt; </a:t>
+                      </a:r>
+                      <a:r>
+                        <a:rPr lang="ko-KR" altLang="en-US" sz="1600" kern="1200" dirty="0">
+                          <a:solidFill>
+                            <a:schemeClr val="dk1"/>
+                          </a:solidFill>
+                          <a:latin typeface="+mn-ea"/>
+                          <a:ea typeface="+mn-ea"/>
+                          <a:cs typeface="+mn-cs"/>
+                        </a:rPr>
+                        <a:t>작전 구역 선택 </a:t>
+                      </a:r>
+                      <a:r>
+                        <a:rPr lang="en-US" altLang="ko-KR" sz="1600" kern="1200" dirty="0">
+                          <a:solidFill>
+                            <a:schemeClr val="dk1"/>
+                          </a:solidFill>
+                          <a:latin typeface="+mn-ea"/>
+                          <a:ea typeface="+mn-ea"/>
+                          <a:cs typeface="+mn-cs"/>
+                        </a:rPr>
+                        <a:t>&lt;-&gt; </a:t>
+                      </a:r>
+                      <a:r>
+                        <a:rPr lang="ko-KR" altLang="en-US" sz="1600" kern="1200" dirty="0" err="1">
+                          <a:solidFill>
+                            <a:schemeClr val="dk1"/>
+                          </a:solidFill>
+                          <a:latin typeface="+mn-ea"/>
+                          <a:ea typeface="+mn-ea"/>
+                          <a:cs typeface="+mn-cs"/>
+                        </a:rPr>
+                        <a:t>작전실</a:t>
+                      </a:r>
+                      <a:r>
+                        <a:rPr lang="ko-KR" altLang="en-US" sz="1600" kern="1200" dirty="0">
+                          <a:solidFill>
+                            <a:schemeClr val="dk1"/>
+                          </a:solidFill>
+                          <a:latin typeface="+mn-ea"/>
+                          <a:ea typeface="+mn-ea"/>
+                          <a:cs typeface="+mn-cs"/>
+                        </a:rPr>
+                        <a:t> 각 화면에서 다른 화면으로 이동</a:t>
+                      </a:r>
+                      <a:endParaRPr lang="ko-KR" altLang="en-US" sz="1600" b="0" dirty="0">
                         <a:latin typeface="+mn-ea"/>
                         <a:ea typeface="+mn-ea"/>
                       </a:endParaRPr>
@@ -9905,7 +9971,153 @@
                     <a:lstStyle/>
                     <a:p>
                       <a:pPr algn="ctr" latinLnBrk="1"/>
-                      <a:endParaRPr lang="ko-KR" altLang="en-US" b="0" dirty="0">
+                      <a:r>
+                        <a:rPr lang="ko-KR" altLang="en-US" sz="1600" kern="1200" dirty="0">
+                          <a:solidFill>
+                            <a:schemeClr val="dk1"/>
+                          </a:solidFill>
+                          <a:latin typeface="+mn-ea"/>
+                          <a:ea typeface="+mn-ea"/>
+                          <a:cs typeface="+mn-cs"/>
+                        </a:rPr>
+                        <a:t>작전 구역 </a:t>
+                      </a:r>
+                      <a:r>
+                        <a:rPr lang="en-US" altLang="ko-KR" sz="1600" kern="1200" dirty="0">
+                          <a:solidFill>
+                            <a:schemeClr val="dk1"/>
+                          </a:solidFill>
+                          <a:latin typeface="+mn-ea"/>
+                          <a:ea typeface="+mn-ea"/>
+                          <a:cs typeface="+mn-cs"/>
+                        </a:rPr>
+                        <a:t>(</a:t>
+                      </a:r>
+                      <a:r>
+                        <a:rPr lang="ko-KR" altLang="en-US" sz="1600" kern="1200" dirty="0">
+                          <a:solidFill>
+                            <a:schemeClr val="dk1"/>
+                          </a:solidFill>
+                          <a:latin typeface="+mn-ea"/>
+                          <a:ea typeface="+mn-ea"/>
+                          <a:cs typeface="+mn-cs"/>
+                        </a:rPr>
+                        <a:t>스테이지</a:t>
+                      </a:r>
+                      <a:r>
+                        <a:rPr lang="en-US" altLang="ko-KR" sz="1600" kern="1200" dirty="0">
+                          <a:solidFill>
+                            <a:schemeClr val="dk1"/>
+                          </a:solidFill>
+                          <a:latin typeface="+mn-ea"/>
+                          <a:ea typeface="+mn-ea"/>
+                          <a:cs typeface="+mn-cs"/>
+                        </a:rPr>
+                        <a:t>) </a:t>
+                      </a:r>
+                      <a:r>
+                        <a:rPr lang="ko-KR" altLang="en-US" sz="1600" kern="1200" dirty="0">
+                          <a:solidFill>
+                            <a:schemeClr val="dk1"/>
+                          </a:solidFill>
+                          <a:latin typeface="+mn-ea"/>
+                          <a:ea typeface="+mn-ea"/>
+                          <a:cs typeface="+mn-cs"/>
+                        </a:rPr>
+                        <a:t>화면으로 이동 </a:t>
+                      </a:r>
+                      <a:r>
+                        <a:rPr lang="en-US" altLang="ko-KR" sz="1600" kern="1200" dirty="0">
+                          <a:solidFill>
+                            <a:schemeClr val="dk1"/>
+                          </a:solidFill>
+                          <a:latin typeface="+mn-ea"/>
+                          <a:ea typeface="+mn-ea"/>
+                          <a:cs typeface="+mn-cs"/>
+                        </a:rPr>
+                        <a:t>+ </a:t>
+                      </a:r>
+                      <a:r>
+                        <a:rPr lang="ko-KR" altLang="en-US" sz="1600" kern="1200" dirty="0">
+                          <a:solidFill>
+                            <a:schemeClr val="dk1"/>
+                          </a:solidFill>
+                          <a:latin typeface="+mn-ea"/>
+                          <a:ea typeface="+mn-ea"/>
+                          <a:cs typeface="+mn-cs"/>
+                        </a:rPr>
+                        <a:t>작전 중단 버튼</a:t>
+                      </a:r>
+                      <a:r>
+                        <a:rPr lang="en-US" altLang="ko-KR" sz="1600" kern="1200" dirty="0">
+                          <a:solidFill>
+                            <a:schemeClr val="dk1"/>
+                          </a:solidFill>
+                          <a:latin typeface="+mn-ea"/>
+                          <a:ea typeface="+mn-ea"/>
+                          <a:cs typeface="+mn-cs"/>
+                        </a:rPr>
+                        <a:t>(</a:t>
+                      </a:r>
+                      <a:r>
+                        <a:rPr lang="ko-KR" altLang="en-US" sz="1600" kern="1200" dirty="0">
+                          <a:solidFill>
+                            <a:schemeClr val="dk1"/>
+                          </a:solidFill>
+                          <a:latin typeface="+mn-ea"/>
+                          <a:ea typeface="+mn-ea"/>
+                          <a:cs typeface="+mn-cs"/>
+                        </a:rPr>
+                        <a:t>메시지 창 띄우기</a:t>
+                      </a:r>
+                      <a:r>
+                        <a:rPr lang="en-US" altLang="ko-KR" sz="1600" kern="1200" dirty="0">
+                          <a:solidFill>
+                            <a:schemeClr val="dk1"/>
+                          </a:solidFill>
+                          <a:latin typeface="+mn-ea"/>
+                          <a:ea typeface="+mn-ea"/>
+                          <a:cs typeface="+mn-cs"/>
+                        </a:rPr>
+                        <a:t>)</a:t>
+                      </a:r>
+                    </a:p>
+                    <a:p>
+                      <a:pPr algn="ctr" latinLnBrk="1"/>
+                      <a:r>
+                        <a:rPr lang="ko-KR" altLang="en-US" sz="1600" kern="1200" dirty="0">
+                          <a:solidFill>
+                            <a:schemeClr val="dk1"/>
+                          </a:solidFill>
+                          <a:latin typeface="+mn-ea"/>
+                          <a:ea typeface="+mn-ea"/>
+                          <a:cs typeface="+mn-cs"/>
+                        </a:rPr>
+                        <a:t>현재 스테이지 정보</a:t>
+                      </a:r>
+                      <a:r>
+                        <a:rPr lang="en-US" altLang="ko-KR" sz="1600" kern="1200" dirty="0">
+                          <a:solidFill>
+                            <a:schemeClr val="dk1"/>
+                          </a:solidFill>
+                          <a:latin typeface="+mn-ea"/>
+                          <a:ea typeface="+mn-ea"/>
+                          <a:cs typeface="+mn-cs"/>
+                        </a:rPr>
+                        <a:t>, </a:t>
+                      </a:r>
+                      <a:r>
+                        <a:rPr lang="ko-KR" altLang="en-US" sz="1600" kern="1200" dirty="0">
+                          <a:solidFill>
+                            <a:schemeClr val="dk1"/>
+                          </a:solidFill>
+                          <a:latin typeface="+mn-ea"/>
+                          <a:ea typeface="+mn-ea"/>
+                          <a:cs typeface="+mn-cs"/>
+                        </a:rPr>
+                        <a:t>플레이어 및 적 정보 띄우기</a:t>
+                      </a:r>
+                      <a:endParaRPr lang="ko-KR" altLang="en-US" sz="1600" b="0" dirty="0">
                         <a:latin typeface="+mn-ea"/>
                         <a:ea typeface="+mn-ea"/>
                       </a:endParaRPr>
@@ -9950,7 +10162,91 @@
                     <a:lstStyle/>
                     <a:p>
                       <a:pPr algn="ctr" latinLnBrk="1"/>
-                      <a:endParaRPr lang="ko-KR" altLang="en-US" b="0" dirty="0">
+                      <a:r>
+                        <a:rPr lang="ko-KR" altLang="en-US" sz="1600" b="0" i="0" kern="1200" dirty="0">
+                          <a:solidFill>
+                            <a:schemeClr val="dk1"/>
+                          </a:solidFill>
+                          <a:effectLst/>
+                          <a:latin typeface="+mn-ea"/>
+                          <a:ea typeface="+mn-ea"/>
+                          <a:cs typeface="+mn-cs"/>
+                        </a:rPr>
+                        <a:t>플레이어 </a:t>
+                      </a:r>
+                      <a:r>
+                        <a:rPr lang="en-US" altLang="ko-KR" sz="1600" b="0" i="0" kern="1200" dirty="0">
+                          <a:solidFill>
+                            <a:schemeClr val="dk1"/>
+                          </a:solidFill>
+                          <a:effectLst/>
+                          <a:latin typeface="+mn-ea"/>
+                          <a:ea typeface="+mn-ea"/>
+                          <a:cs typeface="+mn-cs"/>
+                        </a:rPr>
+                        <a:t>[</a:t>
+                      </a:r>
+                      <a:r>
+                        <a:rPr lang="ko-KR" altLang="en-US" sz="1600" b="0" i="0" kern="1200" dirty="0">
+                          <a:solidFill>
+                            <a:schemeClr val="dk1"/>
+                          </a:solidFill>
+                          <a:effectLst/>
+                          <a:latin typeface="+mn-ea"/>
+                          <a:ea typeface="+mn-ea"/>
+                          <a:cs typeface="+mn-cs"/>
+                        </a:rPr>
+                        <a:t>공격</a:t>
+                      </a:r>
+                      <a:r>
+                        <a:rPr lang="en-US" altLang="ko-KR" sz="1600" b="0" i="0" kern="1200" dirty="0">
+                          <a:solidFill>
+                            <a:schemeClr val="dk1"/>
+                          </a:solidFill>
+                          <a:effectLst/>
+                          <a:latin typeface="+mn-ea"/>
+                          <a:ea typeface="+mn-ea"/>
+                          <a:cs typeface="+mn-cs"/>
+                        </a:rPr>
+                        <a:t>], [</a:t>
+                      </a:r>
+                      <a:r>
+                        <a:rPr lang="ko-KR" altLang="en-US" sz="1600" b="0" i="0" kern="1200" dirty="0">
+                          <a:solidFill>
+                            <a:schemeClr val="dk1"/>
+                          </a:solidFill>
+                          <a:effectLst/>
+                          <a:latin typeface="+mn-ea"/>
+                          <a:ea typeface="+mn-ea"/>
+                          <a:cs typeface="+mn-cs"/>
+                        </a:rPr>
+                        <a:t>방어</a:t>
+                      </a:r>
+                      <a:r>
+                        <a:rPr lang="en-US" altLang="ko-KR" sz="1600" b="0" i="0" kern="1200" dirty="0">
+                          <a:solidFill>
+                            <a:schemeClr val="dk1"/>
+                          </a:solidFill>
+                          <a:effectLst/>
+                          <a:latin typeface="+mn-ea"/>
+                          <a:ea typeface="+mn-ea"/>
+                          <a:cs typeface="+mn-cs"/>
+                        </a:rPr>
+                        <a:t>] </a:t>
+                      </a:r>
+                      <a:r>
+                        <a:rPr lang="ko-KR" altLang="en-US" sz="1600" b="0" i="0" kern="1200" dirty="0">
+                          <a:solidFill>
+                            <a:schemeClr val="dk1"/>
+                          </a:solidFill>
+                          <a:effectLst/>
+                          <a:latin typeface="+mn-ea"/>
+                          <a:ea typeface="+mn-ea"/>
+                          <a:cs typeface="+mn-cs"/>
+                        </a:rPr>
+                        <a:t>버튼에 따라 동작 종류 결정 및 적용</a:t>
+                      </a:r>
+                      <a:endParaRPr lang="ko-KR" altLang="en-US" sz="1600" b="0" dirty="0">
                         <a:latin typeface="+mn-ea"/>
                         <a:ea typeface="+mn-ea"/>
                       </a:endParaRPr>
@@ -10388,7 +10684,7 @@
                 <a:effectLst/>
                 <a:latin typeface="+mn-ea"/>
               </a:rPr>
-              <a:t>???</a:t>
+              <a:t>11</a:t>
             </a:r>
           </a:p>
         </p:txBody>
@@ -10408,7 +10704,7 @@
           <p:nvPr>
             <p:extLst>
               <p:ext uri="{D42A27DB-BD31-4B8C-83A1-F6EECF244321}">
-                <p14:modId xmlns:p14="http://schemas.microsoft.com/office/powerpoint/2010/main" val="3673570430"/>
+                <p14:modId xmlns:p14="http://schemas.microsoft.com/office/powerpoint/2010/main" val="2975341206"/>
               </p:ext>
             </p:extLst>
           </p:nvPr>
@@ -10511,7 +10807,247 @@
                     <a:lstStyle/>
                     <a:p>
                       <a:pPr algn="ctr" latinLnBrk="1"/>
-                      <a:endParaRPr lang="ko-KR" altLang="en-US" b="0" dirty="0">
+                      <a:r>
+                        <a:rPr lang="ko-KR" altLang="en-US" sz="1600" b="0" i="0" kern="1200" dirty="0">
+                          <a:solidFill>
+                            <a:schemeClr val="dk1"/>
+                          </a:solidFill>
+                          <a:effectLst/>
+                          <a:latin typeface="+mn-ea"/>
+                          <a:ea typeface="+mn-ea"/>
+                          <a:cs typeface="+mn-cs"/>
+                        </a:rPr>
+                        <a:t>적 </a:t>
+                      </a:r>
+                      <a:r>
+                        <a:rPr lang="en-US" altLang="ko-KR" sz="1600" b="0" i="0" kern="1200" dirty="0">
+                          <a:solidFill>
+                            <a:schemeClr val="dk1"/>
+                          </a:solidFill>
+                          <a:effectLst/>
+                          <a:latin typeface="+mn-ea"/>
+                          <a:ea typeface="+mn-ea"/>
+                          <a:cs typeface="+mn-cs"/>
+                        </a:rPr>
+                        <a:t>[</a:t>
+                      </a:r>
+                      <a:r>
+                        <a:rPr lang="ko-KR" altLang="en-US" sz="1600" b="0" i="0" kern="1200" dirty="0">
+                          <a:solidFill>
+                            <a:schemeClr val="dk1"/>
+                          </a:solidFill>
+                          <a:effectLst/>
+                          <a:latin typeface="+mn-ea"/>
+                          <a:ea typeface="+mn-ea"/>
+                          <a:cs typeface="+mn-cs"/>
+                        </a:rPr>
+                        <a:t>공격</a:t>
+                      </a:r>
+                      <a:r>
+                        <a:rPr lang="en-US" altLang="ko-KR" sz="1600" b="0" i="0" kern="1200" dirty="0">
+                          <a:solidFill>
+                            <a:schemeClr val="dk1"/>
+                          </a:solidFill>
+                          <a:effectLst/>
+                          <a:latin typeface="+mn-ea"/>
+                          <a:ea typeface="+mn-ea"/>
+                          <a:cs typeface="+mn-cs"/>
+                        </a:rPr>
+                        <a:t>], [</a:t>
+                      </a:r>
+                      <a:r>
+                        <a:rPr lang="ko-KR" altLang="en-US" sz="1600" b="0" i="0" kern="1200" dirty="0">
+                          <a:solidFill>
+                            <a:schemeClr val="dk1"/>
+                          </a:solidFill>
+                          <a:effectLst/>
+                          <a:latin typeface="+mn-ea"/>
+                          <a:ea typeface="+mn-ea"/>
+                          <a:cs typeface="+mn-cs"/>
+                        </a:rPr>
+                        <a:t>방어</a:t>
+                      </a:r>
+                      <a:r>
+                        <a:rPr lang="en-US" altLang="ko-KR" sz="1600" b="0" i="0" kern="1200" dirty="0">
+                          <a:solidFill>
+                            <a:schemeClr val="dk1"/>
+                          </a:solidFill>
+                          <a:effectLst/>
+                          <a:latin typeface="+mn-ea"/>
+                          <a:ea typeface="+mn-ea"/>
+                          <a:cs typeface="+mn-cs"/>
+                        </a:rPr>
+                        <a:t>] </a:t>
+                      </a:r>
+                      <a:r>
+                        <a:rPr lang="ko-KR" altLang="en-US" sz="1600" b="0" i="0" kern="1200" dirty="0">
+                          <a:solidFill>
+                            <a:schemeClr val="dk1"/>
+                          </a:solidFill>
+                          <a:effectLst/>
+                          <a:latin typeface="+mn-ea"/>
+                          <a:ea typeface="+mn-ea"/>
+                          <a:cs typeface="+mn-cs"/>
+                        </a:rPr>
+                        <a:t>동작 및 플레이어와 상호작용 </a:t>
+                      </a:r>
+                      <a:r>
+                        <a:rPr lang="en-US" altLang="ko-KR" sz="1600" b="0" i="0" kern="1200" dirty="0">
+                          <a:solidFill>
+                            <a:schemeClr val="dk1"/>
+                          </a:solidFill>
+                          <a:effectLst/>
+                          <a:latin typeface="+mn-ea"/>
+                          <a:ea typeface="+mn-ea"/>
+                          <a:cs typeface="+mn-cs"/>
+                        </a:rPr>
+                        <a:t>([</a:t>
+                      </a:r>
+                      <a:r>
+                        <a:rPr lang="ko-KR" altLang="en-US" sz="1600" b="0" i="0" kern="1200" dirty="0">
+                          <a:solidFill>
+                            <a:schemeClr val="dk1"/>
+                          </a:solidFill>
+                          <a:effectLst/>
+                          <a:latin typeface="+mn-ea"/>
+                          <a:ea typeface="+mn-ea"/>
+                          <a:cs typeface="+mn-cs"/>
+                        </a:rPr>
+                        <a:t>공격</a:t>
+                      </a:r>
+                      <a:r>
+                        <a:rPr lang="en-US" altLang="ko-KR" sz="1600" b="0" i="0" kern="1200" dirty="0">
+                          <a:solidFill>
+                            <a:schemeClr val="dk1"/>
+                          </a:solidFill>
+                          <a:effectLst/>
+                          <a:latin typeface="+mn-ea"/>
+                          <a:ea typeface="+mn-ea"/>
+                          <a:cs typeface="+mn-cs"/>
+                        </a:rPr>
+                        <a:t>] </a:t>
+                      </a:r>
+                      <a:r>
+                        <a:rPr lang="ko-KR" altLang="en-US" sz="1600" b="0" i="0" kern="1200" dirty="0">
+                          <a:solidFill>
+                            <a:schemeClr val="dk1"/>
+                          </a:solidFill>
+                          <a:effectLst/>
+                          <a:latin typeface="+mn-ea"/>
+                          <a:ea typeface="+mn-ea"/>
+                          <a:cs typeface="+mn-cs"/>
+                        </a:rPr>
+                        <a:t>성공 </a:t>
+                      </a:r>
+                      <a:r>
+                        <a:rPr lang="en-US" altLang="ko-KR" sz="1600" b="0" i="0" kern="1200" dirty="0">
+                          <a:solidFill>
+                            <a:schemeClr val="dk1"/>
+                          </a:solidFill>
+                          <a:effectLst/>
+                          <a:latin typeface="+mn-ea"/>
+                          <a:ea typeface="+mn-ea"/>
+                          <a:cs typeface="+mn-cs"/>
+                        </a:rPr>
+                        <a:t>/ </a:t>
+                      </a:r>
+                      <a:r>
+                        <a:rPr lang="ko-KR" altLang="en-US" sz="1600" b="0" i="0" kern="1200" dirty="0">
+                          <a:solidFill>
+                            <a:schemeClr val="dk1"/>
+                          </a:solidFill>
+                          <a:effectLst/>
+                          <a:latin typeface="+mn-ea"/>
+                          <a:ea typeface="+mn-ea"/>
+                          <a:cs typeface="+mn-cs"/>
+                        </a:rPr>
+                        <a:t>실패 및 </a:t>
+                      </a:r>
+                      <a:r>
+                        <a:rPr lang="en-US" altLang="ko-KR" sz="1600" b="0" i="0" kern="1200" dirty="0">
+                          <a:solidFill>
+                            <a:schemeClr val="dk1"/>
+                          </a:solidFill>
+                          <a:effectLst/>
+                          <a:latin typeface="+mn-ea"/>
+                          <a:ea typeface="+mn-ea"/>
+                          <a:cs typeface="+mn-cs"/>
+                        </a:rPr>
+                        <a:t>[</a:t>
+                      </a:r>
+                      <a:r>
+                        <a:rPr lang="ko-KR" altLang="en-US" sz="1600" b="0" i="0" kern="1200" dirty="0">
+                          <a:solidFill>
+                            <a:schemeClr val="dk1"/>
+                          </a:solidFill>
+                          <a:effectLst/>
+                          <a:latin typeface="+mn-ea"/>
+                          <a:ea typeface="+mn-ea"/>
+                          <a:cs typeface="+mn-cs"/>
+                        </a:rPr>
+                        <a:t>방어</a:t>
+                      </a:r>
+                      <a:r>
+                        <a:rPr lang="en-US" altLang="ko-KR" sz="1600" b="0" i="0" kern="1200" dirty="0">
+                          <a:solidFill>
+                            <a:schemeClr val="dk1"/>
+                          </a:solidFill>
+                          <a:effectLst/>
+                          <a:latin typeface="+mn-ea"/>
+                          <a:ea typeface="+mn-ea"/>
+                          <a:cs typeface="+mn-cs"/>
+                        </a:rPr>
+                        <a:t>] </a:t>
+                      </a:r>
+                      <a:r>
+                        <a:rPr lang="ko-KR" altLang="en-US" sz="1600" b="0" i="0" kern="1200" dirty="0">
+                          <a:solidFill>
+                            <a:schemeClr val="dk1"/>
+                          </a:solidFill>
+                          <a:effectLst/>
+                          <a:latin typeface="+mn-ea"/>
+                          <a:ea typeface="+mn-ea"/>
+                          <a:cs typeface="+mn-cs"/>
+                        </a:rPr>
+                        <a:t>성공 </a:t>
+                      </a:r>
+                      <a:r>
+                        <a:rPr lang="en-US" altLang="ko-KR" sz="1600" b="0" i="0" kern="1200" dirty="0">
+                          <a:solidFill>
+                            <a:schemeClr val="dk1"/>
+                          </a:solidFill>
+                          <a:effectLst/>
+                          <a:latin typeface="+mn-ea"/>
+                          <a:ea typeface="+mn-ea"/>
+                          <a:cs typeface="+mn-cs"/>
+                        </a:rPr>
+                        <a:t>/ </a:t>
+                      </a:r>
+                      <a:r>
+                        <a:rPr lang="ko-KR" altLang="en-US" sz="1600" b="0" i="0" kern="1200" dirty="0">
+                          <a:solidFill>
+                            <a:schemeClr val="dk1"/>
+                          </a:solidFill>
+                          <a:effectLst/>
+                          <a:latin typeface="+mn-ea"/>
+                          <a:ea typeface="+mn-ea"/>
+                          <a:cs typeface="+mn-cs"/>
+                        </a:rPr>
+                        <a:t>실패</a:t>
+                      </a:r>
+                      <a:r>
+                        <a:rPr lang="en-US" altLang="ko-KR" sz="1600" b="0" i="0" kern="1200" dirty="0">
+                          <a:solidFill>
+                            <a:schemeClr val="dk1"/>
+                          </a:solidFill>
+                          <a:effectLst/>
+                          <a:latin typeface="+mn-ea"/>
+                          <a:ea typeface="+mn-ea"/>
+                          <a:cs typeface="+mn-cs"/>
+                        </a:rPr>
+                        <a:t>)</a:t>
+                      </a:r>
+                      <a:endParaRPr lang="ko-KR" altLang="en-US" sz="1600" b="0" dirty="0">
                         <a:latin typeface="+mn-ea"/>
                         <a:ea typeface="+mn-ea"/>
                       </a:endParaRPr>
@@ -10556,7 +11092,211 @@
                     <a:lstStyle/>
                     <a:p>
                       <a:pPr algn="ctr" latinLnBrk="1"/>
-                      <a:endParaRPr lang="ko-KR" altLang="en-US" b="0" dirty="0">
+                      <a:r>
+                        <a:rPr lang="ko-KR" altLang="en-US" sz="1600" b="0" i="0" kern="1200" dirty="0">
+                          <a:solidFill>
+                            <a:schemeClr val="dk1"/>
+                          </a:solidFill>
+                          <a:effectLst/>
+                          <a:latin typeface="+mn-ea"/>
+                          <a:ea typeface="+mn-ea"/>
+                          <a:cs typeface="+mn-cs"/>
+                        </a:rPr>
+                        <a:t>상호작용 결과에 따라 </a:t>
+                      </a:r>
+                      <a:r>
+                        <a:rPr lang="en-US" altLang="ko-KR" sz="1600" b="0" i="0" kern="1200" dirty="0">
+                          <a:solidFill>
+                            <a:schemeClr val="dk1"/>
+                          </a:solidFill>
+                          <a:effectLst/>
+                          <a:latin typeface="+mn-ea"/>
+                          <a:ea typeface="+mn-ea"/>
+                          <a:cs typeface="+mn-cs"/>
+                        </a:rPr>
+                        <a:t>[</a:t>
+                      </a:r>
+                      <a:r>
+                        <a:rPr lang="ko-KR" altLang="en-US" sz="1600" b="0" i="0" kern="1200" dirty="0" err="1">
+                          <a:solidFill>
+                            <a:schemeClr val="dk1"/>
+                          </a:solidFill>
+                          <a:effectLst/>
+                          <a:latin typeface="+mn-ea"/>
+                          <a:ea typeface="+mn-ea"/>
+                          <a:cs typeface="+mn-cs"/>
+                        </a:rPr>
+                        <a:t>분저치</a:t>
+                      </a:r>
+                      <a:r>
+                        <a:rPr lang="en-US" altLang="ko-KR" sz="1600" b="0" i="0" kern="1200" dirty="0">
+                          <a:solidFill>
+                            <a:schemeClr val="dk1"/>
+                          </a:solidFill>
+                          <a:effectLst/>
+                          <a:latin typeface="+mn-ea"/>
+                          <a:ea typeface="+mn-ea"/>
+                          <a:cs typeface="+mn-cs"/>
+                        </a:rPr>
+                        <a:t>] </a:t>
+                      </a:r>
+                      <a:r>
+                        <a:rPr lang="ko-KR" altLang="en-US" sz="1600" b="0" i="0" kern="1200" dirty="0">
+                          <a:solidFill>
+                            <a:schemeClr val="dk1"/>
+                          </a:solidFill>
+                          <a:effectLst/>
+                          <a:latin typeface="+mn-ea"/>
+                          <a:ea typeface="+mn-ea"/>
+                          <a:cs typeface="+mn-cs"/>
+                        </a:rPr>
+                        <a:t>및 </a:t>
+                      </a:r>
+                      <a:r>
+                        <a:rPr lang="en-US" altLang="ko-KR" sz="1600" b="0" i="0" kern="1200" dirty="0">
+                          <a:solidFill>
+                            <a:schemeClr val="dk1"/>
+                          </a:solidFill>
+                          <a:effectLst/>
+                          <a:latin typeface="+mn-ea"/>
+                          <a:ea typeface="+mn-ea"/>
+                          <a:cs typeface="+mn-cs"/>
+                        </a:rPr>
+                        <a:t>[</a:t>
+                      </a:r>
+                      <a:r>
+                        <a:rPr lang="ko-KR" altLang="en-US" sz="1600" b="0" i="0" kern="1200" dirty="0">
+                          <a:solidFill>
+                            <a:schemeClr val="dk1"/>
+                          </a:solidFill>
+                          <a:effectLst/>
+                          <a:latin typeface="+mn-ea"/>
+                          <a:ea typeface="+mn-ea"/>
+                          <a:cs typeface="+mn-cs"/>
+                        </a:rPr>
+                        <a:t>적 체력</a:t>
+                      </a:r>
+                      <a:r>
+                        <a:rPr lang="en-US" altLang="ko-KR" sz="1600" b="0" i="0" kern="1200" dirty="0">
+                          <a:solidFill>
+                            <a:schemeClr val="dk1"/>
+                          </a:solidFill>
+                          <a:effectLst/>
+                          <a:latin typeface="+mn-ea"/>
+                          <a:ea typeface="+mn-ea"/>
+                          <a:cs typeface="+mn-cs"/>
+                        </a:rPr>
+                        <a:t>] </a:t>
+                      </a:r>
+                      <a:r>
+                        <a:rPr lang="ko-KR" altLang="en-US" sz="1600" b="0" i="0" kern="1200" dirty="0">
+                          <a:solidFill>
+                            <a:schemeClr val="dk1"/>
+                          </a:solidFill>
+                          <a:effectLst/>
+                          <a:latin typeface="+mn-ea"/>
+                          <a:ea typeface="+mn-ea"/>
+                          <a:cs typeface="+mn-cs"/>
+                        </a:rPr>
+                        <a:t>변동</a:t>
+                      </a:r>
+                      <a:endParaRPr lang="en-US" altLang="ko-KR" sz="1600" b="0" i="0" kern="1200" dirty="0">
+                        <a:solidFill>
+                          <a:schemeClr val="dk1"/>
+                        </a:solidFill>
+                        <a:effectLst/>
+                        <a:latin typeface="+mn-ea"/>
+                        <a:ea typeface="+mn-ea"/>
+                        <a:cs typeface="+mn-cs"/>
+                      </a:endParaRPr>
+                    </a:p>
+                    <a:p>
+                      <a:pPr algn="ctr" latinLnBrk="1"/>
+                      <a:r>
+                        <a:rPr lang="en-US" altLang="ko-KR" sz="1600" b="0" i="0" kern="1200" dirty="0">
+                          <a:solidFill>
+                            <a:schemeClr val="dk1"/>
+                          </a:solidFill>
+                          <a:effectLst/>
+                          <a:latin typeface="+mn-ea"/>
+                          <a:ea typeface="+mn-ea"/>
+                          <a:cs typeface="+mn-cs"/>
+                        </a:rPr>
+                        <a:t>0 </a:t>
+                      </a:r>
+                      <a:r>
+                        <a:rPr lang="ko-KR" altLang="en-US" sz="1600" b="0" i="0" kern="1200" dirty="0">
+                          <a:solidFill>
+                            <a:schemeClr val="dk1"/>
+                          </a:solidFill>
+                          <a:effectLst/>
+                          <a:latin typeface="+mn-ea"/>
+                          <a:ea typeface="+mn-ea"/>
+                          <a:cs typeface="+mn-cs"/>
+                        </a:rPr>
+                        <a:t>이하가 되면 각각에 맞춰 처리 </a:t>
+                      </a:r>
+                      <a:r>
+                        <a:rPr lang="en-US" altLang="ko-KR" sz="1600" b="0" i="0" kern="1200" dirty="0">
+                          <a:solidFill>
+                            <a:schemeClr val="dk1"/>
+                          </a:solidFill>
+                          <a:effectLst/>
+                          <a:latin typeface="+mn-ea"/>
+                          <a:ea typeface="+mn-ea"/>
+                          <a:cs typeface="+mn-cs"/>
+                        </a:rPr>
+                        <a:t>(</a:t>
+                      </a:r>
+                      <a:r>
+                        <a:rPr lang="ko-KR" altLang="en-US" sz="1600" b="0" i="0" kern="1200" dirty="0">
+                          <a:solidFill>
+                            <a:schemeClr val="dk1"/>
+                          </a:solidFill>
+                          <a:effectLst/>
+                          <a:latin typeface="+mn-ea"/>
+                          <a:ea typeface="+mn-ea"/>
+                          <a:cs typeface="+mn-cs"/>
+                        </a:rPr>
+                        <a:t>퇴각 창 </a:t>
+                      </a:r>
+                      <a:r>
+                        <a:rPr lang="en-US" altLang="ko-KR" sz="1600" b="0" i="0" kern="1200" dirty="0">
+                          <a:solidFill>
+                            <a:schemeClr val="dk1"/>
+                          </a:solidFill>
+                          <a:effectLst/>
+                          <a:latin typeface="+mn-ea"/>
+                          <a:ea typeface="+mn-ea"/>
+                          <a:cs typeface="+mn-cs"/>
+                        </a:rPr>
+                        <a:t>/ </a:t>
+                      </a:r>
+                      <a:r>
+                        <a:rPr lang="ko-KR" altLang="en-US" sz="1600" b="0" i="0" kern="1200" dirty="0">
+                          <a:solidFill>
+                            <a:schemeClr val="dk1"/>
+                          </a:solidFill>
+                          <a:effectLst/>
+                          <a:latin typeface="+mn-ea"/>
+                          <a:ea typeface="+mn-ea"/>
+                          <a:cs typeface="+mn-cs"/>
+                        </a:rPr>
+                        <a:t>다음 적 등장</a:t>
+                      </a:r>
+                      <a:r>
+                        <a:rPr lang="en-US" altLang="ko-KR" sz="1600" b="0" i="0" kern="1200" dirty="0">
+                          <a:solidFill>
+                            <a:schemeClr val="dk1"/>
+                          </a:solidFill>
+                          <a:effectLst/>
+                          <a:latin typeface="+mn-ea"/>
+                          <a:ea typeface="+mn-ea"/>
+                          <a:cs typeface="+mn-cs"/>
+                        </a:rPr>
+                        <a:t>)</a:t>
+                      </a:r>
+                      <a:endParaRPr lang="ko-KR" altLang="en-US" sz="1600" b="0" dirty="0">
                         <a:latin typeface="+mn-ea"/>
                         <a:ea typeface="+mn-ea"/>
                       </a:endParaRPr>
@@ -10601,7 +11341,91 @@
                     <a:lstStyle/>
                     <a:p>
                       <a:pPr algn="ctr" latinLnBrk="1"/>
-                      <a:endParaRPr lang="ko-KR" altLang="en-US" b="0" dirty="0">
+                      <a:r>
+                        <a:rPr lang="ko-KR" altLang="en-US" sz="1600" b="0" i="0" kern="1200" dirty="0">
+                          <a:solidFill>
+                            <a:schemeClr val="dk1"/>
+                          </a:solidFill>
+                          <a:effectLst/>
+                          <a:latin typeface="+mn-ea"/>
+                          <a:ea typeface="+mn-ea"/>
+                          <a:cs typeface="+mn-cs"/>
+                        </a:rPr>
+                        <a:t>해당 작전 구역의 남은 적 수가 </a:t>
+                      </a:r>
+                      <a:r>
+                        <a:rPr lang="en-US" altLang="ko-KR" sz="1600" b="0" i="0" kern="1200" dirty="0">
+                          <a:solidFill>
+                            <a:schemeClr val="dk1"/>
+                          </a:solidFill>
+                          <a:effectLst/>
+                          <a:latin typeface="+mn-ea"/>
+                          <a:ea typeface="+mn-ea"/>
+                          <a:cs typeface="+mn-cs"/>
+                        </a:rPr>
+                        <a:t>0</a:t>
+                      </a:r>
+                      <a:r>
+                        <a:rPr lang="ko-KR" altLang="en-US" sz="1600" b="0" i="0" kern="1200" dirty="0">
+                          <a:solidFill>
+                            <a:schemeClr val="dk1"/>
+                          </a:solidFill>
+                          <a:effectLst/>
+                          <a:latin typeface="+mn-ea"/>
+                          <a:ea typeface="+mn-ea"/>
+                          <a:cs typeface="+mn-cs"/>
+                        </a:rPr>
+                        <a:t>이 되면 </a:t>
+                      </a:r>
+                      <a:r>
+                        <a:rPr lang="en-US" altLang="ko-KR" sz="1600" b="0" i="0" kern="1200" dirty="0">
+                          <a:solidFill>
+                            <a:schemeClr val="dk1"/>
+                          </a:solidFill>
+                          <a:effectLst/>
+                          <a:latin typeface="+mn-ea"/>
+                          <a:ea typeface="+mn-ea"/>
+                          <a:cs typeface="+mn-cs"/>
+                        </a:rPr>
+                        <a:t>[</a:t>
+                      </a:r>
+                      <a:r>
+                        <a:rPr lang="ko-KR" altLang="en-US" sz="1600" b="0" i="0" kern="1200" dirty="0">
+                          <a:solidFill>
+                            <a:schemeClr val="dk1"/>
+                          </a:solidFill>
+                          <a:effectLst/>
+                          <a:latin typeface="+mn-ea"/>
+                          <a:ea typeface="+mn-ea"/>
+                          <a:cs typeface="+mn-cs"/>
+                        </a:rPr>
+                        <a:t>작전 완료</a:t>
+                      </a:r>
+                      <a:r>
+                        <a:rPr lang="en-US" altLang="ko-KR" sz="1600" b="0" i="0" kern="1200" dirty="0">
+                          <a:solidFill>
+                            <a:schemeClr val="dk1"/>
+                          </a:solidFill>
+                          <a:effectLst/>
+                          <a:latin typeface="+mn-ea"/>
+                          <a:ea typeface="+mn-ea"/>
+                          <a:cs typeface="+mn-cs"/>
+                        </a:rPr>
+                        <a:t>] </a:t>
+                      </a:r>
+                      <a:r>
+                        <a:rPr lang="ko-KR" altLang="en-US" sz="1600" b="0" i="0" kern="1200" dirty="0">
+                          <a:solidFill>
+                            <a:schemeClr val="dk1"/>
+                          </a:solidFill>
+                          <a:effectLst/>
+                          <a:latin typeface="+mn-ea"/>
+                          <a:ea typeface="+mn-ea"/>
+                          <a:cs typeface="+mn-cs"/>
+                        </a:rPr>
+                        <a:t>창 표시 및 다음 작전 구역 버튼 잠금 해제</a:t>
+                      </a:r>
+                      <a:endParaRPr lang="ko-KR" altLang="en-US" sz="1600" b="0" dirty="0">
                         <a:latin typeface="+mn-ea"/>
                         <a:ea typeface="+mn-ea"/>
                       </a:endParaRPr>
@@ -11039,7 +11863,7 @@
                 <a:effectLst/>
                 <a:latin typeface="+mn-ea"/>
               </a:rPr>
-              <a:t>???</a:t>
+              <a:t>11</a:t>
             </a:r>
           </a:p>
         </p:txBody>
@@ -11059,7 +11883,7 @@
           <p:nvPr>
             <p:extLst>
               <p:ext uri="{D42A27DB-BD31-4B8C-83A1-F6EECF244321}">
-                <p14:modId xmlns:p14="http://schemas.microsoft.com/office/powerpoint/2010/main" val="3563029002"/>
+                <p14:modId xmlns:p14="http://schemas.microsoft.com/office/powerpoint/2010/main" val="2045224816"/>
               </p:ext>
             </p:extLst>
           </p:nvPr>
@@ -11162,7 +11986,139 @@
                     <a:lstStyle/>
                     <a:p>
                       <a:pPr algn="ctr" latinLnBrk="1"/>
-                      <a:endParaRPr lang="ko-KR" altLang="en-US" b="0" dirty="0">
+                      <a:r>
+                        <a:rPr lang="ko-KR" altLang="en-US" sz="1600" b="0" i="0" kern="1200" dirty="0">
+                          <a:solidFill>
+                            <a:schemeClr val="dk1"/>
+                          </a:solidFill>
+                          <a:effectLst/>
+                          <a:latin typeface="+mn-ea"/>
+                          <a:ea typeface="+mn-ea"/>
+                          <a:cs typeface="+mn-cs"/>
+                        </a:rPr>
+                        <a:t>작전 구역 </a:t>
+                      </a:r>
+                      <a:r>
+                        <a:rPr lang="ko-KR" altLang="en-US" sz="1600" b="0" i="0" kern="1200" dirty="0" err="1">
+                          <a:solidFill>
+                            <a:schemeClr val="dk1"/>
+                          </a:solidFill>
+                          <a:effectLst/>
+                          <a:latin typeface="+mn-ea"/>
+                          <a:ea typeface="+mn-ea"/>
+                          <a:cs typeface="+mn-cs"/>
+                        </a:rPr>
+                        <a:t>완료시</a:t>
+                      </a:r>
+                      <a:r>
+                        <a:rPr lang="ko-KR" altLang="en-US" sz="1600" b="0" i="0" kern="1200" dirty="0">
+                          <a:solidFill>
+                            <a:schemeClr val="dk1"/>
+                          </a:solidFill>
+                          <a:effectLst/>
+                          <a:latin typeface="+mn-ea"/>
+                          <a:ea typeface="+mn-ea"/>
+                          <a:cs typeface="+mn-cs"/>
+                        </a:rPr>
+                        <a:t> </a:t>
+                      </a:r>
+                      <a:r>
+                        <a:rPr lang="en-US" altLang="ko-KR" sz="1600" b="0" i="0" kern="1200" dirty="0">
+                          <a:solidFill>
+                            <a:schemeClr val="dk1"/>
+                          </a:solidFill>
+                          <a:effectLst/>
+                          <a:latin typeface="+mn-ea"/>
+                          <a:ea typeface="+mn-ea"/>
+                          <a:cs typeface="+mn-cs"/>
+                        </a:rPr>
+                        <a:t>[</a:t>
+                      </a:r>
+                      <a:r>
+                        <a:rPr lang="ko-KR" altLang="en-US" sz="1600" b="0" i="0" kern="1200" dirty="0" err="1">
+                          <a:solidFill>
+                            <a:schemeClr val="dk1"/>
+                          </a:solidFill>
+                          <a:effectLst/>
+                          <a:latin typeface="+mn-ea"/>
+                          <a:ea typeface="+mn-ea"/>
+                          <a:cs typeface="+mn-cs"/>
+                        </a:rPr>
+                        <a:t>공훈치</a:t>
+                      </a:r>
+                      <a:r>
+                        <a:rPr lang="en-US" altLang="ko-KR" sz="1600" b="0" i="0" kern="1200" dirty="0">
+                          <a:solidFill>
+                            <a:schemeClr val="dk1"/>
+                          </a:solidFill>
+                          <a:effectLst/>
+                          <a:latin typeface="+mn-ea"/>
+                          <a:ea typeface="+mn-ea"/>
+                          <a:cs typeface="+mn-cs"/>
+                        </a:rPr>
+                        <a:t>] </a:t>
+                      </a:r>
+                      <a:r>
+                        <a:rPr lang="ko-KR" altLang="en-US" sz="1600" b="0" i="0" kern="1200" dirty="0">
+                          <a:solidFill>
+                            <a:schemeClr val="dk1"/>
+                          </a:solidFill>
+                          <a:effectLst/>
+                          <a:latin typeface="+mn-ea"/>
+                          <a:ea typeface="+mn-ea"/>
+                          <a:cs typeface="+mn-cs"/>
+                        </a:rPr>
+                        <a:t>지급</a:t>
+                      </a:r>
+                      <a:r>
+                        <a:rPr lang="en-US" altLang="ko-KR" sz="1600" b="0" i="0" kern="1200" dirty="0">
+                          <a:solidFill>
+                            <a:schemeClr val="dk1"/>
+                          </a:solidFill>
+                          <a:effectLst/>
+                          <a:latin typeface="+mn-ea"/>
+                          <a:ea typeface="+mn-ea"/>
+                          <a:cs typeface="+mn-cs"/>
+                        </a:rPr>
+                        <a:t>, [</a:t>
+                      </a:r>
+                      <a:r>
+                        <a:rPr lang="ko-KR" altLang="en-US" sz="1600" b="0" i="0" kern="1200" dirty="0" err="1">
+                          <a:solidFill>
+                            <a:schemeClr val="dk1"/>
+                          </a:solidFill>
+                          <a:effectLst/>
+                          <a:latin typeface="+mn-ea"/>
+                          <a:ea typeface="+mn-ea"/>
+                          <a:cs typeface="+mn-cs"/>
+                        </a:rPr>
+                        <a:t>작전실</a:t>
+                      </a:r>
+                      <a:r>
+                        <a:rPr lang="en-US" altLang="ko-KR" sz="1600" b="0" i="0" kern="1200" dirty="0">
+                          <a:solidFill>
+                            <a:schemeClr val="dk1"/>
+                          </a:solidFill>
+                          <a:effectLst/>
+                          <a:latin typeface="+mn-ea"/>
+                          <a:ea typeface="+mn-ea"/>
+                          <a:cs typeface="+mn-cs"/>
+                        </a:rPr>
+                        <a:t>]</a:t>
+                      </a:r>
+                      <a:r>
+                        <a:rPr lang="ko-KR" altLang="en-US" sz="1600" b="0" i="0" kern="1200" dirty="0">
+                          <a:solidFill>
+                            <a:schemeClr val="dk1"/>
+                          </a:solidFill>
+                          <a:effectLst/>
+                          <a:latin typeface="+mn-ea"/>
+                          <a:ea typeface="+mn-ea"/>
+                          <a:cs typeface="+mn-cs"/>
+                        </a:rPr>
+                        <a:t>에 강화 종류 및 비용 표시</a:t>
+                      </a:r>
+                      <a:endParaRPr lang="ko-KR" altLang="en-US" sz="1400" b="0" dirty="0">
                         <a:latin typeface="+mn-ea"/>
                         <a:ea typeface="+mn-ea"/>
                       </a:endParaRPr>
@@ -11207,7 +12163,154 @@
                     <a:lstStyle/>
                     <a:p>
                       <a:pPr algn="ctr" latinLnBrk="1"/>
-                      <a:endParaRPr lang="ko-KR" altLang="en-US" b="0" dirty="0">
+                      <a:r>
+                        <a:rPr lang="en-US" altLang="ko-KR" sz="1600" b="0" i="0" kern="1200" dirty="0">
+                          <a:solidFill>
+                            <a:schemeClr val="dk1"/>
+                          </a:solidFill>
+                          <a:effectLst/>
+                          <a:latin typeface="+mn-ea"/>
+                          <a:ea typeface="+mn-ea"/>
+                          <a:cs typeface="+mn-cs"/>
+                        </a:rPr>
+                        <a:t>[</a:t>
+                      </a:r>
+                      <a:r>
+                        <a:rPr lang="ko-KR" altLang="en-US" sz="1600" b="0" i="0" kern="1200" dirty="0" err="1">
+                          <a:solidFill>
+                            <a:schemeClr val="dk1"/>
+                          </a:solidFill>
+                          <a:effectLst/>
+                          <a:latin typeface="+mn-ea"/>
+                          <a:ea typeface="+mn-ea"/>
+                          <a:cs typeface="+mn-cs"/>
+                        </a:rPr>
+                        <a:t>작전실</a:t>
+                      </a:r>
+                      <a:r>
+                        <a:rPr lang="en-US" altLang="ko-KR" sz="1600" b="0" i="0" kern="1200" dirty="0">
+                          <a:solidFill>
+                            <a:schemeClr val="dk1"/>
+                          </a:solidFill>
+                          <a:effectLst/>
+                          <a:latin typeface="+mn-ea"/>
+                          <a:ea typeface="+mn-ea"/>
+                          <a:cs typeface="+mn-cs"/>
+                        </a:rPr>
+                        <a:t>]</a:t>
+                      </a:r>
+                      <a:r>
+                        <a:rPr lang="ko-KR" altLang="en-US" sz="1600" b="0" i="0" kern="1200" dirty="0">
+                          <a:solidFill>
+                            <a:schemeClr val="dk1"/>
+                          </a:solidFill>
+                          <a:effectLst/>
+                          <a:latin typeface="+mn-ea"/>
+                          <a:ea typeface="+mn-ea"/>
+                          <a:cs typeface="+mn-cs"/>
+                        </a:rPr>
+                        <a:t>에 </a:t>
+                      </a:r>
+                      <a:r>
+                        <a:rPr lang="ko-KR" altLang="en-US" sz="1600" b="0" i="0" kern="1200" dirty="0" err="1">
+                          <a:solidFill>
+                            <a:schemeClr val="dk1"/>
+                          </a:solidFill>
+                          <a:effectLst/>
+                          <a:latin typeface="+mn-ea"/>
+                          <a:ea typeface="+mn-ea"/>
+                          <a:cs typeface="+mn-cs"/>
+                        </a:rPr>
+                        <a:t>강화시</a:t>
+                      </a:r>
+                      <a:r>
+                        <a:rPr lang="ko-KR" altLang="en-US" sz="1600" b="0" i="0" kern="1200" dirty="0">
+                          <a:solidFill>
+                            <a:schemeClr val="dk1"/>
+                          </a:solidFill>
+                          <a:effectLst/>
+                          <a:latin typeface="+mn-ea"/>
+                          <a:ea typeface="+mn-ea"/>
+                          <a:cs typeface="+mn-cs"/>
+                        </a:rPr>
+                        <a:t> 변화되는 것 표시</a:t>
+                      </a:r>
+                      <a:r>
+                        <a:rPr lang="en-US" altLang="ko-KR" sz="1600" b="0" i="0" kern="1200" dirty="0">
+                          <a:solidFill>
+                            <a:schemeClr val="dk1"/>
+                          </a:solidFill>
+                          <a:effectLst/>
+                          <a:latin typeface="+mn-ea"/>
+                          <a:ea typeface="+mn-ea"/>
+                          <a:cs typeface="+mn-cs"/>
+                        </a:rPr>
+                        <a:t> </a:t>
+                      </a:r>
+                    </a:p>
+                    <a:p>
+                      <a:pPr algn="ctr" latinLnBrk="1"/>
+                      <a:r>
+                        <a:rPr lang="ko-KR" altLang="en-US" sz="1600" b="0" i="0" kern="1200" dirty="0">
+                          <a:solidFill>
+                            <a:schemeClr val="dk1"/>
+                          </a:solidFill>
+                          <a:effectLst/>
+                          <a:latin typeface="+mn-ea"/>
+                          <a:ea typeface="+mn-ea"/>
+                          <a:cs typeface="+mn-cs"/>
+                        </a:rPr>
+                        <a:t>비용 </a:t>
+                      </a:r>
+                      <a:r>
+                        <a:rPr lang="ko-KR" altLang="en-US" sz="1600" b="0" i="0" kern="1200" dirty="0" err="1">
+                          <a:solidFill>
+                            <a:schemeClr val="dk1"/>
+                          </a:solidFill>
+                          <a:effectLst/>
+                          <a:latin typeface="+mn-ea"/>
+                          <a:ea typeface="+mn-ea"/>
+                          <a:cs typeface="+mn-cs"/>
+                        </a:rPr>
+                        <a:t>지불시</a:t>
+                      </a:r>
+                      <a:r>
+                        <a:rPr lang="ko-KR" altLang="en-US" sz="1600" b="0" i="0" kern="1200" dirty="0">
+                          <a:solidFill>
+                            <a:schemeClr val="dk1"/>
+                          </a:solidFill>
+                          <a:effectLst/>
+                          <a:latin typeface="+mn-ea"/>
+                          <a:ea typeface="+mn-ea"/>
+                          <a:cs typeface="+mn-cs"/>
+                        </a:rPr>
+                        <a:t> 강화 단계 상승 및 이미지 변경</a:t>
+                      </a:r>
+                      <a:r>
+                        <a:rPr lang="en-US" altLang="ko-KR" sz="1600" b="0" i="0" kern="1200" dirty="0">
+                          <a:solidFill>
+                            <a:schemeClr val="dk1"/>
+                          </a:solidFill>
+                          <a:effectLst/>
+                          <a:latin typeface="+mn-ea"/>
+                          <a:ea typeface="+mn-ea"/>
+                          <a:cs typeface="+mn-cs"/>
+                        </a:rPr>
+                        <a:t>. </a:t>
+                      </a:r>
+                      <a:r>
+                        <a:rPr lang="ko-KR" altLang="en-US" sz="1600" b="0" i="0" kern="1200" dirty="0">
+                          <a:solidFill>
+                            <a:schemeClr val="dk1"/>
+                          </a:solidFill>
+                          <a:effectLst/>
+                          <a:latin typeface="+mn-ea"/>
+                          <a:ea typeface="+mn-ea"/>
+                          <a:cs typeface="+mn-cs"/>
+                        </a:rPr>
+                        <a:t>상승 수치 적용</a:t>
+                      </a:r>
+                      <a:endParaRPr lang="ko-KR" altLang="en-US" sz="1400" b="0" dirty="0">
                         <a:latin typeface="+mn-ea"/>
                         <a:ea typeface="+mn-ea"/>
                       </a:endParaRPr>
@@ -11252,7 +12355,67 @@
                     <a:lstStyle/>
                     <a:p>
                       <a:pPr algn="ctr" latinLnBrk="1"/>
-                      <a:endParaRPr lang="ko-KR" altLang="en-US" b="0" dirty="0">
+                      <a:r>
+                        <a:rPr lang="ko-KR" altLang="en-US" sz="1600" b="0" i="0" kern="1200" dirty="0">
+                          <a:solidFill>
+                            <a:schemeClr val="dk1"/>
+                          </a:solidFill>
+                          <a:effectLst/>
+                          <a:latin typeface="+mn-ea"/>
+                          <a:ea typeface="+mn-ea"/>
+                          <a:cs typeface="+mn-cs"/>
+                        </a:rPr>
+                        <a:t>강적 및 보스</a:t>
+                      </a:r>
+                      <a:r>
+                        <a:rPr lang="en-US" altLang="ko-KR" sz="1600" b="0" i="0" kern="1200" dirty="0">
+                          <a:solidFill>
+                            <a:schemeClr val="dk1"/>
+                          </a:solidFill>
+                          <a:effectLst/>
+                          <a:latin typeface="+mn-ea"/>
+                          <a:ea typeface="+mn-ea"/>
+                          <a:cs typeface="+mn-cs"/>
+                        </a:rPr>
+                        <a:t>(</a:t>
+                      </a:r>
+                      <a:r>
+                        <a:rPr lang="ko-KR" altLang="en-US" sz="1600" b="0" i="0" kern="1200" dirty="0">
+                          <a:solidFill>
+                            <a:schemeClr val="dk1"/>
+                          </a:solidFill>
+                          <a:effectLst/>
+                          <a:latin typeface="+mn-ea"/>
+                          <a:ea typeface="+mn-ea"/>
+                          <a:cs typeface="+mn-cs"/>
+                        </a:rPr>
+                        <a:t>작전 구역 마지막 적</a:t>
+                      </a:r>
+                      <a:r>
+                        <a:rPr lang="en-US" altLang="ko-KR" sz="1600" b="0" i="0" kern="1200" dirty="0">
+                          <a:solidFill>
+                            <a:schemeClr val="dk1"/>
+                          </a:solidFill>
+                          <a:effectLst/>
+                          <a:latin typeface="+mn-ea"/>
+                          <a:ea typeface="+mn-ea"/>
+                          <a:cs typeface="+mn-cs"/>
+                        </a:rPr>
+                        <a:t>) </a:t>
+                      </a:r>
+                      <a:r>
+                        <a:rPr lang="ko-KR" altLang="en-US" sz="1600" b="0" i="0" kern="1200" dirty="0">
+                          <a:solidFill>
+                            <a:schemeClr val="dk1"/>
+                          </a:solidFill>
+                          <a:effectLst/>
+                          <a:latin typeface="+mn-ea"/>
+                          <a:ea typeface="+mn-ea"/>
+                          <a:cs typeface="+mn-cs"/>
+                        </a:rPr>
+                        <a:t>특수 패턴 등 추가사항</a:t>
+                      </a:r>
+                      <a:endParaRPr lang="ko-KR" altLang="en-US" sz="1400" b="0" dirty="0">
                         <a:latin typeface="+mn-ea"/>
                         <a:ea typeface="+mn-ea"/>
                       </a:endParaRPr>
@@ -12399,7 +13562,7 @@
                 <a:effectLst/>
                 <a:latin typeface="+mn-ea"/>
               </a:rPr>
-              <a:t>???</a:t>
+              <a:t>11</a:t>
             </a:r>
           </a:p>
         </p:txBody>
@@ -13679,7 +14842,7 @@
                 <a:effectLst/>
                 <a:latin typeface="+mn-ea"/>
               </a:rPr>
-              <a:t>???</a:t>
+              <a:t>11</a:t>
             </a:r>
           </a:p>
         </p:txBody>
@@ -14917,7 +16080,7 @@
                 <a:effectLst/>
                 <a:latin typeface="+mn-ea"/>
               </a:rPr>
-              <a:t>???</a:t>
+              <a:t>11</a:t>
             </a:r>
           </a:p>
         </p:txBody>
@@ -15976,7 +17139,7 @@
                 <a:effectLst/>
                 <a:latin typeface="+mn-ea"/>
               </a:rPr>
-              <a:t>???</a:t>
+              <a:t>11</a:t>
             </a:r>
           </a:p>
         </p:txBody>
@@ -16680,7 +17843,7 @@
                 <a:effectLst/>
                 <a:latin typeface="+mn-ea"/>
               </a:rPr>
-              <a:t>???</a:t>
+              <a:t>11</a:t>
             </a:r>
           </a:p>
         </p:txBody>
@@ -18470,7 +19633,7 @@
                 <a:effectLst/>
                 <a:latin typeface="+mn-ea"/>
               </a:rPr>
-              <a:t>???</a:t>
+              <a:t>11</a:t>
             </a:r>
           </a:p>
         </p:txBody>
@@ -18895,7 +20058,7 @@
                 <a:effectLst/>
                 <a:latin typeface="+mn-ea"/>
               </a:rPr>
-              <a:t>???</a:t>
+              <a:t>11</a:t>
             </a:r>
           </a:p>
         </p:txBody>
@@ -19629,6 +20792,291 @@
           </a:p>
         </p:txBody>
       </p:sp>
+      <p:sp>
+        <p:nvSpPr>
+          <p:cNvPr id="4" name="내용 개체 틀 2">
+            <a:extLst>
+              <a:ext uri="{FF2B5EF4-FFF2-40B4-BE49-F238E27FC236}">
+                <a16:creationId xmlns:a16="http://schemas.microsoft.com/office/drawing/2014/main" id="{DE1FAD88-4912-9626-5B53-1161BD0D07D6}"/>
+              </a:ext>
+            </a:extLst>
+          </p:cNvPr>
+          <p:cNvSpPr txBox="1">
+            <a:spLocks/>
+          </p:cNvSpPr>
+          <p:nvPr/>
+        </p:nvSpPr>
+        <p:spPr>
+          <a:xfrm>
+            <a:off x="8805647" y="712695"/>
+            <a:ext cx="2268071" cy="428156"/>
+          </a:xfrm>
+          <a:prstGeom prst="rect">
+            <a:avLst/>
+          </a:prstGeom>
+        </p:spPr>
+        <p:txBody>
+          <a:bodyPr vert="horz" lIns="91440" tIns="45720" rIns="91440" bIns="45720" rtlCol="0" anchor="ctr">
+            <a:normAutofit/>
+          </a:bodyPr>
+          <a:lstStyle>
+            <a:lvl1pPr marL="228600" indent="-228600" algn="l" defTabSz="914400" rtl="0" eaLnBrk="1" latinLnBrk="1" hangingPunct="1">
+              <a:lnSpc>
+                <a:spcPct val="120000"/>
+              </a:lnSpc>
+              <a:spcBef>
+                <a:spcPts val="1000"/>
+              </a:spcBef>
+              <a:buClr>
+                <a:schemeClr val="accent1">
+                  <a:lumMod val="60000"/>
+                  <a:lumOff val="40000"/>
+                </a:schemeClr>
+              </a:buClr>
+              <a:buSzPct val="160000"/>
+              <a:buFont typeface="Arial" panose="020B0604020202020204" pitchFamily="34" charset="0"/>
+              <a:buChar char="•"/>
+              <a:defRPr sz="2000" kern="1200" cap="all" baseline="0">
+                <a:solidFill>
+                  <a:schemeClr val="tx1"/>
+                </a:solidFill>
+                <a:effectLst/>
+                <a:latin typeface="+mn-lt"/>
+                <a:ea typeface="+mn-ea"/>
+                <a:cs typeface="+mn-cs"/>
+              </a:defRPr>
+            </a:lvl1pPr>
+            <a:lvl2pPr marL="685800" indent="-228600" algn="l" defTabSz="914400" rtl="0" eaLnBrk="1" latinLnBrk="1" hangingPunct="1">
+              <a:lnSpc>
+                <a:spcPct val="120000"/>
+              </a:lnSpc>
+              <a:spcBef>
+                <a:spcPts val="500"/>
+              </a:spcBef>
+              <a:buClr>
+                <a:schemeClr val="accent1">
+                  <a:lumMod val="60000"/>
+                  <a:lumOff val="40000"/>
+                </a:schemeClr>
+              </a:buClr>
+              <a:buSzPct val="160000"/>
+              <a:buFont typeface="Arial" panose="020B0604020202020204" pitchFamily="34" charset="0"/>
+              <a:buChar char="•"/>
+              <a:defRPr sz="1800" kern="1200" cap="all" baseline="0">
+                <a:solidFill>
+                  <a:schemeClr val="tx1"/>
+                </a:solidFill>
+                <a:effectLst/>
+                <a:latin typeface="+mn-lt"/>
+                <a:ea typeface="+mn-ea"/>
+                <a:cs typeface="+mn-cs"/>
+              </a:defRPr>
+            </a:lvl2pPr>
+            <a:lvl3pPr marL="1143000" indent="-228600" algn="l" defTabSz="914400" rtl="0" eaLnBrk="1" latinLnBrk="1" hangingPunct="1">
+              <a:lnSpc>
+                <a:spcPct val="120000"/>
+              </a:lnSpc>
+              <a:spcBef>
+                <a:spcPts val="500"/>
+              </a:spcBef>
+              <a:buClr>
+                <a:schemeClr val="accent1">
+                  <a:lumMod val="60000"/>
+                  <a:lumOff val="40000"/>
+                </a:schemeClr>
+              </a:buClr>
+              <a:buSzPct val="160000"/>
+              <a:buFont typeface="Arial" panose="020B0604020202020204" pitchFamily="34" charset="0"/>
+              <a:buChar char="•"/>
+              <a:defRPr sz="1600" kern="1200" cap="all" baseline="0">
+                <a:solidFill>
+                  <a:schemeClr val="tx1"/>
+                </a:solidFill>
+                <a:effectLst/>
+                <a:latin typeface="+mn-lt"/>
+                <a:ea typeface="+mn-ea"/>
+                <a:cs typeface="+mn-cs"/>
+              </a:defRPr>
+            </a:lvl3pPr>
+            <a:lvl4pPr marL="1600200" indent="-228600" algn="l" defTabSz="914400" rtl="0" eaLnBrk="1" latinLnBrk="1" hangingPunct="1">
+              <a:lnSpc>
+                <a:spcPct val="120000"/>
+              </a:lnSpc>
+              <a:spcBef>
+                <a:spcPts val="500"/>
+              </a:spcBef>
+              <a:buClr>
+                <a:schemeClr val="accent1">
+                  <a:lumMod val="60000"/>
+                  <a:lumOff val="40000"/>
+                </a:schemeClr>
+              </a:buClr>
+              <a:buSzPct val="160000"/>
+              <a:buFont typeface="Arial" panose="020B0604020202020204" pitchFamily="34" charset="0"/>
+              <a:buChar char="•"/>
+              <a:defRPr sz="1400" kern="1200" cap="all" baseline="0">
+                <a:solidFill>
+                  <a:schemeClr val="tx1"/>
+                </a:solidFill>
+                <a:effectLst/>
+                <a:latin typeface="+mn-lt"/>
+                <a:ea typeface="+mn-ea"/>
+                <a:cs typeface="+mn-cs"/>
+              </a:defRPr>
+            </a:lvl4pPr>
+            <a:lvl5pPr marL="2057400" indent="-228600" algn="l" defTabSz="914400" rtl="0" eaLnBrk="1" latinLnBrk="1" hangingPunct="1">
+              <a:lnSpc>
+                <a:spcPct val="120000"/>
+              </a:lnSpc>
+              <a:spcBef>
+                <a:spcPts val="500"/>
+              </a:spcBef>
+              <a:buClr>
+                <a:schemeClr val="accent1">
+                  <a:lumMod val="60000"/>
+                  <a:lumOff val="40000"/>
+                </a:schemeClr>
+              </a:buClr>
+              <a:buSzPct val="160000"/>
+              <a:buFont typeface="Arial" panose="020B0604020202020204" pitchFamily="34" charset="0"/>
+              <a:buChar char="•"/>
+              <a:defRPr sz="1400" kern="1200" cap="all" baseline="0">
+                <a:solidFill>
+                  <a:schemeClr val="tx1"/>
+                </a:solidFill>
+                <a:effectLst/>
+                <a:latin typeface="+mn-lt"/>
+                <a:ea typeface="+mn-ea"/>
+                <a:cs typeface="+mn-cs"/>
+              </a:defRPr>
+            </a:lvl5pPr>
+            <a:lvl6pPr marL="2514600" indent="-228600" algn="l" defTabSz="914400" rtl="0" eaLnBrk="1" latinLnBrk="1" hangingPunct="1">
+              <a:lnSpc>
+                <a:spcPct val="120000"/>
+              </a:lnSpc>
+              <a:spcBef>
+                <a:spcPts val="500"/>
+              </a:spcBef>
+              <a:buClr>
+                <a:schemeClr val="accent1">
+                  <a:lumMod val="60000"/>
+                  <a:lumOff val="40000"/>
+                </a:schemeClr>
+              </a:buClr>
+              <a:buSzPct val="160000"/>
+              <a:buFont typeface="Arial" panose="020B0604020202020204" pitchFamily="34" charset="0"/>
+              <a:buChar char="•"/>
+              <a:defRPr sz="1400" kern="1200" cap="all" baseline="0">
+                <a:solidFill>
+                  <a:schemeClr val="tx1"/>
+                </a:solidFill>
+                <a:effectLst/>
+                <a:latin typeface="+mn-lt"/>
+                <a:ea typeface="+mn-ea"/>
+                <a:cs typeface="+mn-cs"/>
+              </a:defRPr>
+            </a:lvl6pPr>
+            <a:lvl7pPr marL="2971800" indent="-228600" algn="l" defTabSz="914400" rtl="0" eaLnBrk="1" latinLnBrk="1" hangingPunct="1">
+              <a:lnSpc>
+                <a:spcPct val="120000"/>
+              </a:lnSpc>
+              <a:spcBef>
+                <a:spcPts val="500"/>
+              </a:spcBef>
+              <a:buClr>
+                <a:schemeClr val="accent1">
+                  <a:lumMod val="60000"/>
+                  <a:lumOff val="40000"/>
+                </a:schemeClr>
+              </a:buClr>
+              <a:buSzPct val="160000"/>
+              <a:buFont typeface="Arial" panose="020B0604020202020204" pitchFamily="34" charset="0"/>
+              <a:buChar char="•"/>
+              <a:defRPr sz="1400" kern="1200" cap="all" baseline="0">
+                <a:solidFill>
+                  <a:schemeClr val="tx1"/>
+                </a:solidFill>
+                <a:effectLst/>
+                <a:latin typeface="+mn-lt"/>
+                <a:ea typeface="+mn-ea"/>
+                <a:cs typeface="+mn-cs"/>
+              </a:defRPr>
+            </a:lvl7pPr>
+            <a:lvl8pPr marL="3429000" indent="-228600" algn="l" defTabSz="914400" rtl="0" eaLnBrk="1" latinLnBrk="1" hangingPunct="1">
+              <a:lnSpc>
+                <a:spcPct val="120000"/>
+              </a:lnSpc>
+              <a:spcBef>
+                <a:spcPts val="500"/>
+              </a:spcBef>
+              <a:buClr>
+                <a:schemeClr val="accent1">
+                  <a:lumMod val="60000"/>
+                  <a:lumOff val="40000"/>
+                </a:schemeClr>
+              </a:buClr>
+              <a:buSzPct val="160000"/>
+              <a:buFont typeface="Arial" panose="020B0604020202020204" pitchFamily="34" charset="0"/>
+              <a:buChar char="•"/>
+              <a:defRPr sz="1400" kern="1200" cap="all" baseline="0">
+                <a:solidFill>
+                  <a:schemeClr val="tx1"/>
+                </a:solidFill>
+                <a:effectLst/>
+                <a:latin typeface="+mn-lt"/>
+                <a:ea typeface="+mn-ea"/>
+                <a:cs typeface="+mn-cs"/>
+              </a:defRPr>
+            </a:lvl8pPr>
+            <a:lvl9pPr marL="3886200" indent="-228600" algn="l" defTabSz="914400" rtl="0" eaLnBrk="1" latinLnBrk="1" hangingPunct="1">
+              <a:lnSpc>
+                <a:spcPct val="120000"/>
+              </a:lnSpc>
+              <a:spcBef>
+                <a:spcPts val="500"/>
+              </a:spcBef>
+              <a:buClr>
+                <a:schemeClr val="accent1">
+                  <a:lumMod val="60000"/>
+                  <a:lumOff val="40000"/>
+                </a:schemeClr>
+              </a:buClr>
+              <a:buSzPct val="160000"/>
+              <a:buFont typeface="Arial" panose="020B0604020202020204" pitchFamily="34" charset="0"/>
+              <a:buChar char="•"/>
+              <a:defRPr sz="1400" kern="1200" cap="all" baseline="0">
+                <a:solidFill>
+                  <a:schemeClr val="tx1"/>
+                </a:solidFill>
+                <a:effectLst/>
+                <a:latin typeface="+mn-lt"/>
+                <a:ea typeface="+mn-ea"/>
+                <a:cs typeface="+mn-cs"/>
+              </a:defRPr>
+            </a:lvl9pPr>
+          </a:lstStyle>
+          <a:p>
+            <a:pPr marL="0" indent="0">
+              <a:buNone/>
+            </a:pPr>
+            <a:r>
+              <a:rPr lang="en-US" altLang="ko-KR" sz="1800" dirty="0">
+                <a:latin typeface="Segoe UI" panose="020B0502040204020203" pitchFamily="34" charset="0"/>
+              </a:rPr>
+              <a:t>* </a:t>
+            </a:r>
+            <a:r>
+              <a:rPr lang="ko-KR" altLang="en-US" sz="1800" dirty="0">
+                <a:latin typeface="Segoe UI" panose="020B0502040204020203" pitchFamily="34" charset="0"/>
+              </a:rPr>
+              <a:t>임시 이미지입니다</a:t>
+            </a:r>
+            <a:endParaRPr lang="en-US" altLang="ko-KR" sz="1800" dirty="0">
+              <a:latin typeface="Segoe UI" panose="020B0502040204020203" pitchFamily="34" charset="0"/>
+            </a:endParaRPr>
+          </a:p>
+        </p:txBody>
+      </p:sp>
     </p:spTree>
     <p:extLst>
       <p:ext uri="{BB962C8B-B14F-4D97-AF65-F5344CB8AC3E}">
@@ -20049,7 +21497,7 @@
                 <a:effectLst/>
                 <a:latin typeface="+mn-ea"/>
               </a:rPr>
-              <a:t>???</a:t>
+              <a:t>11</a:t>
             </a:r>
           </a:p>
         </p:txBody>

--- a/SPGP 1차 발표.pptx
+++ b/SPGP 1차 발표.pptx
@@ -13748,7 +13748,10 @@
               <a:buNone/>
             </a:pPr>
             <a:r>
-              <a:rPr lang="ko-KR" altLang="en-US" sz="1600" i="0" dirty="0" err="1">
+              <a:rPr lang="ko-KR" altLang="en-US" sz="1600" b="1" i="0" dirty="0" err="1">
+                <a:solidFill>
+                  <a:srgbClr val="7030A0"/>
+                </a:solidFill>
                 <a:effectLst/>
                 <a:latin typeface="+mn-ea"/>
               </a:rPr>
@@ -14447,7 +14450,10 @@
               <a:t>[</a:t>
             </a:r>
             <a:r>
-              <a:rPr lang="ko-KR" altLang="en-US" sz="1600" i="0" dirty="0">
+              <a:rPr lang="ko-KR" altLang="en-US" sz="1600" b="1" i="0" dirty="0">
+                <a:solidFill>
+                  <a:srgbClr val="7030A0"/>
+                </a:solidFill>
                 <a:effectLst/>
                 <a:latin typeface="+mn-ea"/>
               </a:rPr>
@@ -15639,7 +15645,10 @@
               <a:t>[</a:t>
             </a:r>
             <a:r>
-              <a:rPr lang="ko-KR" altLang="en-US" sz="1700" dirty="0" err="1">
+              <a:rPr lang="ko-KR" altLang="en-US" sz="1700" b="1" dirty="0" err="1">
+                <a:solidFill>
+                  <a:srgbClr val="C00000"/>
+                </a:solidFill>
                 <a:latin typeface="Segoe UI" panose="020B0502040204020203" pitchFamily="34" charset="0"/>
               </a:rPr>
               <a:t>실차령</a:t>
